--- a/lectures/18.solid/Принципы SOLID.pptx
+++ b/lectures/18.solid/Принципы SOLID.pptx
@@ -140,7 +140,7 @@
   </p:defaultTextStyle>
   <p:extLst>
     <p:ext uri="{EFAFB233-063F-42B5-8137-9DF3F51BA10A}">
-      <p15:sldGuideLst xmlns="" xmlns:p15="http://schemas.microsoft.com/office/powerpoint/2012/main"/>
+      <p15:sldGuideLst xmlns:p15="http://schemas.microsoft.com/office/powerpoint/2012/main" xmlns=""/>
     </p:ext>
   </p:extLst>
 </p:presentation>
@@ -549,43 +549,7 @@
           <a:bodyPr/>
           <a:lstStyle/>
           <a:p>
-            <a:r>
-              <a:rPr lang="ru-RU" dirty="0" smtClean="0"/>
-              <a:t>Привет всем! Сегодня я собираюсь поговорить на тему «Принципы </a:t>
-            </a:r>
-            <a:r>
-              <a:rPr lang="en-US" dirty="0" smtClean="0"/>
-              <a:t>SO’LID</a:t>
-            </a:r>
-            <a:r>
-              <a:rPr lang="ru-RU" dirty="0" smtClean="0"/>
-              <a:t>».</a:t>
-            </a:r>
             <a:endParaRPr lang="en-US" dirty="0" smtClean="0"/>
-          </a:p>
-          <a:p>
-            <a:endParaRPr lang="ru-RU" dirty="0" smtClean="0"/>
-          </a:p>
-          <a:p>
-            <a:r>
-              <a:rPr lang="en-US" dirty="0" smtClean="0"/>
-              <a:t>S</a:t>
-            </a:r>
-            <a:r>
-              <a:rPr lang="en-US" b="1" u="sng" dirty="0" smtClean="0"/>
-              <a:t>O</a:t>
-            </a:r>
-            <a:r>
-              <a:rPr lang="en-US" dirty="0" smtClean="0"/>
-              <a:t>LID</a:t>
-            </a:r>
-            <a:endParaRPr lang="ru-RU" dirty="0" smtClean="0"/>
-          </a:p>
-          <a:p>
-            <a:r>
-              <a:rPr lang="ru-RU" dirty="0" smtClean="0"/>
-              <a:t>Не говорить «ну»</a:t>
-            </a:r>
           </a:p>
         </p:txBody>
       </p:sp>
@@ -2575,31 +2539,13 @@
             </a:pPr>
             <a:r>
               <a:rPr lang="ru-RU" baseline="0" dirty="0" smtClean="0"/>
-              <a:t>Узнаем, для чего нужны принципы</a:t>
-            </a:r>
-          </a:p>
-          <a:p>
-            <a:pPr marL="0" marR="0" indent="0" algn="l" defTabSz="914400" rtl="0" eaLnBrk="1" fontAlgn="auto" latinLnBrk="0" hangingPunct="1">
-              <a:lnSpc>
-                <a:spcPct val="100000"/>
-              </a:lnSpc>
-              <a:spcBef>
-                <a:spcPts val="0"/>
-              </a:spcBef>
-              <a:spcAft>
-                <a:spcPts val="0"/>
-              </a:spcAft>
-              <a:buClrTx/>
-              <a:buSzTx/>
-              <a:buFontTx/>
-              <a:buNone/>
-              <a:tabLst/>
-              <a:defRPr/>
-            </a:pPr>
+              <a:t>Узнаем, для чего нужны </a:t>
+            </a:r>
             <a:r>
               <a:rPr lang="ru-RU" baseline="0" dirty="0" smtClean="0"/>
-              <a:t>И рассмотрим практику применения принципов в нашей компании</a:t>
-            </a:r>
+              <a:t>принципы</a:t>
+            </a:r>
+            <a:endParaRPr lang="ru-RU" baseline="0" dirty="0" smtClean="0"/>
           </a:p>
         </p:txBody>
       </p:sp>
@@ -11437,34 +11383,13 @@
           <a:p>
             <a:r>
               <a:rPr lang="ru-RU" dirty="0" smtClean="0"/>
-              <a:t>Клиенты не должны зависеть от методов, </a:t>
-            </a:r>
+              <a:t>Клиенты не должны зависеть от методов, которые они не используют</a:t>
+            </a:r>
+          </a:p>
+          <a:p>
             <a:r>
               <a:rPr lang="ru-RU" dirty="0" smtClean="0"/>
-              <a:t>которые они </a:t>
-            </a:r>
-            <a:r>
-              <a:rPr lang="ru-RU" dirty="0" smtClean="0"/>
-              <a:t>не используют</a:t>
-            </a:r>
-            <a:endParaRPr lang="ru-RU" dirty="0" smtClean="0"/>
-          </a:p>
-          <a:p>
-            <a:r>
-              <a:rPr lang="ru-RU" dirty="0" smtClean="0"/>
-              <a:t>Несколько специализированных интерфейсов лучше, </a:t>
-            </a:r>
-            <a:r>
-              <a:rPr lang="ru-RU" dirty="0" smtClean="0"/>
-              <a:t>одного </a:t>
-            </a:r>
-            <a:r>
-              <a:rPr lang="ru-RU" dirty="0" smtClean="0"/>
-              <a:t>«</a:t>
-            </a:r>
-            <a:r>
-              <a:rPr lang="ru-RU" dirty="0" smtClean="0"/>
-              <a:t>толстого»</a:t>
+              <a:t>Несколько специализированных интерфейсов лучше, одного «толстого»</a:t>
             </a:r>
             <a:endParaRPr lang="en-US" dirty="0" smtClean="0"/>
           </a:p>
@@ -11915,7 +11840,7 @@
           <a:p>
             <a:r>
               <a:rPr lang="ru-RU" dirty="0" smtClean="0"/>
-              <a:t>Программа обсуждения</a:t>
+              <a:t>Содержание</a:t>
             </a:r>
             <a:endParaRPr lang="ru-RU" dirty="0"/>
           </a:p>
@@ -18635,7 +18560,7 @@
   <a:extraClrSchemeLst/>
   <a:extLst>
     <a:ext uri="{05A4C25C-085E-4340-85A3-A5531E510DB2}">
-      <thm15:themeFamily xmlns="" xmlns:thm15="http://schemas.microsoft.com/office/thememl/2012/main" name="Office Theme" id="{62F939B6-93AF-4DB8-9C6B-D6C7DFDC589F}" vid="{4A3C46E8-61CC-4603-A589-7422A47A8E4A}"/>
+      <thm15:themeFamily xmlns:thm15="http://schemas.microsoft.com/office/thememl/2012/main" xmlns="" name="Office Theme" id="{62F939B6-93AF-4DB8-9C6B-D6C7DFDC589F}" vid="{4A3C46E8-61CC-4603-A589-7422A47A8E4A}"/>
     </a:ext>
   </a:extLst>
 </a:theme>
@@ -18896,7 +18821,7 @@
   <a:extraClrSchemeLst/>
   <a:extLst>
     <a:ext uri="{05A4C25C-085E-4340-85A3-A5531E510DB2}">
-      <thm15:themeFamily xmlns="" xmlns:thm15="http://schemas.microsoft.com/office/thememl/2012/main" name="Office Theme" id="{62F939B6-93AF-4DB8-9C6B-D6C7DFDC589F}" vid="{4A3C46E8-61CC-4603-A589-7422A47A8E4A}"/>
+      <thm15:themeFamily xmlns:thm15="http://schemas.microsoft.com/office/thememl/2012/main" xmlns="" name="Office Theme" id="{62F939B6-93AF-4DB8-9C6B-D6C7DFDC589F}" vid="{4A3C46E8-61CC-4603-A589-7422A47A8E4A}"/>
     </a:ext>
   </a:extLst>
 </a:theme>

--- a/lectures/18.solid/Принципы SOLID.pptx
+++ b/lectures/18.solid/Принципы SOLID.pptx
@@ -5,7 +5,7 @@
     <p:sldMasterId id="2147483648" r:id="rId1"/>
   </p:sldMasterIdLst>
   <p:notesMasterIdLst>
-    <p:notesMasterId r:id="rId34"/>
+    <p:notesMasterId r:id="rId35"/>
   </p:notesMasterIdLst>
   <p:sldIdLst>
     <p:sldId id="256" r:id="rId2"/>
@@ -25,21 +25,22 @@
     <p:sldId id="292" r:id="rId16"/>
     <p:sldId id="317" r:id="rId17"/>
     <p:sldId id="313" r:id="rId18"/>
-    <p:sldId id="310" r:id="rId19"/>
-    <p:sldId id="272" r:id="rId20"/>
-    <p:sldId id="318" r:id="rId21"/>
-    <p:sldId id="319" r:id="rId22"/>
-    <p:sldId id="311" r:id="rId23"/>
-    <p:sldId id="312" r:id="rId24"/>
-    <p:sldId id="305" r:id="rId25"/>
-    <p:sldId id="279" r:id="rId26"/>
-    <p:sldId id="322" r:id="rId27"/>
-    <p:sldId id="320" r:id="rId28"/>
-    <p:sldId id="321" r:id="rId29"/>
-    <p:sldId id="306" r:id="rId30"/>
-    <p:sldId id="259" r:id="rId31"/>
-    <p:sldId id="285" r:id="rId32"/>
-    <p:sldId id="286" r:id="rId33"/>
+    <p:sldId id="323" r:id="rId19"/>
+    <p:sldId id="310" r:id="rId20"/>
+    <p:sldId id="272" r:id="rId21"/>
+    <p:sldId id="318" r:id="rId22"/>
+    <p:sldId id="319" r:id="rId23"/>
+    <p:sldId id="311" r:id="rId24"/>
+    <p:sldId id="312" r:id="rId25"/>
+    <p:sldId id="305" r:id="rId26"/>
+    <p:sldId id="279" r:id="rId27"/>
+    <p:sldId id="322" r:id="rId28"/>
+    <p:sldId id="320" r:id="rId29"/>
+    <p:sldId id="321" r:id="rId30"/>
+    <p:sldId id="306" r:id="rId31"/>
+    <p:sldId id="259" r:id="rId32"/>
+    <p:sldId id="285" r:id="rId33"/>
+    <p:sldId id="286" r:id="rId34"/>
   </p:sldIdLst>
   <p:sldSz cx="12192000" cy="6858000"/>
   <p:notesSz cx="6858000" cy="9144000"/>
@@ -140,7 +141,18 @@
   </p:defaultTextStyle>
   <p:extLst>
     <p:ext uri="{EFAFB233-063F-42B5-8137-9DF3F51BA10A}">
-      <p15:sldGuideLst xmlns:p15="http://schemas.microsoft.com/office/powerpoint/2012/main" xmlns=""/>
+      <p15:sldGuideLst xmlns:p15="http://schemas.microsoft.com/office/powerpoint/2012/main">
+        <p15:guide id="1" orient="horz" pos="2160">
+          <p15:clr>
+            <a:srgbClr val="A4A3A4"/>
+          </p15:clr>
+        </p15:guide>
+        <p15:guide id="2" pos="3840">
+          <p15:clr>
+            <a:srgbClr val="A4A3A4"/>
+          </p15:clr>
+        </p15:guide>
+      </p15:sldGuideLst>
     </p:ext>
   </p:extLst>
 </p:presentation>
@@ -148,9 +160,7 @@
 
 <file path=ppt/commentAuthors.xml><?xml version="1.0" encoding="utf-8"?>
 <p:cmAuthorLst xmlns:a="http://schemas.openxmlformats.org/drawingml/2006/main" xmlns:r="http://schemas.openxmlformats.org/officeDocument/2006/relationships" xmlns:p="http://schemas.openxmlformats.org/presentationml/2006/main">
-  <p:cmAuthor id="1" name="Пользователь Windows" initials="ПW" lastIdx="154" clrIdx="0">
-    <p:extLst/>
-  </p:cmAuthor>
+  <p:cmAuthor id="1" name="Пользователь Windows" initials="ПW" lastIdx="154" clrIdx="0"/>
   <p:cmAuthor id="2" name="Алексей Малов" initials="АМ" lastIdx="2" clrIdx="1"/>
 </p:cmAuthorLst>
 </file>
@@ -237,7 +247,7 @@
           <a:p>
             <a:fld id="{1F452FF6-3607-4C4E-A116-BCC07DF7B9AE}" type="datetimeFigureOut">
               <a:rPr lang="ru-RU" smtClean="0"/>
-              <a:t>07.05.2020</a:t>
+              <a:t>21.12.2022</a:t>
             </a:fld>
             <a:endParaRPr lang="ru-RU"/>
           </a:p>
@@ -301,38 +311,37 @@
           <a:p>
             <a:pPr lvl="0"/>
             <a:r>
-              <a:rPr lang="ru-RU" smtClean="0"/>
+              <a:rPr lang="ru-RU"/>
               <a:t>Образец текста</a:t>
             </a:r>
           </a:p>
           <a:p>
             <a:pPr lvl="1"/>
             <a:r>
-              <a:rPr lang="ru-RU" smtClean="0"/>
+              <a:rPr lang="ru-RU"/>
               <a:t>Второй уровень</a:t>
             </a:r>
           </a:p>
           <a:p>
             <a:pPr lvl="2"/>
             <a:r>
-              <a:rPr lang="ru-RU" smtClean="0"/>
+              <a:rPr lang="ru-RU"/>
               <a:t>Третий уровень</a:t>
             </a:r>
           </a:p>
           <a:p>
             <a:pPr lvl="3"/>
             <a:r>
-              <a:rPr lang="ru-RU" smtClean="0"/>
+              <a:rPr lang="ru-RU"/>
               <a:t>Четвертый уровень</a:t>
             </a:r>
           </a:p>
           <a:p>
             <a:pPr lvl="4"/>
             <a:r>
-              <a:rPr lang="ru-RU" smtClean="0"/>
+              <a:rPr lang="ru-RU"/>
               <a:t>Пятый уровень</a:t>
             </a:r>
-            <a:endParaRPr lang="ru-RU"/>
           </a:p>
         </p:txBody>
       </p:sp>
@@ -549,7 +558,7 @@
           <a:bodyPr/>
           <a:lstStyle/>
           <a:p>
-            <a:endParaRPr lang="en-US" dirty="0" smtClean="0"/>
+            <a:endParaRPr lang="en-US" dirty="0"/>
           </a:p>
         </p:txBody>
       </p:sp>
@@ -633,85 +642,7 @@
           <a:bodyPr/>
           <a:lstStyle/>
           <a:p>
-            <a:r>
-              <a:rPr lang="ru-RU" baseline="0" dirty="0" smtClean="0"/>
-              <a:t>Перед вами класс </a:t>
-            </a:r>
-            <a:r>
-              <a:rPr lang="en-US" baseline="0" dirty="0" err="1" smtClean="0"/>
-              <a:t>PNGImageEncoder</a:t>
-            </a:r>
-            <a:endParaRPr lang="en-US" baseline="0" dirty="0" smtClean="0"/>
-          </a:p>
-          <a:p>
-            <a:r>
-              <a:rPr lang="en-US" baseline="0" dirty="0" smtClean="0"/>
-              <a:t>[T]</a:t>
-            </a:r>
-            <a:endParaRPr lang="ru-RU" baseline="0" dirty="0" smtClean="0"/>
-          </a:p>
-          <a:p>
-            <a:r>
-              <a:rPr lang="ru-RU" baseline="0" dirty="0" smtClean="0"/>
-              <a:t>Можно сохранить </a:t>
-            </a:r>
-            <a:r>
-              <a:rPr lang="en-US" baseline="0" dirty="0" smtClean="0"/>
-              <a:t>Bitmap </a:t>
-            </a:r>
-            <a:r>
-              <a:rPr lang="ru-RU" baseline="0" dirty="0" smtClean="0"/>
-              <a:t>только в файл; нельзя, например, сохранить его в память, не изменив </a:t>
-            </a:r>
-            <a:r>
-              <a:rPr lang="en-US" baseline="0" dirty="0" err="1" smtClean="0"/>
-              <a:t>PNGImageEncoder</a:t>
-            </a:r>
-            <a:r>
-              <a:rPr lang="en-US" baseline="0" dirty="0" smtClean="0"/>
-              <a:t>.</a:t>
-            </a:r>
-            <a:r>
-              <a:rPr lang="ru-RU" baseline="0" dirty="0" smtClean="0"/>
-              <a:t> Это может потребоваться для того, чтобы узнать размер закодированного изображения или выполнить </a:t>
-            </a:r>
-            <a:r>
-              <a:rPr lang="ru-RU" baseline="0" dirty="0" err="1" smtClean="0"/>
-              <a:t>предпросмотр</a:t>
-            </a:r>
-            <a:r>
-              <a:rPr lang="ru-RU" baseline="0" dirty="0" smtClean="0"/>
-              <a:t> </a:t>
-            </a:r>
-            <a:r>
-              <a:rPr lang="en-US" baseline="0" dirty="0" smtClean="0"/>
-              <a:t>jpeg </a:t>
-            </a:r>
-            <a:r>
-              <a:rPr lang="ru-RU" baseline="0" dirty="0" smtClean="0"/>
-              <a:t>с выбранным качеством без сохранения в файл.</a:t>
-            </a:r>
-          </a:p>
-          <a:p>
-            <a:endParaRPr lang="ru-RU" baseline="0" dirty="0" smtClean="0"/>
-          </a:p>
-          <a:p>
-            <a:r>
-              <a:rPr lang="ru-RU" baseline="0" dirty="0" smtClean="0"/>
-              <a:t>Как вы думаете, как можно исправить данное нарушение?</a:t>
-            </a:r>
-          </a:p>
-          <a:p>
-            <a:r>
-              <a:rPr lang="ru-RU" baseline="0" dirty="0" smtClean="0"/>
-              <a:t>…</a:t>
-            </a:r>
-          </a:p>
-          <a:p>
-            <a:r>
-              <a:rPr lang="ru-RU" baseline="0" dirty="0" smtClean="0"/>
-              <a:t>// Ответ на следующем слайде</a:t>
-            </a:r>
+            <a:endParaRPr lang="ru-RU" baseline="0" dirty="0"/>
           </a:p>
         </p:txBody>
       </p:sp>
@@ -813,31 +744,31 @@
               <a:defRPr/>
             </a:pPr>
             <a:r>
-              <a:rPr lang="ru-RU" baseline="0" dirty="0" smtClean="0"/>
+              <a:rPr lang="ru-RU" baseline="0" dirty="0"/>
               <a:t>Мы изменили тип аргумента - теперь метод </a:t>
             </a:r>
             <a:r>
-              <a:rPr lang="en-US" baseline="0" dirty="0" err="1" smtClean="0"/>
+              <a:rPr lang="en-US" baseline="0" dirty="0" err="1"/>
               <a:t>SaveBitmap</a:t>
             </a:r>
             <a:r>
-              <a:rPr lang="en-US" baseline="0" dirty="0" smtClean="0"/>
+              <a:rPr lang="en-US" baseline="0" dirty="0"/>
               <a:t> </a:t>
             </a:r>
             <a:r>
-              <a:rPr lang="ru-RU" baseline="0" dirty="0" smtClean="0"/>
+              <a:rPr lang="ru-RU" baseline="0" dirty="0"/>
               <a:t>принимает не путь к файлу для сохранения, а выходной поток</a:t>
             </a:r>
             <a:r>
-              <a:rPr lang="en-US" baseline="0" dirty="0" smtClean="0"/>
+              <a:rPr lang="en-US" baseline="0" dirty="0"/>
               <a:t> </a:t>
             </a:r>
             <a:r>
-              <a:rPr lang="en-US" baseline="0" dirty="0" err="1" smtClean="0"/>
+              <a:rPr lang="en-US" baseline="0" dirty="0" err="1"/>
               <a:t>OutputStream</a:t>
             </a:r>
             <a:r>
-              <a:rPr lang="ru-RU" baseline="0" dirty="0" smtClean="0"/>
+              <a:rPr lang="ru-RU" baseline="0" dirty="0"/>
               <a:t>. Поток и зависимость от него также показаны на слайде. Использование потока позволяет использовать метод как для сохранения данных в память, так и в файл.</a:t>
             </a:r>
           </a:p>
@@ -859,7 +790,7 @@
               <a:tabLst/>
               <a:defRPr/>
             </a:pPr>
-            <a:endParaRPr lang="ru-RU" baseline="0" dirty="0" smtClean="0"/>
+            <a:endParaRPr lang="ru-RU" baseline="0" dirty="0"/>
           </a:p>
         </p:txBody>
       </p:sp>
@@ -944,42 +875,42 @@
           <a:lstStyle/>
           <a:p>
             <a:r>
-              <a:rPr lang="ru-RU" dirty="0" smtClean="0"/>
+              <a:rPr lang="ru-RU" dirty="0"/>
               <a:t>Теперь, для</a:t>
             </a:r>
             <a:r>
-              <a:rPr lang="ru-RU" baseline="0" dirty="0" smtClean="0"/>
+              <a:rPr lang="ru-RU" baseline="0" dirty="0"/>
               <a:t> изменения места хранения данных не нужно вносить изменения в класс </a:t>
             </a:r>
             <a:r>
-              <a:rPr lang="en-US" baseline="0" dirty="0" err="1" smtClean="0"/>
+              <a:rPr lang="en-US" baseline="0" dirty="0" err="1"/>
               <a:t>PngImageEncoder</a:t>
             </a:r>
             <a:r>
-              <a:rPr lang="en-US" baseline="0" dirty="0" smtClean="0"/>
+              <a:rPr lang="en-US" baseline="0" dirty="0"/>
               <a:t>.</a:t>
             </a:r>
             <a:r>
-              <a:rPr lang="ru-RU" baseline="0" dirty="0" smtClean="0"/>
+              <a:rPr lang="ru-RU" baseline="0" dirty="0"/>
               <a:t> Код </a:t>
             </a:r>
             <a:r>
-              <a:rPr lang="en-US" baseline="0" dirty="0" err="1" smtClean="0"/>
+              <a:rPr lang="en-US" baseline="0" dirty="0" err="1"/>
               <a:t>PngImageEncoder</a:t>
             </a:r>
             <a:r>
-              <a:rPr lang="en-US" baseline="0" dirty="0" smtClean="0"/>
+              <a:rPr lang="en-US" baseline="0" dirty="0"/>
               <a:t> </a:t>
             </a:r>
             <a:r>
-              <a:rPr lang="ru-RU" baseline="0" dirty="0" smtClean="0"/>
+              <a:rPr lang="ru-RU" baseline="0" dirty="0"/>
               <a:t>стал закрыт для внесения изменений и, при этом, открыт для расширения. Если понадобится добавить иной способ хранения сохраненного изображения (например, в оперативной памяти), мы просто должны будем добавить нужную реализацию интерфейса </a:t>
             </a:r>
             <a:r>
-              <a:rPr lang="en-US" baseline="0" dirty="0" err="1" smtClean="0"/>
+              <a:rPr lang="en-US" baseline="0" dirty="0" err="1"/>
               <a:t>OutputStream</a:t>
             </a:r>
-            <a:endParaRPr lang="ru-RU" dirty="0" smtClean="0"/>
+            <a:endParaRPr lang="ru-RU" dirty="0"/>
           </a:p>
         </p:txBody>
       </p:sp>
@@ -1080,116 +1011,7 @@
               <a:tabLst/>
               <a:defRPr/>
             </a:pPr>
-            <a:r>
-              <a:rPr lang="ru-RU" baseline="0" dirty="0" smtClean="0"/>
-              <a:t>Подведем итоги.</a:t>
-            </a:r>
-          </a:p>
-          <a:p>
-            <a:pPr marL="0" marR="0" indent="0" algn="l" defTabSz="914400" rtl="0" eaLnBrk="1" fontAlgn="auto" latinLnBrk="0" hangingPunct="1">
-              <a:lnSpc>
-                <a:spcPct val="100000"/>
-              </a:lnSpc>
-              <a:spcBef>
-                <a:spcPts val="0"/>
-              </a:spcBef>
-              <a:spcAft>
-                <a:spcPts val="0"/>
-              </a:spcAft>
-              <a:buClrTx/>
-              <a:buSzTx/>
-              <a:buFontTx/>
-              <a:buNone/>
-              <a:tabLst/>
-              <a:defRPr/>
-            </a:pPr>
-            <a:r>
-              <a:rPr lang="ru-RU" baseline="0" dirty="0" smtClean="0"/>
-              <a:t>У применения </a:t>
-            </a:r>
-            <a:r>
-              <a:rPr lang="en-US" baseline="0" dirty="0" smtClean="0"/>
-              <a:t>OCP </a:t>
-            </a:r>
-            <a:r>
-              <a:rPr lang="ru-RU" baseline="0" dirty="0" smtClean="0"/>
-              <a:t>есть достоинства, а именно: …</a:t>
-            </a:r>
-          </a:p>
-          <a:p>
-            <a:pPr marL="0" marR="0" indent="0" algn="l" defTabSz="914400" rtl="0" eaLnBrk="1" fontAlgn="auto" latinLnBrk="0" hangingPunct="1">
-              <a:lnSpc>
-                <a:spcPct val="100000"/>
-              </a:lnSpc>
-              <a:spcBef>
-                <a:spcPts val="0"/>
-              </a:spcBef>
-              <a:spcAft>
-                <a:spcPts val="0"/>
-              </a:spcAft>
-              <a:buClrTx/>
-              <a:buSzTx/>
-              <a:buFontTx/>
-              <a:buNone/>
-              <a:tabLst/>
-              <a:defRPr/>
-            </a:pPr>
-            <a:r>
-              <a:rPr lang="ru-RU" baseline="0" dirty="0" smtClean="0"/>
-              <a:t>Также есть и недостатки: …</a:t>
-            </a:r>
-          </a:p>
-          <a:p>
-            <a:pPr marL="0" marR="0" indent="0" algn="l" defTabSz="914400" rtl="0" eaLnBrk="1" fontAlgn="auto" latinLnBrk="0" hangingPunct="1">
-              <a:lnSpc>
-                <a:spcPct val="100000"/>
-              </a:lnSpc>
-              <a:spcBef>
-                <a:spcPts val="0"/>
-              </a:spcBef>
-              <a:spcAft>
-                <a:spcPts val="0"/>
-              </a:spcAft>
-              <a:buClrTx/>
-              <a:buSzTx/>
-              <a:buFontTx/>
-              <a:buNone/>
-              <a:tabLst/>
-              <a:defRPr/>
-            </a:pPr>
-            <a:endParaRPr lang="ru-RU" baseline="0" dirty="0" smtClean="0"/>
-          </a:p>
-          <a:p>
-            <a:pPr marL="0" marR="0" indent="0" algn="l" defTabSz="914400" rtl="0" eaLnBrk="1" fontAlgn="auto" latinLnBrk="0" hangingPunct="1">
-              <a:lnSpc>
-                <a:spcPct val="100000"/>
-              </a:lnSpc>
-              <a:spcBef>
-                <a:spcPts val="0"/>
-              </a:spcBef>
-              <a:spcAft>
-                <a:spcPts val="0"/>
-              </a:spcAft>
-              <a:buClrTx/>
-              <a:buSzTx/>
-              <a:buFontTx/>
-              <a:buNone/>
-              <a:tabLst/>
-              <a:defRPr/>
-            </a:pPr>
-            <a:r>
-              <a:rPr lang="ru-RU" baseline="0" dirty="0" smtClean="0"/>
-              <a:t>Итак, </a:t>
-            </a:r>
-            <a:r>
-              <a:rPr lang="ru-RU" dirty="0" smtClean="0"/>
-              <a:t>принцип открытости/закрытости </a:t>
-            </a:r>
-            <a:r>
-              <a:rPr lang="ru-RU" baseline="0" dirty="0" smtClean="0"/>
-              <a:t>мы рассмотрели, идем дальше или есть вопросы?</a:t>
-            </a:r>
-            <a:endParaRPr lang="ru-RU" dirty="0" smtClean="0"/>
+            <a:endParaRPr lang="ru-RU" dirty="0"/>
           </a:p>
         </p:txBody>
       </p:sp>
@@ -1291,38 +1113,38 @@
               <a:defRPr/>
             </a:pPr>
             <a:r>
-              <a:rPr lang="en-US" dirty="0" smtClean="0"/>
+              <a:rPr lang="en-US" dirty="0"/>
               <a:t>[T] </a:t>
             </a:r>
             <a:r>
-              <a:rPr lang="ru-RU" dirty="0" smtClean="0"/>
+              <a:rPr lang="ru-RU" dirty="0"/>
               <a:t>Барбара Лисков - американский учёный в области информатики, исследователь проблемы</a:t>
             </a:r>
             <a:r>
-              <a:rPr lang="ru-RU" baseline="0" dirty="0" smtClean="0"/>
+              <a:rPr lang="ru-RU" baseline="0" dirty="0"/>
               <a:t> абстракции данных, </a:t>
             </a:r>
             <a:r>
-              <a:rPr lang="ru-RU" dirty="0" smtClean="0"/>
+              <a:rPr lang="ru-RU" dirty="0"/>
               <a:t>создатель</a:t>
             </a:r>
             <a:r>
-              <a:rPr lang="ru-RU" baseline="0" dirty="0" smtClean="0"/>
+              <a:rPr lang="ru-RU" baseline="0" dirty="0"/>
               <a:t> </a:t>
             </a:r>
             <a:r>
-              <a:rPr lang="ru-RU" dirty="0" smtClean="0"/>
+              <a:rPr lang="ru-RU" dirty="0"/>
               <a:t>принципа,</a:t>
             </a:r>
             <a:r>
-              <a:rPr lang="ru-RU" baseline="0" dirty="0" smtClean="0"/>
+              <a:rPr lang="ru-RU" baseline="0" dirty="0"/>
               <a:t> который мы сейчас будем обсуждать</a:t>
             </a:r>
             <a:r>
-              <a:rPr lang="ru-RU" dirty="0" smtClean="0"/>
+              <a:rPr lang="ru-RU" dirty="0"/>
               <a:t>.</a:t>
             </a:r>
-            <a:endParaRPr lang="en-US" dirty="0" smtClean="0"/>
+            <a:endParaRPr lang="en-US" dirty="0"/>
           </a:p>
           <a:p>
             <a:pPr marL="0" marR="0" indent="0" algn="l" defTabSz="914400" rtl="0" eaLnBrk="1" fontAlgn="auto" latinLnBrk="0" hangingPunct="1">
@@ -1343,7 +1165,7 @@
               <a:defRPr/>
             </a:pPr>
             <a:r>
-              <a:rPr lang="ru-RU" dirty="0" smtClean="0"/>
+              <a:rPr lang="ru-RU" dirty="0"/>
               <a:t>В чем заключается принцип замещения Барбары Лисков, как вы думаете?</a:t>
             </a:r>
           </a:p>
@@ -1366,10 +1188,10 @@
               <a:defRPr/>
             </a:pPr>
             <a:r>
-              <a:rPr lang="ru-RU" dirty="0" smtClean="0"/>
+              <a:rPr lang="ru-RU" dirty="0"/>
               <a:t>…</a:t>
             </a:r>
-            <a:endParaRPr lang="en-US" dirty="0" smtClean="0"/>
+            <a:endParaRPr lang="en-US" dirty="0"/>
           </a:p>
           <a:p>
             <a:pPr marL="0" marR="0" indent="0" algn="l" defTabSz="914400" rtl="0" eaLnBrk="1" fontAlgn="auto" latinLnBrk="0" hangingPunct="1">
@@ -1390,11 +1212,11 @@
               <a:defRPr/>
             </a:pPr>
             <a:r>
-              <a:rPr lang="en-US" dirty="0" smtClean="0"/>
+              <a:rPr lang="en-US" dirty="0"/>
               <a:t>[TT] </a:t>
             </a:r>
             <a:r>
-              <a:rPr lang="ru-RU" dirty="0" smtClean="0"/>
+              <a:rPr lang="ru-RU" dirty="0"/>
               <a:t>прочитать</a:t>
             </a:r>
           </a:p>
@@ -1417,14 +1239,14 @@
               <a:defRPr/>
             </a:pPr>
             <a:r>
-              <a:rPr lang="en-US" dirty="0" smtClean="0"/>
+              <a:rPr lang="en-US" dirty="0"/>
               <a:t>[T] </a:t>
             </a:r>
             <a:r>
-              <a:rPr lang="ru-RU" dirty="0" smtClean="0"/>
+              <a:rPr lang="ru-RU" dirty="0"/>
               <a:t>прочитать</a:t>
             </a:r>
-            <a:endParaRPr lang="en-US" dirty="0" smtClean="0"/>
+            <a:endParaRPr lang="en-US" dirty="0"/>
           </a:p>
         </p:txBody>
       </p:sp>
@@ -1526,22 +1348,18 @@
               <a:defRPr/>
             </a:pPr>
             <a:r>
-              <a:rPr lang="ru-RU" baseline="0" dirty="0" smtClean="0"/>
+              <a:rPr lang="ru-RU" baseline="0" dirty="0"/>
               <a:t>Перед вами – класс </a:t>
             </a:r>
             <a:r>
-              <a:rPr lang="en-US" baseline="0" dirty="0" err="1" smtClean="0"/>
-              <a:t>Rectange</a:t>
-            </a:r>
-            <a:r>
-              <a:rPr lang="en-US" baseline="0" dirty="0" smtClean="0"/>
-              <a:t>, </a:t>
-            </a:r>
-            <a:r>
-              <a:rPr lang="ru-RU" baseline="0" dirty="0" smtClean="0"/>
+              <a:rPr lang="en-US" baseline="0" dirty="0"/>
+              <a:t>Rectangle, </a:t>
+            </a:r>
+            <a:r>
+              <a:rPr lang="ru-RU" baseline="0" dirty="0"/>
               <a:t>предоставляющий методы для установки и получения ширины и высоты прямоугольника; и его наследник - квадрат.</a:t>
             </a:r>
-            <a:endParaRPr lang="en-US" baseline="0" dirty="0" smtClean="0"/>
+            <a:endParaRPr lang="en-US" baseline="0" dirty="0"/>
           </a:p>
           <a:p>
             <a:pPr marL="0" marR="0" indent="0" algn="l" defTabSz="914400" rtl="0" eaLnBrk="1" fontAlgn="auto" latinLnBrk="0" hangingPunct="1">
@@ -1562,7 +1380,7 @@
               <a:defRPr/>
             </a:pPr>
             <a:r>
-              <a:rPr lang="ru-RU" dirty="0" smtClean="0"/>
+              <a:rPr lang="ru-RU" dirty="0"/>
               <a:t>…</a:t>
             </a:r>
           </a:p>
@@ -1585,10 +1403,10 @@
               <a:defRPr/>
             </a:pPr>
             <a:r>
-              <a:rPr lang="en-US" dirty="0" smtClean="0"/>
+              <a:rPr lang="en-US" dirty="0"/>
               <a:t>[T]</a:t>
             </a:r>
-            <a:endParaRPr lang="ru-RU" dirty="0" smtClean="0"/>
+            <a:endParaRPr lang="ru-RU" dirty="0"/>
           </a:p>
           <a:p>
             <a:pPr marL="0" marR="0" indent="0" algn="l" defTabSz="914400" rtl="0" eaLnBrk="1" fontAlgn="auto" latinLnBrk="0" hangingPunct="1">
@@ -1609,43 +1427,43 @@
               <a:defRPr/>
             </a:pPr>
             <a:r>
-              <a:rPr lang="ru-RU" dirty="0" smtClean="0"/>
+              <a:rPr lang="ru-RU" dirty="0"/>
               <a:t>Класс </a:t>
             </a:r>
             <a:r>
-              <a:rPr lang="en-US" dirty="0" smtClean="0"/>
+              <a:rPr lang="en-US" dirty="0"/>
               <a:t>Square </a:t>
             </a:r>
             <a:r>
-              <a:rPr lang="ru-RU" dirty="0" smtClean="0"/>
+              <a:rPr lang="ru-RU" dirty="0"/>
               <a:t>требует</a:t>
             </a:r>
             <a:r>
-              <a:rPr lang="ru-RU" baseline="0" dirty="0" smtClean="0"/>
+              <a:rPr lang="ru-RU" baseline="0" dirty="0"/>
               <a:t> равенства ширины и высоты, а </a:t>
             </a:r>
             <a:r>
-              <a:rPr lang="en-US" baseline="0" dirty="0" smtClean="0"/>
+              <a:rPr lang="en-US" baseline="0" dirty="0"/>
               <a:t>Rectangle – </a:t>
             </a:r>
             <a:r>
-              <a:rPr lang="ru-RU" baseline="0" dirty="0" smtClean="0"/>
+              <a:rPr lang="ru-RU" baseline="0" dirty="0"/>
               <a:t>нет. При изменении одной из сторон объекта </a:t>
             </a:r>
             <a:r>
-              <a:rPr lang="en-US" baseline="0" dirty="0" smtClean="0"/>
+              <a:rPr lang="en-US" baseline="0" dirty="0"/>
               <a:t>Square </a:t>
             </a:r>
             <a:r>
-              <a:rPr lang="ru-RU" baseline="0" dirty="0" smtClean="0"/>
+              <a:rPr lang="ru-RU" baseline="0" dirty="0"/>
               <a:t>изменится и другая сторона. Код, использующий </a:t>
             </a:r>
             <a:r>
-              <a:rPr lang="en-US" baseline="0" dirty="0" smtClean="0"/>
+              <a:rPr lang="en-US" baseline="0" dirty="0"/>
               <a:t>Rectangle</a:t>
             </a:r>
             <a:r>
-              <a:rPr lang="ru-RU" baseline="0" dirty="0" smtClean="0"/>
+              <a:rPr lang="ru-RU" baseline="0" dirty="0"/>
               <a:t> будет не готов к тому, что изменение одной стороны изменяет и другую.</a:t>
             </a:r>
           </a:p>
@@ -1732,27 +1550,27 @@
           <a:lstStyle/>
           <a:p>
             <a:r>
-              <a:rPr lang="ru-RU" dirty="0" smtClean="0"/>
+              <a:rPr lang="ru-RU" dirty="0"/>
               <a:t>Проблема в том, что типы</a:t>
             </a:r>
             <a:r>
-              <a:rPr lang="ru-RU" baseline="0" dirty="0" smtClean="0"/>
+              <a:rPr lang="ru-RU" baseline="0" dirty="0"/>
               <a:t> </a:t>
             </a:r>
             <a:r>
-              <a:rPr lang="en-US" baseline="0" dirty="0" smtClean="0"/>
+              <a:rPr lang="en-US" baseline="0" dirty="0"/>
               <a:t>Square </a:t>
             </a:r>
             <a:r>
-              <a:rPr lang="ru-RU" baseline="0" dirty="0" smtClean="0"/>
+              <a:rPr lang="ru-RU" baseline="0" dirty="0"/>
               <a:t>и </a:t>
             </a:r>
             <a:r>
-              <a:rPr lang="en-US" baseline="0" dirty="0" smtClean="0"/>
+              <a:rPr lang="en-US" baseline="0" dirty="0"/>
               <a:t>Rectangle </a:t>
             </a:r>
             <a:r>
-              <a:rPr lang="ru-RU" baseline="0" dirty="0" smtClean="0"/>
+              <a:rPr lang="ru-RU" baseline="0" dirty="0"/>
               <a:t>не являются взаимозаменяемыми. Поэтому отношение наследования между ними неприменимо.</a:t>
             </a:r>
           </a:p>
@@ -1839,44 +1657,44 @@
           <a:lstStyle/>
           <a:p>
             <a:r>
-              <a:rPr lang="ru-RU" dirty="0" smtClean="0"/>
+              <a:rPr lang="ru-RU" dirty="0"/>
               <a:t>Есть формальный способ понять, что наследование является ошибочным. Это можно сделать с помощью проектирования по контракту. Бернард Мейер сформулировал следующий принцип:</a:t>
             </a:r>
             <a:r>
-              <a:rPr lang="en-US" dirty="0" smtClean="0"/>
+              <a:rPr lang="en-US" dirty="0"/>
               <a:t> </a:t>
             </a:r>
             <a:r>
-              <a:rPr lang="ru-RU" dirty="0" smtClean="0"/>
+              <a:rPr lang="ru-RU" dirty="0"/>
               <a:t>наследуемый объект может заменить родительское пред-условие на такое же или более слабое и родительское пост-условие на такое же или более сильное.</a:t>
             </a:r>
           </a:p>
           <a:p>
-            <a:endParaRPr lang="ru-RU" dirty="0" smtClean="0"/>
-          </a:p>
-          <a:p>
-            <a:r>
-              <a:rPr lang="en-US" dirty="0" smtClean="0"/>
+            <a:endParaRPr lang="ru-RU" dirty="0"/>
+          </a:p>
+          <a:p>
+            <a:r>
+              <a:rPr lang="en-US" dirty="0"/>
               <a:t>[T] </a:t>
             </a:r>
             <a:r>
-              <a:rPr lang="ru-RU" dirty="0" smtClean="0"/>
+              <a:rPr lang="ru-RU" dirty="0"/>
               <a:t>Рассмотрим пред- и пост-условия для интерфейса </a:t>
             </a:r>
             <a:r>
-              <a:rPr lang="en-US" sz="1200" dirty="0" err="1" smtClean="0">
+              <a:rPr lang="en-US" sz="1200" dirty="0" err="1">
                 <a:latin typeface="Consolas" panose="020B0609020204030204" pitchFamily="49" charset="0"/>
               </a:rPr>
               <a:t>IRectangle</a:t>
             </a:r>
             <a:r>
-              <a:rPr lang="en-US" sz="1200" dirty="0" smtClean="0">
+              <a:rPr lang="en-US" sz="1200" dirty="0">
                 <a:latin typeface="Consolas" panose="020B0609020204030204" pitchFamily="49" charset="0"/>
               </a:rPr>
               <a:t>:</a:t>
             </a:r>
             <a:r>
-              <a:rPr lang="en-US" sz="1200" baseline="0" dirty="0" smtClean="0">
+              <a:rPr lang="en-US" sz="1200" baseline="0" dirty="0">
                 <a:latin typeface="Consolas" panose="020B0609020204030204" pitchFamily="49" charset="0"/>
               </a:rPr>
               <a:t> …</a:t>
@@ -1884,79 +1702,79 @@
           </a:p>
           <a:p>
             <a:r>
-              <a:rPr lang="en-US" sz="1200" baseline="0" dirty="0" smtClean="0">
+              <a:rPr lang="en-US" sz="1200" baseline="0" dirty="0">
                 <a:latin typeface="Consolas" panose="020B0609020204030204" pitchFamily="49" charset="0"/>
               </a:rPr>
               <a:t>[T] </a:t>
             </a:r>
             <a:r>
-              <a:rPr lang="ru-RU" sz="1200" baseline="0" dirty="0" smtClean="0">
+              <a:rPr lang="ru-RU" sz="1200" baseline="0" dirty="0">
                 <a:latin typeface="Consolas" panose="020B0609020204030204" pitchFamily="49" charset="0"/>
               </a:rPr>
               <a:t>Теперь </a:t>
             </a:r>
             <a:r>
-              <a:rPr lang="ru-RU" dirty="0" smtClean="0"/>
+              <a:rPr lang="ru-RU" dirty="0"/>
               <a:t>рассмотрим пред- и пост-условия для</a:t>
             </a:r>
             <a:r>
-              <a:rPr lang="en-US" dirty="0" smtClean="0"/>
+              <a:rPr lang="en-US" dirty="0"/>
               <a:t> </a:t>
             </a:r>
             <a:r>
-              <a:rPr lang="ru-RU" dirty="0" smtClean="0"/>
+              <a:rPr lang="ru-RU" dirty="0"/>
               <a:t>класса </a:t>
             </a:r>
             <a:r>
-              <a:rPr lang="en-US" dirty="0" smtClean="0"/>
+              <a:rPr lang="en-US" dirty="0"/>
               <a:t>Square:</a:t>
             </a:r>
             <a:r>
-              <a:rPr lang="en-US" baseline="0" dirty="0" smtClean="0"/>
+              <a:rPr lang="en-US" baseline="0" dirty="0"/>
               <a:t> …</a:t>
             </a:r>
-            <a:endParaRPr lang="ru-RU" baseline="0" dirty="0" smtClean="0"/>
-          </a:p>
-          <a:p>
-            <a:r>
-              <a:rPr lang="ru-RU" baseline="0" dirty="0" smtClean="0"/>
+            <a:endParaRPr lang="ru-RU" baseline="0" dirty="0"/>
+          </a:p>
+          <a:p>
+            <a:r>
+              <a:rPr lang="ru-RU" baseline="0" dirty="0"/>
               <a:t>Как мы видим, постусловие у </a:t>
             </a:r>
             <a:r>
-              <a:rPr lang="en-US" baseline="0" dirty="0" smtClean="0"/>
+              <a:rPr lang="en-US" baseline="0" dirty="0"/>
               <a:t>Square </a:t>
             </a:r>
             <a:r>
-              <a:rPr lang="ru-RU" baseline="0" dirty="0" smtClean="0"/>
+              <a:rPr lang="ru-RU" baseline="0" dirty="0"/>
               <a:t>более слабое</a:t>
             </a:r>
             <a:r>
-              <a:rPr lang="en-US" baseline="0" dirty="0" smtClean="0"/>
+              <a:rPr lang="en-US" baseline="0" dirty="0"/>
               <a:t> –</a:t>
             </a:r>
             <a:r>
-              <a:rPr lang="ru-RU" baseline="0" dirty="0" smtClean="0"/>
+              <a:rPr lang="ru-RU" baseline="0" dirty="0"/>
               <a:t> оно противоречит постусловию </a:t>
             </a:r>
             <a:r>
-              <a:rPr lang="en-US" sz="1200" dirty="0" err="1" smtClean="0">
+              <a:rPr lang="en-US" sz="1200" dirty="0" err="1">
                 <a:latin typeface="Consolas" panose="020B0609020204030204" pitchFamily="49" charset="0"/>
               </a:rPr>
               <a:t>IRectangle</a:t>
             </a:r>
             <a:r>
-              <a:rPr lang="ru-RU" sz="1200" dirty="0" smtClean="0">
+              <a:rPr lang="ru-RU" sz="1200" dirty="0">
                 <a:latin typeface="Consolas" panose="020B0609020204030204" pitchFamily="49" charset="0"/>
               </a:rPr>
               <a:t>. Это позволяет сделать вывод об</a:t>
             </a:r>
             <a:r>
-              <a:rPr lang="ru-RU" sz="1200" baseline="0" dirty="0" smtClean="0">
+              <a:rPr lang="ru-RU" sz="1200" baseline="0" dirty="0">
                 <a:latin typeface="Consolas" panose="020B0609020204030204" pitchFamily="49" charset="0"/>
               </a:rPr>
               <a:t> ошибочности наследования.</a:t>
             </a:r>
-            <a:endParaRPr lang="en-US" baseline="0" dirty="0" smtClean="0"/>
+            <a:endParaRPr lang="en-US" baseline="0" dirty="0"/>
           </a:p>
         </p:txBody>
       </p:sp>
@@ -2057,65 +1875,7 @@
               <a:tabLst/>
               <a:defRPr/>
             </a:pPr>
-            <a:r>
-              <a:rPr lang="ru-RU" baseline="0" dirty="0" smtClean="0"/>
-              <a:t>Подведем итоги.</a:t>
-            </a:r>
-          </a:p>
-          <a:p>
-            <a:pPr marL="0" marR="0" indent="0" algn="l" defTabSz="914400" rtl="0" eaLnBrk="1" fontAlgn="auto" latinLnBrk="0" hangingPunct="1">
-              <a:lnSpc>
-                <a:spcPct val="100000"/>
-              </a:lnSpc>
-              <a:spcBef>
-                <a:spcPts val="0"/>
-              </a:spcBef>
-              <a:spcAft>
-                <a:spcPts val="0"/>
-              </a:spcAft>
-              <a:buClrTx/>
-              <a:buSzTx/>
-              <a:buFontTx/>
-              <a:buNone/>
-              <a:tabLst/>
-              <a:defRPr/>
-            </a:pPr>
-            <a:r>
-              <a:rPr lang="ru-RU" baseline="0" dirty="0" smtClean="0"/>
-              <a:t>У применения </a:t>
-            </a:r>
-            <a:r>
-              <a:rPr lang="en-US" baseline="0" dirty="0" smtClean="0"/>
-              <a:t>LSP </a:t>
-            </a:r>
-            <a:r>
-              <a:rPr lang="ru-RU" baseline="0" dirty="0" smtClean="0"/>
-              <a:t>есть достоинства, а именно: …</a:t>
-            </a:r>
-          </a:p>
-          <a:p>
-            <a:pPr marL="0" marR="0" indent="0" algn="l" defTabSz="914400" rtl="0" eaLnBrk="1" fontAlgn="auto" latinLnBrk="0" hangingPunct="1">
-              <a:lnSpc>
-                <a:spcPct val="100000"/>
-              </a:lnSpc>
-              <a:spcBef>
-                <a:spcPts val="0"/>
-              </a:spcBef>
-              <a:spcAft>
-                <a:spcPts val="0"/>
-              </a:spcAft>
-              <a:buClrTx/>
-              <a:buSzTx/>
-              <a:buFontTx/>
-              <a:buNone/>
-              <a:tabLst/>
-              <a:defRPr/>
-            </a:pPr>
-            <a:r>
-              <a:rPr lang="ru-RU" baseline="0" dirty="0" smtClean="0"/>
-              <a:t>Также есть и недостатки: …</a:t>
-            </a:r>
-            <a:endParaRPr lang="ru-RU" dirty="0" smtClean="0"/>
+            <a:endParaRPr lang="ru-RU" dirty="0"/>
           </a:p>
         </p:txBody>
       </p:sp>
@@ -2136,7 +1896,7 @@
           <a:p>
             <a:fld id="{9BF0A773-BC3A-474D-8036-883A816F0F99}" type="slidenum">
               <a:rPr lang="ru-RU" smtClean="0"/>
-              <a:t>18</a:t>
+              <a:t>19</a:t>
             </a:fld>
             <a:endParaRPr lang="ru-RU"/>
           </a:p>
@@ -2217,7 +1977,7 @@
               <a:defRPr/>
             </a:pPr>
             <a:r>
-              <a:rPr lang="ru-RU" dirty="0" smtClean="0"/>
+              <a:rPr lang="ru-RU" dirty="0"/>
               <a:t>Рассмотрим принцип разделения интерфейса. В чем он заключается, как вы думаете?</a:t>
             </a:r>
           </a:p>
@@ -2240,7 +2000,7 @@
               <a:defRPr/>
             </a:pPr>
             <a:r>
-              <a:rPr lang="ru-RU" dirty="0" smtClean="0"/>
+              <a:rPr lang="ru-RU" dirty="0"/>
               <a:t>…</a:t>
             </a:r>
           </a:p>
@@ -2263,26 +2023,26 @@
               <a:defRPr/>
             </a:pPr>
             <a:r>
-              <a:rPr lang="en-US" dirty="0" smtClean="0"/>
+              <a:rPr lang="en-US" dirty="0"/>
               <a:t>[TT] </a:t>
             </a:r>
             <a:r>
-              <a:rPr lang="ru-RU" dirty="0" smtClean="0"/>
+              <a:rPr lang="ru-RU" dirty="0"/>
               <a:t>Читать оба</a:t>
             </a:r>
             <a:r>
-              <a:rPr lang="ru-RU" baseline="0" dirty="0" smtClean="0"/>
+              <a:rPr lang="ru-RU" baseline="0" dirty="0"/>
               <a:t> </a:t>
             </a:r>
             <a:r>
-              <a:rPr lang="en-US" baseline="0" dirty="0" smtClean="0"/>
+              <a:rPr lang="en-US" baseline="0" dirty="0"/>
               <a:t>&gt;&gt;&gt;&gt;</a:t>
             </a:r>
             <a:r>
-              <a:rPr lang="ru-RU" baseline="0" dirty="0" smtClean="0"/>
+              <a:rPr lang="ru-RU" baseline="0" dirty="0"/>
               <a:t> то есть если для клиента требуется реализовать интерфейс, то в этом интерфейсе не должно быть методов, не нужных клиенту</a:t>
             </a:r>
-            <a:endParaRPr lang="en-US" baseline="0" dirty="0" smtClean="0"/>
+            <a:endParaRPr lang="en-US" baseline="0" dirty="0"/>
           </a:p>
           <a:p>
             <a:pPr marL="0" marR="0" indent="0" algn="l" defTabSz="914400" rtl="0" eaLnBrk="1" fontAlgn="auto" latinLnBrk="0" hangingPunct="1">
@@ -2302,7 +2062,7 @@
               <a:tabLst/>
               <a:defRPr/>
             </a:pPr>
-            <a:endParaRPr lang="ru-RU" dirty="0" smtClean="0"/>
+            <a:endParaRPr lang="ru-RU" dirty="0"/>
           </a:p>
           <a:p>
             <a:pPr marL="0" marR="0" indent="0" algn="l" defTabSz="914400" rtl="0" eaLnBrk="1" fontAlgn="auto" latinLnBrk="0" hangingPunct="1">
@@ -2323,10 +2083,10 @@
               <a:defRPr/>
             </a:pPr>
             <a:r>
-              <a:rPr lang="en-US" dirty="0" smtClean="0"/>
+              <a:rPr lang="en-US" dirty="0"/>
               <a:t>[T]</a:t>
             </a:r>
-            <a:endParaRPr lang="ru-RU" dirty="0" smtClean="0"/>
+            <a:endParaRPr lang="ru-RU" dirty="0"/>
           </a:p>
           <a:p>
             <a:pPr marL="171450" marR="0" indent="-171450" algn="l" defTabSz="914400" rtl="0" eaLnBrk="1" fontAlgn="auto" latinLnBrk="0" hangingPunct="1">
@@ -2347,11 +2107,11 @@
               <a:defRPr/>
             </a:pPr>
             <a:r>
-              <a:rPr lang="ru-RU" dirty="0" smtClean="0"/>
+              <a:rPr lang="ru-RU" dirty="0"/>
               <a:t>То есть не копировать все</a:t>
             </a:r>
             <a:r>
-              <a:rPr lang="ru-RU" baseline="0" dirty="0" smtClean="0"/>
+              <a:rPr lang="ru-RU" baseline="0" dirty="0"/>
               <a:t> методы подряд из класса в интерфейс</a:t>
             </a:r>
           </a:p>
@@ -2374,10 +2134,10 @@
               <a:defRPr/>
             </a:pPr>
             <a:r>
-              <a:rPr lang="ru-RU" baseline="0" dirty="0" smtClean="0"/>
+              <a:rPr lang="ru-RU" baseline="0" dirty="0"/>
               <a:t>То есть для каждого клиента должен быть реализован свой интерфейс, чтобы в каждом из них были только те методы, которые нужны клиенту</a:t>
             </a:r>
-            <a:endParaRPr lang="en-US" dirty="0" smtClean="0"/>
+            <a:endParaRPr lang="en-US" dirty="0"/>
           </a:p>
         </p:txBody>
       </p:sp>
@@ -2398,7 +2158,7 @@
           <a:p>
             <a:fld id="{9BF0A773-BC3A-474D-8036-883A816F0F99}" type="slidenum">
               <a:rPr lang="ru-RU" smtClean="0"/>
-              <a:t>19</a:t>
+              <a:t>20</a:t>
             </a:fld>
             <a:endParaRPr lang="ru-RU"/>
           </a:p>
@@ -2478,74 +2238,7 @@
               <a:tabLst/>
               <a:defRPr/>
             </a:pPr>
-            <a:r>
-              <a:rPr lang="ru-RU" dirty="0" smtClean="0"/>
-              <a:t>В ходе данного</a:t>
-            </a:r>
-            <a:r>
-              <a:rPr lang="ru-RU" baseline="0" dirty="0" smtClean="0"/>
-              <a:t> обсуждения мы узнаем, </a:t>
-            </a:r>
-            <a:r>
-              <a:rPr lang="ru-RU" dirty="0" smtClean="0"/>
-              <a:t>что такое принципы </a:t>
-            </a:r>
-            <a:r>
-              <a:rPr lang="en-US" dirty="0" smtClean="0"/>
-              <a:t>S.O.L.I.D.</a:t>
-            </a:r>
-            <a:endParaRPr lang="ru-RU" dirty="0" smtClean="0"/>
-          </a:p>
-          <a:p>
-            <a:pPr marL="0" marR="0" indent="0" algn="l" defTabSz="914400" rtl="0" eaLnBrk="1" fontAlgn="auto" latinLnBrk="0" hangingPunct="1">
-              <a:lnSpc>
-                <a:spcPct val="100000"/>
-              </a:lnSpc>
-              <a:spcBef>
-                <a:spcPts val="0"/>
-              </a:spcBef>
-              <a:spcAft>
-                <a:spcPts val="0"/>
-              </a:spcAft>
-              <a:buClrTx/>
-              <a:buSzTx/>
-              <a:buFontTx/>
-              <a:buNone/>
-              <a:tabLst/>
-              <a:defRPr/>
-            </a:pPr>
-            <a:r>
-              <a:rPr lang="ru-RU" baseline="0" dirty="0" smtClean="0"/>
-              <a:t>Разберем каждый принцип на примере или примерах</a:t>
-            </a:r>
-          </a:p>
-          <a:p>
-            <a:pPr marL="0" marR="0" indent="0" algn="l" defTabSz="914400" rtl="0" eaLnBrk="1" fontAlgn="auto" latinLnBrk="0" hangingPunct="1">
-              <a:lnSpc>
-                <a:spcPct val="100000"/>
-              </a:lnSpc>
-              <a:spcBef>
-                <a:spcPts val="0"/>
-              </a:spcBef>
-              <a:spcAft>
-                <a:spcPts val="0"/>
-              </a:spcAft>
-              <a:buClrTx/>
-              <a:buSzTx/>
-              <a:buFontTx/>
-              <a:buNone/>
-              <a:tabLst/>
-              <a:defRPr/>
-            </a:pPr>
-            <a:r>
-              <a:rPr lang="ru-RU" baseline="0" dirty="0" smtClean="0"/>
-              <a:t>Узнаем, для чего нужны </a:t>
-            </a:r>
-            <a:r>
-              <a:rPr lang="ru-RU" baseline="0" dirty="0" smtClean="0"/>
-              <a:t>принципы</a:t>
-            </a:r>
-            <a:endParaRPr lang="ru-RU" baseline="0" dirty="0" smtClean="0"/>
+            <a:endParaRPr lang="ru-RU" baseline="0" dirty="0"/>
           </a:p>
         </p:txBody>
       </p:sp>
@@ -2630,28 +2323,40 @@
           <a:lstStyle/>
           <a:p>
             <a:r>
-              <a:rPr lang="ru-RU" dirty="0" smtClean="0"/>
+              <a:rPr lang="ru-RU" dirty="0"/>
               <a:t>Можно также рассмотреть пример графа сцены, умеющего рисовать себя средствами </a:t>
             </a:r>
             <a:r>
-              <a:rPr lang="en-US" dirty="0" smtClean="0"/>
+              <a:rPr lang="en-US" dirty="0"/>
               <a:t>SFML.</a:t>
             </a:r>
             <a:r>
-              <a:rPr lang="en-US" baseline="0" dirty="0" smtClean="0"/>
+              <a:rPr lang="en-US" baseline="0" dirty="0"/>
               <a:t> </a:t>
             </a:r>
             <a:r>
-              <a:rPr lang="ru-RU" baseline="0" dirty="0" smtClean="0"/>
+              <a:rPr lang="ru-RU" baseline="0" dirty="0"/>
               <a:t>Сейчас в метод </a:t>
             </a:r>
             <a:r>
-              <a:rPr lang="en-US" baseline="0" dirty="0" smtClean="0"/>
+              <a:rPr lang="en-US" baseline="0" dirty="0"/>
               <a:t>Render </a:t>
             </a:r>
             <a:r>
-              <a:rPr lang="ru-RU" baseline="0" dirty="0" smtClean="0"/>
-              <a:t>передается окно, на котором нужно рисовать сцену.</a:t>
+              <a:rPr lang="ru-RU" baseline="0" dirty="0"/>
+              <a:t>передается окно, на котором нужно рисовать сцену, однако класс </a:t>
+            </a:r>
+            <a:r>
+              <a:rPr lang="en-US" baseline="0" dirty="0" err="1"/>
+              <a:t>SceneGraph</a:t>
+            </a:r>
+            <a:r>
+              <a:rPr lang="ru-RU" baseline="0" dirty="0"/>
+              <a:t> использует лишь подмножество методов, входящих в базовый тип </a:t>
+            </a:r>
+            <a:r>
+              <a:rPr lang="en-US" baseline="0" dirty="0" err="1"/>
+              <a:t>RenderTarget</a:t>
             </a:r>
             <a:endParaRPr lang="ru-RU" dirty="0"/>
           </a:p>
@@ -2674,7 +2379,7 @@
           <a:p>
             <a:fld id="{9BF0A773-BC3A-474D-8036-883A816F0F99}" type="slidenum">
               <a:rPr lang="ru-RU" smtClean="0"/>
-              <a:t>22</a:t>
+              <a:t>23</a:t>
             </a:fld>
             <a:endParaRPr lang="ru-RU"/>
           </a:p>
@@ -2738,31 +2443,31 @@
           <a:lstStyle/>
           <a:p>
             <a:r>
-              <a:rPr lang="ru-RU" dirty="0" smtClean="0"/>
+              <a:rPr lang="ru-RU" dirty="0"/>
               <a:t>Но можно вместо передачи окна использовать </a:t>
             </a:r>
             <a:r>
-              <a:rPr lang="en-US" dirty="0" err="1" smtClean="0"/>
+              <a:rPr lang="en-US" dirty="0" err="1"/>
               <a:t>RenderTarget</a:t>
             </a:r>
             <a:r>
-              <a:rPr lang="en-US" dirty="0" smtClean="0"/>
+              <a:rPr lang="en-US" dirty="0"/>
               <a:t>. </a:t>
             </a:r>
             <a:r>
-              <a:rPr lang="ru-RU" dirty="0" smtClean="0"/>
+              <a:rPr lang="ru-RU" dirty="0"/>
               <a:t>Таким образом нарисовать</a:t>
             </a:r>
             <a:r>
-              <a:rPr lang="ru-RU" baseline="0" dirty="0" smtClean="0"/>
+              <a:rPr lang="ru-RU" baseline="0" dirty="0"/>
               <a:t> сцену можно будет не только в окне, но и на текстуре (</a:t>
             </a:r>
             <a:r>
-              <a:rPr lang="en-US" baseline="0" dirty="0" err="1" smtClean="0"/>
+              <a:rPr lang="en-US" baseline="0" dirty="0" err="1"/>
               <a:t>RenderTexture</a:t>
             </a:r>
             <a:r>
-              <a:rPr lang="ru-RU" baseline="0" dirty="0" smtClean="0"/>
+              <a:rPr lang="ru-RU" baseline="0" dirty="0"/>
               <a:t>).</a:t>
             </a:r>
             <a:endParaRPr lang="ru-RU" dirty="0"/>
@@ -2786,7 +2491,7 @@
           <a:p>
             <a:fld id="{9BF0A773-BC3A-474D-8036-883A816F0F99}" type="slidenum">
               <a:rPr lang="ru-RU" smtClean="0"/>
-              <a:t>23</a:t>
+              <a:t>24</a:t>
             </a:fld>
             <a:endParaRPr lang="ru-RU"/>
           </a:p>
@@ -2867,7 +2572,7 @@
               <a:defRPr/>
             </a:pPr>
             <a:r>
-              <a:rPr lang="ru-RU" baseline="0" dirty="0" smtClean="0"/>
+              <a:rPr lang="ru-RU" baseline="0" dirty="0"/>
               <a:t>Подведем итоги.</a:t>
             </a:r>
           </a:p>
@@ -2890,15 +2595,15 @@
               <a:defRPr/>
             </a:pPr>
             <a:r>
-              <a:rPr lang="ru-RU" baseline="0" dirty="0" smtClean="0"/>
+              <a:rPr lang="ru-RU" baseline="0" dirty="0"/>
               <a:t>У применения </a:t>
             </a:r>
             <a:r>
-              <a:rPr lang="en-US" baseline="0" dirty="0" smtClean="0"/>
+              <a:rPr lang="en-US" baseline="0" dirty="0"/>
               <a:t>ISP </a:t>
             </a:r>
             <a:r>
-              <a:rPr lang="ru-RU" baseline="0" dirty="0" smtClean="0"/>
+              <a:rPr lang="ru-RU" baseline="0" dirty="0"/>
               <a:t>есть достоинства, а именно: …</a:t>
             </a:r>
           </a:p>
@@ -2921,7 +2626,7 @@
               <a:defRPr/>
             </a:pPr>
             <a:r>
-              <a:rPr lang="ru-RU" baseline="0" dirty="0" smtClean="0"/>
+              <a:rPr lang="ru-RU" baseline="0" dirty="0"/>
               <a:t>Также есть и недостатки: …</a:t>
             </a:r>
           </a:p>
@@ -2943,7 +2648,7 @@
               <a:tabLst/>
               <a:defRPr/>
             </a:pPr>
-            <a:endParaRPr lang="ru-RU" baseline="0" dirty="0" smtClean="0"/>
+            <a:endParaRPr lang="ru-RU" baseline="0" dirty="0"/>
           </a:p>
           <a:p>
             <a:pPr marL="0" marR="0" indent="0" algn="l" defTabSz="914400" rtl="0" eaLnBrk="1" fontAlgn="auto" latinLnBrk="0" hangingPunct="1">
@@ -2964,7 +2669,7 @@
               <a:defRPr/>
             </a:pPr>
             <a:r>
-              <a:rPr lang="ru-RU" baseline="0" dirty="0" smtClean="0"/>
+              <a:rPr lang="ru-RU" baseline="0" dirty="0"/>
               <a:t>Если нельзя внести изменения в классы, можно сделать более узкий адаптер.</a:t>
             </a:r>
           </a:p>
@@ -2986,7 +2691,7 @@
               <a:tabLst/>
               <a:defRPr/>
             </a:pPr>
-            <a:endParaRPr lang="ru-RU" baseline="0" dirty="0" smtClean="0"/>
+            <a:endParaRPr lang="ru-RU" baseline="0" dirty="0"/>
           </a:p>
           <a:p>
             <a:pPr marL="0" marR="0" indent="0" algn="l" defTabSz="914400" rtl="0" eaLnBrk="1" fontAlgn="auto" latinLnBrk="0" hangingPunct="1">
@@ -3007,18 +2712,18 @@
               <a:defRPr/>
             </a:pPr>
             <a:r>
-              <a:rPr lang="ru-RU" baseline="0" dirty="0" smtClean="0"/>
+              <a:rPr lang="ru-RU" baseline="0" dirty="0"/>
               <a:t>Итак, </a:t>
             </a:r>
             <a:r>
-              <a:rPr lang="ru-RU" dirty="0" smtClean="0"/>
+              <a:rPr lang="ru-RU" dirty="0"/>
               <a:t>принцип разделения интерфейса </a:t>
             </a:r>
             <a:r>
-              <a:rPr lang="ru-RU" baseline="0" dirty="0" smtClean="0"/>
+              <a:rPr lang="ru-RU" baseline="0" dirty="0"/>
               <a:t>мы рассмотрели, идем дальше или есть вопросы?</a:t>
             </a:r>
-            <a:endParaRPr lang="ru-RU" dirty="0" smtClean="0"/>
+            <a:endParaRPr lang="ru-RU" dirty="0"/>
           </a:p>
         </p:txBody>
       </p:sp>
@@ -3039,7 +2744,7 @@
           <a:p>
             <a:fld id="{9BF0A773-BC3A-474D-8036-883A816F0F99}" type="slidenum">
               <a:rPr lang="ru-RU" smtClean="0"/>
-              <a:t>24</a:t>
+              <a:t>25</a:t>
             </a:fld>
             <a:endParaRPr lang="ru-RU"/>
           </a:p>
@@ -3120,7 +2825,7 @@
               <a:defRPr/>
             </a:pPr>
             <a:r>
-              <a:rPr lang="ru-RU" dirty="0" smtClean="0"/>
+              <a:rPr lang="ru-RU" dirty="0"/>
               <a:t>Рассмотрим принцип инверсии зависимости. В чем он заключается, как вы думаете?</a:t>
             </a:r>
           </a:p>
@@ -3143,7 +2848,7 @@
               <a:defRPr/>
             </a:pPr>
             <a:r>
-              <a:rPr lang="ru-RU" dirty="0" smtClean="0"/>
+              <a:rPr lang="ru-RU" dirty="0"/>
               <a:t>…</a:t>
             </a:r>
           </a:p>
@@ -3166,10 +2871,10 @@
               <a:defRPr/>
             </a:pPr>
             <a:r>
-              <a:rPr lang="en-US" dirty="0" smtClean="0"/>
+              <a:rPr lang="en-US" dirty="0"/>
               <a:t>[TT]</a:t>
             </a:r>
-            <a:endParaRPr lang="ru-RU" dirty="0" smtClean="0"/>
+            <a:endParaRPr lang="ru-RU" dirty="0"/>
           </a:p>
         </p:txBody>
       </p:sp>
@@ -3190,7 +2895,7 @@
           <a:p>
             <a:fld id="{9BF0A773-BC3A-474D-8036-883A816F0F99}" type="slidenum">
               <a:rPr lang="ru-RU" smtClean="0"/>
-              <a:t>25</a:t>
+              <a:t>26</a:t>
             </a:fld>
             <a:endParaRPr lang="ru-RU"/>
           </a:p>
@@ -3253,7 +2958,7 @@
           <a:bodyPr/>
           <a:lstStyle/>
           <a:p>
-            <a:endParaRPr lang="ru-RU" dirty="0" smtClean="0"/>
+            <a:endParaRPr lang="ru-RU" dirty="0"/>
           </a:p>
         </p:txBody>
       </p:sp>
@@ -3274,7 +2979,7 @@
           <a:p>
             <a:fld id="{9BF0A773-BC3A-474D-8036-883A816F0F99}" type="slidenum">
               <a:rPr lang="ru-RU" smtClean="0"/>
-              <a:t>29</a:t>
+              <a:t>30</a:t>
             </a:fld>
             <a:endParaRPr lang="ru-RU"/>
           </a:p>
@@ -3342,29 +3047,29 @@
               <a:buNone/>
             </a:pPr>
             <a:r>
-              <a:rPr lang="ru-RU" dirty="0" smtClean="0"/>
+              <a:rPr lang="ru-RU" dirty="0"/>
               <a:t>Зачем</a:t>
             </a:r>
             <a:r>
-              <a:rPr lang="ru-RU" baseline="0" dirty="0" smtClean="0"/>
+              <a:rPr lang="ru-RU" baseline="0" dirty="0"/>
               <a:t> нужно использовать принципы </a:t>
             </a:r>
             <a:r>
-              <a:rPr lang="en-US" baseline="0" dirty="0" smtClean="0"/>
+              <a:rPr lang="en-US" baseline="0" dirty="0"/>
               <a:t>SOLID, </a:t>
             </a:r>
             <a:r>
-              <a:rPr lang="ru-RU" baseline="0" dirty="0" smtClean="0"/>
+              <a:rPr lang="ru-RU" baseline="0" dirty="0"/>
               <a:t>как вы думаете?</a:t>
             </a:r>
-            <a:endParaRPr lang="ru-RU" dirty="0" smtClean="0"/>
+            <a:endParaRPr lang="ru-RU" dirty="0"/>
           </a:p>
           <a:p>
             <a:pPr marL="0" indent="0">
               <a:buFont typeface="Arial" panose="020B0604020202020204" pitchFamily="34" charset="0"/>
               <a:buNone/>
             </a:pPr>
-            <a:endParaRPr lang="ru-RU" dirty="0" smtClean="0"/>
+            <a:endParaRPr lang="ru-RU" dirty="0"/>
           </a:p>
           <a:p>
             <a:pPr marL="0" indent="0">
@@ -3372,14 +3077,14 @@
               <a:buNone/>
             </a:pPr>
             <a:r>
-              <a:rPr lang="ru-RU" dirty="0" smtClean="0"/>
+              <a:rPr lang="ru-RU" dirty="0"/>
               <a:t>//</a:t>
             </a:r>
             <a:r>
-              <a:rPr lang="ru-RU" baseline="0" dirty="0" smtClean="0"/>
+              <a:rPr lang="ru-RU" baseline="0" dirty="0"/>
               <a:t> можно не читать пункты</a:t>
             </a:r>
-            <a:endParaRPr lang="ru-RU" dirty="0" smtClean="0"/>
+            <a:endParaRPr lang="ru-RU" dirty="0"/>
           </a:p>
           <a:p>
             <a:pPr marL="171450" indent="-171450">
@@ -3387,7 +3092,7 @@
               <a:buChar char="•"/>
             </a:pPr>
             <a:r>
-              <a:rPr lang="ru-RU" dirty="0" smtClean="0"/>
+              <a:rPr lang="ru-RU" dirty="0"/>
               <a:t>… за счет уменьшения связности</a:t>
             </a:r>
           </a:p>
@@ -3410,14 +3115,14 @@
               <a:defRPr/>
             </a:pPr>
             <a:r>
-              <a:rPr lang="ru-RU" dirty="0" smtClean="0"/>
+              <a:rPr lang="ru-RU" dirty="0"/>
               <a:t>… за счет </a:t>
             </a:r>
             <a:r>
-              <a:rPr lang="en-US" dirty="0" smtClean="0"/>
+              <a:rPr lang="en-US" dirty="0"/>
               <a:t>SRP, DIP, ISP</a:t>
             </a:r>
-            <a:endParaRPr lang="ru-RU" dirty="0" smtClean="0"/>
+            <a:endParaRPr lang="ru-RU" dirty="0"/>
           </a:p>
           <a:p>
             <a:pPr marL="171450" indent="-171450">
@@ -3425,7 +3130,7 @@
               <a:buChar char="•"/>
             </a:pPr>
             <a:r>
-              <a:rPr lang="ru-RU" dirty="0" smtClean="0"/>
+              <a:rPr lang="ru-RU" dirty="0"/>
               <a:t>… за счет уменьшения связности</a:t>
             </a:r>
           </a:p>
@@ -3448,15 +3153,15 @@
               <a:defRPr/>
             </a:pPr>
             <a:r>
-              <a:rPr lang="ru-RU" dirty="0" smtClean="0"/>
+              <a:rPr lang="ru-RU" dirty="0"/>
               <a:t>…</a:t>
             </a:r>
             <a:r>
-              <a:rPr lang="en-US" baseline="0" dirty="0" smtClean="0"/>
+              <a:rPr lang="en-US" baseline="0" dirty="0"/>
               <a:t> </a:t>
             </a:r>
             <a:r>
-              <a:rPr lang="ru-RU" dirty="0" smtClean="0"/>
+              <a:rPr lang="ru-RU" dirty="0"/>
               <a:t>за счет уменьшения связности</a:t>
             </a:r>
           </a:p>
@@ -3466,15 +3171,15 @@
               <a:buChar char="•"/>
             </a:pPr>
             <a:r>
-              <a:rPr lang="ru-RU" dirty="0" smtClean="0"/>
+              <a:rPr lang="ru-RU" dirty="0"/>
               <a:t>… а именно - избавляет от скрытых ошибок</a:t>
             </a:r>
             <a:r>
-              <a:rPr lang="en-US" dirty="0" smtClean="0"/>
+              <a:rPr lang="en-US" dirty="0"/>
               <a:t> </a:t>
             </a:r>
             <a:r>
-              <a:rPr lang="ru-RU" dirty="0" smtClean="0"/>
+              <a:rPr lang="ru-RU" dirty="0"/>
               <a:t>за счет уменьшения связности</a:t>
             </a:r>
           </a:p>
@@ -3483,7 +3188,7 @@
               <a:buFont typeface="Arial" panose="020B0604020202020204" pitchFamily="34" charset="0"/>
               <a:buChar char="•"/>
             </a:pPr>
-            <a:endParaRPr lang="ru-RU" dirty="0" smtClean="0"/>
+            <a:endParaRPr lang="ru-RU" dirty="0"/>
           </a:p>
           <a:p>
             <a:pPr marL="0" indent="0">
@@ -3491,11 +3196,11 @@
               <a:buNone/>
             </a:pPr>
             <a:r>
-              <a:rPr lang="ru-RU" dirty="0" smtClean="0"/>
+              <a:rPr lang="ru-RU" dirty="0"/>
               <a:t>Стоит добавить, что некоторые принципы</a:t>
             </a:r>
             <a:r>
-              <a:rPr lang="ru-RU" baseline="0" dirty="0" smtClean="0"/>
+              <a:rPr lang="ru-RU" baseline="0" dirty="0"/>
               <a:t> имеют свои недостатки, и имеют смысл не для каждого проекта.</a:t>
             </a:r>
             <a:endParaRPr lang="ru-RU" dirty="0"/>
@@ -3519,7 +3224,7 @@
           <a:p>
             <a:fld id="{9BF0A773-BC3A-474D-8036-883A816F0F99}" type="slidenum">
               <a:rPr lang="ru-RU" smtClean="0"/>
-              <a:t>30</a:t>
+              <a:t>31</a:t>
             </a:fld>
             <a:endParaRPr lang="ru-RU"/>
           </a:p>
@@ -3600,7 +3305,7 @@
               <a:defRPr/>
             </a:pPr>
             <a:r>
-              <a:rPr lang="ru-RU" baseline="0" dirty="0" smtClean="0"/>
+              <a:rPr lang="ru-RU" baseline="0" dirty="0"/>
               <a:t>В ходе подготовки обсуждения были использованы следующие материалы</a:t>
             </a:r>
           </a:p>
@@ -3623,7 +3328,7 @@
           <a:p>
             <a:fld id="{9BF0A773-BC3A-474D-8036-883A816F0F99}" type="slidenum">
               <a:rPr lang="ru-RU" smtClean="0"/>
-              <a:t>31</a:t>
+              <a:t>32</a:t>
             </a:fld>
             <a:endParaRPr lang="ru-RU"/>
           </a:p>
@@ -3686,7 +3391,7 @@
           <a:bodyPr/>
           <a:lstStyle/>
           <a:p>
-            <a:endParaRPr lang="ru-RU" dirty="0" smtClean="0"/>
+            <a:endParaRPr lang="ru-RU" dirty="0"/>
           </a:p>
         </p:txBody>
       </p:sp>
@@ -3707,7 +3412,7 @@
           <a:p>
             <a:fld id="{A0B28B7E-B000-4596-AC62-77FFB0327B90}" type="slidenum">
               <a:rPr lang="ru-RU" smtClean="0"/>
-              <a:t>32</a:t>
+              <a:t>33</a:t>
             </a:fld>
             <a:endParaRPr lang="ru-RU"/>
           </a:p>
@@ -3770,57 +3475,6 @@
           <a:bodyPr/>
           <a:lstStyle/>
           <a:p>
-            <a:r>
-              <a:rPr lang="ru-RU" dirty="0" smtClean="0"/>
-              <a:t>Что же такое принципы </a:t>
-            </a:r>
-            <a:r>
-              <a:rPr lang="en-US" dirty="0" smtClean="0"/>
-              <a:t>S.O.L.I.D.</a:t>
-            </a:r>
-            <a:r>
-              <a:rPr lang="ru-RU" dirty="0" smtClean="0"/>
-              <a:t>?</a:t>
-            </a:r>
-            <a:endParaRPr lang="en-US" dirty="0" smtClean="0"/>
-          </a:p>
-          <a:p>
-            <a:r>
-              <a:rPr lang="en-US" dirty="0" smtClean="0"/>
-              <a:t>[T]</a:t>
-            </a:r>
-            <a:r>
-              <a:rPr lang="ru-RU" baseline="0" dirty="0" smtClean="0"/>
-              <a:t> читать</a:t>
-            </a:r>
-          </a:p>
-          <a:p>
-            <a:r>
-              <a:rPr lang="en-US" baseline="0" dirty="0" smtClean="0"/>
-              <a:t>[T] </a:t>
-            </a:r>
-            <a:r>
-              <a:rPr lang="ru-RU" baseline="0" dirty="0" smtClean="0"/>
-              <a:t>Каждая буква в названии соответствует одному принципу.</a:t>
-            </a:r>
-            <a:endParaRPr lang="ru-RU" dirty="0" smtClean="0"/>
-          </a:p>
-          <a:p>
-            <a:r>
-              <a:rPr lang="ru-RU" dirty="0" smtClean="0"/>
-              <a:t>Как вы думаете,</a:t>
-            </a:r>
-            <a:r>
-              <a:rPr lang="ru-RU" baseline="0" dirty="0" smtClean="0"/>
-              <a:t> что это за принципы? Первый принцип…</a:t>
-            </a:r>
-            <a:endParaRPr lang="en-US" dirty="0" smtClean="0"/>
-          </a:p>
-          <a:p>
-            <a:r>
-              <a:rPr lang="en-US" baseline="0" dirty="0" smtClean="0"/>
-              <a:t>[TTTTT]</a:t>
-            </a:r>
             <a:endParaRPr lang="ru-RU" dirty="0"/>
           </a:p>
         </p:txBody>
@@ -3906,24 +3560,24 @@
           <a:lstStyle/>
           <a:p>
             <a:r>
-              <a:rPr lang="ru-RU" dirty="0" smtClean="0"/>
+              <a:rPr lang="ru-RU" dirty="0"/>
               <a:t>Рассмотрим принцип единственной ответственности. В</a:t>
             </a:r>
             <a:r>
-              <a:rPr lang="ru-RU" baseline="0" dirty="0" smtClean="0"/>
+              <a:rPr lang="ru-RU" baseline="0" dirty="0"/>
               <a:t> чем он заключается, как вы думаете?</a:t>
             </a:r>
           </a:p>
           <a:p>
             <a:r>
-              <a:rPr lang="ru-RU" baseline="0" dirty="0" smtClean="0"/>
+              <a:rPr lang="ru-RU" baseline="0" dirty="0"/>
               <a:t>…</a:t>
             </a:r>
-            <a:endParaRPr lang="ru-RU" dirty="0" smtClean="0"/>
-          </a:p>
-          <a:p>
-            <a:r>
-              <a:rPr lang="ru-RU" dirty="0" smtClean="0"/>
+            <a:endParaRPr lang="ru-RU" dirty="0"/>
+          </a:p>
+          <a:p>
+            <a:r>
+              <a:rPr lang="ru-RU" dirty="0"/>
               <a:t>Принцип единственной ответственности – это такой принцип, при котором…</a:t>
             </a:r>
           </a:p>
@@ -3933,11 +3587,11 @@
               <a:buChar char="•"/>
             </a:pPr>
             <a:r>
-              <a:rPr lang="ru-RU" dirty="0" smtClean="0"/>
+              <a:rPr lang="ru-RU" dirty="0"/>
               <a:t>…, то</a:t>
             </a:r>
             <a:r>
-              <a:rPr lang="ru-RU" baseline="0" dirty="0" smtClean="0"/>
+              <a:rPr lang="ru-RU" baseline="0" dirty="0"/>
               <a:t> есть выполняет одну конкретную неделимую задачу</a:t>
             </a:r>
           </a:p>
@@ -3947,7 +3601,7 @@
               <a:buChar char="•"/>
             </a:pPr>
             <a:r>
-              <a:rPr lang="ru-RU" baseline="0" dirty="0" smtClean="0"/>
+              <a:rPr lang="ru-RU" baseline="0" dirty="0"/>
               <a:t>…, то есть задача решается полностью за счет данных и методов класса</a:t>
             </a:r>
           </a:p>
@@ -3957,7 +3611,7 @@
               <a:buChar char="•"/>
             </a:pPr>
             <a:r>
-              <a:rPr lang="ru-RU" baseline="0" dirty="0" smtClean="0"/>
+              <a:rPr lang="ru-RU" baseline="0" dirty="0"/>
               <a:t>…, то есть раз реализация выполняет только одну задачу, значит и изменения нужны только в рамках этой задачи</a:t>
             </a:r>
           </a:p>
@@ -3966,7 +3620,7 @@
               <a:buFont typeface="Arial" panose="020B0604020202020204" pitchFamily="34" charset="0"/>
               <a:buChar char="•"/>
             </a:pPr>
-            <a:endParaRPr lang="ru-RU" baseline="0" dirty="0" smtClean="0"/>
+            <a:endParaRPr lang="ru-RU" baseline="0" dirty="0"/>
           </a:p>
           <a:p>
             <a:pPr marL="0" marR="0" indent="0" algn="l" defTabSz="914400" rtl="0" eaLnBrk="1" fontAlgn="auto" latinLnBrk="0" hangingPunct="1">
@@ -3987,14 +3641,14 @@
               <a:defRPr/>
             </a:pPr>
             <a:r>
-              <a:rPr lang="ru-RU" i="1" dirty="0" smtClean="0"/>
+              <a:rPr lang="ru-RU" i="1" dirty="0"/>
               <a:t>Совет: </a:t>
             </a:r>
             <a:r>
-              <a:rPr lang="ru-RU" dirty="0" smtClean="0"/>
+              <a:rPr lang="ru-RU" dirty="0"/>
               <a:t>если сомневаетесь, попробуйте сформулировать всё, что умеет делать класс, одним предложением. Если предложение простое – всё в порядке. Если состоит из нескольких – скорее всего, принцип нарушается.</a:t>
             </a:r>
-            <a:endParaRPr lang="ru-RU" i="1" dirty="0" smtClean="0"/>
+            <a:endParaRPr lang="ru-RU" i="1" dirty="0"/>
           </a:p>
         </p:txBody>
       </p:sp>
@@ -4096,53 +3750,26 @@
               <a:defRPr/>
             </a:pPr>
             <a:r>
-              <a:rPr lang="ru-RU" baseline="0" dirty="0" smtClean="0"/>
+              <a:rPr lang="ru-RU" baseline="0" dirty="0"/>
               <a:t>Перед нами класс </a:t>
             </a:r>
             <a:r>
-              <a:rPr lang="en-US" baseline="0" dirty="0" smtClean="0"/>
+              <a:rPr lang="en-US" baseline="0" dirty="0"/>
               <a:t>Bitmap</a:t>
             </a:r>
             <a:r>
-              <a:rPr lang="ru-RU" baseline="0" dirty="0" smtClean="0"/>
+              <a:rPr lang="ru-RU" baseline="0" dirty="0"/>
               <a:t>, предоставляющий операции над растровым изображением</a:t>
             </a:r>
             <a:r>
-              <a:rPr lang="en-US" baseline="0" dirty="0" smtClean="0"/>
+              <a:rPr lang="en-US" baseline="0" dirty="0"/>
               <a:t>.</a:t>
             </a:r>
             <a:r>
-              <a:rPr lang="ru-RU" baseline="0" dirty="0" smtClean="0"/>
-              <a:t> Чем он нарушает п</a:t>
-            </a:r>
-            <a:r>
-              <a:rPr lang="ru-RU" dirty="0" smtClean="0"/>
-              <a:t>ринцип единственной ответственности</a:t>
-            </a:r>
-            <a:r>
-              <a:rPr lang="en-US" dirty="0" smtClean="0"/>
-              <a:t>,</a:t>
-            </a:r>
-            <a:r>
-              <a:rPr lang="en-US" baseline="0" dirty="0" smtClean="0"/>
+              <a:rPr lang="ru-RU" baseline="0" dirty="0"/>
               <a:t> </a:t>
             </a:r>
-            <a:r>
-              <a:rPr lang="ru-RU" baseline="0" dirty="0" smtClean="0"/>
-              <a:t>как вы думаете</a:t>
-            </a:r>
-            <a:r>
-              <a:rPr lang="ru-RU" dirty="0" smtClean="0"/>
-              <a:t>?</a:t>
-            </a:r>
-            <a:endParaRPr lang="en-US" baseline="0" dirty="0" smtClean="0"/>
-          </a:p>
-          <a:p>
-            <a:r>
-              <a:rPr lang="en-US" baseline="0" dirty="0" smtClean="0"/>
-              <a:t>[T]</a:t>
-            </a:r>
-            <a:endParaRPr lang="ru-RU" baseline="0" dirty="0" smtClean="0"/>
+            <a:endParaRPr lang="en-US" baseline="0" dirty="0"/>
           </a:p>
           <a:p>
             <a:pPr marL="0" marR="0" indent="0" algn="l" defTabSz="914400" rtl="0" eaLnBrk="1" fontAlgn="auto" latinLnBrk="0" hangingPunct="1">
@@ -4163,34 +3790,34 @@
               <a:defRPr/>
             </a:pPr>
             <a:r>
-              <a:rPr lang="ru-RU" baseline="0" dirty="0" smtClean="0"/>
+              <a:rPr lang="ru-RU" baseline="0" dirty="0"/>
               <a:t>Помимо основной ответственности – хранения пикселей – в классе присутствуют сохранение в файл и рисование линии. Каждая из этих функций вносит дополнительную ответственность в класс </a:t>
             </a:r>
             <a:r>
-              <a:rPr lang="en-US" baseline="0" dirty="0" smtClean="0"/>
+              <a:rPr lang="en-US" baseline="0" dirty="0"/>
               <a:t>Bitmap</a:t>
             </a:r>
             <a:r>
-              <a:rPr lang="ru-RU" baseline="0" dirty="0" smtClean="0"/>
+              <a:rPr lang="ru-RU" baseline="0" dirty="0"/>
               <a:t>. Тем самым принцип нарушается.</a:t>
             </a:r>
           </a:p>
           <a:p>
             <a:r>
-              <a:rPr lang="ru-RU" baseline="0" dirty="0" smtClean="0"/>
+              <a:rPr lang="ru-RU" baseline="0" dirty="0"/>
               <a:t>Сформулируем ответственность класса в виде предложения: Класс </a:t>
             </a:r>
             <a:r>
-              <a:rPr lang="en-US" baseline="0" dirty="0" smtClean="0"/>
+              <a:rPr lang="en-US" baseline="0" dirty="0"/>
               <a:t>Bitmap</a:t>
             </a:r>
             <a:r>
-              <a:rPr lang="ru-RU" baseline="0" dirty="0" smtClean="0"/>
+              <a:rPr lang="ru-RU" baseline="0" dirty="0"/>
               <a:t> хранит в себе пиксели изображения, а также позволяет сохранить изображение в файл и нарисовать линию. Предложение получилось сложным, что может свидетельствовать о нарушении принципа.</a:t>
             </a:r>
           </a:p>
           <a:p>
-            <a:endParaRPr lang="ru-RU" baseline="0" dirty="0" smtClean="0"/>
+            <a:endParaRPr lang="ru-RU" baseline="0" dirty="0"/>
           </a:p>
         </p:txBody>
       </p:sp>
@@ -4292,35 +3919,15 @@
               <a:defRPr/>
             </a:pPr>
             <a:r>
-              <a:rPr lang="ru-RU" baseline="0" dirty="0" smtClean="0"/>
-              <a:t>Мы выделили интерфейс </a:t>
-            </a:r>
-            <a:r>
-              <a:rPr lang="en-US" baseline="0" dirty="0" err="1" smtClean="0"/>
-              <a:t>IBitmap</a:t>
-            </a:r>
-            <a:r>
-              <a:rPr lang="en-US" baseline="0" dirty="0" smtClean="0"/>
-              <a:t> </a:t>
-            </a:r>
-            <a:r>
-              <a:rPr lang="ru-RU" baseline="0" dirty="0" smtClean="0"/>
-              <a:t>и реализовали его в </a:t>
-            </a:r>
-            <a:r>
-              <a:rPr lang="en-US" baseline="0" dirty="0" smtClean="0"/>
-              <a:t>Bitmap, </a:t>
-            </a:r>
-            <a:r>
-              <a:rPr lang="ru-RU" baseline="0" dirty="0" smtClean="0"/>
-              <a:t>а также перенесли методы рисования линии и сохранения файла из </a:t>
-            </a:r>
-            <a:r>
-              <a:rPr lang="en-US" baseline="0" dirty="0" smtClean="0"/>
+              <a:rPr lang="ru-RU" baseline="0" dirty="0"/>
+              <a:t>Мы перенесли методы рисования линии и сохранения файла из </a:t>
+            </a:r>
+            <a:r>
+              <a:rPr lang="en-US" baseline="0" dirty="0"/>
               <a:t>Bitmap </a:t>
             </a:r>
             <a:r>
-              <a:rPr lang="ru-RU" baseline="0" dirty="0" smtClean="0"/>
+              <a:rPr lang="ru-RU" baseline="0" dirty="0"/>
               <a:t>в отдельные классы.</a:t>
             </a:r>
           </a:p>
@@ -4343,44 +3950,44 @@
               <a:defRPr/>
             </a:pPr>
             <a:r>
-              <a:rPr lang="ru-RU" baseline="0" dirty="0" smtClean="0"/>
+              <a:rPr lang="ru-RU" baseline="0" dirty="0"/>
               <a:t>Тем самым мы вынесли ответственность за сохранение файла и рисование линии и добились соблюдения </a:t>
             </a:r>
             <a:r>
-              <a:rPr lang="ru-RU" dirty="0" smtClean="0"/>
+              <a:rPr lang="ru-RU" dirty="0"/>
               <a:t>принципа единственной ответственности.</a:t>
             </a:r>
-            <a:endParaRPr lang="ru-RU" baseline="0" dirty="0" smtClean="0"/>
-          </a:p>
-          <a:p>
-            <a:r>
-              <a:rPr lang="ru-RU" baseline="0" dirty="0" smtClean="0"/>
+            <a:endParaRPr lang="ru-RU" baseline="0" dirty="0"/>
+          </a:p>
+          <a:p>
+            <a:r>
+              <a:rPr lang="ru-RU" baseline="0" dirty="0"/>
               <a:t>Попробуем теперь сформулировать ответственность класса </a:t>
             </a:r>
             <a:r>
-              <a:rPr lang="en-US" baseline="0" dirty="0" smtClean="0"/>
+              <a:rPr lang="en-US" baseline="0" dirty="0"/>
               <a:t>Bitmap</a:t>
             </a:r>
             <a:r>
-              <a:rPr lang="ru-RU" baseline="0" dirty="0" smtClean="0"/>
+              <a:rPr lang="ru-RU" baseline="0" dirty="0"/>
               <a:t> в виде предложения. Класс </a:t>
             </a:r>
             <a:r>
-              <a:rPr lang="en-US" baseline="0" dirty="0" smtClean="0"/>
+              <a:rPr lang="en-US" baseline="0" dirty="0"/>
               <a:t>Bitmap</a:t>
             </a:r>
             <a:r>
-              <a:rPr lang="ru-RU" baseline="0" dirty="0" smtClean="0"/>
+              <a:rPr lang="ru-RU" baseline="0" dirty="0"/>
               <a:t> хранит в себе пиксели изображения. Предложение получилось простым, что подтверждает соблюдение принципа.</a:t>
             </a:r>
-            <a:endParaRPr lang="ru-RU" dirty="0" smtClean="0"/>
-          </a:p>
-          <a:p>
-            <a:endParaRPr lang="ru-RU" baseline="0" dirty="0" smtClean="0"/>
-          </a:p>
-          <a:p>
-            <a:r>
-              <a:rPr lang="ru-RU" baseline="0" dirty="0" smtClean="0"/>
+            <a:endParaRPr lang="ru-RU" dirty="0"/>
+          </a:p>
+          <a:p>
+            <a:endParaRPr lang="ru-RU" baseline="0" dirty="0"/>
+          </a:p>
+          <a:p>
+            <a:r>
+              <a:rPr lang="ru-RU" baseline="0" dirty="0"/>
               <a:t>Однако у данной реализации есть и минусы:</a:t>
             </a:r>
           </a:p>
@@ -4390,26 +3997,26 @@
               <a:buChar char="•"/>
             </a:pPr>
             <a:r>
-              <a:rPr lang="en-US" baseline="0" dirty="0" smtClean="0"/>
+              <a:rPr lang="en-US" baseline="0" dirty="0"/>
               <a:t>Discoverability </a:t>
             </a:r>
             <a:r>
-              <a:rPr lang="ru-RU" baseline="0" dirty="0" smtClean="0"/>
+              <a:rPr lang="ru-RU" baseline="0" dirty="0"/>
               <a:t>хуже</a:t>
             </a:r>
             <a:r>
-              <a:rPr lang="en-US" baseline="0" dirty="0" smtClean="0"/>
+              <a:rPr lang="en-US" baseline="0" dirty="0"/>
               <a:t> (</a:t>
             </a:r>
             <a:r>
-              <a:rPr lang="ru-RU" baseline="0" dirty="0" smtClean="0"/>
+              <a:rPr lang="ru-RU" baseline="0" dirty="0"/>
               <a:t>то есть найти и применить вынесенные в отдельные классы функции становится сложнее</a:t>
             </a:r>
             <a:r>
-              <a:rPr lang="en-US" baseline="0" dirty="0" smtClean="0"/>
+              <a:rPr lang="en-US" baseline="0" dirty="0"/>
               <a:t>)</a:t>
             </a:r>
-            <a:endParaRPr lang="ru-RU" baseline="0" dirty="0" smtClean="0"/>
+            <a:endParaRPr lang="ru-RU" baseline="0" dirty="0"/>
           </a:p>
           <a:p>
             <a:pPr marL="171450" indent="-171450">
@@ -4417,10 +4024,10 @@
               <a:buChar char="•"/>
             </a:pPr>
             <a:r>
-              <a:rPr lang="ru-RU" baseline="0" dirty="0" smtClean="0"/>
+              <a:rPr lang="ru-RU" baseline="0" dirty="0"/>
               <a:t>Код сохранения стал более громоздким (особенно, если в 90% случаев сохранение идет в один и тот же формат)</a:t>
             </a:r>
-            <a:endParaRPr lang="en-US" baseline="0" dirty="0" smtClean="0"/>
+            <a:endParaRPr lang="en-US" baseline="0" dirty="0"/>
           </a:p>
         </p:txBody>
       </p:sp>
@@ -4522,7 +4129,7 @@
               <a:defRPr/>
             </a:pPr>
             <a:r>
-              <a:rPr lang="ru-RU" baseline="0" dirty="0" smtClean="0"/>
+              <a:rPr lang="ru-RU" baseline="0" dirty="0"/>
               <a:t>Сейчас мы видим, как меняется код сохранения и рисования после применения принципа единственной ответственности.</a:t>
             </a:r>
           </a:p>
@@ -4545,23 +4152,23 @@
               <a:defRPr/>
             </a:pPr>
             <a:r>
-              <a:rPr lang="ru-RU" baseline="0" dirty="0" smtClean="0"/>
+              <a:rPr lang="ru-RU" baseline="0" dirty="0"/>
               <a:t>Как мы видим, до начала использования принципа сохранение выполнялось в одну строку, а рисование – в две. Теперь же для сохранения требуется создать </a:t>
             </a:r>
             <a:r>
-              <a:rPr lang="ru-RU" baseline="0" dirty="0" err="1" smtClean="0"/>
+              <a:rPr lang="ru-RU" baseline="0" dirty="0" err="1"/>
               <a:t>энкодер</a:t>
             </a:r>
             <a:r>
-              <a:rPr lang="ru-RU" baseline="0" dirty="0" smtClean="0"/>
+              <a:rPr lang="ru-RU" baseline="0" dirty="0"/>
               <a:t>, а для рисования – объект графики; обе операции теперь занимают на одну строку кода больше. Для рисования это не является критичным, так как команд рисования обычно несколько. Для упрощения сохранения можно использовать функцию фасад, которая скроет создание </a:t>
             </a:r>
             <a:r>
-              <a:rPr lang="ru-RU" baseline="0" dirty="0" err="1" smtClean="0"/>
+              <a:rPr lang="ru-RU" baseline="0" dirty="0" err="1"/>
               <a:t>энкодера</a:t>
             </a:r>
             <a:r>
-              <a:rPr lang="ru-RU" baseline="0" dirty="0" smtClean="0"/>
+              <a:rPr lang="ru-RU" baseline="0" dirty="0"/>
               <a:t>.</a:t>
             </a:r>
           </a:p>
@@ -4583,7 +4190,7 @@
               <a:tabLst/>
               <a:defRPr/>
             </a:pPr>
-            <a:endParaRPr lang="ru-RU" baseline="0" dirty="0" smtClean="0"/>
+            <a:endParaRPr lang="ru-RU" baseline="0" dirty="0"/>
           </a:p>
           <a:p>
             <a:pPr marL="0" marR="0" indent="0" algn="l" defTabSz="914400" rtl="0" eaLnBrk="1" fontAlgn="auto" latinLnBrk="0" hangingPunct="1">
@@ -4604,15 +4211,15 @@
               <a:defRPr/>
             </a:pPr>
             <a:r>
-              <a:rPr lang="ru-RU" baseline="0" dirty="0" smtClean="0"/>
+              <a:rPr lang="ru-RU" baseline="0" dirty="0"/>
               <a:t>Вывод: при использовании принципа код становится чуть более многословным. Однако это дает много плюсов: расширить функционал теперь легче (например, добавить рисование окружности); менять интерфейс и реализации </a:t>
             </a:r>
             <a:r>
-              <a:rPr lang="en-US" baseline="0" dirty="0" smtClean="0"/>
+              <a:rPr lang="en-US" baseline="0" dirty="0"/>
               <a:t>Bitmap </a:t>
             </a:r>
             <a:r>
-              <a:rPr lang="ru-RU" baseline="0" dirty="0" smtClean="0"/>
+              <a:rPr lang="ru-RU" baseline="0" dirty="0"/>
               <a:t>для этого не придется.</a:t>
             </a:r>
           </a:p>
@@ -4715,64 +4322,7 @@
               <a:tabLst/>
               <a:defRPr/>
             </a:pPr>
-            <a:r>
-              <a:rPr lang="ru-RU" baseline="0" dirty="0" smtClean="0"/>
-              <a:t>Подведем итоги.</a:t>
-            </a:r>
-          </a:p>
-          <a:p>
-            <a:pPr marL="0" marR="0" indent="0" algn="l" defTabSz="914400" rtl="0" eaLnBrk="1" fontAlgn="auto" latinLnBrk="0" hangingPunct="1">
-              <a:lnSpc>
-                <a:spcPct val="100000"/>
-              </a:lnSpc>
-              <a:spcBef>
-                <a:spcPts val="0"/>
-              </a:spcBef>
-              <a:spcAft>
-                <a:spcPts val="0"/>
-              </a:spcAft>
-              <a:buClrTx/>
-              <a:buSzTx/>
-              <a:buFontTx/>
-              <a:buNone/>
-              <a:tabLst/>
-              <a:defRPr/>
-            </a:pPr>
-            <a:r>
-              <a:rPr lang="ru-RU" baseline="0" dirty="0" smtClean="0"/>
-              <a:t>У применения </a:t>
-            </a:r>
-            <a:r>
-              <a:rPr lang="en-US" baseline="0" dirty="0" smtClean="0"/>
-              <a:t>SRP </a:t>
-            </a:r>
-            <a:r>
-              <a:rPr lang="ru-RU" baseline="0" dirty="0" smtClean="0"/>
-              <a:t>есть достоинства, а именно: …</a:t>
-            </a:r>
-          </a:p>
-          <a:p>
-            <a:pPr marL="0" marR="0" indent="0" algn="l" defTabSz="914400" rtl="0" eaLnBrk="1" fontAlgn="auto" latinLnBrk="0" hangingPunct="1">
-              <a:lnSpc>
-                <a:spcPct val="100000"/>
-              </a:lnSpc>
-              <a:spcBef>
-                <a:spcPts val="0"/>
-              </a:spcBef>
-              <a:spcAft>
-                <a:spcPts val="0"/>
-              </a:spcAft>
-              <a:buClrTx/>
-              <a:buSzTx/>
-              <a:buFontTx/>
-              <a:buNone/>
-              <a:tabLst/>
-              <a:defRPr/>
-            </a:pPr>
-            <a:r>
-              <a:rPr lang="ru-RU" baseline="0" dirty="0" smtClean="0"/>
-              <a:t>Также есть и недостатки: …</a:t>
-            </a:r>
+            <a:endParaRPr lang="ru-RU" baseline="0" dirty="0"/>
           </a:p>
         </p:txBody>
       </p:sp>
@@ -4857,17 +4407,17 @@
           <a:lstStyle/>
           <a:p>
             <a:r>
-              <a:rPr lang="ru-RU" dirty="0" smtClean="0"/>
+              <a:rPr lang="ru-RU" dirty="0"/>
               <a:t>Рассмотрим принцип открытости/закрытости. В</a:t>
             </a:r>
             <a:r>
-              <a:rPr lang="ru-RU" baseline="0" dirty="0" smtClean="0"/>
+              <a:rPr lang="ru-RU" baseline="0" dirty="0"/>
               <a:t> чем он заключается, как вы думаете?</a:t>
             </a:r>
           </a:p>
           <a:p>
             <a:r>
-              <a:rPr lang="ru-RU" baseline="0" dirty="0" smtClean="0"/>
+              <a:rPr lang="ru-RU" baseline="0" dirty="0"/>
               <a:t>…</a:t>
             </a:r>
           </a:p>
@@ -4890,37 +4440,37 @@
               <a:defRPr/>
             </a:pPr>
             <a:r>
-              <a:rPr lang="en-US" dirty="0" smtClean="0"/>
+              <a:rPr lang="en-US" dirty="0"/>
               <a:t>[T]</a:t>
             </a:r>
             <a:r>
-              <a:rPr lang="en-US" baseline="0" dirty="0" smtClean="0"/>
+              <a:rPr lang="en-US" baseline="0" dirty="0"/>
               <a:t> </a:t>
             </a:r>
             <a:r>
-              <a:rPr lang="ru-RU" dirty="0" smtClean="0"/>
+              <a:rPr lang="ru-RU" dirty="0"/>
               <a:t>Программные сущности (классы, модули, функции и т.д.) должны быть открыты для расширения, но закрыты для изменения</a:t>
             </a:r>
           </a:p>
           <a:p>
             <a:r>
-              <a:rPr lang="en-US" dirty="0" smtClean="0"/>
+              <a:rPr lang="en-US" dirty="0"/>
               <a:t>[T] </a:t>
             </a:r>
             <a:r>
-              <a:rPr lang="ru-RU" dirty="0" smtClean="0"/>
+              <a:rPr lang="ru-RU" dirty="0"/>
               <a:t>Существуют</a:t>
             </a:r>
             <a:r>
-              <a:rPr lang="ru-RU" baseline="0" dirty="0" smtClean="0"/>
+              <a:rPr lang="ru-RU" baseline="0" dirty="0"/>
               <a:t> следующие механизмы для реализации принципа в языке </a:t>
             </a:r>
             <a:r>
-              <a:rPr lang="en-US" baseline="0" dirty="0" smtClean="0"/>
+              <a:rPr lang="en-US" baseline="0" dirty="0"/>
               <a:t>C++</a:t>
             </a:r>
             <a:r>
-              <a:rPr lang="ru-RU" baseline="0" dirty="0" smtClean="0"/>
+              <a:rPr lang="ru-RU" baseline="0" dirty="0"/>
               <a:t>:</a:t>
             </a:r>
           </a:p>
@@ -4930,7 +4480,7 @@
               <a:buChar char="•"/>
             </a:pPr>
             <a:r>
-              <a:rPr lang="ru-RU" baseline="0" dirty="0" smtClean="0"/>
+              <a:rPr lang="ru-RU" baseline="0" dirty="0"/>
               <a:t>Через наследование – например, с использованием паттерна шаблонный метод</a:t>
             </a:r>
           </a:p>
@@ -4940,15 +4490,15 @@
               <a:buChar char="•"/>
             </a:pPr>
             <a:r>
-              <a:rPr lang="ru-RU" dirty="0" smtClean="0"/>
+              <a:rPr lang="ru-RU" dirty="0"/>
               <a:t>Через композицию или агрегацию – </a:t>
             </a:r>
             <a:r>
-              <a:rPr lang="ru-RU" baseline="0" dirty="0" smtClean="0"/>
+              <a:rPr lang="ru-RU" baseline="0" dirty="0"/>
               <a:t>например, с помощью </a:t>
             </a:r>
             <a:r>
-              <a:rPr lang="ru-RU" dirty="0" smtClean="0"/>
+              <a:rPr lang="ru-RU" dirty="0"/>
               <a:t>внедрения зависимости</a:t>
             </a:r>
           </a:p>
@@ -4958,11 +4508,11 @@
               <a:buChar char="•"/>
             </a:pPr>
             <a:r>
-              <a:rPr lang="ru-RU" dirty="0" smtClean="0"/>
+              <a:rPr lang="ru-RU" dirty="0"/>
               <a:t>За счет передачи зависимости параметром метода – передается</a:t>
             </a:r>
             <a:r>
-              <a:rPr lang="ru-RU" baseline="0" dirty="0" smtClean="0"/>
+              <a:rPr lang="ru-RU" baseline="0" dirty="0"/>
               <a:t> интерфейс или лямбда функция</a:t>
             </a:r>
           </a:p>
@@ -4972,27 +4522,27 @@
               <a:buChar char="•"/>
             </a:pPr>
             <a:r>
-              <a:rPr lang="ru-RU" baseline="0" dirty="0" smtClean="0"/>
+              <a:rPr lang="ru-RU" baseline="0" dirty="0"/>
               <a:t>За счет </a:t>
             </a:r>
             <a:r>
-              <a:rPr lang="ru-RU" dirty="0" smtClean="0"/>
+              <a:rPr lang="ru-RU" dirty="0"/>
               <a:t>передачи зависимости параметром шаблона – в</a:t>
             </a:r>
             <a:r>
-              <a:rPr lang="ru-RU" baseline="0" dirty="0" smtClean="0"/>
+              <a:rPr lang="ru-RU" baseline="0" dirty="0"/>
               <a:t> этом случае класс или функция с расширенным функционалом будет развернута на этапе компиляции (например, как компаратор для </a:t>
             </a:r>
             <a:r>
-              <a:rPr lang="en-US" baseline="0" dirty="0" err="1" smtClean="0"/>
+              <a:rPr lang="en-US" baseline="0" dirty="0" err="1"/>
               <a:t>std</a:t>
             </a:r>
             <a:r>
-              <a:rPr lang="en-US" baseline="0" dirty="0" smtClean="0"/>
+              <a:rPr lang="en-US" baseline="0" dirty="0"/>
               <a:t>::set</a:t>
             </a:r>
             <a:r>
-              <a:rPr lang="ru-RU" baseline="0" dirty="0" smtClean="0"/>
+              <a:rPr lang="ru-RU" baseline="0" dirty="0"/>
               <a:t>)</a:t>
             </a:r>
           </a:p>
@@ -5076,10 +4626,9 @@
           </a:lstStyle>
           <a:p>
             <a:r>
-              <a:rPr lang="ru-RU" smtClean="0"/>
+              <a:rPr lang="ru-RU"/>
               <a:t>Образец заголовка</a:t>
             </a:r>
-            <a:endParaRPr lang="ru-RU"/>
           </a:p>
         </p:txBody>
       </p:sp>
@@ -5141,10 +4690,9 @@
           </a:lstStyle>
           <a:p>
             <a:r>
-              <a:rPr lang="ru-RU" smtClean="0"/>
+              <a:rPr lang="ru-RU"/>
               <a:t>Образец подзаголовка</a:t>
             </a:r>
-            <a:endParaRPr lang="ru-RU"/>
           </a:p>
         </p:txBody>
       </p:sp>
@@ -5165,7 +4713,7 @@
           <a:p>
             <a:fld id="{955B8494-3BC4-476A-8180-C7D531D1BDE9}" type="datetime1">
               <a:rPr lang="ru-RU" smtClean="0"/>
-              <a:t>07.05.2020</a:t>
+              <a:t>21.12.2022</a:t>
             </a:fld>
             <a:endParaRPr lang="ru-RU"/>
           </a:p>
@@ -5259,10 +4807,9 @@
           <a:lstStyle/>
           <a:p>
             <a:r>
-              <a:rPr lang="ru-RU" smtClean="0"/>
+              <a:rPr lang="ru-RU"/>
               <a:t>Образец заголовка</a:t>
             </a:r>
-            <a:endParaRPr lang="ru-RU"/>
           </a:p>
         </p:txBody>
       </p:sp>
@@ -5283,38 +4830,37 @@
           <a:p>
             <a:pPr lvl="0"/>
             <a:r>
-              <a:rPr lang="ru-RU" smtClean="0"/>
+              <a:rPr lang="ru-RU"/>
               <a:t>Образец текста</a:t>
             </a:r>
           </a:p>
           <a:p>
             <a:pPr lvl="1"/>
             <a:r>
-              <a:rPr lang="ru-RU" smtClean="0"/>
+              <a:rPr lang="ru-RU"/>
               <a:t>Второй уровень</a:t>
             </a:r>
           </a:p>
           <a:p>
             <a:pPr lvl="2"/>
             <a:r>
-              <a:rPr lang="ru-RU" smtClean="0"/>
+              <a:rPr lang="ru-RU"/>
               <a:t>Третий уровень</a:t>
             </a:r>
           </a:p>
           <a:p>
             <a:pPr lvl="3"/>
             <a:r>
-              <a:rPr lang="ru-RU" smtClean="0"/>
+              <a:rPr lang="ru-RU"/>
               <a:t>Четвертый уровень</a:t>
             </a:r>
           </a:p>
           <a:p>
             <a:pPr lvl="4"/>
             <a:r>
-              <a:rPr lang="ru-RU" smtClean="0"/>
+              <a:rPr lang="ru-RU"/>
               <a:t>Пятый уровень</a:t>
             </a:r>
-            <a:endParaRPr lang="ru-RU"/>
           </a:p>
         </p:txBody>
       </p:sp>
@@ -5335,7 +4881,7 @@
           <a:p>
             <a:fld id="{896BD083-5DC9-4DDD-99DA-87E972459BE3}" type="datetime1">
               <a:rPr lang="ru-RU" smtClean="0"/>
-              <a:t>07.05.2020</a:t>
+              <a:t>21.12.2022</a:t>
             </a:fld>
             <a:endParaRPr lang="ru-RU"/>
           </a:p>
@@ -5434,10 +4980,9 @@
           <a:lstStyle/>
           <a:p>
             <a:r>
-              <a:rPr lang="ru-RU" smtClean="0"/>
+              <a:rPr lang="ru-RU"/>
               <a:t>Образец заголовка</a:t>
             </a:r>
-            <a:endParaRPr lang="ru-RU"/>
           </a:p>
         </p:txBody>
       </p:sp>
@@ -5463,38 +5008,37 @@
           <a:p>
             <a:pPr lvl="0"/>
             <a:r>
-              <a:rPr lang="ru-RU" smtClean="0"/>
+              <a:rPr lang="ru-RU"/>
               <a:t>Образец текста</a:t>
             </a:r>
           </a:p>
           <a:p>
             <a:pPr lvl="1"/>
             <a:r>
-              <a:rPr lang="ru-RU" smtClean="0"/>
+              <a:rPr lang="ru-RU"/>
               <a:t>Второй уровень</a:t>
             </a:r>
           </a:p>
           <a:p>
             <a:pPr lvl="2"/>
             <a:r>
-              <a:rPr lang="ru-RU" smtClean="0"/>
+              <a:rPr lang="ru-RU"/>
               <a:t>Третий уровень</a:t>
             </a:r>
           </a:p>
           <a:p>
             <a:pPr lvl="3"/>
             <a:r>
-              <a:rPr lang="ru-RU" smtClean="0"/>
+              <a:rPr lang="ru-RU"/>
               <a:t>Четвертый уровень</a:t>
             </a:r>
           </a:p>
           <a:p>
             <a:pPr lvl="4"/>
             <a:r>
-              <a:rPr lang="ru-RU" smtClean="0"/>
+              <a:rPr lang="ru-RU"/>
               <a:t>Пятый уровень</a:t>
             </a:r>
-            <a:endParaRPr lang="ru-RU"/>
           </a:p>
         </p:txBody>
       </p:sp>
@@ -5515,7 +5059,7 @@
           <a:p>
             <a:fld id="{B6EA1591-1064-4C12-A3F3-9E222C1602E4}" type="datetime1">
               <a:rPr lang="ru-RU" smtClean="0"/>
-              <a:t>07.05.2020</a:t>
+              <a:t>21.12.2022</a:t>
             </a:fld>
             <a:endParaRPr lang="ru-RU"/>
           </a:p>
@@ -5609,10 +5153,9 @@
           <a:lstStyle/>
           <a:p>
             <a:r>
-              <a:rPr lang="ru-RU" smtClean="0"/>
+              <a:rPr lang="ru-RU"/>
               <a:t>Образец заголовка</a:t>
             </a:r>
-            <a:endParaRPr lang="ru-RU"/>
           </a:p>
         </p:txBody>
       </p:sp>
@@ -5633,38 +5176,37 @@
           <a:p>
             <a:pPr lvl="0"/>
             <a:r>
-              <a:rPr lang="ru-RU" smtClean="0"/>
+              <a:rPr lang="ru-RU"/>
               <a:t>Образец текста</a:t>
             </a:r>
           </a:p>
           <a:p>
             <a:pPr lvl="1"/>
             <a:r>
-              <a:rPr lang="ru-RU" smtClean="0"/>
+              <a:rPr lang="ru-RU"/>
               <a:t>Второй уровень</a:t>
             </a:r>
           </a:p>
           <a:p>
             <a:pPr lvl="2"/>
             <a:r>
-              <a:rPr lang="ru-RU" smtClean="0"/>
+              <a:rPr lang="ru-RU"/>
               <a:t>Третий уровень</a:t>
             </a:r>
           </a:p>
           <a:p>
             <a:pPr lvl="3"/>
             <a:r>
-              <a:rPr lang="ru-RU" smtClean="0"/>
+              <a:rPr lang="ru-RU"/>
               <a:t>Четвертый уровень</a:t>
             </a:r>
           </a:p>
           <a:p>
             <a:pPr lvl="4"/>
             <a:r>
-              <a:rPr lang="ru-RU" smtClean="0"/>
+              <a:rPr lang="ru-RU"/>
               <a:t>Пятый уровень</a:t>
             </a:r>
-            <a:endParaRPr lang="ru-RU"/>
           </a:p>
         </p:txBody>
       </p:sp>
@@ -5685,7 +5227,7 @@
           <a:p>
             <a:fld id="{3EADD36C-E1EE-433A-85C1-8AB557831B59}" type="datetime1">
               <a:rPr lang="ru-RU" smtClean="0"/>
-              <a:t>07.05.2020</a:t>
+              <a:t>21.12.2022</a:t>
             </a:fld>
             <a:endParaRPr lang="ru-RU"/>
           </a:p>
@@ -5788,10 +5330,9 @@
           </a:lstStyle>
           <a:p>
             <a:r>
-              <a:rPr lang="ru-RU" smtClean="0"/>
+              <a:rPr lang="ru-RU"/>
               <a:t>Образец заголовка</a:t>
             </a:r>
-            <a:endParaRPr lang="ru-RU"/>
           </a:p>
         </p:txBody>
       </p:sp>
@@ -5908,7 +5449,7 @@
           <a:p>
             <a:pPr lvl="0"/>
             <a:r>
-              <a:rPr lang="ru-RU" smtClean="0"/>
+              <a:rPr lang="ru-RU"/>
               <a:t>Образец текста</a:t>
             </a:r>
           </a:p>
@@ -5931,7 +5472,7 @@
           <a:p>
             <a:fld id="{F1E52A6F-751B-4577-A656-6A26D16D5D73}" type="datetime1">
               <a:rPr lang="ru-RU" smtClean="0"/>
-              <a:t>07.05.2020</a:t>
+              <a:t>21.12.2022</a:t>
             </a:fld>
             <a:endParaRPr lang="ru-RU"/>
           </a:p>
@@ -6025,10 +5566,9 @@
           <a:lstStyle/>
           <a:p>
             <a:r>
-              <a:rPr lang="ru-RU" smtClean="0"/>
+              <a:rPr lang="ru-RU"/>
               <a:t>Образец заголовка</a:t>
             </a:r>
-            <a:endParaRPr lang="ru-RU"/>
           </a:p>
         </p:txBody>
       </p:sp>
@@ -6054,38 +5594,37 @@
           <a:p>
             <a:pPr lvl="0"/>
             <a:r>
-              <a:rPr lang="ru-RU" smtClean="0"/>
+              <a:rPr lang="ru-RU"/>
               <a:t>Образец текста</a:t>
             </a:r>
           </a:p>
           <a:p>
             <a:pPr lvl="1"/>
             <a:r>
-              <a:rPr lang="ru-RU" smtClean="0"/>
+              <a:rPr lang="ru-RU"/>
               <a:t>Второй уровень</a:t>
             </a:r>
           </a:p>
           <a:p>
             <a:pPr lvl="2"/>
             <a:r>
-              <a:rPr lang="ru-RU" smtClean="0"/>
+              <a:rPr lang="ru-RU"/>
               <a:t>Третий уровень</a:t>
             </a:r>
           </a:p>
           <a:p>
             <a:pPr lvl="3"/>
             <a:r>
-              <a:rPr lang="ru-RU" smtClean="0"/>
+              <a:rPr lang="ru-RU"/>
               <a:t>Четвертый уровень</a:t>
             </a:r>
           </a:p>
           <a:p>
             <a:pPr lvl="4"/>
             <a:r>
-              <a:rPr lang="ru-RU" smtClean="0"/>
+              <a:rPr lang="ru-RU"/>
               <a:t>Пятый уровень</a:t>
             </a:r>
-            <a:endParaRPr lang="ru-RU"/>
           </a:p>
         </p:txBody>
       </p:sp>
@@ -6111,38 +5650,37 @@
           <a:p>
             <a:pPr lvl="0"/>
             <a:r>
-              <a:rPr lang="ru-RU" smtClean="0"/>
+              <a:rPr lang="ru-RU"/>
               <a:t>Образец текста</a:t>
             </a:r>
           </a:p>
           <a:p>
             <a:pPr lvl="1"/>
             <a:r>
-              <a:rPr lang="ru-RU" smtClean="0"/>
+              <a:rPr lang="ru-RU"/>
               <a:t>Второй уровень</a:t>
             </a:r>
           </a:p>
           <a:p>
             <a:pPr lvl="2"/>
             <a:r>
-              <a:rPr lang="ru-RU" smtClean="0"/>
+              <a:rPr lang="ru-RU"/>
               <a:t>Третий уровень</a:t>
             </a:r>
           </a:p>
           <a:p>
             <a:pPr lvl="3"/>
             <a:r>
-              <a:rPr lang="ru-RU" smtClean="0"/>
+              <a:rPr lang="ru-RU"/>
               <a:t>Четвертый уровень</a:t>
             </a:r>
           </a:p>
           <a:p>
             <a:pPr lvl="4"/>
             <a:r>
-              <a:rPr lang="ru-RU" smtClean="0"/>
+              <a:rPr lang="ru-RU"/>
               <a:t>Пятый уровень</a:t>
             </a:r>
-            <a:endParaRPr lang="ru-RU"/>
           </a:p>
         </p:txBody>
       </p:sp>
@@ -6163,7 +5701,7 @@
           <a:p>
             <a:fld id="{89C84D38-0A16-4A00-84F3-995FB60A1A24}" type="datetime1">
               <a:rPr lang="ru-RU" smtClean="0"/>
-              <a:t>07.05.2020</a:t>
+              <a:t>21.12.2022</a:t>
             </a:fld>
             <a:endParaRPr lang="ru-RU"/>
           </a:p>
@@ -6262,10 +5800,9 @@
           <a:lstStyle/>
           <a:p>
             <a:r>
-              <a:rPr lang="ru-RU" smtClean="0"/>
+              <a:rPr lang="ru-RU"/>
               <a:t>Образец заголовка</a:t>
             </a:r>
-            <a:endParaRPr lang="ru-RU"/>
           </a:p>
         </p:txBody>
       </p:sp>
@@ -6328,7 +5865,7 @@
           <a:p>
             <a:pPr lvl="0"/>
             <a:r>
-              <a:rPr lang="ru-RU" smtClean="0"/>
+              <a:rPr lang="ru-RU"/>
               <a:t>Образец текста</a:t>
             </a:r>
           </a:p>
@@ -6356,38 +5893,37 @@
           <a:p>
             <a:pPr lvl="0"/>
             <a:r>
-              <a:rPr lang="ru-RU" smtClean="0"/>
+              <a:rPr lang="ru-RU"/>
               <a:t>Образец текста</a:t>
             </a:r>
           </a:p>
           <a:p>
             <a:pPr lvl="1"/>
             <a:r>
-              <a:rPr lang="ru-RU" smtClean="0"/>
+              <a:rPr lang="ru-RU"/>
               <a:t>Второй уровень</a:t>
             </a:r>
           </a:p>
           <a:p>
             <a:pPr lvl="2"/>
             <a:r>
-              <a:rPr lang="ru-RU" smtClean="0"/>
+              <a:rPr lang="ru-RU"/>
               <a:t>Третий уровень</a:t>
             </a:r>
           </a:p>
           <a:p>
             <a:pPr lvl="3"/>
             <a:r>
-              <a:rPr lang="ru-RU" smtClean="0"/>
+              <a:rPr lang="ru-RU"/>
               <a:t>Четвертый уровень</a:t>
             </a:r>
           </a:p>
           <a:p>
             <a:pPr lvl="4"/>
             <a:r>
-              <a:rPr lang="ru-RU" smtClean="0"/>
+              <a:rPr lang="ru-RU"/>
               <a:t>Пятый уровень</a:t>
             </a:r>
-            <a:endParaRPr lang="ru-RU"/>
           </a:p>
         </p:txBody>
       </p:sp>
@@ -6450,7 +5986,7 @@
           <a:p>
             <a:pPr lvl="0"/>
             <a:r>
-              <a:rPr lang="ru-RU" smtClean="0"/>
+              <a:rPr lang="ru-RU"/>
               <a:t>Образец текста</a:t>
             </a:r>
           </a:p>
@@ -6478,38 +6014,37 @@
           <a:p>
             <a:pPr lvl="0"/>
             <a:r>
-              <a:rPr lang="ru-RU" smtClean="0"/>
+              <a:rPr lang="ru-RU"/>
               <a:t>Образец текста</a:t>
             </a:r>
           </a:p>
           <a:p>
             <a:pPr lvl="1"/>
             <a:r>
-              <a:rPr lang="ru-RU" smtClean="0"/>
+              <a:rPr lang="ru-RU"/>
               <a:t>Второй уровень</a:t>
             </a:r>
           </a:p>
           <a:p>
             <a:pPr lvl="2"/>
             <a:r>
-              <a:rPr lang="ru-RU" smtClean="0"/>
+              <a:rPr lang="ru-RU"/>
               <a:t>Третий уровень</a:t>
             </a:r>
           </a:p>
           <a:p>
             <a:pPr lvl="3"/>
             <a:r>
-              <a:rPr lang="ru-RU" smtClean="0"/>
+              <a:rPr lang="ru-RU"/>
               <a:t>Четвертый уровень</a:t>
             </a:r>
           </a:p>
           <a:p>
             <a:pPr lvl="4"/>
             <a:r>
-              <a:rPr lang="ru-RU" smtClean="0"/>
+              <a:rPr lang="ru-RU"/>
               <a:t>Пятый уровень</a:t>
             </a:r>
-            <a:endParaRPr lang="ru-RU"/>
           </a:p>
         </p:txBody>
       </p:sp>
@@ -6530,7 +6065,7 @@
           <a:p>
             <a:fld id="{B111A698-E52A-4D93-9D0B-B26B973770CA}" type="datetime1">
               <a:rPr lang="ru-RU" smtClean="0"/>
-              <a:t>07.05.2020</a:t>
+              <a:t>21.12.2022</a:t>
             </a:fld>
             <a:endParaRPr lang="ru-RU"/>
           </a:p>
@@ -6593,13 +6128,6 @@
   <p:clrMapOvr>
     <a:masterClrMapping/>
   </p:clrMapOvr>
-  <p:timing>
-    <p:tnLst>
-      <p:par>
-        <p:cTn id="1" dur="indefinite" restart="never" nodeType="tmRoot"/>
-      </p:par>
-    </p:tnLst>
-  </p:timing>
 </p:sldLayout>
 </file>
 
@@ -6636,10 +6164,9 @@
           <a:lstStyle/>
           <a:p>
             <a:r>
-              <a:rPr lang="ru-RU" smtClean="0"/>
+              <a:rPr lang="ru-RU"/>
               <a:t>Образец заголовка</a:t>
             </a:r>
-            <a:endParaRPr lang="ru-RU"/>
           </a:p>
         </p:txBody>
       </p:sp>
@@ -6660,7 +6187,7 @@
           <a:p>
             <a:fld id="{C0BCB9B2-13AF-492A-A8D5-A78E42E45C90}" type="datetime1">
               <a:rPr lang="ru-RU" smtClean="0"/>
-              <a:t>07.05.2020</a:t>
+              <a:t>21.12.2022</a:t>
             </a:fld>
             <a:endParaRPr lang="ru-RU"/>
           </a:p>
@@ -6755,7 +6282,7 @@
           <a:p>
             <a:fld id="{368E88DF-F7A1-4621-9321-DD92F290BCA2}" type="datetime1">
               <a:rPr lang="ru-RU" smtClean="0"/>
-              <a:t>07.05.2020</a:t>
+              <a:t>21.12.2022</a:t>
             </a:fld>
             <a:endParaRPr lang="ru-RU"/>
           </a:p>
@@ -6858,10 +6385,9 @@
           </a:lstStyle>
           <a:p>
             <a:r>
-              <a:rPr lang="ru-RU" smtClean="0"/>
+              <a:rPr lang="ru-RU"/>
               <a:t>Образец заголовка</a:t>
             </a:r>
-            <a:endParaRPr lang="ru-RU"/>
           </a:p>
         </p:txBody>
       </p:sp>
@@ -6915,38 +6441,37 @@
           <a:p>
             <a:pPr lvl="0"/>
             <a:r>
-              <a:rPr lang="ru-RU" smtClean="0"/>
+              <a:rPr lang="ru-RU"/>
               <a:t>Образец текста</a:t>
             </a:r>
           </a:p>
           <a:p>
             <a:pPr lvl="1"/>
             <a:r>
-              <a:rPr lang="ru-RU" smtClean="0"/>
+              <a:rPr lang="ru-RU"/>
               <a:t>Второй уровень</a:t>
             </a:r>
           </a:p>
           <a:p>
             <a:pPr lvl="2"/>
             <a:r>
-              <a:rPr lang="ru-RU" smtClean="0"/>
+              <a:rPr lang="ru-RU"/>
               <a:t>Третий уровень</a:t>
             </a:r>
           </a:p>
           <a:p>
             <a:pPr lvl="3"/>
             <a:r>
-              <a:rPr lang="ru-RU" smtClean="0"/>
+              <a:rPr lang="ru-RU"/>
               <a:t>Четвертый уровень</a:t>
             </a:r>
           </a:p>
           <a:p>
             <a:pPr lvl="4"/>
             <a:r>
-              <a:rPr lang="ru-RU" smtClean="0"/>
+              <a:rPr lang="ru-RU"/>
               <a:t>Пятый уровень</a:t>
             </a:r>
-            <a:endParaRPr lang="ru-RU"/>
           </a:p>
         </p:txBody>
       </p:sp>
@@ -7009,7 +6534,7 @@
           <a:p>
             <a:pPr lvl="0"/>
             <a:r>
-              <a:rPr lang="ru-RU" smtClean="0"/>
+              <a:rPr lang="ru-RU"/>
               <a:t>Образец текста</a:t>
             </a:r>
           </a:p>
@@ -7032,7 +6557,7 @@
           <a:p>
             <a:fld id="{B178670F-7223-45BA-8607-F009D6E07C98}" type="datetime1">
               <a:rPr lang="ru-RU" smtClean="0"/>
-              <a:t>07.05.2020</a:t>
+              <a:t>21.12.2022</a:t>
             </a:fld>
             <a:endParaRPr lang="ru-RU"/>
           </a:p>
@@ -7135,10 +6660,9 @@
           </a:lstStyle>
           <a:p>
             <a:r>
-              <a:rPr lang="ru-RU" smtClean="0"/>
+              <a:rPr lang="ru-RU"/>
               <a:t>Образец заголовка</a:t>
             </a:r>
-            <a:endParaRPr lang="ru-RU"/>
           </a:p>
         </p:txBody>
       </p:sp>
@@ -7262,7 +6786,7 @@
           <a:p>
             <a:pPr lvl="0"/>
             <a:r>
-              <a:rPr lang="ru-RU" smtClean="0"/>
+              <a:rPr lang="ru-RU"/>
               <a:t>Образец текста</a:t>
             </a:r>
           </a:p>
@@ -7285,7 +6809,7 @@
           <a:p>
             <a:fld id="{0E94A463-41EE-4B69-9D4D-FCEF376903A8}" type="datetime1">
               <a:rPr lang="ru-RU" smtClean="0"/>
-              <a:t>07.05.2020</a:t>
+              <a:t>21.12.2022</a:t>
             </a:fld>
             <a:endParaRPr lang="ru-RU"/>
           </a:p>
@@ -7394,10 +6918,9 @@
           <a:lstStyle/>
           <a:p>
             <a:r>
-              <a:rPr lang="ru-RU" smtClean="0"/>
+              <a:rPr lang="ru-RU"/>
               <a:t>Образец заголовка</a:t>
             </a:r>
-            <a:endParaRPr lang="ru-RU"/>
           </a:p>
         </p:txBody>
       </p:sp>
@@ -7428,38 +6951,37 @@
           <a:p>
             <a:pPr lvl="0"/>
             <a:r>
-              <a:rPr lang="ru-RU" smtClean="0"/>
+              <a:rPr lang="ru-RU"/>
               <a:t>Образец текста</a:t>
             </a:r>
           </a:p>
           <a:p>
             <a:pPr lvl="1"/>
             <a:r>
-              <a:rPr lang="ru-RU" smtClean="0"/>
+              <a:rPr lang="ru-RU"/>
               <a:t>Второй уровень</a:t>
             </a:r>
           </a:p>
           <a:p>
             <a:pPr lvl="2"/>
             <a:r>
-              <a:rPr lang="ru-RU" smtClean="0"/>
+              <a:rPr lang="ru-RU"/>
               <a:t>Третий уровень</a:t>
             </a:r>
           </a:p>
           <a:p>
             <a:pPr lvl="3"/>
             <a:r>
-              <a:rPr lang="ru-RU" smtClean="0"/>
+              <a:rPr lang="ru-RU"/>
               <a:t>Четвертый уровень</a:t>
             </a:r>
           </a:p>
           <a:p>
             <a:pPr lvl="4"/>
             <a:r>
-              <a:rPr lang="ru-RU" smtClean="0"/>
+              <a:rPr lang="ru-RU"/>
               <a:t>Пятый уровень</a:t>
             </a:r>
-            <a:endParaRPr lang="ru-RU"/>
           </a:p>
         </p:txBody>
       </p:sp>
@@ -7498,7 +7020,7 @@
           <a:p>
             <a:fld id="{A898E17F-A256-4882-B4AC-587C535C0026}" type="datetime1">
               <a:rPr lang="ru-RU" smtClean="0"/>
-              <a:t>07.05.2020</a:t>
+              <a:t>21.12.2022</a:t>
             </a:fld>
             <a:endParaRPr lang="ru-RU"/>
           </a:p>
@@ -7920,11 +7442,11 @@
           <a:lstStyle/>
           <a:p>
             <a:r>
-              <a:rPr lang="ru-RU" dirty="0" smtClean="0"/>
+              <a:rPr lang="ru-RU" dirty="0"/>
               <a:t>Принципы </a:t>
             </a:r>
             <a:r>
-              <a:rPr lang="en-US" dirty="0" smtClean="0"/>
+              <a:rPr lang="en-US" dirty="0"/>
               <a:t>S.O.L.I.D.</a:t>
             </a:r>
             <a:endParaRPr lang="ru-RU" dirty="0"/>
@@ -7983,13 +7505,6 @@
   <p:clrMapOvr>
     <a:masterClrMapping/>
   </p:clrMapOvr>
-  <p:timing>
-    <p:tnLst>
-      <p:par>
-        <p:cTn id="1" dur="indefinite" restart="never" nodeType="tmRoot"/>
-      </p:par>
-    </p:tnLst>
-  </p:timing>
 </p:sld>
 </file>
 
@@ -8772,16 +8287,7 @@
                 </a:solidFill>
                 <a:latin typeface="Consolas" panose="020B0609020204030204" pitchFamily="49" charset="0"/>
               </a:rPr>
-              <a:t> bitmap(320, 240</a:t>
-            </a:r>
-            <a:r>
-              <a:rPr lang="en-US" dirty="0" smtClean="0">
-                <a:solidFill>
-                  <a:srgbClr val="000000"/>
-                </a:solidFill>
-                <a:latin typeface="Consolas" panose="020B0609020204030204" pitchFamily="49" charset="0"/>
-              </a:rPr>
-              <a:t>);</a:t>
+              <a:t> bitmap(320, 240);</a:t>
             </a:r>
           </a:p>
           <a:p>
@@ -8789,7 +8295,7 @@
               <a:buNone/>
             </a:pPr>
             <a:r>
-              <a:rPr lang="en-US" dirty="0" smtClean="0">
+              <a:rPr lang="en-US" dirty="0">
                 <a:solidFill>
                   <a:srgbClr val="000000"/>
                 </a:solidFill>
@@ -8797,154 +8303,6 @@
               </a:rPr>
               <a:t>…</a:t>
             </a:r>
-          </a:p>
-          <a:p>
-            <a:pPr marL="0" indent="0">
-              <a:buNone/>
-            </a:pPr>
-            <a:endParaRPr lang="ru-RU" dirty="0" smtClean="0">
-              <a:solidFill>
-                <a:srgbClr val="000000"/>
-              </a:solidFill>
-              <a:latin typeface="Consolas" panose="020B0609020204030204" pitchFamily="49" charset="0"/>
-            </a:endParaRPr>
-          </a:p>
-          <a:p>
-            <a:pPr marL="0" indent="0">
-              <a:buNone/>
-            </a:pPr>
-            <a:r>
-              <a:rPr lang="en-US" dirty="0" err="1" smtClean="0">
-                <a:solidFill>
-                  <a:srgbClr val="2B91AF"/>
-                </a:solidFill>
-                <a:latin typeface="Consolas" panose="020B0609020204030204" pitchFamily="49" charset="0"/>
-              </a:rPr>
-              <a:t>PngImageEncoder</a:t>
-            </a:r>
-            <a:r>
-              <a:rPr lang="en-US" dirty="0" smtClean="0">
-                <a:solidFill>
-                  <a:srgbClr val="000000"/>
-                </a:solidFill>
-                <a:latin typeface="Consolas" panose="020B0609020204030204" pitchFamily="49" charset="0"/>
-              </a:rPr>
-              <a:t> </a:t>
-            </a:r>
-            <a:r>
-              <a:rPr lang="en-US" dirty="0">
-                <a:solidFill>
-                  <a:srgbClr val="000000"/>
-                </a:solidFill>
-                <a:latin typeface="Consolas" panose="020B0609020204030204" pitchFamily="49" charset="0"/>
-              </a:rPr>
-              <a:t>encoder;</a:t>
-            </a:r>
-          </a:p>
-          <a:p>
-            <a:pPr marL="0" indent="0">
-              <a:buNone/>
-            </a:pPr>
-            <a:r>
-              <a:rPr lang="en-US" dirty="0" err="1">
-                <a:solidFill>
-                  <a:srgbClr val="000000"/>
-                </a:solidFill>
-                <a:latin typeface="Consolas" panose="020B0609020204030204" pitchFamily="49" charset="0"/>
-              </a:rPr>
-              <a:t>encoder.SaveBitmap</a:t>
-            </a:r>
-            <a:r>
-              <a:rPr lang="en-US" dirty="0">
-                <a:solidFill>
-                  <a:srgbClr val="000000"/>
-                </a:solidFill>
-                <a:latin typeface="Consolas" panose="020B0609020204030204" pitchFamily="49" charset="0"/>
-              </a:rPr>
-              <a:t>(bitmap, </a:t>
-            </a:r>
-            <a:r>
-              <a:rPr lang="en-US" dirty="0" smtClean="0">
-                <a:solidFill>
-                  <a:srgbClr val="A31515"/>
-                </a:solidFill>
-                <a:latin typeface="Consolas" panose="020B0609020204030204" pitchFamily="49" charset="0"/>
-              </a:rPr>
-              <a:t>"image.png</a:t>
-            </a:r>
-            <a:r>
-              <a:rPr lang="en-US" dirty="0">
-                <a:solidFill>
-                  <a:srgbClr val="A31515"/>
-                </a:solidFill>
-                <a:latin typeface="Consolas" panose="020B0609020204030204" pitchFamily="49" charset="0"/>
-              </a:rPr>
-              <a:t>"</a:t>
-            </a:r>
-            <a:r>
-              <a:rPr lang="en-US" dirty="0">
-                <a:solidFill>
-                  <a:srgbClr val="000000"/>
-                </a:solidFill>
-                <a:latin typeface="Consolas" panose="020B0609020204030204" pitchFamily="49" charset="0"/>
-              </a:rPr>
-              <a:t>);</a:t>
-            </a:r>
-          </a:p>
-          <a:p>
-            <a:pPr marL="0" indent="0">
-              <a:buNone/>
-            </a:pPr>
-            <a:endParaRPr lang="en-US" dirty="0" smtClean="0"/>
-          </a:p>
-          <a:p>
-            <a:pPr marL="0" indent="0">
-              <a:buNone/>
-            </a:pPr>
-            <a:endParaRPr lang="en-US" dirty="0" smtClean="0"/>
-          </a:p>
-          <a:p>
-            <a:pPr marL="0" indent="0">
-              <a:buNone/>
-            </a:pPr>
-            <a:r>
-              <a:rPr lang="en-US" dirty="0">
-                <a:solidFill>
-                  <a:srgbClr val="2B91AF"/>
-                </a:solidFill>
-                <a:latin typeface="Consolas" panose="020B0609020204030204" pitchFamily="49" charset="0"/>
-              </a:rPr>
-              <a:t>Bitmap</a:t>
-            </a:r>
-            <a:r>
-              <a:rPr lang="en-US" dirty="0">
-                <a:solidFill>
-                  <a:srgbClr val="000000"/>
-                </a:solidFill>
-                <a:latin typeface="Consolas" panose="020B0609020204030204" pitchFamily="49" charset="0"/>
-              </a:rPr>
-              <a:t> bitmap(320, 240);</a:t>
-            </a:r>
-          </a:p>
-          <a:p>
-            <a:pPr marL="0" indent="0">
-              <a:buNone/>
-            </a:pPr>
-            <a:r>
-              <a:rPr lang="en-US" dirty="0" smtClean="0">
-                <a:solidFill>
-                  <a:srgbClr val="000000"/>
-                </a:solidFill>
-                <a:latin typeface="Consolas" panose="020B0609020204030204" pitchFamily="49" charset="0"/>
-              </a:rPr>
-              <a:t>…</a:t>
-            </a:r>
-            <a:endParaRPr lang="en-US" dirty="0">
-              <a:solidFill>
-                <a:srgbClr val="000000"/>
-              </a:solidFill>
-              <a:latin typeface="Consolas" panose="020B0609020204030204" pitchFamily="49" charset="0"/>
-            </a:endParaRPr>
           </a:p>
           <a:p>
             <a:pPr marL="0" indent="0">
@@ -8977,24 +8335,139 @@
                 </a:solidFill>
                 <a:latin typeface="Consolas" panose="020B0609020204030204" pitchFamily="49" charset="0"/>
               </a:rPr>
-              <a:t> encoder</a:t>
-            </a:r>
-            <a:r>
-              <a:rPr lang="en-US" dirty="0" smtClean="0">
+              <a:t> encoder;</a:t>
+            </a:r>
+          </a:p>
+          <a:p>
+            <a:pPr marL="0" indent="0">
+              <a:buNone/>
+            </a:pPr>
+            <a:r>
+              <a:rPr lang="en-US" dirty="0" err="1">
                 <a:solidFill>
                   <a:srgbClr val="000000"/>
                 </a:solidFill>
                 <a:latin typeface="Consolas" panose="020B0609020204030204" pitchFamily="49" charset="0"/>
               </a:rPr>
-              <a:t>;</a:t>
+              <a:t>encoder.SaveBitmap</a:t>
+            </a:r>
+            <a:r>
+              <a:rPr lang="en-US" dirty="0">
+                <a:solidFill>
+                  <a:srgbClr val="000000"/>
+                </a:solidFill>
+                <a:latin typeface="Consolas" panose="020B0609020204030204" pitchFamily="49" charset="0"/>
+              </a:rPr>
+              <a:t>(bitmap, </a:t>
+            </a:r>
+            <a:r>
+              <a:rPr lang="en-US" dirty="0">
+                <a:solidFill>
+                  <a:srgbClr val="A31515"/>
+                </a:solidFill>
+                <a:latin typeface="Consolas" panose="020B0609020204030204" pitchFamily="49" charset="0"/>
+              </a:rPr>
+              <a:t>"image.png"</a:t>
+            </a:r>
+            <a:r>
+              <a:rPr lang="en-US" dirty="0">
+                <a:solidFill>
+                  <a:srgbClr val="000000"/>
+                </a:solidFill>
+                <a:latin typeface="Consolas" panose="020B0609020204030204" pitchFamily="49" charset="0"/>
+              </a:rPr>
+              <a:t>);</a:t>
             </a:r>
           </a:p>
           <a:p>
             <a:pPr marL="0" indent="0">
               <a:buNone/>
             </a:pPr>
-            <a:r>
-              <a:rPr lang="en-US" dirty="0" err="1" smtClean="0">
+            <a:endParaRPr lang="en-US" dirty="0"/>
+          </a:p>
+          <a:p>
+            <a:pPr marL="0" indent="0">
+              <a:buNone/>
+            </a:pPr>
+            <a:endParaRPr lang="en-US" dirty="0"/>
+          </a:p>
+          <a:p>
+            <a:pPr marL="0" indent="0">
+              <a:buNone/>
+            </a:pPr>
+            <a:r>
+              <a:rPr lang="en-US" dirty="0">
+                <a:solidFill>
+                  <a:srgbClr val="2B91AF"/>
+                </a:solidFill>
+                <a:latin typeface="Consolas" panose="020B0609020204030204" pitchFamily="49" charset="0"/>
+              </a:rPr>
+              <a:t>Bitmap</a:t>
+            </a:r>
+            <a:r>
+              <a:rPr lang="en-US" dirty="0">
+                <a:solidFill>
+                  <a:srgbClr val="000000"/>
+                </a:solidFill>
+                <a:latin typeface="Consolas" panose="020B0609020204030204" pitchFamily="49" charset="0"/>
+              </a:rPr>
+              <a:t> bitmap(320, 240);</a:t>
+            </a:r>
+          </a:p>
+          <a:p>
+            <a:pPr marL="0" indent="0">
+              <a:buNone/>
+            </a:pPr>
+            <a:r>
+              <a:rPr lang="en-US" dirty="0">
+                <a:solidFill>
+                  <a:srgbClr val="000000"/>
+                </a:solidFill>
+                <a:latin typeface="Consolas" panose="020B0609020204030204" pitchFamily="49" charset="0"/>
+              </a:rPr>
+              <a:t>…</a:t>
+            </a:r>
+          </a:p>
+          <a:p>
+            <a:pPr marL="0" indent="0">
+              <a:buNone/>
+            </a:pPr>
+            <a:endParaRPr lang="ru-RU" dirty="0">
+              <a:solidFill>
+                <a:srgbClr val="000000"/>
+              </a:solidFill>
+              <a:latin typeface="Consolas" panose="020B0609020204030204" pitchFamily="49" charset="0"/>
+            </a:endParaRPr>
+          </a:p>
+          <a:p>
+            <a:pPr marL="0" indent="0">
+              <a:buNone/>
+            </a:pPr>
+            <a:r>
+              <a:rPr lang="en-US" dirty="0" err="1">
+                <a:solidFill>
+                  <a:srgbClr val="2B91AF"/>
+                </a:solidFill>
+                <a:latin typeface="Consolas" panose="020B0609020204030204" pitchFamily="49" charset="0"/>
+              </a:rPr>
+              <a:t>PngImageEncoder</a:t>
+            </a:r>
+            <a:r>
+              <a:rPr lang="en-US" dirty="0">
+                <a:solidFill>
+                  <a:srgbClr val="000000"/>
+                </a:solidFill>
+                <a:latin typeface="Consolas" panose="020B0609020204030204" pitchFamily="49" charset="0"/>
+              </a:rPr>
+              <a:t> encoder;</a:t>
+            </a:r>
+          </a:p>
+          <a:p>
+            <a:pPr marL="0" indent="0">
+              <a:buNone/>
+            </a:pPr>
+            <a:r>
+              <a:rPr lang="en-US" dirty="0" err="1">
                 <a:solidFill>
                   <a:srgbClr val="2B91AF"/>
                 </a:solidFill>
@@ -9003,7 +8476,7 @@
               <a:t>FileOutputStream</a:t>
             </a:r>
             <a:r>
-              <a:rPr lang="en-US" dirty="0" smtClean="0">
+              <a:rPr lang="en-US" dirty="0">
                 <a:solidFill>
                   <a:srgbClr val="2B91AF"/>
                 </a:solidFill>
@@ -9012,7 +8485,7 @@
               <a:t> </a:t>
             </a:r>
             <a:r>
-              <a:rPr lang="en-US" dirty="0" smtClean="0">
+              <a:rPr lang="en-US" dirty="0">
                 <a:solidFill>
                   <a:srgbClr val="000000"/>
                 </a:solidFill>
@@ -9021,7 +8494,7 @@
               <a:t>stream(</a:t>
             </a:r>
             <a:r>
-              <a:rPr lang="en-US" dirty="0" smtClean="0">
+              <a:rPr lang="en-US" dirty="0">
                 <a:solidFill>
                   <a:srgbClr val="A31515"/>
                 </a:solidFill>
@@ -9041,7 +8514,7 @@
               <a:buNone/>
             </a:pPr>
             <a:r>
-              <a:rPr lang="en-US" dirty="0" err="1" smtClean="0">
+              <a:rPr lang="en-US" dirty="0" err="1">
                 <a:solidFill>
                   <a:srgbClr val="000000"/>
                 </a:solidFill>
@@ -9050,38 +8523,14 @@
               <a:t>encoder.SaveBitmap</a:t>
             </a:r>
             <a:r>
-              <a:rPr lang="en-US" dirty="0" smtClean="0">
-                <a:solidFill>
-                  <a:srgbClr val="000000"/>
-                </a:solidFill>
-                <a:latin typeface="Consolas" panose="020B0609020204030204" pitchFamily="49" charset="0"/>
-              </a:rPr>
-              <a:t>(bitmap</a:t>
-            </a:r>
-            <a:r>
               <a:rPr lang="en-US" dirty="0">
                 <a:solidFill>
                   <a:srgbClr val="000000"/>
                 </a:solidFill>
                 <a:latin typeface="Consolas" panose="020B0609020204030204" pitchFamily="49" charset="0"/>
               </a:rPr>
-              <a:t>, </a:t>
-            </a:r>
-            <a:r>
-              <a:rPr lang="en-US" dirty="0" smtClean="0">
-                <a:solidFill>
-                  <a:srgbClr val="000000"/>
-                </a:solidFill>
-                <a:latin typeface="Consolas" panose="020B0609020204030204" pitchFamily="49" charset="0"/>
-              </a:rPr>
-              <a:t>stream);</a:t>
-            </a:r>
-            <a:endParaRPr lang="en-US" dirty="0">
-              <a:solidFill>
-                <a:srgbClr val="000000"/>
-              </a:solidFill>
-              <a:latin typeface="Consolas" panose="020B0609020204030204" pitchFamily="49" charset="0"/>
-            </a:endParaRPr>
+              <a:t>(bitmap, stream);</a:t>
+            </a:r>
           </a:p>
         </p:txBody>
       </p:sp>
@@ -9166,7 +8615,7 @@
           <a:lstStyle/>
           <a:p>
             <a:r>
-              <a:rPr lang="ru-RU" sz="4800" dirty="0" smtClean="0">
+              <a:rPr lang="ru-RU" sz="4800" dirty="0">
                 <a:solidFill>
                   <a:schemeClr val="bg1">
                     <a:lumMod val="65000"/>
@@ -9176,7 +8625,7 @@
               <a:t>Без </a:t>
             </a:r>
             <a:r>
-              <a:rPr lang="en-US" sz="4800" dirty="0" smtClean="0">
+              <a:rPr lang="en-US" sz="4800" dirty="0">
                 <a:solidFill>
                   <a:schemeClr val="bg1">
                     <a:lumMod val="65000"/>
@@ -9225,20 +8674,10 @@
                   </a:schemeClr>
                 </a:solidFill>
               </a:rPr>
-              <a:t>С</a:t>
-            </a:r>
-            <a:r>
-              <a:rPr lang="ru-RU" sz="4800" dirty="0" smtClean="0">
-                <a:solidFill>
-                  <a:schemeClr val="bg1">
-                    <a:lumMod val="65000"/>
-                  </a:schemeClr>
-                </a:solidFill>
-              </a:rPr>
-              <a:t> </a:t>
-            </a:r>
-            <a:r>
-              <a:rPr lang="en-US" sz="4800" dirty="0" smtClean="0">
+              <a:t>С </a:t>
+            </a:r>
+            <a:r>
+              <a:rPr lang="en-US" sz="4800" dirty="0">
                 <a:solidFill>
                   <a:schemeClr val="bg1">
                     <a:lumMod val="65000"/>
@@ -9602,10 +9041,9 @@
           <a:lstStyle/>
           <a:p>
             <a:r>
-              <a:rPr lang="ru-RU" dirty="0" smtClean="0"/>
+              <a:rPr lang="ru-RU" dirty="0"/>
               <a:t>Итоги</a:t>
             </a:r>
-            <a:endParaRPr lang="ru-RU" dirty="0"/>
           </a:p>
         </p:txBody>
       </p:sp>
@@ -9625,10 +9063,9 @@
           <a:lstStyle/>
           <a:p>
             <a:r>
-              <a:rPr lang="ru-RU" dirty="0" smtClean="0"/>
+              <a:rPr lang="ru-RU" dirty="0"/>
               <a:t>Достоинства</a:t>
             </a:r>
-            <a:endParaRPr lang="ru-RU" dirty="0"/>
           </a:p>
         </p:txBody>
       </p:sp>
@@ -9648,23 +9085,22 @@
           <a:lstStyle/>
           <a:p>
             <a:r>
-              <a:rPr lang="ru-RU" dirty="0" smtClean="0"/>
+              <a:rPr lang="ru-RU" dirty="0"/>
               <a:t>Код закрыт для изменений</a:t>
             </a:r>
           </a:p>
           <a:p>
             <a:pPr lvl="1"/>
             <a:r>
-              <a:rPr lang="ru-RU" dirty="0" smtClean="0"/>
+              <a:rPr lang="ru-RU" dirty="0"/>
               <a:t>Расширение выполняется за счет написания нового кода</a:t>
             </a:r>
           </a:p>
           <a:p>
             <a:r>
-              <a:rPr lang="ru-RU" dirty="0" smtClean="0"/>
+              <a:rPr lang="ru-RU" dirty="0"/>
               <a:t>Облегчается тестирование</a:t>
             </a:r>
-            <a:endParaRPr lang="ru-RU" dirty="0"/>
           </a:p>
         </p:txBody>
       </p:sp>
@@ -9684,10 +9120,9 @@
           <a:lstStyle/>
           <a:p>
             <a:r>
-              <a:rPr lang="ru-RU" dirty="0" smtClean="0"/>
+              <a:rPr lang="ru-RU" dirty="0"/>
               <a:t>Недостатки</a:t>
             </a:r>
-            <a:endParaRPr lang="ru-RU" dirty="0"/>
           </a:p>
         </p:txBody>
       </p:sp>
@@ -9707,16 +9142,8 @@
           <a:lstStyle/>
           <a:p>
             <a:r>
-              <a:rPr lang="ru-RU" dirty="0" smtClean="0"/>
-              <a:t>Чуть </a:t>
-            </a:r>
-            <a:r>
               <a:rPr lang="ru-RU" dirty="0"/>
-              <a:t>более многословный </a:t>
-            </a:r>
-            <a:r>
-              <a:rPr lang="ru-RU" dirty="0" smtClean="0"/>
-              <a:t>код</a:t>
+              <a:t>Чуть более многословный код</a:t>
             </a:r>
             <a:endParaRPr lang="en-US" dirty="0"/>
           </a:p>
@@ -9755,13 +9182,6 @@
   <p:clrMapOvr>
     <a:masterClrMapping/>
   </p:clrMapOvr>
-  <p:timing>
-    <p:tnLst>
-      <p:par>
-        <p:cTn id="1" dur="indefinite" restart="never" nodeType="tmRoot"/>
-      </p:par>
-    </p:tnLst>
-  </p:timing>
 </p:sld>
 </file>
 
@@ -9799,13 +9219,8 @@
           <a:p>
             <a:r>
               <a:rPr lang="ru-RU" dirty="0"/>
-              <a:t>Принцип замещения </a:t>
-            </a:r>
-            <a:r>
-              <a:rPr lang="ru-RU" dirty="0" smtClean="0"/>
-              <a:t>Барбары Лисков</a:t>
-            </a:r>
-            <a:endParaRPr lang="ru-RU" dirty="0"/>
+              <a:t>Принцип замещения Барбары Лисков</a:t>
+            </a:r>
           </a:p>
         </p:txBody>
       </p:sp>
@@ -9833,25 +9248,13 @@
           <a:p>
             <a:r>
               <a:rPr lang="ru-RU" dirty="0"/>
-              <a:t>Функции, которые используют ссылки на базовые классы, должны иметь возможность использовать объекты производных классов, не зная об </a:t>
-            </a:r>
-            <a:r>
-              <a:rPr lang="ru-RU" dirty="0" smtClean="0"/>
-              <a:t>этом</a:t>
-            </a:r>
-          </a:p>
-          <a:p>
-            <a:r>
-              <a:rPr lang="en-US" dirty="0" smtClean="0"/>
-              <a:t>Derived </a:t>
-            </a:r>
+              <a:t>Функции, которые используют ссылки на базовые классы, должны иметь возможность использовать объекты производных классов, не зная об этом</a:t>
+            </a:r>
+          </a:p>
+          <a:p>
             <a:r>
               <a:rPr lang="en-US" dirty="0"/>
-              <a:t>classes must be substitutable for their base </a:t>
-            </a:r>
-            <a:r>
-              <a:rPr lang="en-US" dirty="0" smtClean="0"/>
-              <a:t>classes</a:t>
+              <a:t>Derived classes must be substitutable for their base classes</a:t>
             </a:r>
           </a:p>
         </p:txBody>
@@ -10202,13 +9605,6 @@
   <p:clrMapOvr>
     <a:masterClrMapping/>
   </p:clrMapOvr>
-  <p:timing>
-    <p:tnLst>
-      <p:par>
-        <p:cTn id="1" dur="indefinite" restart="never" nodeType="tmRoot"/>
-      </p:par>
-    </p:tnLst>
-  </p:timing>
 </p:sld>
 </file>
 
@@ -10303,13 +9699,6 @@
   <p:clrMapOvr>
     <a:masterClrMapping/>
   </p:clrMapOvr>
-  <p:timing>
-    <p:tnLst>
-      <p:par>
-        <p:cTn id="1" dur="indefinite" restart="never" nodeType="tmRoot"/>
-      </p:par>
-    </p:tnLst>
-  </p:timing>
 </p:sld>
 </file>
 
@@ -10376,48 +9765,27 @@
           <a:p>
             <a:r>
               <a:rPr lang="ru-RU" dirty="0"/>
-              <a:t>Наследуемый объект может </a:t>
-            </a:r>
-            <a:r>
-              <a:rPr lang="ru-RU" dirty="0" smtClean="0"/>
-              <a:t>заменить</a:t>
-            </a:r>
-            <a:r>
-              <a:rPr lang="en-US" dirty="0" smtClean="0"/>
+              <a:t>Наследуемый объект может заменить</a:t>
+            </a:r>
+            <a:r>
+              <a:rPr lang="en-US" dirty="0"/>
               <a:t>:</a:t>
             </a:r>
           </a:p>
           <a:p>
             <a:pPr lvl="1"/>
             <a:r>
-              <a:rPr lang="ru-RU" dirty="0" smtClean="0"/>
-              <a:t>родительское </a:t>
-            </a:r>
-            <a:r>
               <a:rPr lang="ru-RU" dirty="0"/>
-              <a:t>пред-условие на такое же или более </a:t>
-            </a:r>
-            <a:r>
-              <a:rPr lang="ru-RU" dirty="0" smtClean="0"/>
-              <a:t>слабое</a:t>
-            </a:r>
-            <a:endParaRPr lang="en-US" dirty="0" smtClean="0"/>
+              <a:t>родительское пред-условие на такое же или более слабое</a:t>
+            </a:r>
+            <a:endParaRPr lang="en-US" dirty="0"/>
           </a:p>
           <a:p>
             <a:pPr lvl="1"/>
             <a:r>
-              <a:rPr lang="ru-RU" dirty="0" smtClean="0"/>
-              <a:t>родительское </a:t>
-            </a:r>
-            <a:r>
               <a:rPr lang="ru-RU" dirty="0"/>
-              <a:t>пост-условие на такое же или более </a:t>
-            </a:r>
-            <a:r>
-              <a:rPr lang="ru-RU" dirty="0" smtClean="0"/>
-              <a:t>сильное</a:t>
-            </a:r>
-            <a:endParaRPr lang="ru-RU" dirty="0"/>
+              <a:t>родительское пост-условие на такое же или более сильное</a:t>
+            </a:r>
           </a:p>
         </p:txBody>
       </p:sp>
@@ -10444,7 +9812,7 @@
           <a:lstStyle/>
           <a:p>
             <a:r>
-              <a:rPr lang="en-US" sz="2000" dirty="0" smtClean="0">
+              <a:rPr lang="en-US" sz="2000" dirty="0">
                 <a:latin typeface="Consolas" panose="020B0609020204030204" pitchFamily="49" charset="0"/>
               </a:rPr>
               <a:t>Rectangle</a:t>
@@ -10455,7 +9823,7 @@
               <a:buNone/>
             </a:pPr>
             <a:r>
-              <a:rPr lang="en-US" sz="2000" dirty="0" smtClean="0">
+              <a:rPr lang="en-US" sz="2000" dirty="0">
                 <a:solidFill>
                   <a:schemeClr val="bg1">
                     <a:lumMod val="50000"/>
@@ -10466,31 +9834,31 @@
               <a:t>Pre:</a:t>
             </a:r>
             <a:r>
-              <a:rPr lang="en-US" sz="2000" dirty="0" smtClean="0">
+              <a:rPr lang="en-US" sz="2000" dirty="0">
                 <a:latin typeface="Consolas" panose="020B0609020204030204" pitchFamily="49" charset="0"/>
               </a:rPr>
               <a:t>  </a:t>
             </a:r>
             <a:r>
-              <a:rPr lang="en-US" sz="2000" dirty="0" err="1" smtClean="0">
+              <a:rPr lang="en-US" sz="2000" dirty="0" err="1">
                 <a:latin typeface="Consolas" panose="020B0609020204030204" pitchFamily="49" charset="0"/>
               </a:rPr>
               <a:t>GetWidth</a:t>
             </a:r>
             <a:r>
-              <a:rPr lang="en-US" sz="2000" dirty="0" smtClean="0">
+              <a:rPr lang="en-US" sz="2000" dirty="0">
                 <a:latin typeface="Consolas" panose="020B0609020204030204" pitchFamily="49" charset="0"/>
               </a:rPr>
               <a:t>() == a &amp;&amp; </a:t>
             </a:r>
             <a:r>
-              <a:rPr lang="en-US" sz="2000" dirty="0" err="1" smtClean="0">
+              <a:rPr lang="en-US" sz="2000" dirty="0" err="1">
                 <a:latin typeface="Consolas" panose="020B0609020204030204" pitchFamily="49" charset="0"/>
               </a:rPr>
               <a:t>GetHeight</a:t>
             </a:r>
             <a:r>
-              <a:rPr lang="en-US" sz="2000" dirty="0" smtClean="0">
+              <a:rPr lang="en-US" sz="2000" dirty="0">
                 <a:latin typeface="Consolas" panose="020B0609020204030204" pitchFamily="49" charset="0"/>
               </a:rPr>
               <a:t>() == b</a:t>
@@ -10501,7 +9869,7 @@
               <a:buNone/>
             </a:pPr>
             <a:r>
-              <a:rPr lang="en-US" sz="2000" dirty="0" smtClean="0">
+              <a:rPr lang="en-US" sz="2000" dirty="0">
                 <a:solidFill>
                   <a:schemeClr val="bg1">
                     <a:lumMod val="50000"/>
@@ -10512,19 +9880,19 @@
               <a:t>Exec:</a:t>
             </a:r>
             <a:r>
-              <a:rPr lang="en-US" sz="2000" dirty="0" smtClean="0">
+              <a:rPr lang="en-US" sz="2000" dirty="0">
                 <a:latin typeface="Consolas" panose="020B0609020204030204" pitchFamily="49" charset="0"/>
               </a:rPr>
               <a:t> </a:t>
             </a:r>
             <a:r>
-              <a:rPr lang="en-US" sz="2000" dirty="0" err="1" smtClean="0">
+              <a:rPr lang="en-US" sz="2000" dirty="0" err="1">
                 <a:latin typeface="Consolas" panose="020B0609020204030204" pitchFamily="49" charset="0"/>
               </a:rPr>
               <a:t>SetWidth</a:t>
             </a:r>
             <a:r>
-              <a:rPr lang="en-US" sz="2000" dirty="0" smtClean="0">
+              <a:rPr lang="en-US" sz="2000" dirty="0">
                 <a:latin typeface="Consolas" panose="020B0609020204030204" pitchFamily="49" charset="0"/>
               </a:rPr>
               <a:t>(c)</a:t>
@@ -10535,7 +9903,7 @@
               <a:buNone/>
             </a:pPr>
             <a:r>
-              <a:rPr lang="en-US" sz="2000" dirty="0" smtClean="0">
+              <a:rPr lang="en-US" sz="2000" dirty="0">
                 <a:solidFill>
                   <a:schemeClr val="bg1">
                     <a:lumMod val="50000"/>
@@ -10546,13 +9914,13 @@
               <a:t>Post:</a:t>
             </a:r>
             <a:r>
-              <a:rPr lang="en-US" sz="2000" dirty="0" smtClean="0">
+              <a:rPr lang="en-US" sz="2000" dirty="0">
                 <a:latin typeface="Consolas" panose="020B0609020204030204" pitchFamily="49" charset="0"/>
               </a:rPr>
               <a:t> </a:t>
             </a:r>
             <a:r>
-              <a:rPr lang="en-US" sz="2000" dirty="0" err="1" smtClean="0">
+              <a:rPr lang="en-US" sz="2000" dirty="0" err="1">
                 <a:latin typeface="Consolas" panose="020B0609020204030204" pitchFamily="49" charset="0"/>
               </a:rPr>
               <a:t>GetWidth</a:t>
@@ -10561,19 +9929,7 @@
               <a:rPr lang="en-US" sz="2000" dirty="0">
                 <a:latin typeface="Consolas" panose="020B0609020204030204" pitchFamily="49" charset="0"/>
               </a:rPr>
-              <a:t>() == </a:t>
-            </a:r>
-            <a:r>
-              <a:rPr lang="en-US" sz="2000" dirty="0" smtClean="0">
-                <a:latin typeface="Consolas" panose="020B0609020204030204" pitchFamily="49" charset="0"/>
-              </a:rPr>
-              <a:t>c </a:t>
-            </a:r>
-            <a:r>
-              <a:rPr lang="en-US" sz="2000" dirty="0">
-                <a:latin typeface="Consolas" panose="020B0609020204030204" pitchFamily="49" charset="0"/>
-              </a:rPr>
-              <a:t>&amp;&amp; </a:t>
+              <a:t>() == c &amp;&amp; </a:t>
             </a:r>
             <a:r>
               <a:rPr lang="en-US" sz="2000" dirty="0" err="1">
@@ -10589,13 +9945,13 @@
             </a:r>
           </a:p>
           <a:p>
-            <a:endParaRPr lang="en-US" sz="2000" dirty="0" smtClean="0">
+            <a:endParaRPr lang="en-US" sz="2000" dirty="0">
               <a:latin typeface="Consolas" panose="020B0609020204030204" pitchFamily="49" charset="0"/>
             </a:endParaRPr>
           </a:p>
           <a:p>
             <a:r>
-              <a:rPr lang="en-US" sz="2000" dirty="0" smtClean="0">
+              <a:rPr lang="en-US" sz="2000" dirty="0">
                 <a:latin typeface="Consolas" panose="020B0609020204030204" pitchFamily="49" charset="0"/>
               </a:rPr>
               <a:t>Square</a:t>
@@ -10606,7 +9962,7 @@
               <a:buNone/>
             </a:pPr>
             <a:r>
-              <a:rPr lang="en-US" sz="2000" dirty="0" smtClean="0">
+              <a:rPr lang="en-US" sz="2000" dirty="0">
                 <a:solidFill>
                   <a:schemeClr val="bg1">
                     <a:lumMod val="50000"/>
@@ -10617,13 +9973,13 @@
               <a:t>Pre:</a:t>
             </a:r>
             <a:r>
-              <a:rPr lang="en-US" sz="2000" dirty="0" smtClean="0">
+              <a:rPr lang="en-US" sz="2000" dirty="0">
                 <a:latin typeface="Consolas" panose="020B0609020204030204" pitchFamily="49" charset="0"/>
               </a:rPr>
               <a:t>  </a:t>
             </a:r>
             <a:r>
-              <a:rPr lang="en-US" sz="2000" dirty="0" err="1" smtClean="0">
+              <a:rPr lang="en-US" sz="2000" dirty="0" err="1">
                 <a:latin typeface="Consolas" panose="020B0609020204030204" pitchFamily="49" charset="0"/>
               </a:rPr>
               <a:t>GetWidth</a:t>
@@ -10632,19 +9988,7 @@
               <a:rPr lang="en-US" sz="2000" dirty="0">
                 <a:latin typeface="Consolas" panose="020B0609020204030204" pitchFamily="49" charset="0"/>
               </a:rPr>
-              <a:t>() == </a:t>
-            </a:r>
-            <a:r>
-              <a:rPr lang="en-US" sz="2000" dirty="0" smtClean="0">
-                <a:latin typeface="Consolas" panose="020B0609020204030204" pitchFamily="49" charset="0"/>
-              </a:rPr>
-              <a:t>a </a:t>
-            </a:r>
-            <a:r>
-              <a:rPr lang="en-US" sz="2000" dirty="0">
-                <a:latin typeface="Consolas" panose="020B0609020204030204" pitchFamily="49" charset="0"/>
-              </a:rPr>
-              <a:t>&amp;&amp; </a:t>
+              <a:t>() == a &amp;&amp; </a:t>
             </a:r>
             <a:r>
               <a:rPr lang="en-US" sz="2000" dirty="0" err="1">
@@ -10656,24 +10000,15 @@
               <a:rPr lang="en-US" sz="2000" dirty="0">
                 <a:latin typeface="Consolas" panose="020B0609020204030204" pitchFamily="49" charset="0"/>
               </a:rPr>
-              <a:t>() == </a:t>
-            </a:r>
-            <a:r>
-              <a:rPr lang="en-US" sz="2000" dirty="0" smtClean="0">
-                <a:latin typeface="Consolas" panose="020B0609020204030204" pitchFamily="49" charset="0"/>
-              </a:rPr>
-              <a:t>a</a:t>
-            </a:r>
-            <a:endParaRPr lang="en-US" sz="2000" dirty="0">
-              <a:latin typeface="Consolas" panose="020B0609020204030204" pitchFamily="49" charset="0"/>
-            </a:endParaRPr>
+              <a:t>() == a</a:t>
+            </a:r>
           </a:p>
           <a:p>
             <a:pPr marL="457200" lvl="1" indent="0">
               <a:buNone/>
             </a:pPr>
             <a:r>
-              <a:rPr lang="en-US" sz="2000" dirty="0" smtClean="0">
+              <a:rPr lang="en-US" sz="2000" dirty="0">
                 <a:solidFill>
                   <a:schemeClr val="bg1">
                     <a:lumMod val="50000"/>
@@ -10684,33 +10019,30 @@
               <a:t>Exec:</a:t>
             </a:r>
             <a:r>
-              <a:rPr lang="en-US" sz="2000" dirty="0" smtClean="0">
+              <a:rPr lang="en-US" sz="2000" dirty="0">
                 <a:latin typeface="Consolas" panose="020B0609020204030204" pitchFamily="49" charset="0"/>
               </a:rPr>
               <a:t> </a:t>
             </a:r>
             <a:r>
-              <a:rPr lang="en-US" sz="2000" dirty="0" err="1" smtClean="0">
+              <a:rPr lang="en-US" sz="2000" dirty="0" err="1">
                 <a:latin typeface="Consolas" panose="020B0609020204030204" pitchFamily="49" charset="0"/>
               </a:rPr>
               <a:t>SetWidth</a:t>
             </a:r>
             <a:r>
-              <a:rPr lang="en-US" sz="2000" dirty="0" smtClean="0">
+              <a:rPr lang="en-US" sz="2000" dirty="0">
                 <a:latin typeface="Consolas" panose="020B0609020204030204" pitchFamily="49" charset="0"/>
               </a:rPr>
               <a:t>(c)</a:t>
             </a:r>
-            <a:endParaRPr lang="en-US" sz="2000" dirty="0">
-              <a:latin typeface="Consolas" panose="020B0609020204030204" pitchFamily="49" charset="0"/>
-            </a:endParaRPr>
           </a:p>
           <a:p>
             <a:pPr marL="457200" lvl="1" indent="0">
               <a:buNone/>
             </a:pPr>
             <a:r>
-              <a:rPr lang="en-US" sz="2000" dirty="0" smtClean="0">
+              <a:rPr lang="en-US" sz="2000" dirty="0">
                 <a:solidFill>
                   <a:schemeClr val="bg1">
                     <a:lumMod val="50000"/>
@@ -10721,13 +10053,13 @@
               <a:t>Post:</a:t>
             </a:r>
             <a:r>
-              <a:rPr lang="en-US" sz="2000" dirty="0" smtClean="0">
+              <a:rPr lang="en-US" sz="2000" dirty="0">
                 <a:latin typeface="Consolas" panose="020B0609020204030204" pitchFamily="49" charset="0"/>
               </a:rPr>
               <a:t> </a:t>
             </a:r>
             <a:r>
-              <a:rPr lang="en-US" sz="2000" dirty="0" err="1" smtClean="0">
+              <a:rPr lang="en-US" sz="2000" dirty="0" err="1">
                 <a:latin typeface="Consolas" panose="020B0609020204030204" pitchFamily="49" charset="0"/>
               </a:rPr>
               <a:t>GetWidth</a:t>
@@ -10736,19 +10068,7 @@
               <a:rPr lang="en-US" sz="2000" dirty="0">
                 <a:latin typeface="Consolas" panose="020B0609020204030204" pitchFamily="49" charset="0"/>
               </a:rPr>
-              <a:t>() == </a:t>
-            </a:r>
-            <a:r>
-              <a:rPr lang="en-US" sz="2000" dirty="0" smtClean="0">
-                <a:latin typeface="Consolas" panose="020B0609020204030204" pitchFamily="49" charset="0"/>
-              </a:rPr>
-              <a:t>c </a:t>
-            </a:r>
-            <a:r>
-              <a:rPr lang="en-US" sz="2000" dirty="0">
-                <a:latin typeface="Consolas" panose="020B0609020204030204" pitchFamily="49" charset="0"/>
-              </a:rPr>
-              <a:t>&amp;&amp; </a:t>
+              <a:t>() == c &amp;&amp; </a:t>
             </a:r>
             <a:r>
               <a:rPr lang="en-US" sz="2000" dirty="0" err="1">
@@ -10766,23 +10086,8 @@
                 </a:solidFill>
                 <a:latin typeface="Consolas" panose="020B0609020204030204" pitchFamily="49" charset="0"/>
               </a:rPr>
-              <a:t>() == </a:t>
-            </a:r>
-            <a:r>
-              <a:rPr lang="en-US" sz="2000" dirty="0" smtClean="0">
-                <a:solidFill>
-                  <a:srgbClr val="FF0000"/>
-                </a:solidFill>
-                <a:latin typeface="Consolas" panose="020B0609020204030204" pitchFamily="49" charset="0"/>
-              </a:rPr>
-              <a:t>c</a:t>
-            </a:r>
-            <a:endParaRPr lang="en-US" sz="2000" dirty="0">
-              <a:solidFill>
-                <a:srgbClr val="FF0000"/>
-              </a:solidFill>
-              <a:latin typeface="Consolas" panose="020B0609020204030204" pitchFamily="49" charset="0"/>
-            </a:endParaRPr>
+              <a:t>() == c</a:t>
+            </a:r>
           </a:p>
         </p:txBody>
       </p:sp>
@@ -11158,7 +10463,13 @@
       </p:grpSpPr>
       <p:sp>
         <p:nvSpPr>
-          <p:cNvPr id="5" name="Заголовок 4"/>
+          <p:cNvPr id="6" name="Title 5">
+            <a:extLst>
+              <a:ext uri="{FF2B5EF4-FFF2-40B4-BE49-F238E27FC236}">
+                <a16:creationId xmlns:a16="http://schemas.microsoft.com/office/drawing/2014/main" id="{2894F0B1-ECDC-FCAA-ADA5-89B1ADC8ACFB}"/>
+              </a:ext>
+            </a:extLst>
+          </p:cNvPr>
           <p:cNvSpPr>
             <a:spLocks noGrp="1"/>
           </p:cNvSpPr>
@@ -11172,8 +10483,12 @@
           <a:lstStyle/>
           <a:p>
             <a:r>
-              <a:rPr lang="ru-RU" dirty="0" smtClean="0"/>
-              <a:t>Итоги</a:t>
+              <a:rPr lang="ru-RU" dirty="0"/>
+              <a:t>Соответствие подкласса принципу </a:t>
+            </a:r>
+            <a:r>
+              <a:rPr lang="en-US" dirty="0"/>
+              <a:t>LSP</a:t>
             </a:r>
             <a:endParaRPr lang="ru-RU" dirty="0"/>
           </a:p>
@@ -11181,7 +10496,13 @@
       </p:sp>
       <p:sp>
         <p:nvSpPr>
-          <p:cNvPr id="6" name="Текст 5"/>
+          <p:cNvPr id="7" name="Text Placeholder 6">
+            <a:extLst>
+              <a:ext uri="{FF2B5EF4-FFF2-40B4-BE49-F238E27FC236}">
+                <a16:creationId xmlns:a16="http://schemas.microsoft.com/office/drawing/2014/main" id="{F6136FA7-5604-CB04-4245-17BEA889A500}"/>
+              </a:ext>
+            </a:extLst>
+          </p:cNvPr>
           <p:cNvSpPr>
             <a:spLocks noGrp="1"/>
           </p:cNvSpPr>
@@ -11195,16 +10516,21 @@
           <a:lstStyle/>
           <a:p>
             <a:r>
-              <a:rPr lang="ru-RU" dirty="0" smtClean="0"/>
-              <a:t>Достоинства</a:t>
-            </a:r>
-            <a:endParaRPr lang="ru-RU" dirty="0"/>
-          </a:p>
-        </p:txBody>
-      </p:sp>
-      <p:sp>
-        <p:nvSpPr>
-          <p:cNvPr id="3" name="Объект 2"/>
+              <a:rPr lang="ru-RU" dirty="0"/>
+              <a:t>Разрешено</a:t>
+            </a:r>
+          </a:p>
+        </p:txBody>
+      </p:sp>
+      <p:sp>
+        <p:nvSpPr>
+          <p:cNvPr id="8" name="Content Placeholder 7">
+            <a:extLst>
+              <a:ext uri="{FF2B5EF4-FFF2-40B4-BE49-F238E27FC236}">
+                <a16:creationId xmlns:a16="http://schemas.microsoft.com/office/drawing/2014/main" id="{31EFC9FB-28EB-485D-82A2-009391B36992}"/>
+              </a:ext>
+            </a:extLst>
+          </p:cNvPr>
           <p:cNvSpPr>
             <a:spLocks noGrp="1"/>
           </p:cNvSpPr>
@@ -11218,22 +10544,40 @@
           <a:lstStyle/>
           <a:p>
             <a:r>
-              <a:rPr lang="ru-RU" dirty="0" smtClean="0"/>
-              <a:t>Уменьшается вероятность скрытых ошибок</a:t>
-            </a:r>
-            <a:endParaRPr lang="en-US" dirty="0" smtClean="0"/>
-          </a:p>
-          <a:p>
-            <a:r>
-              <a:rPr lang="ru-RU" dirty="0" smtClean="0"/>
-              <a:t>Упрощается расширяемость</a:t>
-            </a:r>
-          </a:p>
-        </p:txBody>
-      </p:sp>
-      <p:sp>
-        <p:nvSpPr>
-          <p:cNvPr id="7" name="Текст 6"/>
+              <a:rPr lang="ru-RU" dirty="0"/>
+              <a:t>Расширять область определения</a:t>
+            </a:r>
+          </a:p>
+          <a:p>
+            <a:pPr lvl="1"/>
+            <a:r>
+              <a:rPr lang="ru-RU" dirty="0"/>
+              <a:t>Быть более толерантным ко входным значениям</a:t>
+            </a:r>
+          </a:p>
+          <a:p>
+            <a:r>
+              <a:rPr lang="ru-RU" dirty="0"/>
+              <a:t>Сужать область допустимых значений</a:t>
+            </a:r>
+          </a:p>
+          <a:p>
+            <a:r>
+              <a:rPr lang="ru-RU" dirty="0"/>
+              <a:t>Не выбрасывать исключений</a:t>
+            </a:r>
+          </a:p>
+        </p:txBody>
+      </p:sp>
+      <p:sp>
+        <p:nvSpPr>
+          <p:cNvPr id="9" name="Text Placeholder 8">
+            <a:extLst>
+              <a:ext uri="{FF2B5EF4-FFF2-40B4-BE49-F238E27FC236}">
+                <a16:creationId xmlns:a16="http://schemas.microsoft.com/office/drawing/2014/main" id="{EBA41CD3-16EA-262F-37A3-7D0604D6C69E}"/>
+              </a:ext>
+            </a:extLst>
+          </p:cNvPr>
           <p:cNvSpPr>
             <a:spLocks noGrp="1"/>
           </p:cNvSpPr>
@@ -11247,16 +10591,21 @@
           <a:lstStyle/>
           <a:p>
             <a:r>
-              <a:rPr lang="ru-RU" dirty="0" smtClean="0"/>
-              <a:t>Трудности</a:t>
-            </a:r>
-            <a:endParaRPr lang="ru-RU" dirty="0"/>
-          </a:p>
-        </p:txBody>
-      </p:sp>
-      <p:sp>
-        <p:nvSpPr>
-          <p:cNvPr id="8" name="Объект 7"/>
+              <a:rPr lang="ru-RU" dirty="0"/>
+              <a:t>Не разрешено</a:t>
+            </a:r>
+          </a:p>
+        </p:txBody>
+      </p:sp>
+      <p:sp>
+        <p:nvSpPr>
+          <p:cNvPr id="10" name="Content Placeholder 9">
+            <a:extLst>
+              <a:ext uri="{FF2B5EF4-FFF2-40B4-BE49-F238E27FC236}">
+                <a16:creationId xmlns:a16="http://schemas.microsoft.com/office/drawing/2014/main" id="{264AA3E0-F5AE-7645-EE74-6D1151D1080F}"/>
+              </a:ext>
+            </a:extLst>
+          </p:cNvPr>
           <p:cNvSpPr>
             <a:spLocks noGrp="1"/>
           </p:cNvSpPr>
@@ -11270,21 +10619,33 @@
           <a:lstStyle/>
           <a:p>
             <a:r>
-              <a:rPr lang="ru-RU" dirty="0" smtClean="0"/>
-              <a:t>Требуется правильно спроектировать интерфейсы для подстановки</a:t>
-            </a:r>
-          </a:p>
-          <a:p>
-            <a:r>
-              <a:rPr lang="ru-RU" dirty="0" smtClean="0"/>
-              <a:t>Требуется описание контракта</a:t>
-            </a:r>
-          </a:p>
-        </p:txBody>
-      </p:sp>
-      <p:sp>
-        <p:nvSpPr>
-          <p:cNvPr id="4" name="Номер слайда 3"/>
+              <a:rPr lang="ru-RU" dirty="0"/>
+              <a:t>Сужать область определения</a:t>
+            </a:r>
+          </a:p>
+          <a:p>
+            <a:r>
+              <a:rPr lang="ru-RU" dirty="0"/>
+              <a:t>Расширять область допустимых значений</a:t>
+            </a:r>
+          </a:p>
+          <a:p>
+            <a:r>
+              <a:rPr lang="ru-RU" dirty="0"/>
+              <a:t>Выбрасывать исключения, не ожидаемые от родительского типа</a:t>
+            </a:r>
+          </a:p>
+        </p:txBody>
+      </p:sp>
+      <p:sp>
+        <p:nvSpPr>
+          <p:cNvPr id="5" name="Slide Number Placeholder 4">
+            <a:extLst>
+              <a:ext uri="{FF2B5EF4-FFF2-40B4-BE49-F238E27FC236}">
+                <a16:creationId xmlns:a16="http://schemas.microsoft.com/office/drawing/2014/main" id="{600CC324-E983-6973-4D72-FBFBF853E2EB}"/>
+              </a:ext>
+            </a:extLst>
+          </p:cNvPr>
           <p:cNvSpPr>
             <a:spLocks noGrp="1"/>
           </p:cNvSpPr>
@@ -11308,20 +10669,13 @@
     </p:spTree>
     <p:extLst>
       <p:ext uri="{BB962C8B-B14F-4D97-AF65-F5344CB8AC3E}">
-        <p14:creationId xmlns:p14="http://schemas.microsoft.com/office/powerpoint/2010/main" val="721253643"/>
+        <p14:creationId xmlns:p14="http://schemas.microsoft.com/office/powerpoint/2010/main" val="2847047829"/>
       </p:ext>
     </p:extLst>
   </p:cSld>
   <p:clrMapOvr>
     <a:masterClrMapping/>
   </p:clrMapOvr>
-  <p:timing>
-    <p:tnLst>
-      <p:par>
-        <p:cTn id="1" dur="indefinite" restart="never" nodeType="tmRoot"/>
-      </p:par>
-    </p:tnLst>
-  </p:timing>
 </p:sld>
 </file>
 
@@ -11344,6 +10698,302 @@
       </p:grpSpPr>
       <p:sp>
         <p:nvSpPr>
+          <p:cNvPr id="5" name="Заголовок 4"/>
+          <p:cNvSpPr>
+            <a:spLocks noGrp="1"/>
+          </p:cNvSpPr>
+          <p:nvPr>
+            <p:ph type="title"/>
+          </p:nvPr>
+        </p:nvSpPr>
+        <p:spPr/>
+        <p:txBody>
+          <a:bodyPr/>
+          <a:lstStyle/>
+          <a:p>
+            <a:r>
+              <a:rPr lang="ru-RU" dirty="0"/>
+              <a:t>Итоги</a:t>
+            </a:r>
+          </a:p>
+        </p:txBody>
+      </p:sp>
+      <p:sp>
+        <p:nvSpPr>
+          <p:cNvPr id="6" name="Текст 5"/>
+          <p:cNvSpPr>
+            <a:spLocks noGrp="1"/>
+          </p:cNvSpPr>
+          <p:nvPr>
+            <p:ph type="body" idx="1"/>
+          </p:nvPr>
+        </p:nvSpPr>
+        <p:spPr/>
+        <p:txBody>
+          <a:bodyPr/>
+          <a:lstStyle/>
+          <a:p>
+            <a:r>
+              <a:rPr lang="ru-RU" dirty="0"/>
+              <a:t>Достоинства</a:t>
+            </a:r>
+          </a:p>
+        </p:txBody>
+      </p:sp>
+      <p:sp>
+        <p:nvSpPr>
+          <p:cNvPr id="3" name="Объект 2"/>
+          <p:cNvSpPr>
+            <a:spLocks noGrp="1"/>
+          </p:cNvSpPr>
+          <p:nvPr>
+            <p:ph sz="half" idx="2"/>
+          </p:nvPr>
+        </p:nvSpPr>
+        <p:spPr/>
+        <p:txBody>
+          <a:bodyPr/>
+          <a:lstStyle/>
+          <a:p>
+            <a:r>
+              <a:rPr lang="ru-RU" dirty="0"/>
+              <a:t>Уменьшается вероятность скрытых ошибок</a:t>
+            </a:r>
+            <a:endParaRPr lang="en-US" dirty="0"/>
+          </a:p>
+          <a:p>
+            <a:r>
+              <a:rPr lang="ru-RU" dirty="0"/>
+              <a:t>Упрощается расширяемость</a:t>
+            </a:r>
+          </a:p>
+        </p:txBody>
+      </p:sp>
+      <p:sp>
+        <p:nvSpPr>
+          <p:cNvPr id="7" name="Текст 6"/>
+          <p:cNvSpPr>
+            <a:spLocks noGrp="1"/>
+          </p:cNvSpPr>
+          <p:nvPr>
+            <p:ph type="body" sz="quarter" idx="3"/>
+          </p:nvPr>
+        </p:nvSpPr>
+        <p:spPr/>
+        <p:txBody>
+          <a:bodyPr/>
+          <a:lstStyle/>
+          <a:p>
+            <a:r>
+              <a:rPr lang="ru-RU" dirty="0"/>
+              <a:t>Трудности</a:t>
+            </a:r>
+          </a:p>
+        </p:txBody>
+      </p:sp>
+      <p:sp>
+        <p:nvSpPr>
+          <p:cNvPr id="8" name="Объект 7"/>
+          <p:cNvSpPr>
+            <a:spLocks noGrp="1"/>
+          </p:cNvSpPr>
+          <p:nvPr>
+            <p:ph sz="quarter" idx="4"/>
+          </p:nvPr>
+        </p:nvSpPr>
+        <p:spPr/>
+        <p:txBody>
+          <a:bodyPr/>
+          <a:lstStyle/>
+          <a:p>
+            <a:r>
+              <a:rPr lang="ru-RU" dirty="0"/>
+              <a:t>Требуется правильно спроектировать интерфейсы для подстановки</a:t>
+            </a:r>
+          </a:p>
+          <a:p>
+            <a:r>
+              <a:rPr lang="ru-RU" dirty="0"/>
+              <a:t>Требуется описание контракта</a:t>
+            </a:r>
+          </a:p>
+        </p:txBody>
+      </p:sp>
+      <p:sp>
+        <p:nvSpPr>
+          <p:cNvPr id="4" name="Номер слайда 3"/>
+          <p:cNvSpPr>
+            <a:spLocks noGrp="1"/>
+          </p:cNvSpPr>
+          <p:nvPr>
+            <p:ph type="sldNum" sz="quarter" idx="12"/>
+          </p:nvPr>
+        </p:nvSpPr>
+        <p:spPr/>
+        <p:txBody>
+          <a:bodyPr/>
+          <a:lstStyle/>
+          <a:p>
+            <a:fld id="{CF8E6F4D-2E97-47CB-8591-066566E4FE4D}" type="slidenum">
+              <a:rPr lang="ru-RU" smtClean="0"/>
+              <a:t>19</a:t>
+            </a:fld>
+            <a:endParaRPr lang="ru-RU"/>
+          </a:p>
+        </p:txBody>
+      </p:sp>
+    </p:spTree>
+    <p:extLst>
+      <p:ext uri="{BB962C8B-B14F-4D97-AF65-F5344CB8AC3E}">
+        <p14:creationId xmlns:p14="http://schemas.microsoft.com/office/powerpoint/2010/main" val="721253643"/>
+      </p:ext>
+    </p:extLst>
+  </p:cSld>
+  <p:clrMapOvr>
+    <a:masterClrMapping/>
+  </p:clrMapOvr>
+</p:sld>
+</file>
+
+<file path=ppt/slides/slide2.xml><?xml version="1.0" encoding="utf-8"?>
+<p:sld xmlns:a="http://schemas.openxmlformats.org/drawingml/2006/main" xmlns:r="http://schemas.openxmlformats.org/officeDocument/2006/relationships" xmlns:p="http://schemas.openxmlformats.org/presentationml/2006/main">
+  <p:cSld>
+    <p:spTree>
+      <p:nvGrpSpPr>
+        <p:cNvPr id="1" name=""/>
+        <p:cNvGrpSpPr/>
+        <p:nvPr/>
+      </p:nvGrpSpPr>
+      <p:grpSpPr>
+        <a:xfrm>
+          <a:off x="0" y="0"/>
+          <a:ext cx="0" cy="0"/>
+          <a:chOff x="0" y="0"/>
+          <a:chExt cx="0" cy="0"/>
+        </a:xfrm>
+      </p:grpSpPr>
+      <p:sp>
+        <p:nvSpPr>
+          <p:cNvPr id="2" name="Заголовок 1"/>
+          <p:cNvSpPr>
+            <a:spLocks noGrp="1"/>
+          </p:cNvSpPr>
+          <p:nvPr>
+            <p:ph type="title"/>
+          </p:nvPr>
+        </p:nvSpPr>
+        <p:spPr/>
+        <p:txBody>
+          <a:bodyPr/>
+          <a:lstStyle/>
+          <a:p>
+            <a:r>
+              <a:rPr lang="ru-RU" dirty="0"/>
+              <a:t>Содержание</a:t>
+            </a:r>
+          </a:p>
+        </p:txBody>
+      </p:sp>
+      <p:sp>
+        <p:nvSpPr>
+          <p:cNvPr id="3" name="Объект 2"/>
+          <p:cNvSpPr>
+            <a:spLocks noGrp="1"/>
+          </p:cNvSpPr>
+          <p:nvPr>
+            <p:ph idx="1"/>
+          </p:nvPr>
+        </p:nvSpPr>
+        <p:spPr/>
+        <p:txBody>
+          <a:bodyPr/>
+          <a:lstStyle/>
+          <a:p>
+            <a:r>
+              <a:rPr lang="ru-RU" dirty="0"/>
+              <a:t>Что такое принципы </a:t>
+            </a:r>
+            <a:r>
+              <a:rPr lang="en-US" dirty="0"/>
+              <a:t>S.O.L.I.D.</a:t>
+            </a:r>
+            <a:endParaRPr lang="ru-RU" dirty="0"/>
+          </a:p>
+          <a:p>
+            <a:r>
+              <a:rPr lang="ru-RU" dirty="0"/>
+              <a:t>Разбор каждого принципа на примере</a:t>
+            </a:r>
+            <a:endParaRPr lang="en-US" dirty="0"/>
+          </a:p>
+          <a:p>
+            <a:r>
+              <a:rPr lang="ru-RU" dirty="0"/>
+              <a:t>Для чего нужны принципы </a:t>
+            </a:r>
+            <a:r>
+              <a:rPr lang="en-US" dirty="0"/>
+              <a:t>S.O.L.I.D.</a:t>
+            </a:r>
+            <a:endParaRPr lang="ru-RU" dirty="0"/>
+          </a:p>
+        </p:txBody>
+      </p:sp>
+      <p:sp>
+        <p:nvSpPr>
+          <p:cNvPr id="4" name="Номер слайда 3"/>
+          <p:cNvSpPr>
+            <a:spLocks noGrp="1"/>
+          </p:cNvSpPr>
+          <p:nvPr>
+            <p:ph type="sldNum" sz="quarter" idx="12"/>
+          </p:nvPr>
+        </p:nvSpPr>
+        <p:spPr/>
+        <p:txBody>
+          <a:bodyPr/>
+          <a:lstStyle/>
+          <a:p>
+            <a:fld id="{CF8E6F4D-2E97-47CB-8591-066566E4FE4D}" type="slidenum">
+              <a:rPr lang="ru-RU" smtClean="0"/>
+              <a:t>2</a:t>
+            </a:fld>
+            <a:endParaRPr lang="ru-RU"/>
+          </a:p>
+        </p:txBody>
+      </p:sp>
+    </p:spTree>
+    <p:extLst>
+      <p:ext uri="{BB962C8B-B14F-4D97-AF65-F5344CB8AC3E}">
+        <p14:creationId xmlns:p14="http://schemas.microsoft.com/office/powerpoint/2010/main" val="2673330357"/>
+      </p:ext>
+    </p:extLst>
+  </p:cSld>
+  <p:clrMapOvr>
+    <a:masterClrMapping/>
+  </p:clrMapOvr>
+</p:sld>
+</file>
+
+<file path=ppt/slides/slide20.xml><?xml version="1.0" encoding="utf-8"?>
+<p:sld xmlns:a="http://schemas.openxmlformats.org/drawingml/2006/main" xmlns:r="http://schemas.openxmlformats.org/officeDocument/2006/relationships" xmlns:p="http://schemas.openxmlformats.org/presentationml/2006/main">
+  <p:cSld>
+    <p:spTree>
+      <p:nvGrpSpPr>
+        <p:cNvPr id="1" name=""/>
+        <p:cNvGrpSpPr/>
+        <p:nvPr/>
+      </p:nvGrpSpPr>
+      <p:grpSpPr>
+        <a:xfrm>
+          <a:off x="0" y="0"/>
+          <a:ext cx="0" cy="0"/>
+          <a:chOff x="0" y="0"/>
+          <a:chExt cx="0" cy="0"/>
+        </a:xfrm>
+      </p:grpSpPr>
+      <p:sp>
+        <p:nvSpPr>
           <p:cNvPr id="2" name="Заголовок 1"/>
           <p:cNvSpPr>
             <a:spLocks noGrp="1"/>
@@ -11382,25 +11032,21 @@
           <a:lstStyle/>
           <a:p>
             <a:r>
-              <a:rPr lang="ru-RU" dirty="0" smtClean="0"/>
+              <a:rPr lang="ru-RU" dirty="0"/>
               <a:t>Клиенты не должны зависеть от методов, которые они не используют</a:t>
             </a:r>
           </a:p>
           <a:p>
             <a:r>
-              <a:rPr lang="ru-RU" dirty="0" smtClean="0"/>
+              <a:rPr lang="ru-RU" dirty="0"/>
               <a:t>Несколько специализированных интерфейсов лучше, одного «толстого»</a:t>
             </a:r>
-            <a:endParaRPr lang="en-US" dirty="0" smtClean="0"/>
-          </a:p>
-          <a:p>
-            <a:r>
-              <a:rPr lang="ru-RU" dirty="0" smtClean="0"/>
-              <a:t>При </a:t>
-            </a:r>
+            <a:endParaRPr lang="en-US" dirty="0"/>
+          </a:p>
+          <a:p>
             <a:r>
               <a:rPr lang="ru-RU" dirty="0"/>
-              <a:t>изменении метода интерфейса не должны меняться клиенты, которые этот метод не используют</a:t>
+              <a:t>При изменении метода интерфейса не должны меняться клиенты, которые этот метод не используют</a:t>
             </a:r>
           </a:p>
           <a:p>
@@ -11414,32 +11060,27 @@
               <a:buNone/>
             </a:pPr>
             <a:r>
-              <a:rPr lang="ru-RU" dirty="0" smtClean="0"/>
+              <a:rPr lang="ru-RU" dirty="0"/>
               <a:t>Как этого добиться</a:t>
             </a:r>
             <a:r>
-              <a:rPr lang="en-US" dirty="0" smtClean="0"/>
+              <a:rPr lang="en-US" dirty="0"/>
               <a:t>:</a:t>
             </a:r>
-            <a:endParaRPr lang="ru-RU" dirty="0" smtClean="0"/>
-          </a:p>
-          <a:p>
-            <a:r>
-              <a:rPr lang="ru-RU" dirty="0" smtClean="0"/>
+            <a:endParaRPr lang="ru-RU" dirty="0"/>
+          </a:p>
+          <a:p>
+            <a:r>
+              <a:rPr lang="ru-RU" dirty="0"/>
               <a:t>Не делать интерфейс «копией» класса</a:t>
             </a:r>
-            <a:endParaRPr lang="en-US" dirty="0" smtClean="0"/>
+            <a:endParaRPr lang="en-US" dirty="0"/>
           </a:p>
           <a:p>
             <a:r>
               <a:rPr lang="ru-RU" dirty="0"/>
-              <a:t>Если клиенты интерфейса разделены, то и интерфейс должен быть разделён соответствующим </a:t>
-            </a:r>
-            <a:r>
-              <a:rPr lang="ru-RU" dirty="0" smtClean="0"/>
-              <a:t>образом</a:t>
-            </a:r>
-            <a:endParaRPr lang="ru-RU" dirty="0"/>
+              <a:t>Если клиенты интерфейса разделены, то и интерфейс должен быть разделён соответствующим образом</a:t>
+            </a:r>
           </a:p>
         </p:txBody>
       </p:sp>
@@ -11460,7 +11101,7 @@
           <a:p>
             <a:fld id="{CF8E6F4D-2E97-47CB-8591-066566E4FE4D}" type="slidenum">
               <a:rPr lang="ru-RU" smtClean="0"/>
-              <a:t>19</a:t>
+              <a:t>20</a:t>
             </a:fld>
             <a:endParaRPr lang="ru-RU"/>
           </a:p>
@@ -11806,7 +11447,7 @@
 </p:sld>
 </file>
 
-<file path=ppt/slides/slide2.xml><?xml version="1.0" encoding="utf-8"?>
+<file path=ppt/slides/slide21.xml><?xml version="1.0" encoding="utf-8"?>
 <p:sld xmlns:a="http://schemas.openxmlformats.org/drawingml/2006/main" xmlns:r="http://schemas.openxmlformats.org/officeDocument/2006/relationships" xmlns:p="http://schemas.openxmlformats.org/presentationml/2006/main">
   <p:cSld>
     <p:spTree>
@@ -11825,78 +11466,6 @@
       </p:grpSpPr>
       <p:sp>
         <p:nvSpPr>
-          <p:cNvPr id="2" name="Заголовок 1"/>
-          <p:cNvSpPr>
-            <a:spLocks noGrp="1"/>
-          </p:cNvSpPr>
-          <p:nvPr>
-            <p:ph type="title"/>
-          </p:nvPr>
-        </p:nvSpPr>
-        <p:spPr/>
-        <p:txBody>
-          <a:bodyPr/>
-          <a:lstStyle/>
-          <a:p>
-            <a:r>
-              <a:rPr lang="ru-RU" dirty="0" smtClean="0"/>
-              <a:t>Содержание</a:t>
-            </a:r>
-            <a:endParaRPr lang="ru-RU" dirty="0"/>
-          </a:p>
-        </p:txBody>
-      </p:sp>
-      <p:sp>
-        <p:nvSpPr>
-          <p:cNvPr id="3" name="Объект 2"/>
-          <p:cNvSpPr>
-            <a:spLocks noGrp="1"/>
-          </p:cNvSpPr>
-          <p:nvPr>
-            <p:ph idx="1"/>
-          </p:nvPr>
-        </p:nvSpPr>
-        <p:spPr/>
-        <p:txBody>
-          <a:bodyPr/>
-          <a:lstStyle/>
-          <a:p>
-            <a:r>
-              <a:rPr lang="ru-RU" dirty="0" smtClean="0"/>
-              <a:t>Что такое принципы </a:t>
-            </a:r>
-            <a:r>
-              <a:rPr lang="en-US" dirty="0" smtClean="0"/>
-              <a:t>S.O.L.I.D.</a:t>
-            </a:r>
-            <a:endParaRPr lang="ru-RU" dirty="0" smtClean="0"/>
-          </a:p>
-          <a:p>
-            <a:r>
-              <a:rPr lang="ru-RU" dirty="0" smtClean="0"/>
-              <a:t>Разбор каждого принципа на примере</a:t>
-            </a:r>
-            <a:endParaRPr lang="en-US" dirty="0" smtClean="0"/>
-          </a:p>
-          <a:p>
-            <a:r>
-              <a:rPr lang="ru-RU" dirty="0"/>
-              <a:t>Для чего </a:t>
-            </a:r>
-            <a:r>
-              <a:rPr lang="ru-RU" dirty="0" smtClean="0"/>
-              <a:t>нужны принципы </a:t>
-            </a:r>
-            <a:r>
-              <a:rPr lang="en-US" dirty="0" smtClean="0"/>
-              <a:t>S.O.L.I.D.</a:t>
-            </a:r>
-            <a:endParaRPr lang="ru-RU" dirty="0"/>
-          </a:p>
-        </p:txBody>
-      </p:sp>
-      <p:sp>
-        <p:nvSpPr>
           <p:cNvPr id="4" name="Номер слайда 3"/>
           <p:cNvSpPr>
             <a:spLocks noGrp="1"/>
@@ -11912,67 +11481,7 @@
           <a:p>
             <a:fld id="{CF8E6F4D-2E97-47CB-8591-066566E4FE4D}" type="slidenum">
               <a:rPr lang="ru-RU" smtClean="0"/>
-              <a:t>2</a:t>
-            </a:fld>
-            <a:endParaRPr lang="ru-RU"/>
-          </a:p>
-        </p:txBody>
-      </p:sp>
-    </p:spTree>
-    <p:extLst>
-      <p:ext uri="{BB962C8B-B14F-4D97-AF65-F5344CB8AC3E}">
-        <p14:creationId xmlns:p14="http://schemas.microsoft.com/office/powerpoint/2010/main" val="2673330357"/>
-      </p:ext>
-    </p:extLst>
-  </p:cSld>
-  <p:clrMapOvr>
-    <a:masterClrMapping/>
-  </p:clrMapOvr>
-  <p:timing>
-    <p:tnLst>
-      <p:par>
-        <p:cTn id="1" dur="indefinite" restart="never" nodeType="tmRoot"/>
-      </p:par>
-    </p:tnLst>
-  </p:timing>
-</p:sld>
-</file>
-
-<file path=ppt/slides/slide20.xml><?xml version="1.0" encoding="utf-8"?>
-<p:sld xmlns:a="http://schemas.openxmlformats.org/drawingml/2006/main" xmlns:r="http://schemas.openxmlformats.org/officeDocument/2006/relationships" xmlns:p="http://schemas.openxmlformats.org/presentationml/2006/main">
-  <p:cSld>
-    <p:spTree>
-      <p:nvGrpSpPr>
-        <p:cNvPr id="1" name=""/>
-        <p:cNvGrpSpPr/>
-        <p:nvPr/>
-      </p:nvGrpSpPr>
-      <p:grpSpPr>
-        <a:xfrm>
-          <a:off x="0" y="0"/>
-          <a:ext cx="0" cy="0"/>
-          <a:chOff x="0" y="0"/>
-          <a:chExt cx="0" cy="0"/>
-        </a:xfrm>
-      </p:grpSpPr>
-      <p:sp>
-        <p:nvSpPr>
-          <p:cNvPr id="4" name="Номер слайда 3"/>
-          <p:cNvSpPr>
-            <a:spLocks noGrp="1"/>
-          </p:cNvSpPr>
-          <p:nvPr>
-            <p:ph type="sldNum" sz="quarter" idx="12"/>
-          </p:nvPr>
-        </p:nvSpPr>
-        <p:spPr/>
-        <p:txBody>
-          <a:bodyPr/>
-          <a:lstStyle/>
-          <a:p>
-            <a:fld id="{CF8E6F4D-2E97-47CB-8591-066566E4FE4D}" type="slidenum">
-              <a:rPr lang="ru-RU" smtClean="0"/>
-              <a:t>20</a:t>
+              <a:t>21</a:t>
             </a:fld>
             <a:endParaRPr lang="ru-RU"/>
           </a:p>
@@ -12029,17 +11538,10 @@
   <p:clrMapOvr>
     <a:masterClrMapping/>
   </p:clrMapOvr>
-  <p:timing>
-    <p:tnLst>
-      <p:par>
-        <p:cTn id="1" dur="indefinite" restart="never" nodeType="tmRoot"/>
-      </p:par>
-    </p:tnLst>
-  </p:timing>
 </p:sld>
 </file>
 
-<file path=ppt/slides/slide21.xml><?xml version="1.0" encoding="utf-8"?>
+<file path=ppt/slides/slide22.xml><?xml version="1.0" encoding="utf-8"?>
 <p:sld xmlns:a="http://schemas.openxmlformats.org/drawingml/2006/main" xmlns:r="http://schemas.openxmlformats.org/officeDocument/2006/relationships" xmlns:p="http://schemas.openxmlformats.org/presentationml/2006/main">
   <p:cSld>
     <p:spTree>
@@ -12073,7 +11575,7 @@
           <a:p>
             <a:fld id="{CF8E6F4D-2E97-47CB-8591-066566E4FE4D}" type="slidenum">
               <a:rPr lang="ru-RU" smtClean="0"/>
-              <a:t>21</a:t>
+              <a:t>22</a:t>
             </a:fld>
             <a:endParaRPr lang="ru-RU"/>
           </a:p>
@@ -12130,281 +11632,6 @@
   <p:clrMapOvr>
     <a:masterClrMapping/>
   </p:clrMapOvr>
-  <p:timing>
-    <p:tnLst>
-      <p:par>
-        <p:cTn id="1" dur="indefinite" restart="never" nodeType="tmRoot"/>
-      </p:par>
-    </p:tnLst>
-  </p:timing>
-</p:sld>
-</file>
-
-<file path=ppt/slides/slide22.xml><?xml version="1.0" encoding="utf-8"?>
-<p:sld xmlns:a="http://schemas.openxmlformats.org/drawingml/2006/main" xmlns:r="http://schemas.openxmlformats.org/officeDocument/2006/relationships" xmlns:p="http://schemas.openxmlformats.org/presentationml/2006/main">
-  <p:cSld>
-    <p:spTree>
-      <p:nvGrpSpPr>
-        <p:cNvPr id="1" name=""/>
-        <p:cNvGrpSpPr/>
-        <p:nvPr/>
-      </p:nvGrpSpPr>
-      <p:grpSpPr>
-        <a:xfrm>
-          <a:off x="0" y="0"/>
-          <a:ext cx="0" cy="0"/>
-          <a:chOff x="0" y="0"/>
-          <a:chExt cx="0" cy="0"/>
-        </a:xfrm>
-      </p:grpSpPr>
-      <p:sp>
-        <p:nvSpPr>
-          <p:cNvPr id="2" name="Заголовок 1"/>
-          <p:cNvSpPr>
-            <a:spLocks noGrp="1"/>
-          </p:cNvSpPr>
-          <p:nvPr>
-            <p:ph type="title"/>
-          </p:nvPr>
-        </p:nvSpPr>
-        <p:spPr/>
-        <p:txBody>
-          <a:bodyPr/>
-          <a:lstStyle/>
-          <a:p>
-            <a:endParaRPr lang="ru-RU"/>
-          </a:p>
-        </p:txBody>
-      </p:sp>
-      <p:sp>
-        <p:nvSpPr>
-          <p:cNvPr id="3" name="Объект 2"/>
-          <p:cNvSpPr>
-            <a:spLocks noGrp="1"/>
-          </p:cNvSpPr>
-          <p:nvPr>
-            <p:ph idx="1"/>
-          </p:nvPr>
-        </p:nvSpPr>
-        <p:spPr/>
-        <p:txBody>
-          <a:bodyPr/>
-          <a:lstStyle/>
-          <a:p>
-            <a:pPr marL="0" indent="0">
-              <a:buNone/>
-            </a:pPr>
-            <a:r>
-              <a:rPr lang="en-US" dirty="0">
-                <a:solidFill>
-                  <a:srgbClr val="0000FF"/>
-                </a:solidFill>
-                <a:latin typeface="Consolas" panose="020B0609020204030204" pitchFamily="49" charset="0"/>
-              </a:rPr>
-              <a:t>class</a:t>
-            </a:r>
-            <a:r>
-              <a:rPr lang="en-US" dirty="0">
-                <a:solidFill>
-                  <a:srgbClr val="000000"/>
-                </a:solidFill>
-                <a:latin typeface="Consolas" panose="020B0609020204030204" pitchFamily="49" charset="0"/>
-              </a:rPr>
-              <a:t> </a:t>
-            </a:r>
-            <a:r>
-              <a:rPr lang="en-US" dirty="0" err="1" smtClean="0">
-                <a:solidFill>
-                  <a:srgbClr val="2B91AF"/>
-                </a:solidFill>
-                <a:latin typeface="Consolas" panose="020B0609020204030204" pitchFamily="49" charset="0"/>
-              </a:rPr>
-              <a:t>SceneGraph</a:t>
-            </a:r>
-            <a:endParaRPr lang="en-US" dirty="0">
-              <a:solidFill>
-                <a:srgbClr val="000000"/>
-              </a:solidFill>
-              <a:latin typeface="Consolas" panose="020B0609020204030204" pitchFamily="49" charset="0"/>
-            </a:endParaRPr>
-          </a:p>
-          <a:p>
-            <a:pPr marL="0" indent="0">
-              <a:buNone/>
-            </a:pPr>
-            <a:r>
-              <a:rPr lang="ru-RU" dirty="0">
-                <a:solidFill>
-                  <a:srgbClr val="000000"/>
-                </a:solidFill>
-                <a:latin typeface="Consolas" panose="020B0609020204030204" pitchFamily="49" charset="0"/>
-              </a:rPr>
-              <a:t>{</a:t>
-            </a:r>
-          </a:p>
-          <a:p>
-            <a:pPr marL="0" indent="0">
-              <a:buNone/>
-            </a:pPr>
-            <a:r>
-              <a:rPr lang="en-US" dirty="0">
-                <a:solidFill>
-                  <a:srgbClr val="0000FF"/>
-                </a:solidFill>
-                <a:latin typeface="Consolas" panose="020B0609020204030204" pitchFamily="49" charset="0"/>
-              </a:rPr>
-              <a:t>public</a:t>
-            </a:r>
-            <a:r>
-              <a:rPr lang="en-US" dirty="0">
-                <a:solidFill>
-                  <a:srgbClr val="000000"/>
-                </a:solidFill>
-                <a:latin typeface="Consolas" panose="020B0609020204030204" pitchFamily="49" charset="0"/>
-              </a:rPr>
-              <a:t>:</a:t>
-            </a:r>
-          </a:p>
-          <a:p>
-            <a:pPr marL="0" indent="0">
-              <a:buNone/>
-            </a:pPr>
-            <a:r>
-              <a:rPr lang="ru-RU" dirty="0" smtClean="0">
-                <a:solidFill>
-                  <a:srgbClr val="0000FF"/>
-                </a:solidFill>
-                <a:latin typeface="Consolas" panose="020B0609020204030204" pitchFamily="49" charset="0"/>
-              </a:rPr>
-              <a:t>  </a:t>
-            </a:r>
-            <a:r>
-              <a:rPr lang="en-US" dirty="0" smtClean="0">
-                <a:solidFill>
-                  <a:srgbClr val="0000FF"/>
-                </a:solidFill>
-                <a:latin typeface="Consolas" panose="020B0609020204030204" pitchFamily="49" charset="0"/>
-              </a:rPr>
-              <a:t>void</a:t>
-            </a:r>
-            <a:r>
-              <a:rPr lang="en-US" dirty="0" smtClean="0">
-                <a:solidFill>
-                  <a:srgbClr val="000000"/>
-                </a:solidFill>
-                <a:latin typeface="Consolas" panose="020B0609020204030204" pitchFamily="49" charset="0"/>
-              </a:rPr>
-              <a:t> </a:t>
-            </a:r>
-            <a:r>
-              <a:rPr lang="en-US" dirty="0">
-                <a:solidFill>
-                  <a:srgbClr val="000000"/>
-                </a:solidFill>
-                <a:latin typeface="Consolas" panose="020B0609020204030204" pitchFamily="49" charset="0"/>
-              </a:rPr>
-              <a:t>Render(sf::</a:t>
-            </a:r>
-            <a:r>
-              <a:rPr lang="en-US" dirty="0" err="1">
-                <a:solidFill>
-                  <a:srgbClr val="2B91AF"/>
-                </a:solidFill>
-                <a:latin typeface="Consolas" panose="020B0609020204030204" pitchFamily="49" charset="0"/>
-              </a:rPr>
-              <a:t>RenderWindow</a:t>
-            </a:r>
-            <a:r>
-              <a:rPr lang="en-US" dirty="0">
-                <a:solidFill>
-                  <a:srgbClr val="000000"/>
-                </a:solidFill>
-                <a:latin typeface="Consolas" panose="020B0609020204030204" pitchFamily="49" charset="0"/>
-              </a:rPr>
-              <a:t> &amp;</a:t>
-            </a:r>
-            <a:r>
-              <a:rPr lang="en-US" dirty="0">
-                <a:solidFill>
-                  <a:srgbClr val="808080"/>
-                </a:solidFill>
-                <a:latin typeface="Consolas" panose="020B0609020204030204" pitchFamily="49" charset="0"/>
-              </a:rPr>
-              <a:t>window</a:t>
-            </a:r>
-            <a:r>
-              <a:rPr lang="en-US" dirty="0" smtClean="0">
-                <a:solidFill>
-                  <a:srgbClr val="000000"/>
-                </a:solidFill>
-                <a:latin typeface="Consolas" panose="020B0609020204030204" pitchFamily="49" charset="0"/>
-              </a:rPr>
-              <a:t>);</a:t>
-            </a:r>
-            <a:endParaRPr lang="en-US" dirty="0">
-              <a:solidFill>
-                <a:srgbClr val="000000"/>
-              </a:solidFill>
-              <a:latin typeface="Consolas" panose="020B0609020204030204" pitchFamily="49" charset="0"/>
-            </a:endParaRPr>
-          </a:p>
-          <a:p>
-            <a:pPr marL="0" indent="0">
-              <a:buNone/>
-            </a:pPr>
-            <a:r>
-              <a:rPr lang="ru-RU" dirty="0">
-                <a:solidFill>
-                  <a:srgbClr val="000000"/>
-                </a:solidFill>
-                <a:latin typeface="Consolas" panose="020B0609020204030204" pitchFamily="49" charset="0"/>
-              </a:rPr>
-              <a:t>};</a:t>
-            </a:r>
-            <a:endParaRPr lang="ru-RU" dirty="0"/>
-          </a:p>
-        </p:txBody>
-      </p:sp>
-      <p:sp>
-        <p:nvSpPr>
-          <p:cNvPr id="4" name="Номер слайда 3"/>
-          <p:cNvSpPr>
-            <a:spLocks noGrp="1"/>
-          </p:cNvSpPr>
-          <p:nvPr>
-            <p:ph type="sldNum" sz="quarter" idx="12"/>
-          </p:nvPr>
-        </p:nvSpPr>
-        <p:spPr/>
-        <p:txBody>
-          <a:bodyPr/>
-          <a:lstStyle/>
-          <a:p>
-            <a:fld id="{CF8E6F4D-2E97-47CB-8591-066566E4FE4D}" type="slidenum">
-              <a:rPr lang="ru-RU" smtClean="0"/>
-              <a:t>22</a:t>
-            </a:fld>
-            <a:endParaRPr lang="ru-RU"/>
-          </a:p>
-        </p:txBody>
-      </p:sp>
-    </p:spTree>
-    <p:extLst>
-      <p:ext uri="{BB962C8B-B14F-4D97-AF65-F5344CB8AC3E}">
-        <p14:creationId xmlns:p14="http://schemas.microsoft.com/office/powerpoint/2010/main" val="777436464"/>
-      </p:ext>
-    </p:extLst>
-  </p:cSld>
-  <p:clrMapOvr>
-    <a:masterClrMapping/>
-  </p:clrMapOvr>
-  <p:timing>
-    <p:tnLst>
-      <p:par>
-        <p:cTn id="1" dur="indefinite" restart="never" nodeType="tmRoot"/>
-      </p:par>
-    </p:tnLst>
-  </p:timing>
 </p:sld>
 </file>
 
@@ -12481,7 +11708,7 @@
               <a:t> </a:t>
             </a:r>
             <a:r>
-              <a:rPr lang="en-US" dirty="0" err="1" smtClean="0">
+              <a:rPr lang="en-US" dirty="0" err="1">
                 <a:solidFill>
                   <a:srgbClr val="2B91AF"/>
                 </a:solidFill>
@@ -12538,7 +11765,7 @@
               <a:buNone/>
             </a:pPr>
             <a:r>
-              <a:rPr lang="ru-RU" dirty="0" smtClean="0">
+              <a:rPr lang="ru-RU" dirty="0">
                 <a:solidFill>
                   <a:srgbClr val="0000FF"/>
                 </a:solidFill>
@@ -12547,7 +11774,7 @@
               <a:t>  </a:t>
             </a:r>
             <a:r>
-              <a:rPr lang="en-US" dirty="0" smtClean="0">
+              <a:rPr lang="en-US" dirty="0">
                 <a:solidFill>
                   <a:srgbClr val="0000FF"/>
                 </a:solidFill>
@@ -12556,22 +11783,13 @@
               <a:t>void</a:t>
             </a:r>
             <a:r>
-              <a:rPr lang="en-US" dirty="0" smtClean="0">
-                <a:solidFill>
-                  <a:srgbClr val="000000"/>
-                </a:solidFill>
-                <a:latin typeface="Consolas" panose="020B0609020204030204" pitchFamily="49" charset="0"/>
-              </a:rPr>
-              <a:t> </a:t>
-            </a:r>
-            <a:r>
               <a:rPr lang="en-US" dirty="0">
                 <a:solidFill>
                   <a:srgbClr val="000000"/>
                 </a:solidFill>
                 <a:latin typeface="Consolas" panose="020B0609020204030204" pitchFamily="49" charset="0"/>
               </a:rPr>
-              <a:t>Render(sf::</a:t>
+              <a:t> Render(sf::</a:t>
             </a:r>
             <a:r>
               <a:rPr lang="en-US" dirty="0" err="1">
@@ -12580,7 +11798,7 @@
                 </a:solidFill>
                 <a:latin typeface="Consolas" panose="020B0609020204030204" pitchFamily="49" charset="0"/>
               </a:rPr>
-              <a:t>RenderTarget</a:t>
+              <a:t>RenderWindow</a:t>
             </a:r>
             <a:r>
               <a:rPr lang="en-US" dirty="0">
@@ -12598,10 +11816,10 @@
                 </a:solidFill>
                 <a:latin typeface="Consolas" panose="020B0609020204030204" pitchFamily="49" charset="0"/>
               </a:rPr>
-              <a:t>target</a:t>
-            </a:r>
-            <a:r>
-              <a:rPr lang="en-US" dirty="0" smtClean="0">
+              <a:t>window</a:t>
+            </a:r>
+            <a:r>
+              <a:rPr lang="en-US" dirty="0">
                 <a:solidFill>
                   <a:srgbClr val="000000"/>
                 </a:solidFill>
@@ -12609,12 +11827,6 @@
               </a:rPr>
               <a:t>);</a:t>
             </a:r>
-            <a:endParaRPr lang="en-US" dirty="0">
-              <a:solidFill>
-                <a:srgbClr val="000000"/>
-              </a:solidFill>
-              <a:latin typeface="Consolas" panose="020B0609020204030204" pitchFamily="49" charset="0"/>
-            </a:endParaRPr>
           </a:p>
           <a:p>
             <a:pPr marL="0" indent="0">
@@ -12659,20 +11871,13 @@
     </p:spTree>
     <p:extLst>
       <p:ext uri="{BB962C8B-B14F-4D97-AF65-F5344CB8AC3E}">
-        <p14:creationId xmlns:p14="http://schemas.microsoft.com/office/powerpoint/2010/main" val="502241766"/>
+        <p14:creationId xmlns:p14="http://schemas.microsoft.com/office/powerpoint/2010/main" val="777436464"/>
       </p:ext>
     </p:extLst>
   </p:cSld>
   <p:clrMapOvr>
     <a:masterClrMapping/>
   </p:clrMapOvr>
-  <p:timing>
-    <p:tnLst>
-      <p:par>
-        <p:cTn id="1" dur="indefinite" restart="never" nodeType="tmRoot"/>
-      </p:par>
-    </p:tnLst>
-  </p:timing>
 </p:sld>
 </file>
 
@@ -12695,7 +11900,7 @@
       </p:grpSpPr>
       <p:sp>
         <p:nvSpPr>
-          <p:cNvPr id="5" name="Заголовок 4"/>
+          <p:cNvPr id="2" name="Заголовок 1"/>
           <p:cNvSpPr>
             <a:spLocks noGrp="1"/>
           </p:cNvSpPr>
@@ -12708,108 +11913,181 @@
           <a:bodyPr/>
           <a:lstStyle/>
           <a:p>
-            <a:r>
-              <a:rPr lang="ru-RU" dirty="0" smtClean="0"/>
-              <a:t>Итоги</a:t>
+            <a:endParaRPr lang="ru-RU"/>
+          </a:p>
+        </p:txBody>
+      </p:sp>
+      <p:sp>
+        <p:nvSpPr>
+          <p:cNvPr id="3" name="Объект 2"/>
+          <p:cNvSpPr>
+            <a:spLocks noGrp="1"/>
+          </p:cNvSpPr>
+          <p:nvPr>
+            <p:ph idx="1"/>
+          </p:nvPr>
+        </p:nvSpPr>
+        <p:spPr/>
+        <p:txBody>
+          <a:bodyPr/>
+          <a:lstStyle/>
+          <a:p>
+            <a:pPr marL="0" indent="0">
+              <a:buNone/>
+            </a:pPr>
+            <a:r>
+              <a:rPr lang="en-US" dirty="0">
+                <a:solidFill>
+                  <a:srgbClr val="0000FF"/>
+                </a:solidFill>
+                <a:latin typeface="Consolas" panose="020B0609020204030204" pitchFamily="49" charset="0"/>
+              </a:rPr>
+              <a:t>class</a:t>
+            </a:r>
+            <a:r>
+              <a:rPr lang="en-US" dirty="0">
+                <a:solidFill>
+                  <a:srgbClr val="000000"/>
+                </a:solidFill>
+                <a:latin typeface="Consolas" panose="020B0609020204030204" pitchFamily="49" charset="0"/>
+              </a:rPr>
+              <a:t> </a:t>
+            </a:r>
+            <a:r>
+              <a:rPr lang="en-US" dirty="0" err="1">
+                <a:solidFill>
+                  <a:srgbClr val="2B91AF"/>
+                </a:solidFill>
+                <a:latin typeface="Consolas" panose="020B0609020204030204" pitchFamily="49" charset="0"/>
+              </a:rPr>
+              <a:t>SceneGraph</a:t>
+            </a:r>
+            <a:endParaRPr lang="en-US" dirty="0">
+              <a:solidFill>
+                <a:srgbClr val="000000"/>
+              </a:solidFill>
+              <a:latin typeface="Consolas" panose="020B0609020204030204" pitchFamily="49" charset="0"/>
+            </a:endParaRPr>
+          </a:p>
+          <a:p>
+            <a:pPr marL="0" indent="0">
+              <a:buNone/>
+            </a:pPr>
+            <a:r>
+              <a:rPr lang="ru-RU" dirty="0">
+                <a:solidFill>
+                  <a:srgbClr val="000000"/>
+                </a:solidFill>
+                <a:latin typeface="Consolas" panose="020B0609020204030204" pitchFamily="49" charset="0"/>
+              </a:rPr>
+              <a:t>{</a:t>
+            </a:r>
+          </a:p>
+          <a:p>
+            <a:pPr marL="0" indent="0">
+              <a:buNone/>
+            </a:pPr>
+            <a:r>
+              <a:rPr lang="en-US" dirty="0">
+                <a:solidFill>
+                  <a:srgbClr val="0000FF"/>
+                </a:solidFill>
+                <a:latin typeface="Consolas" panose="020B0609020204030204" pitchFamily="49" charset="0"/>
+              </a:rPr>
+              <a:t>public</a:t>
+            </a:r>
+            <a:r>
+              <a:rPr lang="en-US" dirty="0">
+                <a:solidFill>
+                  <a:srgbClr val="000000"/>
+                </a:solidFill>
+                <a:latin typeface="Consolas" panose="020B0609020204030204" pitchFamily="49" charset="0"/>
+              </a:rPr>
+              <a:t>:</a:t>
+            </a:r>
+          </a:p>
+          <a:p>
+            <a:pPr marL="0" indent="0">
+              <a:buNone/>
+            </a:pPr>
+            <a:r>
+              <a:rPr lang="ru-RU" dirty="0">
+                <a:solidFill>
+                  <a:srgbClr val="0000FF"/>
+                </a:solidFill>
+                <a:latin typeface="Consolas" panose="020B0609020204030204" pitchFamily="49" charset="0"/>
+              </a:rPr>
+              <a:t>  </a:t>
+            </a:r>
+            <a:r>
+              <a:rPr lang="en-US" dirty="0">
+                <a:solidFill>
+                  <a:srgbClr val="0000FF"/>
+                </a:solidFill>
+                <a:latin typeface="Consolas" panose="020B0609020204030204" pitchFamily="49" charset="0"/>
+              </a:rPr>
+              <a:t>void</a:t>
+            </a:r>
+            <a:r>
+              <a:rPr lang="en-US" dirty="0">
+                <a:solidFill>
+                  <a:srgbClr val="000000"/>
+                </a:solidFill>
+                <a:latin typeface="Consolas" panose="020B0609020204030204" pitchFamily="49" charset="0"/>
+              </a:rPr>
+              <a:t> Render(sf::</a:t>
+            </a:r>
+            <a:r>
+              <a:rPr lang="en-US" dirty="0" err="1">
+                <a:solidFill>
+                  <a:srgbClr val="2B91AF"/>
+                </a:solidFill>
+                <a:latin typeface="Consolas" panose="020B0609020204030204" pitchFamily="49" charset="0"/>
+              </a:rPr>
+              <a:t>RenderTarget</a:t>
+            </a:r>
+            <a:r>
+              <a:rPr lang="en-US" dirty="0">
+                <a:solidFill>
+                  <a:srgbClr val="000000"/>
+                </a:solidFill>
+                <a:latin typeface="Consolas" panose="020B0609020204030204" pitchFamily="49" charset="0"/>
+              </a:rPr>
+              <a:t> &amp;</a:t>
+            </a:r>
+            <a:r>
+              <a:rPr lang="en-US" dirty="0">
+                <a:solidFill>
+                  <a:srgbClr val="808080"/>
+                </a:solidFill>
+                <a:latin typeface="Consolas" panose="020B0609020204030204" pitchFamily="49" charset="0"/>
+              </a:rPr>
+              <a:t>target</a:t>
+            </a:r>
+            <a:r>
+              <a:rPr lang="en-US" dirty="0">
+                <a:solidFill>
+                  <a:srgbClr val="000000"/>
+                </a:solidFill>
+                <a:latin typeface="Consolas" panose="020B0609020204030204" pitchFamily="49" charset="0"/>
+              </a:rPr>
+              <a:t>);</a:t>
+            </a:r>
+          </a:p>
+          <a:p>
+            <a:pPr marL="0" indent="0">
+              <a:buNone/>
+            </a:pPr>
+            <a:r>
+              <a:rPr lang="ru-RU" dirty="0">
+                <a:solidFill>
+                  <a:srgbClr val="000000"/>
+                </a:solidFill>
+                <a:latin typeface="Consolas" panose="020B0609020204030204" pitchFamily="49" charset="0"/>
+              </a:rPr>
+              <a:t>};</a:t>
             </a:r>
             <a:endParaRPr lang="ru-RU" dirty="0"/>
-          </a:p>
-        </p:txBody>
-      </p:sp>
-      <p:sp>
-        <p:nvSpPr>
-          <p:cNvPr id="6" name="Текст 5"/>
-          <p:cNvSpPr>
-            <a:spLocks noGrp="1"/>
-          </p:cNvSpPr>
-          <p:nvPr>
-            <p:ph type="body" idx="1"/>
-          </p:nvPr>
-        </p:nvSpPr>
-        <p:spPr/>
-        <p:txBody>
-          <a:bodyPr/>
-          <a:lstStyle/>
-          <a:p>
-            <a:r>
-              <a:rPr lang="ru-RU" dirty="0" smtClean="0"/>
-              <a:t>Достоинства</a:t>
-            </a:r>
-            <a:endParaRPr lang="ru-RU" dirty="0"/>
-          </a:p>
-        </p:txBody>
-      </p:sp>
-      <p:sp>
-        <p:nvSpPr>
-          <p:cNvPr id="7" name="Объект 6"/>
-          <p:cNvSpPr>
-            <a:spLocks noGrp="1"/>
-          </p:cNvSpPr>
-          <p:nvPr>
-            <p:ph sz="half" idx="2"/>
-          </p:nvPr>
-        </p:nvSpPr>
-        <p:spPr/>
-        <p:txBody>
-          <a:bodyPr/>
-          <a:lstStyle/>
-          <a:p>
-            <a:r>
-              <a:rPr lang="ru-RU" dirty="0" smtClean="0"/>
-              <a:t>Легче реализовать требуемый интерфейс</a:t>
-            </a:r>
-          </a:p>
-          <a:p>
-            <a:r>
-              <a:rPr lang="ru-RU" dirty="0" smtClean="0"/>
-              <a:t>Уменьшение связности кода</a:t>
-            </a:r>
-            <a:endParaRPr lang="ru-RU" dirty="0"/>
-          </a:p>
-        </p:txBody>
-      </p:sp>
-      <p:sp>
-        <p:nvSpPr>
-          <p:cNvPr id="8" name="Текст 7"/>
-          <p:cNvSpPr>
-            <a:spLocks noGrp="1"/>
-          </p:cNvSpPr>
-          <p:nvPr>
-            <p:ph type="body" sz="quarter" idx="3"/>
-          </p:nvPr>
-        </p:nvSpPr>
-        <p:spPr/>
-        <p:txBody>
-          <a:bodyPr/>
-          <a:lstStyle/>
-          <a:p>
-            <a:r>
-              <a:rPr lang="ru-RU" dirty="0" smtClean="0"/>
-              <a:t>Недостатки</a:t>
-            </a:r>
-            <a:endParaRPr lang="ru-RU" dirty="0"/>
-          </a:p>
-        </p:txBody>
-      </p:sp>
-      <p:sp>
-        <p:nvSpPr>
-          <p:cNvPr id="9" name="Объект 8"/>
-          <p:cNvSpPr>
-            <a:spLocks noGrp="1"/>
-          </p:cNvSpPr>
-          <p:nvPr>
-            <p:ph sz="quarter" idx="4"/>
-          </p:nvPr>
-        </p:nvSpPr>
-        <p:spPr/>
-        <p:txBody>
-          <a:bodyPr/>
-          <a:lstStyle/>
-          <a:p>
-            <a:r>
-              <a:rPr lang="ru-RU" dirty="0" smtClean="0"/>
-              <a:t>Большое количество интерфейсов и адаптеров</a:t>
-            </a:r>
           </a:p>
         </p:txBody>
       </p:sp>
@@ -12839,20 +12117,13 @@
     </p:spTree>
     <p:extLst>
       <p:ext uri="{BB962C8B-B14F-4D97-AF65-F5344CB8AC3E}">
-        <p14:creationId xmlns:p14="http://schemas.microsoft.com/office/powerpoint/2010/main" val="3131671125"/>
+        <p14:creationId xmlns:p14="http://schemas.microsoft.com/office/powerpoint/2010/main" val="502241766"/>
       </p:ext>
     </p:extLst>
   </p:cSld>
   <p:clrMapOvr>
     <a:masterClrMapping/>
   </p:clrMapOvr>
-  <p:timing>
-    <p:tnLst>
-      <p:par>
-        <p:cTn id="1" dur="indefinite" restart="never" nodeType="tmRoot"/>
-      </p:par>
-    </p:tnLst>
-  </p:timing>
 </p:sld>
 </file>
 
@@ -12875,7 +12146,7 @@
       </p:grpSpPr>
       <p:sp>
         <p:nvSpPr>
-          <p:cNvPr id="3" name="Заголовок 2"/>
+          <p:cNvPr id="5" name="Заголовок 4"/>
           <p:cNvSpPr>
             <a:spLocks noGrp="1"/>
           </p:cNvSpPr>
@@ -12890,19 +12161,19 @@
           <a:p>
             <a:r>
               <a:rPr lang="ru-RU" dirty="0"/>
-              <a:t>Принцип инверсии зависимости</a:t>
-            </a:r>
-          </a:p>
-        </p:txBody>
-      </p:sp>
-      <p:sp>
-        <p:nvSpPr>
-          <p:cNvPr id="4" name="Объект 3"/>
-          <p:cNvSpPr>
-            <a:spLocks noGrp="1"/>
-          </p:cNvSpPr>
-          <p:nvPr>
-            <p:ph idx="1"/>
+              <a:t>Итоги</a:t>
+            </a:r>
+          </a:p>
+        </p:txBody>
+      </p:sp>
+      <p:sp>
+        <p:nvSpPr>
+          <p:cNvPr id="6" name="Текст 5"/>
+          <p:cNvSpPr>
+            <a:spLocks noGrp="1"/>
+          </p:cNvSpPr>
+          <p:nvPr>
+            <p:ph type="body" idx="1"/>
           </p:nvPr>
         </p:nvSpPr>
         <p:spPr/>
@@ -12912,21 +12183,86 @@
           <a:p>
             <a:r>
               <a:rPr lang="ru-RU" dirty="0"/>
-              <a:t>Модули верхнего уровня не должны зависеть от модулей нижнего уровня. Оба должны зависеть от абстракции.</a:t>
-            </a:r>
-          </a:p>
-          <a:p>
-            <a:r>
-              <a:rPr lang="ru-RU" dirty="0" smtClean="0"/>
-              <a:t>Не нужно связывать код, отвечающий за бизнес логику, с низкоуровневыми библиотеками.</a:t>
-            </a:r>
-            <a:endParaRPr lang="ru-RU" dirty="0"/>
-          </a:p>
-        </p:txBody>
-      </p:sp>
-      <p:sp>
-        <p:nvSpPr>
-          <p:cNvPr id="2" name="Номер слайда 1"/>
+              <a:t>Достоинства</a:t>
+            </a:r>
+          </a:p>
+        </p:txBody>
+      </p:sp>
+      <p:sp>
+        <p:nvSpPr>
+          <p:cNvPr id="7" name="Объект 6"/>
+          <p:cNvSpPr>
+            <a:spLocks noGrp="1"/>
+          </p:cNvSpPr>
+          <p:nvPr>
+            <p:ph sz="half" idx="2"/>
+          </p:nvPr>
+        </p:nvSpPr>
+        <p:spPr/>
+        <p:txBody>
+          <a:bodyPr/>
+          <a:lstStyle/>
+          <a:p>
+            <a:r>
+              <a:rPr lang="ru-RU" dirty="0"/>
+              <a:t>Легче реализовать требуемый интерфейс</a:t>
+            </a:r>
+          </a:p>
+          <a:p>
+            <a:r>
+              <a:rPr lang="ru-RU" dirty="0"/>
+              <a:t>Уменьшение связности кода</a:t>
+            </a:r>
+          </a:p>
+        </p:txBody>
+      </p:sp>
+      <p:sp>
+        <p:nvSpPr>
+          <p:cNvPr id="8" name="Текст 7"/>
+          <p:cNvSpPr>
+            <a:spLocks noGrp="1"/>
+          </p:cNvSpPr>
+          <p:nvPr>
+            <p:ph type="body" sz="quarter" idx="3"/>
+          </p:nvPr>
+        </p:nvSpPr>
+        <p:spPr/>
+        <p:txBody>
+          <a:bodyPr/>
+          <a:lstStyle/>
+          <a:p>
+            <a:r>
+              <a:rPr lang="ru-RU" dirty="0"/>
+              <a:t>Недостатки</a:t>
+            </a:r>
+          </a:p>
+        </p:txBody>
+      </p:sp>
+      <p:sp>
+        <p:nvSpPr>
+          <p:cNvPr id="9" name="Объект 8"/>
+          <p:cNvSpPr>
+            <a:spLocks noGrp="1"/>
+          </p:cNvSpPr>
+          <p:nvPr>
+            <p:ph sz="quarter" idx="4"/>
+          </p:nvPr>
+        </p:nvSpPr>
+        <p:spPr/>
+        <p:txBody>
+          <a:bodyPr/>
+          <a:lstStyle/>
+          <a:p>
+            <a:r>
+              <a:rPr lang="ru-RU" dirty="0"/>
+              <a:t>Большое количество интерфейсов и адаптеров</a:t>
+            </a:r>
+          </a:p>
+        </p:txBody>
+      </p:sp>
+      <p:sp>
+        <p:nvSpPr>
+          <p:cNvPr id="4" name="Номер слайда 3"/>
           <p:cNvSpPr>
             <a:spLocks noGrp="1"/>
           </p:cNvSpPr>
@@ -12942,6 +12278,109 @@
             <a:fld id="{CF8E6F4D-2E97-47CB-8591-066566E4FE4D}" type="slidenum">
               <a:rPr lang="ru-RU" smtClean="0"/>
               <a:t>25</a:t>
+            </a:fld>
+            <a:endParaRPr lang="ru-RU"/>
+          </a:p>
+        </p:txBody>
+      </p:sp>
+    </p:spTree>
+    <p:extLst>
+      <p:ext uri="{BB962C8B-B14F-4D97-AF65-F5344CB8AC3E}">
+        <p14:creationId xmlns:p14="http://schemas.microsoft.com/office/powerpoint/2010/main" val="3131671125"/>
+      </p:ext>
+    </p:extLst>
+  </p:cSld>
+  <p:clrMapOvr>
+    <a:masterClrMapping/>
+  </p:clrMapOvr>
+</p:sld>
+</file>
+
+<file path=ppt/slides/slide26.xml><?xml version="1.0" encoding="utf-8"?>
+<p:sld xmlns:a="http://schemas.openxmlformats.org/drawingml/2006/main" xmlns:r="http://schemas.openxmlformats.org/officeDocument/2006/relationships" xmlns:p="http://schemas.openxmlformats.org/presentationml/2006/main">
+  <p:cSld>
+    <p:spTree>
+      <p:nvGrpSpPr>
+        <p:cNvPr id="1" name=""/>
+        <p:cNvGrpSpPr/>
+        <p:nvPr/>
+      </p:nvGrpSpPr>
+      <p:grpSpPr>
+        <a:xfrm>
+          <a:off x="0" y="0"/>
+          <a:ext cx="0" cy="0"/>
+          <a:chOff x="0" y="0"/>
+          <a:chExt cx="0" cy="0"/>
+        </a:xfrm>
+      </p:grpSpPr>
+      <p:sp>
+        <p:nvSpPr>
+          <p:cNvPr id="3" name="Заголовок 2"/>
+          <p:cNvSpPr>
+            <a:spLocks noGrp="1"/>
+          </p:cNvSpPr>
+          <p:nvPr>
+            <p:ph type="title"/>
+          </p:nvPr>
+        </p:nvSpPr>
+        <p:spPr/>
+        <p:txBody>
+          <a:bodyPr/>
+          <a:lstStyle/>
+          <a:p>
+            <a:r>
+              <a:rPr lang="ru-RU" dirty="0"/>
+              <a:t>Принцип инверсии зависимости</a:t>
+            </a:r>
+          </a:p>
+        </p:txBody>
+      </p:sp>
+      <p:sp>
+        <p:nvSpPr>
+          <p:cNvPr id="4" name="Объект 3"/>
+          <p:cNvSpPr>
+            <a:spLocks noGrp="1"/>
+          </p:cNvSpPr>
+          <p:nvPr>
+            <p:ph idx="1"/>
+          </p:nvPr>
+        </p:nvSpPr>
+        <p:spPr/>
+        <p:txBody>
+          <a:bodyPr/>
+          <a:lstStyle/>
+          <a:p>
+            <a:r>
+              <a:rPr lang="ru-RU" dirty="0"/>
+              <a:t>Модули верхнего уровня не должны зависеть от модулей нижнего уровня. Оба должны зависеть от абстракции.</a:t>
+            </a:r>
+          </a:p>
+          <a:p>
+            <a:r>
+              <a:rPr lang="ru-RU" dirty="0"/>
+              <a:t>Не нужно связывать код, отвечающий за бизнес логику, с низкоуровневыми библиотеками.</a:t>
+            </a:r>
+          </a:p>
+        </p:txBody>
+      </p:sp>
+      <p:sp>
+        <p:nvSpPr>
+          <p:cNvPr id="2" name="Номер слайда 1"/>
+          <p:cNvSpPr>
+            <a:spLocks noGrp="1"/>
+          </p:cNvSpPr>
+          <p:nvPr>
+            <p:ph type="sldNum" sz="quarter" idx="12"/>
+          </p:nvPr>
+        </p:nvSpPr>
+        <p:spPr/>
+        <p:txBody>
+          <a:bodyPr/>
+          <a:lstStyle/>
+          <a:p>
+            <a:fld id="{CF8E6F4D-2E97-47CB-8591-066566E4FE4D}" type="slidenum">
+              <a:rPr lang="ru-RU" smtClean="0"/>
+              <a:t>26</a:t>
             </a:fld>
             <a:endParaRPr lang="ru-RU"/>
           </a:p>
@@ -13091,7 +12530,7 @@
 </p:sld>
 </file>
 
-<file path=ppt/slides/slide26.xml><?xml version="1.0" encoding="utf-8"?>
+<file path=ppt/slides/slide27.xml><?xml version="1.0" encoding="utf-8"?>
 <p:sld xmlns:a="http://schemas.openxmlformats.org/drawingml/2006/main" xmlns:r="http://schemas.openxmlformats.org/officeDocument/2006/relationships" xmlns:p="http://schemas.openxmlformats.org/presentationml/2006/main">
   <p:cSld>
     <p:spTree>
@@ -13124,10 +12563,9 @@
           <a:lstStyle/>
           <a:p>
             <a:r>
-              <a:rPr lang="ru-RU" dirty="0" smtClean="0"/>
+              <a:rPr lang="ru-RU" dirty="0"/>
               <a:t>Стабильные абстракции</a:t>
             </a:r>
-            <a:endParaRPr lang="ru-RU" dirty="0"/>
           </a:p>
         </p:txBody>
       </p:sp>
@@ -13149,39 +12587,39 @@
           <a:lstStyle/>
           <a:p>
             <a:r>
-              <a:rPr lang="ru-RU" dirty="0" smtClean="0"/>
+              <a:rPr lang="ru-RU" dirty="0"/>
               <a:t>Не ссылайтесь на изменчивые конкретные классы</a:t>
             </a:r>
           </a:p>
           <a:p>
             <a:pPr lvl="1"/>
             <a:r>
-              <a:rPr lang="ru-RU" dirty="0" smtClean="0"/>
+              <a:rPr lang="ru-RU" dirty="0"/>
               <a:t>Ссылайтесь на абстрактные интерфейсы</a:t>
             </a:r>
           </a:p>
           <a:p>
             <a:r>
-              <a:rPr lang="ru-RU" dirty="0" smtClean="0"/>
+              <a:rPr lang="ru-RU" dirty="0"/>
               <a:t>Не наследуйте изменчивые конкретные классы</a:t>
             </a:r>
           </a:p>
           <a:p>
             <a:r>
-              <a:rPr lang="ru-RU" dirty="0" smtClean="0"/>
+              <a:rPr lang="ru-RU" dirty="0"/>
               <a:t>Не переопределяйте конкретные функции</a:t>
             </a:r>
           </a:p>
           <a:p>
             <a:pPr lvl="1"/>
             <a:r>
-              <a:rPr lang="ru-RU" dirty="0" smtClean="0"/>
+              <a:rPr lang="ru-RU" dirty="0"/>
               <a:t>Конкретные функции</a:t>
             </a:r>
           </a:p>
           <a:p>
             <a:r>
-              <a:rPr lang="ru-RU" dirty="0" smtClean="0"/>
+              <a:rPr lang="ru-RU" dirty="0"/>
               <a:t>Не ссылайтесь на имена конкретных и изменчивых сущностей</a:t>
             </a:r>
           </a:p>
@@ -13190,10 +12628,9 @@
           </a:p>
           <a:p>
             <a:r>
-              <a:rPr lang="ru-RU" dirty="0" smtClean="0"/>
+              <a:rPr lang="ru-RU" dirty="0"/>
               <a:t>В стабильных архитектурах вместо зависимостей от переменчивых конкретных реализаций используются зависимости от стабильных абстрактных интерфейсов</a:t>
             </a:r>
-            <a:endParaRPr lang="ru-RU" dirty="0"/>
           </a:p>
         </p:txBody>
       </p:sp>
@@ -13214,7 +12651,7 @@
           <a:p>
             <a:fld id="{CF8E6F4D-2E97-47CB-8591-066566E4FE4D}" type="slidenum">
               <a:rPr lang="ru-RU" smtClean="0"/>
-              <a:t>26</a:t>
+              <a:t>27</a:t>
             </a:fld>
             <a:endParaRPr lang="ru-RU"/>
           </a:p>
@@ -13657,7 +13094,7 @@
 </p:sld>
 </file>
 
-<file path=ppt/slides/slide27.xml><?xml version="1.0" encoding="utf-8"?>
+<file path=ppt/slides/slide28.xml><?xml version="1.0" encoding="utf-8"?>
 <p:sld xmlns:a="http://schemas.openxmlformats.org/drawingml/2006/main" xmlns:r="http://schemas.openxmlformats.org/officeDocument/2006/relationships" xmlns:p="http://schemas.openxmlformats.org/presentationml/2006/main">
   <p:cSld>
     <p:spTree>
@@ -13690,10 +13127,9 @@
           <a:lstStyle/>
           <a:p>
             <a:r>
-              <a:rPr lang="ru-RU" dirty="0" smtClean="0"/>
+              <a:rPr lang="ru-RU" dirty="0"/>
               <a:t>Создание изменчивых объектов</a:t>
             </a:r>
-            <a:endParaRPr lang="ru-RU" dirty="0"/>
           </a:p>
         </p:txBody>
       </p:sp>
@@ -13714,7 +13150,7 @@
           <a:p>
             <a:fld id="{CF8E6F4D-2E97-47CB-8591-066566E4FE4D}" type="slidenum">
               <a:rPr lang="ru-RU" smtClean="0"/>
-              <a:t>27</a:t>
+              <a:t>28</a:t>
             </a:fld>
             <a:endParaRPr lang="ru-RU"/>
           </a:p>
@@ -13857,7 +13293,7 @@
 </p:sld>
 </file>
 
-<file path=ppt/slides/slide28.xml><?xml version="1.0" encoding="utf-8"?>
+<file path=ppt/slides/slide29.xml><?xml version="1.0" encoding="utf-8"?>
 <p:sld xmlns:a="http://schemas.openxmlformats.org/drawingml/2006/main" xmlns:r="http://schemas.openxmlformats.org/officeDocument/2006/relationships" xmlns:p="http://schemas.openxmlformats.org/presentationml/2006/main">
   <p:cSld>
     <p:spTree>
@@ -13891,7 +13327,7 @@
           <a:p>
             <a:fld id="{CF8E6F4D-2E97-47CB-8591-066566E4FE4D}" type="slidenum">
               <a:rPr lang="ru-RU" smtClean="0"/>
-              <a:t>28</a:t>
+              <a:t>29</a:t>
             </a:fld>
             <a:endParaRPr lang="ru-RU"/>
           </a:p>
@@ -13948,210 +13384,6 @@
   <p:clrMapOvr>
     <a:masterClrMapping/>
   </p:clrMapOvr>
-  <p:timing>
-    <p:tnLst>
-      <p:par>
-        <p:cTn id="1" dur="indefinite" restart="never" nodeType="tmRoot"/>
-      </p:par>
-    </p:tnLst>
-  </p:timing>
-</p:sld>
-</file>
-
-<file path=ppt/slides/slide29.xml><?xml version="1.0" encoding="utf-8"?>
-<p:sld xmlns:a="http://schemas.openxmlformats.org/drawingml/2006/main" xmlns:r="http://schemas.openxmlformats.org/officeDocument/2006/relationships" xmlns:p="http://schemas.openxmlformats.org/presentationml/2006/main">
-  <p:cSld>
-    <p:spTree>
-      <p:nvGrpSpPr>
-        <p:cNvPr id="1" name=""/>
-        <p:cNvGrpSpPr/>
-        <p:nvPr/>
-      </p:nvGrpSpPr>
-      <p:grpSpPr>
-        <a:xfrm>
-          <a:off x="0" y="0"/>
-          <a:ext cx="0" cy="0"/>
-          <a:chOff x="0" y="0"/>
-          <a:chExt cx="0" cy="0"/>
-        </a:xfrm>
-      </p:grpSpPr>
-      <p:sp>
-        <p:nvSpPr>
-          <p:cNvPr id="3" name="Заголовок 2"/>
-          <p:cNvSpPr>
-            <a:spLocks noGrp="1"/>
-          </p:cNvSpPr>
-          <p:nvPr>
-            <p:ph type="title"/>
-          </p:nvPr>
-        </p:nvSpPr>
-        <p:spPr/>
-        <p:txBody>
-          <a:bodyPr/>
-          <a:lstStyle/>
-          <a:p>
-            <a:r>
-              <a:rPr lang="ru-RU" dirty="0" smtClean="0"/>
-              <a:t>Итоги</a:t>
-            </a:r>
-            <a:endParaRPr lang="ru-RU" dirty="0"/>
-          </a:p>
-        </p:txBody>
-      </p:sp>
-      <p:sp>
-        <p:nvSpPr>
-          <p:cNvPr id="4" name="Текст 3"/>
-          <p:cNvSpPr>
-            <a:spLocks noGrp="1"/>
-          </p:cNvSpPr>
-          <p:nvPr>
-            <p:ph type="body" idx="1"/>
-          </p:nvPr>
-        </p:nvSpPr>
-        <p:spPr/>
-        <p:txBody>
-          <a:bodyPr/>
-          <a:lstStyle/>
-          <a:p>
-            <a:r>
-              <a:rPr lang="ru-RU" dirty="0" smtClean="0"/>
-              <a:t>Достоинства</a:t>
-            </a:r>
-            <a:endParaRPr lang="ru-RU" dirty="0"/>
-          </a:p>
-        </p:txBody>
-      </p:sp>
-      <p:sp>
-        <p:nvSpPr>
-          <p:cNvPr id="5" name="Объект 4"/>
-          <p:cNvSpPr>
-            <a:spLocks noGrp="1"/>
-          </p:cNvSpPr>
-          <p:nvPr>
-            <p:ph sz="half" idx="2"/>
-          </p:nvPr>
-        </p:nvSpPr>
-        <p:spPr/>
-        <p:txBody>
-          <a:bodyPr/>
-          <a:lstStyle/>
-          <a:p>
-            <a:r>
-              <a:rPr lang="ru-RU" dirty="0" smtClean="0"/>
-              <a:t>Уменьшается хрупкость</a:t>
-            </a:r>
-          </a:p>
-          <a:p>
-            <a:r>
-              <a:rPr lang="ru-RU" dirty="0" smtClean="0"/>
-              <a:t>Упрощается повторное использование кода</a:t>
-            </a:r>
-          </a:p>
-          <a:p>
-            <a:pPr lvl="1"/>
-            <a:r>
-              <a:rPr lang="ru-RU" dirty="0"/>
-              <a:t>Ослабляются связи между </a:t>
-            </a:r>
-            <a:r>
-              <a:rPr lang="ru-RU" dirty="0" smtClean="0"/>
-              <a:t>классами</a:t>
-            </a:r>
-          </a:p>
-          <a:p>
-            <a:r>
-              <a:rPr lang="ru-RU" dirty="0" smtClean="0"/>
-              <a:t>Упрощается тестируемость</a:t>
-            </a:r>
-          </a:p>
-        </p:txBody>
-      </p:sp>
-      <p:sp>
-        <p:nvSpPr>
-          <p:cNvPr id="6" name="Текст 5"/>
-          <p:cNvSpPr>
-            <a:spLocks noGrp="1"/>
-          </p:cNvSpPr>
-          <p:nvPr>
-            <p:ph type="body" sz="quarter" idx="3"/>
-          </p:nvPr>
-        </p:nvSpPr>
-        <p:spPr/>
-        <p:txBody>
-          <a:bodyPr/>
-          <a:lstStyle/>
-          <a:p>
-            <a:r>
-              <a:rPr lang="ru-RU" smtClean="0"/>
-              <a:t>Трудности</a:t>
-            </a:r>
-            <a:endParaRPr lang="ru-RU" dirty="0"/>
-          </a:p>
-        </p:txBody>
-      </p:sp>
-      <p:sp>
-        <p:nvSpPr>
-          <p:cNvPr id="7" name="Объект 6"/>
-          <p:cNvSpPr>
-            <a:spLocks noGrp="1"/>
-          </p:cNvSpPr>
-          <p:nvPr>
-            <p:ph sz="quarter" idx="4"/>
-          </p:nvPr>
-        </p:nvSpPr>
-        <p:spPr/>
-        <p:txBody>
-          <a:bodyPr/>
-          <a:lstStyle/>
-          <a:p>
-            <a:r>
-              <a:rPr lang="ru-RU" dirty="0" smtClean="0"/>
-              <a:t>Не все зависимости целесообразно инвертировать</a:t>
-            </a:r>
-            <a:endParaRPr lang="ru-RU" dirty="0"/>
-          </a:p>
-        </p:txBody>
-      </p:sp>
-      <p:sp>
-        <p:nvSpPr>
-          <p:cNvPr id="2" name="Номер слайда 1"/>
-          <p:cNvSpPr>
-            <a:spLocks noGrp="1"/>
-          </p:cNvSpPr>
-          <p:nvPr>
-            <p:ph type="sldNum" sz="quarter" idx="12"/>
-          </p:nvPr>
-        </p:nvSpPr>
-        <p:spPr/>
-        <p:txBody>
-          <a:bodyPr/>
-          <a:lstStyle/>
-          <a:p>
-            <a:fld id="{CF8E6F4D-2E97-47CB-8591-066566E4FE4D}" type="slidenum">
-              <a:rPr lang="ru-RU" smtClean="0"/>
-              <a:t>29</a:t>
-            </a:fld>
-            <a:endParaRPr lang="ru-RU"/>
-          </a:p>
-        </p:txBody>
-      </p:sp>
-    </p:spTree>
-    <p:extLst>
-      <p:ext uri="{BB962C8B-B14F-4D97-AF65-F5344CB8AC3E}">
-        <p14:creationId xmlns:p14="http://schemas.microsoft.com/office/powerpoint/2010/main" val="1219010402"/>
-      </p:ext>
-    </p:extLst>
-  </p:cSld>
-  <p:clrMapOvr>
-    <a:masterClrMapping/>
-  </p:clrMapOvr>
-  <p:timing>
-    <p:tnLst>
-      <p:par>
-        <p:cTn id="1" dur="indefinite" restart="never" nodeType="tmRoot"/>
-      </p:par>
-    </p:tnLst>
-  </p:timing>
 </p:sld>
 </file>
 
@@ -14192,7 +13424,7 @@
               <a:t>Что такое принципы </a:t>
             </a:r>
             <a:r>
-              <a:rPr lang="en-US" dirty="0" smtClean="0"/>
+              <a:rPr lang="en-US" dirty="0"/>
               <a:t>S.O.L.I.D.?</a:t>
             </a:r>
             <a:endParaRPr lang="ru-RU" dirty="0"/>
@@ -14215,41 +13447,17 @@
           <a:lstStyle/>
           <a:p>
             <a:r>
-              <a:rPr lang="ru-RU" dirty="0" smtClean="0"/>
-              <a:t>Название пяти </a:t>
-            </a:r>
-            <a:r>
               <a:rPr lang="ru-RU" dirty="0"/>
-              <a:t>основных принципов объектно-ориентированного программирования и </a:t>
-            </a:r>
-            <a:r>
-              <a:rPr lang="ru-RU" dirty="0" smtClean="0"/>
-              <a:t>проектирования</a:t>
-            </a:r>
+              <a:t>Название пяти основных принципов объектно-ориентированного программирования и проектирования, названных Робертом Мартином</a:t>
+            </a:r>
+            <a:endParaRPr lang="en-US" dirty="0"/>
+          </a:p>
+          <a:p>
             <a:r>
               <a:rPr lang="ru-RU" dirty="0"/>
-              <a:t>, </a:t>
-            </a:r>
-            <a:r>
-              <a:rPr lang="ru-RU" dirty="0" smtClean="0"/>
-              <a:t>названных </a:t>
-            </a:r>
-            <a:r>
-              <a:rPr lang="ru-RU" dirty="0"/>
-              <a:t>Робертом </a:t>
-            </a:r>
-            <a:r>
-              <a:rPr lang="ru-RU" dirty="0" smtClean="0"/>
-              <a:t>Мартином</a:t>
-            </a:r>
-            <a:endParaRPr lang="en-US" dirty="0" smtClean="0"/>
-          </a:p>
-          <a:p>
-            <a:r>
-              <a:rPr lang="ru-RU" dirty="0" smtClean="0"/>
               <a:t>Принципы:</a:t>
             </a:r>
-            <a:endParaRPr lang="en-US" dirty="0" smtClean="0"/>
+            <a:endParaRPr lang="en-US" dirty="0"/>
           </a:p>
           <a:p>
             <a:pPr marL="914400" lvl="1" indent="-457200">
@@ -14266,11 +13474,7 @@
             </a:r>
             <a:r>
               <a:rPr lang="en-US" dirty="0"/>
-              <a:t>ingle Responsibility </a:t>
-            </a:r>
-            <a:r>
-              <a:rPr lang="en-US" dirty="0" smtClean="0"/>
-              <a:t>Principle</a:t>
+              <a:t>ingle Responsibility Principle (SRP)</a:t>
             </a:r>
           </a:p>
           <a:p>
@@ -14288,11 +13492,7 @@
             </a:r>
             <a:r>
               <a:rPr lang="en-US" dirty="0"/>
-              <a:t>pen Closed </a:t>
-            </a:r>
-            <a:r>
-              <a:rPr lang="en-US" dirty="0" smtClean="0"/>
-              <a:t>Principle</a:t>
+              <a:t>pen Closed Principle (OCP)</a:t>
             </a:r>
           </a:p>
           <a:p>
@@ -14314,11 +13514,7 @@
             </a:r>
             <a:r>
               <a:rPr lang="en-US" dirty="0"/>
-              <a:t> Substitution </a:t>
-            </a:r>
-            <a:r>
-              <a:rPr lang="en-US" dirty="0" smtClean="0"/>
-              <a:t>Principle</a:t>
+              <a:t> Substitution Principle (LSP)</a:t>
             </a:r>
           </a:p>
           <a:p>
@@ -14336,11 +13532,7 @@
             </a:r>
             <a:r>
               <a:rPr lang="en-US" dirty="0"/>
-              <a:t>nterface Segregation </a:t>
-            </a:r>
-            <a:r>
-              <a:rPr lang="en-US" dirty="0" smtClean="0"/>
-              <a:t>Principle</a:t>
+              <a:t>nterface Segregation Principle (ISP)</a:t>
             </a:r>
           </a:p>
           <a:p>
@@ -14358,9 +13550,9 @@
             </a:r>
             <a:r>
               <a:rPr lang="en-US" dirty="0"/>
-              <a:t>ependency Inversion Principle</a:t>
-            </a:r>
-            <a:endParaRPr lang="ru-RU" dirty="0" smtClean="0"/>
+              <a:t>ependency Inversion Principle (DIP)</a:t>
+            </a:r>
+            <a:endParaRPr lang="ru-RU" dirty="0"/>
           </a:p>
         </p:txBody>
       </p:sp>
@@ -14383,236 +13575,6 @@
               <a:rPr lang="ru-RU" smtClean="0"/>
               <a:t>3</a:t>
             </a:fld>
-            <a:endParaRPr lang="ru-RU"/>
-          </a:p>
-        </p:txBody>
-      </p:sp>
-      <p:sp>
-        <p:nvSpPr>
-          <p:cNvPr id="5" name="Прямоугольник 4"/>
-          <p:cNvSpPr/>
-          <p:nvPr/>
-        </p:nvSpPr>
-        <p:spPr>
-          <a:xfrm>
-            <a:off x="1981200" y="3586163"/>
-            <a:ext cx="3567113" cy="395287"/>
-          </a:xfrm>
-          <a:prstGeom prst="rect">
-            <a:avLst/>
-          </a:prstGeom>
-          <a:solidFill>
-            <a:schemeClr val="bg1"/>
-          </a:solidFill>
-          <a:ln>
-            <a:noFill/>
-          </a:ln>
-        </p:spPr>
-        <p:style>
-          <a:lnRef idx="2">
-            <a:schemeClr val="accent1">
-              <a:shade val="50000"/>
-            </a:schemeClr>
-          </a:lnRef>
-          <a:fillRef idx="1">
-            <a:schemeClr val="accent1"/>
-          </a:fillRef>
-          <a:effectRef idx="0">
-            <a:schemeClr val="accent1"/>
-          </a:effectRef>
-          <a:fontRef idx="minor">
-            <a:schemeClr val="lt1"/>
-          </a:fontRef>
-        </p:style>
-        <p:txBody>
-          <a:bodyPr rtlCol="0" anchor="ctr"/>
-          <a:lstStyle/>
-          <a:p>
-            <a:pPr algn="ctr"/>
-            <a:endParaRPr lang="ru-RU"/>
-          </a:p>
-        </p:txBody>
-      </p:sp>
-      <p:sp>
-        <p:nvSpPr>
-          <p:cNvPr id="6" name="Прямоугольник 5"/>
-          <p:cNvSpPr/>
-          <p:nvPr/>
-        </p:nvSpPr>
-        <p:spPr>
-          <a:xfrm>
-            <a:off x="2062162" y="3938588"/>
-            <a:ext cx="3567113" cy="385762"/>
-          </a:xfrm>
-          <a:prstGeom prst="rect">
-            <a:avLst/>
-          </a:prstGeom>
-          <a:solidFill>
-            <a:schemeClr val="bg1"/>
-          </a:solidFill>
-          <a:ln>
-            <a:noFill/>
-          </a:ln>
-        </p:spPr>
-        <p:style>
-          <a:lnRef idx="2">
-            <a:schemeClr val="accent1">
-              <a:shade val="50000"/>
-            </a:schemeClr>
-          </a:lnRef>
-          <a:fillRef idx="1">
-            <a:schemeClr val="accent1"/>
-          </a:fillRef>
-          <a:effectRef idx="0">
-            <a:schemeClr val="accent1"/>
-          </a:effectRef>
-          <a:fontRef idx="minor">
-            <a:schemeClr val="lt1"/>
-          </a:fontRef>
-        </p:style>
-        <p:txBody>
-          <a:bodyPr rtlCol="0" anchor="ctr"/>
-          <a:lstStyle/>
-          <a:p>
-            <a:pPr algn="ctr"/>
-            <a:endParaRPr lang="ru-RU"/>
-          </a:p>
-        </p:txBody>
-      </p:sp>
-      <p:sp>
-        <p:nvSpPr>
-          <p:cNvPr id="7" name="Прямоугольник 6"/>
-          <p:cNvSpPr/>
-          <p:nvPr/>
-        </p:nvSpPr>
-        <p:spPr>
-          <a:xfrm>
-            <a:off x="1981199" y="4333875"/>
-            <a:ext cx="3681414" cy="385762"/>
-          </a:xfrm>
-          <a:prstGeom prst="rect">
-            <a:avLst/>
-          </a:prstGeom>
-          <a:solidFill>
-            <a:schemeClr val="bg1"/>
-          </a:solidFill>
-          <a:ln>
-            <a:noFill/>
-          </a:ln>
-        </p:spPr>
-        <p:style>
-          <a:lnRef idx="2">
-            <a:schemeClr val="accent1">
-              <a:shade val="50000"/>
-            </a:schemeClr>
-          </a:lnRef>
-          <a:fillRef idx="1">
-            <a:schemeClr val="accent1"/>
-          </a:fillRef>
-          <a:effectRef idx="0">
-            <a:schemeClr val="accent1"/>
-          </a:effectRef>
-          <a:fontRef idx="minor">
-            <a:schemeClr val="lt1"/>
-          </a:fontRef>
-        </p:style>
-        <p:txBody>
-          <a:bodyPr rtlCol="0" anchor="ctr"/>
-          <a:lstStyle/>
-          <a:p>
-            <a:pPr algn="ctr"/>
-            <a:endParaRPr lang="ru-RU"/>
-          </a:p>
-        </p:txBody>
-      </p:sp>
-      <p:sp>
-        <p:nvSpPr>
-          <p:cNvPr id="8" name="Прямоугольник 7"/>
-          <p:cNvSpPr/>
-          <p:nvPr/>
-        </p:nvSpPr>
-        <p:spPr>
-          <a:xfrm>
-            <a:off x="1924049" y="4719637"/>
-            <a:ext cx="3781426" cy="385762"/>
-          </a:xfrm>
-          <a:prstGeom prst="rect">
-            <a:avLst/>
-          </a:prstGeom>
-          <a:solidFill>
-            <a:schemeClr val="bg1"/>
-          </a:solidFill>
-          <a:ln>
-            <a:noFill/>
-          </a:ln>
-        </p:spPr>
-        <p:style>
-          <a:lnRef idx="2">
-            <a:schemeClr val="accent1">
-              <a:shade val="50000"/>
-            </a:schemeClr>
-          </a:lnRef>
-          <a:fillRef idx="1">
-            <a:schemeClr val="accent1"/>
-          </a:fillRef>
-          <a:effectRef idx="0">
-            <a:schemeClr val="accent1"/>
-          </a:effectRef>
-          <a:fontRef idx="minor">
-            <a:schemeClr val="lt1"/>
-          </a:fontRef>
-        </p:style>
-        <p:txBody>
-          <a:bodyPr rtlCol="0" anchor="ctr"/>
-          <a:lstStyle/>
-          <a:p>
-            <a:pPr algn="ctr"/>
-            <a:endParaRPr lang="ru-RU"/>
-          </a:p>
-        </p:txBody>
-      </p:sp>
-      <p:sp>
-        <p:nvSpPr>
-          <p:cNvPr id="9" name="Прямоугольник 8"/>
-          <p:cNvSpPr/>
-          <p:nvPr/>
-        </p:nvSpPr>
-        <p:spPr>
-          <a:xfrm>
-            <a:off x="2028824" y="5105399"/>
-            <a:ext cx="3871914" cy="385762"/>
-          </a:xfrm>
-          <a:prstGeom prst="rect">
-            <a:avLst/>
-          </a:prstGeom>
-          <a:solidFill>
-            <a:schemeClr val="bg1"/>
-          </a:solidFill>
-          <a:ln>
-            <a:noFill/>
-          </a:ln>
-        </p:spPr>
-        <p:style>
-          <a:lnRef idx="2">
-            <a:schemeClr val="accent1">
-              <a:shade val="50000"/>
-            </a:schemeClr>
-          </a:lnRef>
-          <a:fillRef idx="1">
-            <a:schemeClr val="accent1"/>
-          </a:fillRef>
-          <a:effectRef idx="0">
-            <a:schemeClr val="accent1"/>
-          </a:effectRef>
-          <a:fontRef idx="minor">
-            <a:schemeClr val="lt1"/>
-          </a:fontRef>
-        </p:style>
-        <p:txBody>
-          <a:bodyPr rtlCol="0" anchor="ctr"/>
-          <a:lstStyle/>
-          <a:p>
-            <a:pPr algn="ctr"/>
             <a:endParaRPr lang="ru-RU"/>
           </a:p>
         </p:txBody>
@@ -14627,522 +13589,6 @@
   <p:clrMapOvr>
     <a:masterClrMapping/>
   </p:clrMapOvr>
-  <p:timing>
-    <p:tnLst>
-      <p:par>
-        <p:cTn id="1" dur="indefinite" restart="never" nodeType="tmRoot">
-          <p:childTnLst>
-            <p:seq concurrent="1" nextAc="seek">
-              <p:cTn id="2" dur="indefinite" nodeType="mainSeq">
-                <p:childTnLst>
-                  <p:par>
-                    <p:cTn id="3" fill="hold">
-                      <p:stCondLst>
-                        <p:cond delay="indefinite"/>
-                      </p:stCondLst>
-                      <p:childTnLst>
-                        <p:par>
-                          <p:cTn id="4" fill="hold">
-                            <p:stCondLst>
-                              <p:cond delay="0"/>
-                            </p:stCondLst>
-                            <p:childTnLst>
-                              <p:par>
-                                <p:cTn id="5" presetID="1" presetClass="entr" presetSubtype="0" fill="hold" grpId="0" nodeType="clickEffect">
-                                  <p:stCondLst>
-                                    <p:cond delay="0"/>
-                                  </p:stCondLst>
-                                  <p:childTnLst>
-                                    <p:set>
-                                      <p:cBhvr>
-                                        <p:cTn id="6" dur="1" fill="hold">
-                                          <p:stCondLst>
-                                            <p:cond delay="0"/>
-                                          </p:stCondLst>
-                                        </p:cTn>
-                                        <p:tgtEl>
-                                          <p:spTgt spid="3">
-                                            <p:txEl>
-                                              <p:pRg st="0" end="0"/>
-                                            </p:txEl>
-                                          </p:spTgt>
-                                        </p:tgtEl>
-                                        <p:attrNameLst>
-                                          <p:attrName>style.visibility</p:attrName>
-                                        </p:attrNameLst>
-                                      </p:cBhvr>
-                                      <p:to>
-                                        <p:strVal val="visible"/>
-                                      </p:to>
-                                    </p:set>
-                                  </p:childTnLst>
-                                </p:cTn>
-                              </p:par>
-                            </p:childTnLst>
-                          </p:cTn>
-                        </p:par>
-                      </p:childTnLst>
-                    </p:cTn>
-                  </p:par>
-                  <p:par>
-                    <p:cTn id="7" fill="hold">
-                      <p:stCondLst>
-                        <p:cond delay="indefinite"/>
-                      </p:stCondLst>
-                      <p:childTnLst>
-                        <p:par>
-                          <p:cTn id="8" fill="hold">
-                            <p:stCondLst>
-                              <p:cond delay="0"/>
-                            </p:stCondLst>
-                            <p:childTnLst>
-                              <p:par>
-                                <p:cTn id="9" presetID="1" presetClass="entr" presetSubtype="0" fill="hold" grpId="0" nodeType="clickEffect">
-                                  <p:stCondLst>
-                                    <p:cond delay="0"/>
-                                  </p:stCondLst>
-                                  <p:childTnLst>
-                                    <p:set>
-                                      <p:cBhvr>
-                                        <p:cTn id="10" dur="1" fill="hold">
-                                          <p:stCondLst>
-                                            <p:cond delay="0"/>
-                                          </p:stCondLst>
-                                        </p:cTn>
-                                        <p:tgtEl>
-                                          <p:spTgt spid="3">
-                                            <p:txEl>
-                                              <p:pRg st="1" end="1"/>
-                                            </p:txEl>
-                                          </p:spTgt>
-                                        </p:tgtEl>
-                                        <p:attrNameLst>
-                                          <p:attrName>style.visibility</p:attrName>
-                                        </p:attrNameLst>
-                                      </p:cBhvr>
-                                      <p:to>
-                                        <p:strVal val="visible"/>
-                                      </p:to>
-                                    </p:set>
-                                  </p:childTnLst>
-                                </p:cTn>
-                              </p:par>
-                              <p:par>
-                                <p:cTn id="11" presetID="1" presetClass="entr" presetSubtype="0" fill="hold" grpId="0" nodeType="withEffect">
-                                  <p:stCondLst>
-                                    <p:cond delay="0"/>
-                                  </p:stCondLst>
-                                  <p:childTnLst>
-                                    <p:set>
-                                      <p:cBhvr>
-                                        <p:cTn id="12" dur="1" fill="hold">
-                                          <p:stCondLst>
-                                            <p:cond delay="0"/>
-                                          </p:stCondLst>
-                                        </p:cTn>
-                                        <p:tgtEl>
-                                          <p:spTgt spid="3">
-                                            <p:txEl>
-                                              <p:pRg st="2" end="2"/>
-                                            </p:txEl>
-                                          </p:spTgt>
-                                        </p:tgtEl>
-                                        <p:attrNameLst>
-                                          <p:attrName>style.visibility</p:attrName>
-                                        </p:attrNameLst>
-                                      </p:cBhvr>
-                                      <p:to>
-                                        <p:strVal val="visible"/>
-                                      </p:to>
-                                    </p:set>
-                                  </p:childTnLst>
-                                </p:cTn>
-                              </p:par>
-                              <p:par>
-                                <p:cTn id="13" presetID="1" presetClass="entr" presetSubtype="0" fill="hold" grpId="0" nodeType="withEffect">
-                                  <p:stCondLst>
-                                    <p:cond delay="0"/>
-                                  </p:stCondLst>
-                                  <p:childTnLst>
-                                    <p:set>
-                                      <p:cBhvr>
-                                        <p:cTn id="14" dur="1" fill="hold">
-                                          <p:stCondLst>
-                                            <p:cond delay="0"/>
-                                          </p:stCondLst>
-                                        </p:cTn>
-                                        <p:tgtEl>
-                                          <p:spTgt spid="3">
-                                            <p:txEl>
-                                              <p:pRg st="3" end="3"/>
-                                            </p:txEl>
-                                          </p:spTgt>
-                                        </p:tgtEl>
-                                        <p:attrNameLst>
-                                          <p:attrName>style.visibility</p:attrName>
-                                        </p:attrNameLst>
-                                      </p:cBhvr>
-                                      <p:to>
-                                        <p:strVal val="visible"/>
-                                      </p:to>
-                                    </p:set>
-                                  </p:childTnLst>
-                                </p:cTn>
-                              </p:par>
-                              <p:par>
-                                <p:cTn id="15" presetID="1" presetClass="entr" presetSubtype="0" fill="hold" grpId="0" nodeType="withEffect">
-                                  <p:stCondLst>
-                                    <p:cond delay="0"/>
-                                  </p:stCondLst>
-                                  <p:childTnLst>
-                                    <p:set>
-                                      <p:cBhvr>
-                                        <p:cTn id="16" dur="1" fill="hold">
-                                          <p:stCondLst>
-                                            <p:cond delay="0"/>
-                                          </p:stCondLst>
-                                        </p:cTn>
-                                        <p:tgtEl>
-                                          <p:spTgt spid="3">
-                                            <p:txEl>
-                                              <p:pRg st="4" end="4"/>
-                                            </p:txEl>
-                                          </p:spTgt>
-                                        </p:tgtEl>
-                                        <p:attrNameLst>
-                                          <p:attrName>style.visibility</p:attrName>
-                                        </p:attrNameLst>
-                                      </p:cBhvr>
-                                      <p:to>
-                                        <p:strVal val="visible"/>
-                                      </p:to>
-                                    </p:set>
-                                  </p:childTnLst>
-                                </p:cTn>
-                              </p:par>
-                              <p:par>
-                                <p:cTn id="17" presetID="1" presetClass="entr" presetSubtype="0" fill="hold" grpId="0" nodeType="withEffect">
-                                  <p:stCondLst>
-                                    <p:cond delay="0"/>
-                                  </p:stCondLst>
-                                  <p:childTnLst>
-                                    <p:set>
-                                      <p:cBhvr>
-                                        <p:cTn id="18" dur="1" fill="hold">
-                                          <p:stCondLst>
-                                            <p:cond delay="0"/>
-                                          </p:stCondLst>
-                                        </p:cTn>
-                                        <p:tgtEl>
-                                          <p:spTgt spid="3">
-                                            <p:txEl>
-                                              <p:pRg st="5" end="5"/>
-                                            </p:txEl>
-                                          </p:spTgt>
-                                        </p:tgtEl>
-                                        <p:attrNameLst>
-                                          <p:attrName>style.visibility</p:attrName>
-                                        </p:attrNameLst>
-                                      </p:cBhvr>
-                                      <p:to>
-                                        <p:strVal val="visible"/>
-                                      </p:to>
-                                    </p:set>
-                                  </p:childTnLst>
-                                </p:cTn>
-                              </p:par>
-                              <p:par>
-                                <p:cTn id="19" presetID="1" presetClass="entr" presetSubtype="0" fill="hold" grpId="0" nodeType="withEffect">
-                                  <p:stCondLst>
-                                    <p:cond delay="0"/>
-                                  </p:stCondLst>
-                                  <p:childTnLst>
-                                    <p:set>
-                                      <p:cBhvr>
-                                        <p:cTn id="20" dur="1" fill="hold">
-                                          <p:stCondLst>
-                                            <p:cond delay="0"/>
-                                          </p:stCondLst>
-                                        </p:cTn>
-                                        <p:tgtEl>
-                                          <p:spTgt spid="3">
-                                            <p:txEl>
-                                              <p:pRg st="6" end="6"/>
-                                            </p:txEl>
-                                          </p:spTgt>
-                                        </p:tgtEl>
-                                        <p:attrNameLst>
-                                          <p:attrName>style.visibility</p:attrName>
-                                        </p:attrNameLst>
-                                      </p:cBhvr>
-                                      <p:to>
-                                        <p:strVal val="visible"/>
-                                      </p:to>
-                                    </p:set>
-                                  </p:childTnLst>
-                                </p:cTn>
-                              </p:par>
-                            </p:childTnLst>
-                          </p:cTn>
-                        </p:par>
-                      </p:childTnLst>
-                    </p:cTn>
-                  </p:par>
-                  <p:par>
-                    <p:cTn id="21" fill="hold">
-                      <p:stCondLst>
-                        <p:cond delay="indefinite"/>
-                      </p:stCondLst>
-                      <p:childTnLst>
-                        <p:par>
-                          <p:cTn id="22" fill="hold">
-                            <p:stCondLst>
-                              <p:cond delay="0"/>
-                            </p:stCondLst>
-                            <p:childTnLst>
-                              <p:par>
-                                <p:cTn id="23" presetID="1" presetClass="exit" presetSubtype="0" fill="hold" grpId="0" nodeType="clickEffect">
-                                  <p:stCondLst>
-                                    <p:cond delay="0"/>
-                                  </p:stCondLst>
-                                  <p:childTnLst>
-                                    <p:set>
-                                      <p:cBhvr>
-                                        <p:cTn id="24" dur="1" fill="hold">
-                                          <p:stCondLst>
-                                            <p:cond delay="0"/>
-                                          </p:stCondLst>
-                                        </p:cTn>
-                                        <p:tgtEl>
-                                          <p:spTgt spid="5"/>
-                                        </p:tgtEl>
-                                        <p:attrNameLst>
-                                          <p:attrName>style.visibility</p:attrName>
-                                        </p:attrNameLst>
-                                      </p:cBhvr>
-                                      <p:to>
-                                        <p:strVal val="hidden"/>
-                                      </p:to>
-                                    </p:set>
-                                  </p:childTnLst>
-                                </p:cTn>
-                              </p:par>
-                            </p:childTnLst>
-                          </p:cTn>
-                        </p:par>
-                      </p:childTnLst>
-                    </p:cTn>
-                  </p:par>
-                  <p:par>
-                    <p:cTn id="25" fill="hold">
-                      <p:stCondLst>
-                        <p:cond delay="indefinite"/>
-                      </p:stCondLst>
-                      <p:childTnLst>
-                        <p:par>
-                          <p:cTn id="26" fill="hold">
-                            <p:stCondLst>
-                              <p:cond delay="0"/>
-                            </p:stCondLst>
-                            <p:childTnLst>
-                              <p:par>
-                                <p:cTn id="27" presetID="1" presetClass="exit" presetSubtype="0" fill="hold" grpId="0" nodeType="clickEffect">
-                                  <p:stCondLst>
-                                    <p:cond delay="0"/>
-                                  </p:stCondLst>
-                                  <p:childTnLst>
-                                    <p:set>
-                                      <p:cBhvr>
-                                        <p:cTn id="28" dur="1" fill="hold">
-                                          <p:stCondLst>
-                                            <p:cond delay="0"/>
-                                          </p:stCondLst>
-                                        </p:cTn>
-                                        <p:tgtEl>
-                                          <p:spTgt spid="6"/>
-                                        </p:tgtEl>
-                                        <p:attrNameLst>
-                                          <p:attrName>style.visibility</p:attrName>
-                                        </p:attrNameLst>
-                                      </p:cBhvr>
-                                      <p:to>
-                                        <p:strVal val="hidden"/>
-                                      </p:to>
-                                    </p:set>
-                                  </p:childTnLst>
-                                </p:cTn>
-                              </p:par>
-                            </p:childTnLst>
-                          </p:cTn>
-                        </p:par>
-                      </p:childTnLst>
-                    </p:cTn>
-                  </p:par>
-                  <p:par>
-                    <p:cTn id="29" fill="hold">
-                      <p:stCondLst>
-                        <p:cond delay="indefinite"/>
-                      </p:stCondLst>
-                      <p:childTnLst>
-                        <p:par>
-                          <p:cTn id="30" fill="hold">
-                            <p:stCondLst>
-                              <p:cond delay="0"/>
-                            </p:stCondLst>
-                            <p:childTnLst>
-                              <p:par>
-                                <p:cTn id="31" presetID="1" presetClass="exit" presetSubtype="0" fill="hold" grpId="0" nodeType="clickEffect">
-                                  <p:stCondLst>
-                                    <p:cond delay="0"/>
-                                  </p:stCondLst>
-                                  <p:childTnLst>
-                                    <p:set>
-                                      <p:cBhvr>
-                                        <p:cTn id="32" dur="1" fill="hold">
-                                          <p:stCondLst>
-                                            <p:cond delay="0"/>
-                                          </p:stCondLst>
-                                        </p:cTn>
-                                        <p:tgtEl>
-                                          <p:spTgt spid="7"/>
-                                        </p:tgtEl>
-                                        <p:attrNameLst>
-                                          <p:attrName>style.visibility</p:attrName>
-                                        </p:attrNameLst>
-                                      </p:cBhvr>
-                                      <p:to>
-                                        <p:strVal val="hidden"/>
-                                      </p:to>
-                                    </p:set>
-                                  </p:childTnLst>
-                                </p:cTn>
-                              </p:par>
-                            </p:childTnLst>
-                          </p:cTn>
-                        </p:par>
-                      </p:childTnLst>
-                    </p:cTn>
-                  </p:par>
-                  <p:par>
-                    <p:cTn id="33" fill="hold">
-                      <p:stCondLst>
-                        <p:cond delay="indefinite"/>
-                      </p:stCondLst>
-                      <p:childTnLst>
-                        <p:par>
-                          <p:cTn id="34" fill="hold">
-                            <p:stCondLst>
-                              <p:cond delay="0"/>
-                            </p:stCondLst>
-                            <p:childTnLst>
-                              <p:par>
-                                <p:cTn id="35" presetID="1" presetClass="exit" presetSubtype="0" fill="hold" grpId="0" nodeType="clickEffect">
-                                  <p:stCondLst>
-                                    <p:cond delay="0"/>
-                                  </p:stCondLst>
-                                  <p:childTnLst>
-                                    <p:set>
-                                      <p:cBhvr>
-                                        <p:cTn id="36" dur="1" fill="hold">
-                                          <p:stCondLst>
-                                            <p:cond delay="0"/>
-                                          </p:stCondLst>
-                                        </p:cTn>
-                                        <p:tgtEl>
-                                          <p:spTgt spid="8"/>
-                                        </p:tgtEl>
-                                        <p:attrNameLst>
-                                          <p:attrName>style.visibility</p:attrName>
-                                        </p:attrNameLst>
-                                      </p:cBhvr>
-                                      <p:to>
-                                        <p:strVal val="hidden"/>
-                                      </p:to>
-                                    </p:set>
-                                  </p:childTnLst>
-                                </p:cTn>
-                              </p:par>
-                            </p:childTnLst>
-                          </p:cTn>
-                        </p:par>
-                      </p:childTnLst>
-                    </p:cTn>
-                  </p:par>
-                  <p:par>
-                    <p:cTn id="37" fill="hold">
-                      <p:stCondLst>
-                        <p:cond delay="indefinite"/>
-                      </p:stCondLst>
-                      <p:childTnLst>
-                        <p:par>
-                          <p:cTn id="38" fill="hold">
-                            <p:stCondLst>
-                              <p:cond delay="0"/>
-                            </p:stCondLst>
-                            <p:childTnLst>
-                              <p:par>
-                                <p:cTn id="39" presetID="1" presetClass="exit" presetSubtype="0" fill="hold" grpId="0" nodeType="clickEffect">
-                                  <p:stCondLst>
-                                    <p:cond delay="0"/>
-                                  </p:stCondLst>
-                                  <p:childTnLst>
-                                    <p:set>
-                                      <p:cBhvr>
-                                        <p:cTn id="40" dur="1" fill="hold">
-                                          <p:stCondLst>
-                                            <p:cond delay="0"/>
-                                          </p:stCondLst>
-                                        </p:cTn>
-                                        <p:tgtEl>
-                                          <p:spTgt spid="9"/>
-                                        </p:tgtEl>
-                                        <p:attrNameLst>
-                                          <p:attrName>style.visibility</p:attrName>
-                                        </p:attrNameLst>
-                                      </p:cBhvr>
-                                      <p:to>
-                                        <p:strVal val="hidden"/>
-                                      </p:to>
-                                    </p:set>
-                                  </p:childTnLst>
-                                </p:cTn>
-                              </p:par>
-                            </p:childTnLst>
-                          </p:cTn>
-                        </p:par>
-                      </p:childTnLst>
-                    </p:cTn>
-                  </p:par>
-                </p:childTnLst>
-              </p:cTn>
-              <p:prevCondLst>
-                <p:cond evt="onPrev" delay="0">
-                  <p:tgtEl>
-                    <p:sldTgt/>
-                  </p:tgtEl>
-                </p:cond>
-              </p:prevCondLst>
-              <p:nextCondLst>
-                <p:cond evt="onNext" delay="0">
-                  <p:tgtEl>
-                    <p:sldTgt/>
-                  </p:tgtEl>
-                </p:cond>
-              </p:nextCondLst>
-            </p:seq>
-          </p:childTnLst>
-        </p:cTn>
-      </p:par>
-    </p:tnLst>
-    <p:bldLst>
-      <p:bldP spid="3" grpId="0" uiExpand="1" build="p"/>
-      <p:bldP spid="5" grpId="0" animBg="1"/>
-      <p:bldP spid="6" grpId="0" animBg="1"/>
-      <p:bldP spid="7" grpId="0" animBg="1"/>
-      <p:bldP spid="8" grpId="0" animBg="1"/>
-      <p:bldP spid="9" grpId="0" animBg="1"/>
-    </p:bldLst>
-  </p:timing>
 </p:sld>
 </file>
 
@@ -15165,7 +13611,7 @@
       </p:grpSpPr>
       <p:sp>
         <p:nvSpPr>
-          <p:cNvPr id="2" name="Заголовок 1"/>
+          <p:cNvPr id="3" name="Заголовок 2"/>
           <p:cNvSpPr>
             <a:spLocks noGrp="1"/>
           </p:cNvSpPr>
@@ -15179,52 +13625,93 @@
           <a:lstStyle/>
           <a:p>
             <a:r>
-              <a:rPr lang="ru-RU" dirty="0" smtClean="0"/>
-              <a:t>Зачем использовать принципы </a:t>
-            </a:r>
-            <a:r>
-              <a:rPr lang="en-US" dirty="0" smtClean="0"/>
-              <a:t>S</a:t>
-            </a:r>
-            <a:r>
               <a:rPr lang="ru-RU" dirty="0"/>
-              <a:t>.</a:t>
-            </a:r>
-            <a:r>
-              <a:rPr lang="en-US" dirty="0" smtClean="0"/>
-              <a:t>O</a:t>
-            </a:r>
-            <a:r>
-              <a:rPr lang="ru-RU" dirty="0" smtClean="0"/>
-              <a:t>.</a:t>
-            </a:r>
-            <a:r>
-              <a:rPr lang="en-US" dirty="0" smtClean="0"/>
-              <a:t>L</a:t>
-            </a:r>
-            <a:r>
-              <a:rPr lang="ru-RU" dirty="0" smtClean="0"/>
-              <a:t>.</a:t>
-            </a:r>
-            <a:r>
-              <a:rPr lang="en-US" dirty="0" smtClean="0"/>
-              <a:t>I</a:t>
-            </a:r>
-            <a:r>
-              <a:rPr lang="ru-RU" dirty="0" smtClean="0"/>
-              <a:t>.</a:t>
-            </a:r>
-            <a:r>
-              <a:rPr lang="en-US" dirty="0" smtClean="0"/>
-              <a:t>D</a:t>
-            </a:r>
-            <a:r>
-              <a:rPr lang="ru-RU" dirty="0" smtClean="0"/>
-              <a:t>.</a:t>
-            </a:r>
-            <a:r>
-              <a:rPr lang="en-US" dirty="0" smtClean="0"/>
-              <a:t>?</a:t>
+              <a:t>Итоги</a:t>
+            </a:r>
+          </a:p>
+        </p:txBody>
+      </p:sp>
+      <p:sp>
+        <p:nvSpPr>
+          <p:cNvPr id="4" name="Текст 3"/>
+          <p:cNvSpPr>
+            <a:spLocks noGrp="1"/>
+          </p:cNvSpPr>
+          <p:nvPr>
+            <p:ph type="body" idx="1"/>
+          </p:nvPr>
+        </p:nvSpPr>
+        <p:spPr/>
+        <p:txBody>
+          <a:bodyPr/>
+          <a:lstStyle/>
+          <a:p>
+            <a:r>
+              <a:rPr lang="ru-RU" dirty="0"/>
+              <a:t>Достоинства</a:t>
+            </a:r>
+          </a:p>
+        </p:txBody>
+      </p:sp>
+      <p:sp>
+        <p:nvSpPr>
+          <p:cNvPr id="5" name="Объект 4"/>
+          <p:cNvSpPr>
+            <a:spLocks noGrp="1"/>
+          </p:cNvSpPr>
+          <p:nvPr>
+            <p:ph sz="half" idx="2"/>
+          </p:nvPr>
+        </p:nvSpPr>
+        <p:spPr/>
+        <p:txBody>
+          <a:bodyPr/>
+          <a:lstStyle/>
+          <a:p>
+            <a:r>
+              <a:rPr lang="ru-RU" dirty="0"/>
+              <a:t>Уменьшается хрупкость</a:t>
+            </a:r>
+          </a:p>
+          <a:p>
+            <a:r>
+              <a:rPr lang="ru-RU" dirty="0"/>
+              <a:t>Упрощается повторное использование кода</a:t>
+            </a:r>
+          </a:p>
+          <a:p>
+            <a:pPr lvl="1"/>
+            <a:r>
+              <a:rPr lang="ru-RU" dirty="0"/>
+              <a:t>Ослабляются связи между классами</a:t>
+            </a:r>
+          </a:p>
+          <a:p>
+            <a:r>
+              <a:rPr lang="ru-RU" dirty="0"/>
+              <a:t>Упрощается тестируемость</a:t>
+            </a:r>
+          </a:p>
+        </p:txBody>
+      </p:sp>
+      <p:sp>
+        <p:nvSpPr>
+          <p:cNvPr id="6" name="Текст 5"/>
+          <p:cNvSpPr>
+            <a:spLocks noGrp="1"/>
+          </p:cNvSpPr>
+          <p:nvPr>
+            <p:ph type="body" sz="quarter" idx="3"/>
+          </p:nvPr>
+        </p:nvSpPr>
+        <p:spPr/>
+        <p:txBody>
+          <a:bodyPr/>
+          <a:lstStyle/>
+          <a:p>
+            <a:r>
+              <a:rPr lang="ru-RU"/>
+              <a:t>Трудности</a:t>
             </a:r>
             <a:endParaRPr lang="ru-RU" dirty="0"/>
           </a:p>
@@ -15232,62 +13719,29 @@
       </p:sp>
       <p:sp>
         <p:nvSpPr>
-          <p:cNvPr id="3" name="Объект 2"/>
-          <p:cNvSpPr>
-            <a:spLocks noGrp="1"/>
-          </p:cNvSpPr>
-          <p:nvPr>
-            <p:ph idx="1"/>
-          </p:nvPr>
-        </p:nvSpPr>
-        <p:spPr/>
-        <p:txBody>
-          <a:bodyPr/>
-          <a:lstStyle/>
-          <a:p>
-            <a:r>
-              <a:rPr lang="ru-RU" dirty="0" smtClean="0"/>
-              <a:t>Упрощает повторное использование кода</a:t>
-            </a:r>
-          </a:p>
-          <a:p>
-            <a:r>
-              <a:rPr lang="ru-RU" dirty="0" smtClean="0"/>
-              <a:t>Уменьшает связность модулей</a:t>
-            </a:r>
-            <a:endParaRPr lang="ru-RU" dirty="0"/>
-          </a:p>
-          <a:p>
-            <a:r>
-              <a:rPr lang="ru-RU" dirty="0" smtClean="0"/>
-              <a:t>Упрощает написание тестов</a:t>
-            </a:r>
-          </a:p>
-          <a:p>
-            <a:r>
-              <a:rPr lang="ru-RU" dirty="0" smtClean="0"/>
-              <a:t>Упрощает внесение изменений в проект</a:t>
-            </a:r>
-          </a:p>
-          <a:p>
-            <a:r>
-              <a:rPr lang="ru-RU" dirty="0" smtClean="0"/>
-              <a:t>Уменьшает </a:t>
-            </a:r>
+          <p:cNvPr id="7" name="Объект 6"/>
+          <p:cNvSpPr>
+            <a:spLocks noGrp="1"/>
+          </p:cNvSpPr>
+          <p:nvPr>
+            <p:ph sz="quarter" idx="4"/>
+          </p:nvPr>
+        </p:nvSpPr>
+        <p:spPr/>
+        <p:txBody>
+          <a:bodyPr/>
+          <a:lstStyle/>
+          <a:p>
             <a:r>
               <a:rPr lang="ru-RU" dirty="0"/>
-              <a:t>вероятность </a:t>
-            </a:r>
-            <a:r>
-              <a:rPr lang="ru-RU" dirty="0" smtClean="0"/>
-              <a:t>ошибок</a:t>
-            </a:r>
-          </a:p>
-        </p:txBody>
-      </p:sp>
-      <p:sp>
-        <p:nvSpPr>
-          <p:cNvPr id="4" name="Номер слайда 3"/>
+              <a:t>Не все зависимости целесообразно инвертировать</a:t>
+            </a:r>
+          </a:p>
+        </p:txBody>
+      </p:sp>
+      <p:sp>
+        <p:nvSpPr>
+          <p:cNvPr id="2" name="Номер слайда 1"/>
           <p:cNvSpPr>
             <a:spLocks noGrp="1"/>
           </p:cNvSpPr>
@@ -15303,6 +13757,172 @@
             <a:fld id="{CF8E6F4D-2E97-47CB-8591-066566E4FE4D}" type="slidenum">
               <a:rPr lang="ru-RU" smtClean="0"/>
               <a:t>30</a:t>
+            </a:fld>
+            <a:endParaRPr lang="ru-RU"/>
+          </a:p>
+        </p:txBody>
+      </p:sp>
+    </p:spTree>
+    <p:extLst>
+      <p:ext uri="{BB962C8B-B14F-4D97-AF65-F5344CB8AC3E}">
+        <p14:creationId xmlns:p14="http://schemas.microsoft.com/office/powerpoint/2010/main" val="1219010402"/>
+      </p:ext>
+    </p:extLst>
+  </p:cSld>
+  <p:clrMapOvr>
+    <a:masterClrMapping/>
+  </p:clrMapOvr>
+</p:sld>
+</file>
+
+<file path=ppt/slides/slide31.xml><?xml version="1.0" encoding="utf-8"?>
+<p:sld xmlns:a="http://schemas.openxmlformats.org/drawingml/2006/main" xmlns:r="http://schemas.openxmlformats.org/officeDocument/2006/relationships" xmlns:p="http://schemas.openxmlformats.org/presentationml/2006/main">
+  <p:cSld>
+    <p:spTree>
+      <p:nvGrpSpPr>
+        <p:cNvPr id="1" name=""/>
+        <p:cNvGrpSpPr/>
+        <p:nvPr/>
+      </p:nvGrpSpPr>
+      <p:grpSpPr>
+        <a:xfrm>
+          <a:off x="0" y="0"/>
+          <a:ext cx="0" cy="0"/>
+          <a:chOff x="0" y="0"/>
+          <a:chExt cx="0" cy="0"/>
+        </a:xfrm>
+      </p:grpSpPr>
+      <p:sp>
+        <p:nvSpPr>
+          <p:cNvPr id="2" name="Заголовок 1"/>
+          <p:cNvSpPr>
+            <a:spLocks noGrp="1"/>
+          </p:cNvSpPr>
+          <p:nvPr>
+            <p:ph type="title"/>
+          </p:nvPr>
+        </p:nvSpPr>
+        <p:spPr/>
+        <p:txBody>
+          <a:bodyPr/>
+          <a:lstStyle/>
+          <a:p>
+            <a:r>
+              <a:rPr lang="ru-RU" dirty="0"/>
+              <a:t>Зачем использовать принципы </a:t>
+            </a:r>
+            <a:r>
+              <a:rPr lang="en-US" dirty="0"/>
+              <a:t>S</a:t>
+            </a:r>
+            <a:r>
+              <a:rPr lang="ru-RU" dirty="0"/>
+              <a:t>.</a:t>
+            </a:r>
+            <a:r>
+              <a:rPr lang="en-US" dirty="0"/>
+              <a:t>O</a:t>
+            </a:r>
+            <a:r>
+              <a:rPr lang="ru-RU" dirty="0"/>
+              <a:t>.</a:t>
+            </a:r>
+            <a:r>
+              <a:rPr lang="en-US" dirty="0"/>
+              <a:t>L</a:t>
+            </a:r>
+            <a:r>
+              <a:rPr lang="ru-RU" dirty="0"/>
+              <a:t>.</a:t>
+            </a:r>
+            <a:r>
+              <a:rPr lang="en-US" dirty="0"/>
+              <a:t>I</a:t>
+            </a:r>
+            <a:r>
+              <a:rPr lang="ru-RU" dirty="0"/>
+              <a:t>.</a:t>
+            </a:r>
+            <a:r>
+              <a:rPr lang="en-US" dirty="0"/>
+              <a:t>D</a:t>
+            </a:r>
+            <a:r>
+              <a:rPr lang="ru-RU" dirty="0"/>
+              <a:t>.</a:t>
+            </a:r>
+            <a:r>
+              <a:rPr lang="en-US" dirty="0"/>
+              <a:t>?</a:t>
+            </a:r>
+            <a:endParaRPr lang="ru-RU" dirty="0"/>
+          </a:p>
+        </p:txBody>
+      </p:sp>
+      <p:sp>
+        <p:nvSpPr>
+          <p:cNvPr id="3" name="Объект 2"/>
+          <p:cNvSpPr>
+            <a:spLocks noGrp="1"/>
+          </p:cNvSpPr>
+          <p:nvPr>
+            <p:ph idx="1"/>
+          </p:nvPr>
+        </p:nvSpPr>
+        <p:spPr/>
+        <p:txBody>
+          <a:bodyPr/>
+          <a:lstStyle/>
+          <a:p>
+            <a:r>
+              <a:rPr lang="ru-RU" dirty="0"/>
+              <a:t>Упрощает повторное использование кода</a:t>
+            </a:r>
+          </a:p>
+          <a:p>
+            <a:r>
+              <a:rPr lang="ru-RU" dirty="0"/>
+              <a:t>Уменьшает связность модулей</a:t>
+            </a:r>
+          </a:p>
+          <a:p>
+            <a:r>
+              <a:rPr lang="ru-RU" dirty="0"/>
+              <a:t>Упрощает написание тестов</a:t>
+            </a:r>
+          </a:p>
+          <a:p>
+            <a:r>
+              <a:rPr lang="ru-RU" dirty="0"/>
+              <a:t>Упрощает внесение изменений в проект</a:t>
+            </a:r>
+          </a:p>
+          <a:p>
+            <a:r>
+              <a:rPr lang="ru-RU" dirty="0"/>
+              <a:t>Уменьшает вероятность ошибок</a:t>
+            </a:r>
+          </a:p>
+        </p:txBody>
+      </p:sp>
+      <p:sp>
+        <p:nvSpPr>
+          <p:cNvPr id="4" name="Номер слайда 3"/>
+          <p:cNvSpPr>
+            <a:spLocks noGrp="1"/>
+          </p:cNvSpPr>
+          <p:nvPr>
+            <p:ph type="sldNum" sz="quarter" idx="12"/>
+          </p:nvPr>
+        </p:nvSpPr>
+        <p:spPr/>
+        <p:txBody>
+          <a:bodyPr/>
+          <a:lstStyle/>
+          <a:p>
+            <a:fld id="{CF8E6F4D-2E97-47CB-8591-066566E4FE4D}" type="slidenum">
+              <a:rPr lang="ru-RU" smtClean="0"/>
+              <a:t>31</a:t>
             </a:fld>
             <a:endParaRPr lang="ru-RU"/>
           </a:p>
@@ -15599,161 +14219,6 @@
 </p:sld>
 </file>
 
-<file path=ppt/slides/slide31.xml><?xml version="1.0" encoding="utf-8"?>
-<p:sld xmlns:a="http://schemas.openxmlformats.org/drawingml/2006/main" xmlns:r="http://schemas.openxmlformats.org/officeDocument/2006/relationships" xmlns:p="http://schemas.openxmlformats.org/presentationml/2006/main">
-  <p:cSld>
-    <p:spTree>
-      <p:nvGrpSpPr>
-        <p:cNvPr id="1" name=""/>
-        <p:cNvGrpSpPr/>
-        <p:nvPr/>
-      </p:nvGrpSpPr>
-      <p:grpSpPr>
-        <a:xfrm>
-          <a:off x="0" y="0"/>
-          <a:ext cx="0" cy="0"/>
-          <a:chOff x="0" y="0"/>
-          <a:chExt cx="0" cy="0"/>
-        </a:xfrm>
-      </p:grpSpPr>
-      <p:sp>
-        <p:nvSpPr>
-          <p:cNvPr id="3" name="Заголовок 2"/>
-          <p:cNvSpPr>
-            <a:spLocks noGrp="1"/>
-          </p:cNvSpPr>
-          <p:nvPr>
-            <p:ph type="title"/>
-          </p:nvPr>
-        </p:nvSpPr>
-        <p:spPr/>
-        <p:txBody>
-          <a:bodyPr/>
-          <a:lstStyle/>
-          <a:p>
-            <a:r>
-              <a:rPr lang="ru-RU" dirty="0" smtClean="0"/>
-              <a:t>Источники и дополнительные материалы</a:t>
-            </a:r>
-            <a:endParaRPr lang="ru-RU" dirty="0"/>
-          </a:p>
-        </p:txBody>
-      </p:sp>
-      <p:sp>
-        <p:nvSpPr>
-          <p:cNvPr id="4" name="Объект 3"/>
-          <p:cNvSpPr>
-            <a:spLocks noGrp="1"/>
-          </p:cNvSpPr>
-          <p:nvPr>
-            <p:ph idx="1"/>
-          </p:nvPr>
-        </p:nvSpPr>
-        <p:spPr/>
-        <p:txBody>
-          <a:bodyPr/>
-          <a:lstStyle/>
-          <a:p>
-            <a:r>
-              <a:rPr lang="ru-RU" dirty="0" smtClean="0"/>
-              <a:t>Книга Роберта Мартина «</a:t>
-            </a:r>
-            <a:r>
-              <a:rPr lang="en-US" dirty="0" smtClean="0"/>
-              <a:t>Clean </a:t>
-            </a:r>
-            <a:r>
-              <a:rPr lang="en-US" dirty="0"/>
-              <a:t>Architecture: A Craftsman's Guide to Software Structure and </a:t>
-            </a:r>
-            <a:r>
-              <a:rPr lang="en-US" dirty="0" smtClean="0"/>
-              <a:t>Design</a:t>
-            </a:r>
-            <a:r>
-              <a:rPr lang="ru-RU" dirty="0" smtClean="0"/>
-              <a:t>»</a:t>
-            </a:r>
-            <a:endParaRPr lang="en-US" dirty="0" smtClean="0"/>
-          </a:p>
-          <a:p>
-            <a:r>
-              <a:rPr lang="ru-RU" dirty="0"/>
-              <a:t>Принципы проектирования классов (</a:t>
-            </a:r>
-            <a:r>
-              <a:rPr lang="en-US" dirty="0"/>
-              <a:t>S.O.L.I.D.)</a:t>
-            </a:r>
-            <a:r>
-              <a:rPr lang="ru-RU" dirty="0" smtClean="0"/>
-              <a:t> </a:t>
-            </a:r>
-            <a:r>
-              <a:rPr lang="en-US" dirty="0" smtClean="0">
-                <a:hlinkClick r:id="rId3"/>
-              </a:rPr>
-              <a:t>https</a:t>
-            </a:r>
-            <a:r>
-              <a:rPr lang="en-US" dirty="0">
-                <a:hlinkClick r:id="rId3"/>
-              </a:rPr>
-              <a:t>://</a:t>
-            </a:r>
-            <a:r>
-              <a:rPr lang="en-US" dirty="0" smtClean="0">
-                <a:hlinkClick r:id="rId3"/>
-              </a:rPr>
-              <a:t>blog.byndyu.ru/2009/10/solid.html</a:t>
-            </a:r>
-            <a:endParaRPr lang="ru-RU" dirty="0" smtClean="0"/>
-          </a:p>
-        </p:txBody>
-      </p:sp>
-      <p:sp>
-        <p:nvSpPr>
-          <p:cNvPr id="2" name="Номер слайда 1"/>
-          <p:cNvSpPr>
-            <a:spLocks noGrp="1"/>
-          </p:cNvSpPr>
-          <p:nvPr>
-            <p:ph type="sldNum" sz="quarter" idx="12"/>
-          </p:nvPr>
-        </p:nvSpPr>
-        <p:spPr/>
-        <p:txBody>
-          <a:bodyPr/>
-          <a:lstStyle/>
-          <a:p>
-            <a:fld id="{CF8E6F4D-2E97-47CB-8591-066566E4FE4D}" type="slidenum">
-              <a:rPr lang="ru-RU" smtClean="0"/>
-              <a:t>31</a:t>
-            </a:fld>
-            <a:endParaRPr lang="ru-RU"/>
-          </a:p>
-        </p:txBody>
-      </p:sp>
-    </p:spTree>
-    <p:extLst>
-      <p:ext uri="{BB962C8B-B14F-4D97-AF65-F5344CB8AC3E}">
-        <p14:creationId xmlns:p14="http://schemas.microsoft.com/office/powerpoint/2010/main" val="2371115371"/>
-      </p:ext>
-    </p:extLst>
-  </p:cSld>
-  <p:clrMapOvr>
-    <a:masterClrMapping/>
-  </p:clrMapOvr>
-  <p:timing>
-    <p:tnLst>
-      <p:par>
-        <p:cTn id="1" dur="indefinite" restart="never" nodeType="tmRoot"/>
-      </p:par>
-    </p:tnLst>
-  </p:timing>
-</p:sld>
-</file>
-
 <file path=ppt/slides/slide32.xml><?xml version="1.0" encoding="utf-8"?>
 <p:sld xmlns:a="http://schemas.openxmlformats.org/drawingml/2006/main" xmlns:r="http://schemas.openxmlformats.org/officeDocument/2006/relationships" xmlns:p="http://schemas.openxmlformats.org/presentationml/2006/main">
   <p:cSld>
@@ -15773,6 +14238,133 @@
       </p:grpSpPr>
       <p:sp>
         <p:nvSpPr>
+          <p:cNvPr id="3" name="Заголовок 2"/>
+          <p:cNvSpPr>
+            <a:spLocks noGrp="1"/>
+          </p:cNvSpPr>
+          <p:nvPr>
+            <p:ph type="title"/>
+          </p:nvPr>
+        </p:nvSpPr>
+        <p:spPr/>
+        <p:txBody>
+          <a:bodyPr/>
+          <a:lstStyle/>
+          <a:p>
+            <a:r>
+              <a:rPr lang="ru-RU" dirty="0"/>
+              <a:t>Источники и дополнительные материалы</a:t>
+            </a:r>
+          </a:p>
+        </p:txBody>
+      </p:sp>
+      <p:sp>
+        <p:nvSpPr>
+          <p:cNvPr id="4" name="Объект 3"/>
+          <p:cNvSpPr>
+            <a:spLocks noGrp="1"/>
+          </p:cNvSpPr>
+          <p:nvPr>
+            <p:ph idx="1"/>
+          </p:nvPr>
+        </p:nvSpPr>
+        <p:spPr/>
+        <p:txBody>
+          <a:bodyPr/>
+          <a:lstStyle/>
+          <a:p>
+            <a:r>
+              <a:rPr lang="ru-RU" dirty="0"/>
+              <a:t>Книга Роберта Мартина «</a:t>
+            </a:r>
+            <a:r>
+              <a:rPr lang="en-US" dirty="0"/>
+              <a:t>Clean Architecture: A Craftsman's Guide to Software Structure and Design</a:t>
+            </a:r>
+            <a:r>
+              <a:rPr lang="ru-RU" dirty="0"/>
+              <a:t>»</a:t>
+            </a:r>
+            <a:endParaRPr lang="en-US" dirty="0"/>
+          </a:p>
+          <a:p>
+            <a:r>
+              <a:rPr lang="ru-RU" dirty="0"/>
+              <a:t>Принципы проектирования классов (</a:t>
+            </a:r>
+            <a:r>
+              <a:rPr lang="en-US" dirty="0"/>
+              <a:t>S.O.L.I.D.)</a:t>
+            </a:r>
+            <a:r>
+              <a:rPr lang="ru-RU" dirty="0"/>
+              <a:t> </a:t>
+            </a:r>
+            <a:r>
+              <a:rPr lang="en-US" dirty="0">
+                <a:hlinkClick r:id="rId3"/>
+              </a:rPr>
+              <a:t>https://blog.byndyu.ru/2009/10/solid.html</a:t>
+            </a:r>
+            <a:endParaRPr lang="ru-RU" dirty="0"/>
+          </a:p>
+        </p:txBody>
+      </p:sp>
+      <p:sp>
+        <p:nvSpPr>
+          <p:cNvPr id="2" name="Номер слайда 1"/>
+          <p:cNvSpPr>
+            <a:spLocks noGrp="1"/>
+          </p:cNvSpPr>
+          <p:nvPr>
+            <p:ph type="sldNum" sz="quarter" idx="12"/>
+          </p:nvPr>
+        </p:nvSpPr>
+        <p:spPr/>
+        <p:txBody>
+          <a:bodyPr/>
+          <a:lstStyle/>
+          <a:p>
+            <a:fld id="{CF8E6F4D-2E97-47CB-8591-066566E4FE4D}" type="slidenum">
+              <a:rPr lang="ru-RU" smtClean="0"/>
+              <a:t>32</a:t>
+            </a:fld>
+            <a:endParaRPr lang="ru-RU"/>
+          </a:p>
+        </p:txBody>
+      </p:sp>
+    </p:spTree>
+    <p:extLst>
+      <p:ext uri="{BB962C8B-B14F-4D97-AF65-F5344CB8AC3E}">
+        <p14:creationId xmlns:p14="http://schemas.microsoft.com/office/powerpoint/2010/main" val="2371115371"/>
+      </p:ext>
+    </p:extLst>
+  </p:cSld>
+  <p:clrMapOvr>
+    <a:masterClrMapping/>
+  </p:clrMapOvr>
+</p:sld>
+</file>
+
+<file path=ppt/slides/slide33.xml><?xml version="1.0" encoding="utf-8"?>
+<p:sld xmlns:a="http://schemas.openxmlformats.org/drawingml/2006/main" xmlns:r="http://schemas.openxmlformats.org/officeDocument/2006/relationships" xmlns:p="http://schemas.openxmlformats.org/presentationml/2006/main">
+  <p:cSld>
+    <p:spTree>
+      <p:nvGrpSpPr>
+        <p:cNvPr id="1" name=""/>
+        <p:cNvGrpSpPr/>
+        <p:nvPr/>
+      </p:nvGrpSpPr>
+      <p:grpSpPr>
+        <a:xfrm>
+          <a:off x="0" y="0"/>
+          <a:ext cx="0" cy="0"/>
+          <a:chOff x="0" y="0"/>
+          <a:chExt cx="0" cy="0"/>
+        </a:xfrm>
+      </p:grpSpPr>
+      <p:sp>
+        <p:nvSpPr>
           <p:cNvPr id="5" name="Заголовок 4"/>
           <p:cNvSpPr>
             <a:spLocks noGrp="1"/>
@@ -15787,11 +14379,11 @@
           <a:lstStyle/>
           <a:p>
             <a:r>
-              <a:rPr lang="ru-RU" dirty="0" smtClean="0"/>
+              <a:rPr lang="ru-RU" dirty="0"/>
               <a:t>Спасибо за внимание</a:t>
             </a:r>
             <a:r>
-              <a:rPr lang="en-US" dirty="0" smtClean="0"/>
+              <a:rPr lang="en-US" dirty="0"/>
               <a:t>!</a:t>
             </a:r>
             <a:endParaRPr lang="ru-RU" dirty="0"/>
@@ -15834,7 +14426,7 @@
           <a:p>
             <a:fld id="{101F0F8D-F427-43AD-B726-FB6E0A046F58}" type="slidenum">
               <a:rPr lang="ru-RU" smtClean="0"/>
-              <a:t>32</a:t>
+              <a:t>33</a:t>
             </a:fld>
             <a:endParaRPr lang="ru-RU" dirty="0"/>
           </a:p>
@@ -15850,13 +14442,6 @@
   <p:clrMapOvr>
     <a:masterClrMapping/>
   </p:clrMapOvr>
-  <p:timing>
-    <p:tnLst>
-      <p:par>
-        <p:cTn id="1" dur="indefinite" restart="never" nodeType="tmRoot"/>
-      </p:par>
-    </p:tnLst>
-  </p:timing>
 </p:sld>
 </file>
 
@@ -15893,12 +14478,8 @@
           <a:lstStyle/>
           <a:p>
             <a:r>
-              <a:rPr lang="ru-RU" dirty="0" smtClean="0"/>
-              <a:t>Принцип </a:t>
-            </a:r>
-            <a:r>
               <a:rPr lang="ru-RU" dirty="0"/>
-              <a:t>единственной ответственности</a:t>
+              <a:t>Принцип единственной ответственности</a:t>
             </a:r>
           </a:p>
         </p:txBody>
@@ -15921,22 +14502,22 @@
           <a:lstStyle/>
           <a:p>
             <a:r>
-              <a:rPr lang="ru-RU" dirty="0" smtClean="0"/>
+              <a:rPr lang="ru-RU" dirty="0"/>
               <a:t>Каждый объект имеет одну ответственность</a:t>
             </a:r>
           </a:p>
           <a:p>
             <a:r>
-              <a:rPr lang="ru-RU" dirty="0" smtClean="0"/>
+              <a:rPr lang="ru-RU" dirty="0"/>
               <a:t>Ответственность должна быть полностью инкапсулирована в класс</a:t>
             </a:r>
           </a:p>
           <a:p>
             <a:r>
-              <a:rPr lang="ru-RU" dirty="0" smtClean="0"/>
+              <a:rPr lang="ru-RU" dirty="0"/>
               <a:t>Эта ответственность – единственная причина для изменений в классе</a:t>
             </a:r>
-            <a:endParaRPr lang="en-US" dirty="0" smtClean="0"/>
+            <a:endParaRPr lang="en-US" dirty="0"/>
           </a:p>
           <a:p>
             <a:endParaRPr lang="en-US" dirty="0"/>
@@ -15946,14 +14527,14 @@
               <a:buNone/>
             </a:pPr>
             <a:r>
-              <a:rPr lang="ru-RU" i="1" dirty="0" smtClean="0"/>
+              <a:rPr lang="ru-RU" i="1" dirty="0"/>
               <a:t>Совет: </a:t>
             </a:r>
             <a:r>
-              <a:rPr lang="ru-RU" dirty="0" smtClean="0"/>
+              <a:rPr lang="ru-RU" dirty="0"/>
               <a:t>если сомневаетесь, попробуйте сформулировать всё, что умеет делать класс, одним предложением.</a:t>
             </a:r>
-            <a:endParaRPr lang="ru-RU" i="1" dirty="0" smtClean="0"/>
+            <a:endParaRPr lang="ru-RU" i="1" dirty="0"/>
           </a:p>
         </p:txBody>
       </p:sp>
@@ -16514,13 +15095,6 @@
   <p:clrMapOvr>
     <a:masterClrMapping/>
   </p:clrMapOvr>
-  <p:timing>
-    <p:tnLst>
-      <p:par>
-        <p:cTn id="1" dur="indefinite" restart="never" nodeType="tmRoot"/>
-      </p:par>
-    </p:tnLst>
-  </p:timing>
 </p:sld>
 </file>
 
@@ -16708,7 +15282,7 @@
               <a:buNone/>
             </a:pPr>
             <a:r>
-              <a:rPr lang="en-US" dirty="0" err="1" smtClean="0">
+              <a:rPr lang="en-US" dirty="0" err="1">
                 <a:solidFill>
                   <a:srgbClr val="000000"/>
                 </a:solidFill>
@@ -16748,7 +15322,7 @@
             <a:pPr marL="0" indent="0">
               <a:buNone/>
             </a:pPr>
-            <a:endParaRPr lang="en-US" dirty="0" smtClean="0">
+            <a:endParaRPr lang="en-US" dirty="0">
               <a:solidFill>
                 <a:srgbClr val="000000"/>
               </a:solidFill>
@@ -16993,19 +15567,10 @@
                 </a:solidFill>
                 <a:latin typeface="Consolas" panose="020B0609020204030204" pitchFamily="49" charset="0"/>
               </a:rPr>
-              <a:t>"image.png</a:t>
-            </a:r>
-            <a:r>
-              <a:rPr lang="en-US" dirty="0" smtClean="0">
-                <a:solidFill>
-                  <a:srgbClr val="A31515"/>
-                </a:solidFill>
-                <a:latin typeface="Consolas" panose="020B0609020204030204" pitchFamily="49" charset="0"/>
-              </a:rPr>
-              <a:t>"</a:t>
-            </a:r>
-            <a:r>
-              <a:rPr lang="en-US" dirty="0" smtClean="0">
+              <a:t>"image.png"</a:t>
+            </a:r>
+            <a:r>
+              <a:rPr lang="en-US" dirty="0">
                 <a:solidFill>
                   <a:srgbClr val="000000"/>
                 </a:solidFill>
@@ -17013,12 +15578,6 @@
               </a:rPr>
               <a:t>);</a:t>
             </a:r>
-            <a:endParaRPr lang="en-US" dirty="0">
-              <a:solidFill>
-                <a:srgbClr val="000000"/>
-              </a:solidFill>
-              <a:latin typeface="Consolas" panose="020B0609020204030204" pitchFamily="49" charset="0"/>
-            </a:endParaRPr>
           </a:p>
         </p:txBody>
       </p:sp>
@@ -17103,7 +15662,7 @@
           <a:lstStyle/>
           <a:p>
             <a:r>
-              <a:rPr lang="ru-RU" sz="4800" dirty="0" smtClean="0">
+              <a:rPr lang="ru-RU" sz="4800" dirty="0">
                 <a:solidFill>
                   <a:schemeClr val="bg1">
                     <a:lumMod val="65000"/>
@@ -17113,7 +15672,7 @@
               <a:t>Без </a:t>
             </a:r>
             <a:r>
-              <a:rPr lang="en-US" sz="4800" dirty="0" smtClean="0">
+              <a:rPr lang="en-US" sz="4800" dirty="0">
                 <a:solidFill>
                   <a:schemeClr val="bg1">
                     <a:lumMod val="65000"/>
@@ -17162,20 +15721,10 @@
                   </a:schemeClr>
                 </a:solidFill>
               </a:rPr>
-              <a:t>С</a:t>
-            </a:r>
-            <a:r>
-              <a:rPr lang="ru-RU" sz="4800" dirty="0" smtClean="0">
-                <a:solidFill>
-                  <a:schemeClr val="bg1">
-                    <a:lumMod val="65000"/>
-                  </a:schemeClr>
-                </a:solidFill>
-              </a:rPr>
-              <a:t> </a:t>
-            </a:r>
-            <a:r>
-              <a:rPr lang="en-US" sz="4800" dirty="0" smtClean="0">
+              <a:t>С </a:t>
+            </a:r>
+            <a:r>
+              <a:rPr lang="en-US" sz="4800" dirty="0">
                 <a:solidFill>
                   <a:schemeClr val="bg1">
                     <a:lumMod val="65000"/>
@@ -17546,10 +16095,9 @@
           <a:lstStyle/>
           <a:p>
             <a:r>
-              <a:rPr lang="ru-RU" dirty="0" smtClean="0"/>
+              <a:rPr lang="ru-RU" dirty="0"/>
               <a:t>Итоги</a:t>
             </a:r>
-            <a:endParaRPr lang="ru-RU" dirty="0"/>
           </a:p>
         </p:txBody>
       </p:sp>
@@ -17569,10 +16117,9 @@
           <a:lstStyle/>
           <a:p>
             <a:r>
-              <a:rPr lang="ru-RU" dirty="0" smtClean="0"/>
+              <a:rPr lang="ru-RU" dirty="0"/>
               <a:t>Достоинства</a:t>
             </a:r>
-            <a:endParaRPr lang="ru-RU" dirty="0"/>
           </a:p>
         </p:txBody>
       </p:sp>
@@ -17592,36 +16139,28 @@
           <a:lstStyle/>
           <a:p>
             <a:r>
-              <a:rPr lang="ru-RU" dirty="0" smtClean="0"/>
+              <a:rPr lang="ru-RU" dirty="0"/>
               <a:t>Облегчается тестирование</a:t>
             </a:r>
           </a:p>
           <a:p>
             <a:r>
-              <a:rPr lang="ru-RU" dirty="0" smtClean="0"/>
+              <a:rPr lang="ru-RU" dirty="0"/>
               <a:t>Упрощается расширяемость</a:t>
             </a:r>
           </a:p>
           <a:p>
             <a:pPr lvl="1"/>
             <a:r>
-              <a:rPr lang="ru-RU" dirty="0" smtClean="0"/>
+              <a:rPr lang="ru-RU" dirty="0"/>
               <a:t>Новые графические примитивы</a:t>
             </a:r>
           </a:p>
           <a:p>
             <a:pPr lvl="1"/>
             <a:r>
-              <a:rPr lang="ru-RU" dirty="0" smtClean="0"/>
-              <a:t>Новые форматы </a:t>
-            </a:r>
-            <a:r>
               <a:rPr lang="ru-RU" dirty="0"/>
-              <a:t>х</a:t>
-            </a:r>
-            <a:r>
-              <a:rPr lang="ru-RU" dirty="0" smtClean="0"/>
-              <a:t>ранения изображения</a:t>
+              <a:t>Новые форматы хранения изображения</a:t>
             </a:r>
           </a:p>
         </p:txBody>
@@ -17642,10 +16181,9 @@
           <a:lstStyle/>
           <a:p>
             <a:r>
-              <a:rPr lang="ru-RU" dirty="0" smtClean="0"/>
+              <a:rPr lang="ru-RU" dirty="0"/>
               <a:t>Недостатки</a:t>
             </a:r>
-            <a:endParaRPr lang="ru-RU" dirty="0"/>
           </a:p>
         </p:txBody>
       </p:sp>
@@ -17665,34 +16203,26 @@
           <a:lstStyle/>
           <a:p>
             <a:r>
-              <a:rPr lang="ru-RU" dirty="0" smtClean="0"/>
-              <a:t>Увеличилось </a:t>
-            </a:r>
-            <a:r>
               <a:rPr lang="ru-RU" dirty="0"/>
-              <a:t>количество </a:t>
-            </a:r>
-            <a:r>
-              <a:rPr lang="ru-RU" dirty="0" smtClean="0"/>
-              <a:t>классов</a:t>
-            </a:r>
-          </a:p>
-          <a:p>
-            <a:r>
-              <a:rPr lang="ru-RU" dirty="0" smtClean="0"/>
+              <a:t>Увеличилось количество классов</a:t>
+            </a:r>
+          </a:p>
+          <a:p>
+            <a:r>
+              <a:rPr lang="ru-RU" dirty="0"/>
               <a:t>Хуже </a:t>
             </a:r>
             <a:r>
-              <a:rPr lang="en-US" dirty="0" smtClean="0"/>
+              <a:rPr lang="en-US" dirty="0"/>
               <a:t>Discoverability</a:t>
             </a:r>
           </a:p>
           <a:p>
             <a:r>
-              <a:rPr lang="ru-RU" dirty="0" smtClean="0"/>
+              <a:rPr lang="ru-RU" dirty="0"/>
               <a:t>Чуть более многословный код</a:t>
             </a:r>
-            <a:endParaRPr lang="en-US" dirty="0" smtClean="0"/>
+            <a:endParaRPr lang="en-US" dirty="0"/>
           </a:p>
         </p:txBody>
       </p:sp>
@@ -17729,13 +16259,6 @@
   <p:clrMapOvr>
     <a:masterClrMapping/>
   </p:clrMapOvr>
-  <p:timing>
-    <p:tnLst>
-      <p:par>
-        <p:cTn id="1" dur="indefinite" restart="never" nodeType="tmRoot"/>
-      </p:par>
-    </p:tnLst>
-  </p:timing>
 </p:sld>
 </file>
 
@@ -17799,16 +16322,8 @@
               <a:buNone/>
             </a:pPr>
             <a:r>
-              <a:rPr lang="ru-RU" dirty="0" smtClean="0"/>
-              <a:t>Программные </a:t>
-            </a:r>
-            <a:r>
               <a:rPr lang="ru-RU" dirty="0"/>
-              <a:t>сущности (классы, модули, функции и т.д.) должны быть открыты для расширения, но закрыты для </a:t>
-            </a:r>
-            <a:r>
-              <a:rPr lang="ru-RU" dirty="0" smtClean="0"/>
-              <a:t>изменения</a:t>
+              <a:t>Программные сущности (классы, модули, функции и т.д.) должны быть открыты для расширения, но закрыты для изменения</a:t>
             </a:r>
           </a:p>
           <a:p>
@@ -17817,11 +16332,7 @@
             </a:pPr>
             <a:r>
               <a:rPr lang="ru-RU" dirty="0"/>
-              <a:t>	</a:t>
-            </a:r>
-            <a:r>
-              <a:rPr lang="ru-RU" dirty="0" smtClean="0"/>
-              <a:t>Должна иметься возможность расширять поведение программных сущностей без их изменения</a:t>
+              <a:t>	Должна иметься возможность расширять поведение программных сущностей без их изменения</a:t>
             </a:r>
           </a:p>
           <a:p>
@@ -17832,64 +16343,33 @@
               <a:buNone/>
             </a:pPr>
             <a:r>
-              <a:rPr lang="ru-RU" dirty="0" smtClean="0"/>
-              <a:t>Механизмы реализации в </a:t>
-            </a:r>
-            <a:r>
               <a:rPr lang="ru-RU" dirty="0"/>
-              <a:t>С</a:t>
-            </a:r>
-            <a:r>
-              <a:rPr lang="ru-RU" dirty="0" smtClean="0"/>
-              <a:t>++:</a:t>
+              <a:t>Механизмы реализации в С++:</a:t>
             </a:r>
           </a:p>
           <a:p>
             <a:r>
               <a:rPr lang="ru-RU" dirty="0"/>
-              <a:t>Н</a:t>
-            </a:r>
-            <a:r>
-              <a:rPr lang="ru-RU" dirty="0" smtClean="0"/>
-              <a:t>аследование</a:t>
-            </a:r>
-            <a:endParaRPr lang="ru-RU" dirty="0"/>
-          </a:p>
-          <a:p>
-            <a:r>
-              <a:rPr lang="ru-RU" dirty="0" smtClean="0"/>
+              <a:t>Наследование</a:t>
+            </a:r>
+          </a:p>
+          <a:p>
+            <a:r>
+              <a:rPr lang="ru-RU" dirty="0"/>
               <a:t>Композиция / агрегация</a:t>
             </a:r>
           </a:p>
           <a:p>
             <a:r>
               <a:rPr lang="ru-RU" dirty="0"/>
-              <a:t>П</a:t>
-            </a:r>
-            <a:r>
-              <a:rPr lang="ru-RU" dirty="0" smtClean="0"/>
-              <a:t>ередача зависимости через параметр метода</a:t>
-            </a:r>
-            <a:endParaRPr lang="ru-RU" dirty="0"/>
+              <a:t>Передача зависимости через параметр метода</a:t>
+            </a:r>
           </a:p>
           <a:p>
             <a:r>
               <a:rPr lang="ru-RU" dirty="0"/>
-              <a:t>П</a:t>
-            </a:r>
-            <a:r>
-              <a:rPr lang="ru-RU" dirty="0" smtClean="0"/>
-              <a:t>ередача </a:t>
-            </a:r>
-            <a:r>
-              <a:rPr lang="ru-RU" dirty="0"/>
-              <a:t>зависимости через </a:t>
-            </a:r>
-            <a:r>
-              <a:rPr lang="ru-RU" dirty="0" smtClean="0"/>
-              <a:t>параметр шаблона</a:t>
-            </a:r>
-            <a:endParaRPr lang="ru-RU" dirty="0"/>
+              <a:t>Передача зависимости через параметр шаблона</a:t>
+            </a:r>
           </a:p>
         </p:txBody>
       </p:sp>
@@ -18560,7 +17040,7 @@
   <a:extraClrSchemeLst/>
   <a:extLst>
     <a:ext uri="{05A4C25C-085E-4340-85A3-A5531E510DB2}">
-      <thm15:themeFamily xmlns:thm15="http://schemas.microsoft.com/office/thememl/2012/main" xmlns="" name="Office Theme" id="{62F939B6-93AF-4DB8-9C6B-D6C7DFDC589F}" vid="{4A3C46E8-61CC-4603-A589-7422A47A8E4A}"/>
+      <thm15:themeFamily xmlns:thm15="http://schemas.microsoft.com/office/thememl/2012/main" name="Office Theme" id="{62F939B6-93AF-4DB8-9C6B-D6C7DFDC589F}" vid="{4A3C46E8-61CC-4603-A589-7422A47A8E4A}"/>
     </a:ext>
   </a:extLst>
 </a:theme>
@@ -18821,7 +17301,7 @@
   <a:extraClrSchemeLst/>
   <a:extLst>
     <a:ext uri="{05A4C25C-085E-4340-85A3-A5531E510DB2}">
-      <thm15:themeFamily xmlns:thm15="http://schemas.microsoft.com/office/thememl/2012/main" xmlns="" name="Office Theme" id="{62F939B6-93AF-4DB8-9C6B-D6C7DFDC589F}" vid="{4A3C46E8-61CC-4603-A589-7422A47A8E4A}"/>
+      <thm15:themeFamily xmlns:thm15="http://schemas.microsoft.com/office/thememl/2012/main" name="Office Theme" id="{62F939B6-93AF-4DB8-9C6B-D6C7DFDC589F}" vid="{4A3C46E8-61CC-4603-A589-7422A47A8E4A}"/>
     </a:ext>
   </a:extLst>
 </a:theme>

--- a/lectures/18.solid/Принципы SOLID.pptx
+++ b/lectures/18.solid/Принципы SOLID.pptx
@@ -5,7 +5,7 @@
     <p:sldMasterId id="2147483648" r:id="rId1"/>
   </p:sldMasterIdLst>
   <p:notesMasterIdLst>
-    <p:notesMasterId r:id="rId35"/>
+    <p:notesMasterId r:id="rId43"/>
   </p:notesMasterIdLst>
   <p:sldIdLst>
     <p:sldId id="256" r:id="rId2"/>
@@ -34,13 +34,21 @@
     <p:sldId id="312" r:id="rId25"/>
     <p:sldId id="305" r:id="rId26"/>
     <p:sldId id="279" r:id="rId27"/>
-    <p:sldId id="322" r:id="rId28"/>
-    <p:sldId id="320" r:id="rId29"/>
-    <p:sldId id="321" r:id="rId30"/>
-    <p:sldId id="306" r:id="rId31"/>
-    <p:sldId id="259" r:id="rId32"/>
-    <p:sldId id="285" r:id="rId33"/>
-    <p:sldId id="286" r:id="rId34"/>
+    <p:sldId id="324" r:id="rId28"/>
+    <p:sldId id="322" r:id="rId29"/>
+    <p:sldId id="320" r:id="rId30"/>
+    <p:sldId id="321" r:id="rId31"/>
+    <p:sldId id="326" r:id="rId32"/>
+    <p:sldId id="325" r:id="rId33"/>
+    <p:sldId id="327" r:id="rId34"/>
+    <p:sldId id="328" r:id="rId35"/>
+    <p:sldId id="329" r:id="rId36"/>
+    <p:sldId id="330" r:id="rId37"/>
+    <p:sldId id="331" r:id="rId38"/>
+    <p:sldId id="306" r:id="rId39"/>
+    <p:sldId id="259" r:id="rId40"/>
+    <p:sldId id="285" r:id="rId41"/>
+    <p:sldId id="286" r:id="rId42"/>
   </p:sldIdLst>
   <p:sldSz cx="12192000" cy="6858000"/>
   <p:notesSz cx="6858000" cy="9144000"/>
@@ -247,7 +255,7 @@
           <a:p>
             <a:fld id="{1F452FF6-3607-4C4E-A116-BCC07DF7B9AE}" type="datetimeFigureOut">
               <a:rPr lang="ru-RU" smtClean="0"/>
-              <a:t>21.12.2022</a:t>
+              <a:t>15.12.2023</a:t>
             </a:fld>
             <a:endParaRPr lang="ru-RU"/>
           </a:p>
@@ -1978,164 +1986,31 @@
             </a:pPr>
             <a:r>
               <a:rPr lang="ru-RU" dirty="0"/>
-              <a:t>Рассмотрим принцип разделения интерфейса. В чем он заключается, как вы думаете?</a:t>
-            </a:r>
-          </a:p>
-          <a:p>
-            <a:pPr marL="0" marR="0" indent="0" algn="l" defTabSz="914400" rtl="0" eaLnBrk="1" fontAlgn="auto" latinLnBrk="0" hangingPunct="1">
-              <a:lnSpc>
-                <a:spcPct val="100000"/>
-              </a:lnSpc>
-              <a:spcBef>
-                <a:spcPts val="0"/>
-              </a:spcBef>
-              <a:spcAft>
-                <a:spcPts val="0"/>
-              </a:spcAft>
-              <a:buClrTx/>
-              <a:buSzTx/>
-              <a:buFontTx/>
-              <a:buNone/>
-              <a:tabLst/>
-              <a:defRPr/>
-            </a:pPr>
+              <a:t>Принцип разделения интерфейса (</a:t>
+            </a:r>
+            <a:r>
+              <a:rPr lang="ru-RU" dirty="0" err="1"/>
+              <a:t>Interface</a:t>
+            </a:r>
             <a:r>
               <a:rPr lang="ru-RU" dirty="0"/>
-              <a:t>…</a:t>
-            </a:r>
-          </a:p>
-          <a:p>
-            <a:pPr marL="0" marR="0" indent="0" algn="l" defTabSz="914400" rtl="0" eaLnBrk="1" fontAlgn="auto" latinLnBrk="0" hangingPunct="1">
-              <a:lnSpc>
-                <a:spcPct val="100000"/>
-              </a:lnSpc>
-              <a:spcBef>
-                <a:spcPts val="0"/>
-              </a:spcBef>
-              <a:spcAft>
-                <a:spcPts val="0"/>
-              </a:spcAft>
-              <a:buClrTx/>
-              <a:buSzTx/>
-              <a:buFontTx/>
-              <a:buNone/>
-              <a:tabLst/>
-              <a:defRPr/>
-            </a:pPr>
-            <a:r>
-              <a:rPr lang="en-US" dirty="0"/>
-              <a:t>[TT] </a:t>
+              <a:t> </a:t>
+            </a:r>
+            <a:r>
+              <a:rPr lang="ru-RU" dirty="0" err="1"/>
+              <a:t>Segregation</a:t>
             </a:r>
             <a:r>
               <a:rPr lang="ru-RU" dirty="0"/>
-              <a:t>Читать оба</a:t>
-            </a:r>
-            <a:r>
-              <a:rPr lang="ru-RU" baseline="0" dirty="0"/>
               <a:t> </a:t>
             </a:r>
             <a:r>
-              <a:rPr lang="en-US" baseline="0" dirty="0"/>
-              <a:t>&gt;&gt;&gt;&gt;</a:t>
-            </a:r>
-            <a:r>
-              <a:rPr lang="ru-RU" baseline="0" dirty="0"/>
-              <a:t> то есть если для клиента требуется реализовать интерфейс, то в этом интерфейсе не должно быть методов, не нужных клиенту</a:t>
-            </a:r>
-            <a:endParaRPr lang="en-US" baseline="0" dirty="0"/>
-          </a:p>
-          <a:p>
-            <a:pPr marL="0" marR="0" indent="0" algn="l" defTabSz="914400" rtl="0" eaLnBrk="1" fontAlgn="auto" latinLnBrk="0" hangingPunct="1">
-              <a:lnSpc>
-                <a:spcPct val="100000"/>
-              </a:lnSpc>
-              <a:spcBef>
-                <a:spcPts val="0"/>
-              </a:spcBef>
-              <a:spcAft>
-                <a:spcPts val="0"/>
-              </a:spcAft>
-              <a:buClrTx/>
-              <a:buSzTx/>
-              <a:buFontTx/>
-              <a:buNone/>
-              <a:tabLst/>
-              <a:defRPr/>
-            </a:pPr>
-            <a:endParaRPr lang="ru-RU" dirty="0"/>
-          </a:p>
-          <a:p>
-            <a:pPr marL="0" marR="0" indent="0" algn="l" defTabSz="914400" rtl="0" eaLnBrk="1" fontAlgn="auto" latinLnBrk="0" hangingPunct="1">
-              <a:lnSpc>
-                <a:spcPct val="100000"/>
-              </a:lnSpc>
-              <a:spcBef>
-                <a:spcPts val="0"/>
-              </a:spcBef>
-              <a:spcAft>
-                <a:spcPts val="0"/>
-              </a:spcAft>
-              <a:buClrTx/>
-              <a:buSzTx/>
-              <a:buFontTx/>
-              <a:buNone/>
-              <a:tabLst/>
-              <a:defRPr/>
-            </a:pPr>
-            <a:r>
-              <a:rPr lang="en-US" dirty="0"/>
-              <a:t>[T]</a:t>
-            </a:r>
-            <a:endParaRPr lang="ru-RU" dirty="0"/>
-          </a:p>
-          <a:p>
-            <a:pPr marL="171450" marR="0" indent="-171450" algn="l" defTabSz="914400" rtl="0" eaLnBrk="1" fontAlgn="auto" latinLnBrk="0" hangingPunct="1">
-              <a:lnSpc>
-                <a:spcPct val="100000"/>
-              </a:lnSpc>
-              <a:spcBef>
-                <a:spcPts val="0"/>
-              </a:spcBef>
-              <a:spcAft>
-                <a:spcPts val="0"/>
-              </a:spcAft>
-              <a:buClrTx/>
-              <a:buSzTx/>
-              <a:buFont typeface="Arial" panose="020B0604020202020204" pitchFamily="34" charset="0"/>
-              <a:buChar char="•"/>
-              <a:tabLst/>
-              <a:defRPr/>
-            </a:pPr>
+              <a:rPr lang="ru-RU" dirty="0" err="1"/>
+              <a:t>Principle</a:t>
+            </a:r>
             <a:r>
               <a:rPr lang="ru-RU" dirty="0"/>
-              <a:t>То есть не копировать все</a:t>
-            </a:r>
-            <a:r>
-              <a:rPr lang="ru-RU" baseline="0" dirty="0"/>
-              <a:t> методы подряд из класса в интерфейс</a:t>
-            </a:r>
-          </a:p>
-          <a:p>
-            <a:pPr marL="171450" marR="0" indent="-171450" algn="l" defTabSz="914400" rtl="0" eaLnBrk="1" fontAlgn="auto" latinLnBrk="0" hangingPunct="1">
-              <a:lnSpc>
-                <a:spcPct val="100000"/>
-              </a:lnSpc>
-              <a:spcBef>
-                <a:spcPts val="0"/>
-              </a:spcBef>
-              <a:spcAft>
-                <a:spcPts val="0"/>
-              </a:spcAft>
-              <a:buClrTx/>
-              <a:buSzTx/>
-              <a:buFont typeface="Arial" panose="020B0604020202020204" pitchFamily="34" charset="0"/>
-              <a:buChar char="•"/>
-              <a:tabLst/>
-              <a:defRPr/>
-            </a:pPr>
-            <a:r>
-              <a:rPr lang="ru-RU" baseline="0" dirty="0"/>
-              <a:t>То есть для каждого клиента должен быть реализован свой интерфейс, чтобы в каждом из них были только те методы, которые нужны клиенту</a:t>
+              <a:t>) заключается в том, чтобы разделять интерфейсы на маленькие и специфические, чтобы каждый клиент мог использовать только те методы, которые ему нужны, а не все методы, предоставляемые интерфейсом.</a:t>
             </a:r>
             <a:endParaRPr lang="en-US" dirty="0"/>
           </a:p>
@@ -2297,7 +2172,7 @@
       </p:grpSpPr>
       <p:sp>
         <p:nvSpPr>
-          <p:cNvPr id="2" name="Образ слайда 1"/>
+          <p:cNvPr id="2" name="Slide Image Placeholder 1"/>
           <p:cNvSpPr>
             <a:spLocks noGrp="1" noRot="1" noChangeAspect="1"/>
           </p:cNvSpPr>
@@ -2309,7 +2184,7 @@
       </p:sp>
       <p:sp>
         <p:nvSpPr>
-          <p:cNvPr id="3" name="Заметки 2"/>
+          <p:cNvPr id="3" name="Notes Placeholder 2"/>
           <p:cNvSpPr>
             <a:spLocks noGrp="1"/>
           </p:cNvSpPr>
@@ -2324,39 +2199,51 @@
           <a:p>
             <a:r>
               <a:rPr lang="ru-RU" dirty="0"/>
-              <a:t>Можно также рассмотреть пример графа сцены, умеющего рисовать себя средствами </a:t>
+              <a:t>Здесь</a:t>
             </a:r>
             <a:r>
               <a:rPr lang="en-US" dirty="0"/>
-              <a:t>SFML.</a:t>
-            </a:r>
-            <a:r>
-              <a:rPr lang="en-US" baseline="0" dirty="0"/>
               <a:t> </a:t>
             </a:r>
             <a:r>
-              <a:rPr lang="ru-RU" baseline="0" dirty="0"/>
-              <a:t>Сейчас в метод </a:t>
-            </a:r>
-            <a:r>
-              <a:rPr lang="en-US" baseline="0" dirty="0"/>
-              <a:t>Render </a:t>
-            </a:r>
-            <a:r>
-              <a:rPr lang="ru-RU" baseline="0" dirty="0"/>
-              <a:t>передается окно, на котором нужно рисовать сцену, однако класс </a:t>
-            </a:r>
-            <a:r>
-              <a:rPr lang="en-US" baseline="0" dirty="0" err="1"/>
-              <a:t>SceneGraph</a:t>
-            </a:r>
-            <a:r>
-              <a:rPr lang="ru-RU" baseline="0" dirty="0"/>
-              <a:t> использует лишь подмножество методов, входящих в базовый тип </a:t>
-            </a:r>
-            <a:r>
-              <a:rPr lang="en-US" baseline="0" dirty="0" err="1"/>
-              <a:t>RenderTarget</a:t>
+              <a:rPr lang="ru-RU" dirty="0"/>
+              <a:t>класс </a:t>
+            </a:r>
+            <a:r>
+              <a:rPr lang="en-US" dirty="0"/>
+              <a:t>User1 </a:t>
+            </a:r>
+            <a:r>
+              <a:rPr lang="ru-RU" dirty="0"/>
+              <a:t>использует операцию </a:t>
+            </a:r>
+            <a:r>
+              <a:rPr lang="en-US" dirty="0"/>
+              <a:t>Op1</a:t>
+            </a:r>
+            <a:r>
+              <a:rPr lang="ru-RU" dirty="0"/>
+              <a:t>, а </a:t>
+            </a:r>
+            <a:r>
+              <a:rPr lang="en-US" dirty="0"/>
+              <a:t>User2 – </a:t>
+            </a:r>
+            <a:r>
+              <a:rPr lang="ru-RU" dirty="0"/>
+              <a:t>операции </a:t>
+            </a:r>
+            <a:r>
+              <a:rPr lang="en-US" dirty="0"/>
+              <a:t>Op2 </a:t>
+            </a:r>
+            <a:r>
+              <a:rPr lang="ru-RU" dirty="0"/>
+              <a:t>и </a:t>
+            </a:r>
+            <a:r>
+              <a:rPr lang="en-US" dirty="0"/>
+              <a:t>Op3.</a:t>
             </a:r>
             <a:endParaRPr lang="ru-RU" dirty="0"/>
           </a:p>
@@ -2364,12 +2251,12 @@
       </p:sp>
       <p:sp>
         <p:nvSpPr>
-          <p:cNvPr id="4" name="Номер слайда 3"/>
-          <p:cNvSpPr>
-            <a:spLocks noGrp="1"/>
-          </p:cNvSpPr>
-          <p:nvPr>
-            <p:ph type="sldNum" sz="quarter" idx="10"/>
+          <p:cNvPr id="4" name="Slide Number Placeholder 3"/>
+          <p:cNvSpPr>
+            <a:spLocks noGrp="1"/>
+          </p:cNvSpPr>
+          <p:nvPr>
+            <p:ph type="sldNum" sz="quarter" idx="5"/>
           </p:nvPr>
         </p:nvSpPr>
         <p:spPr/>
@@ -2379,7 +2266,7 @@
           <a:p>
             <a:fld id="{9BF0A773-BC3A-474D-8036-883A816F0F99}" type="slidenum">
               <a:rPr lang="ru-RU" smtClean="0"/>
-              <a:t>23</a:t>
+              <a:t>21</a:t>
             </a:fld>
             <a:endParaRPr lang="ru-RU"/>
           </a:p>
@@ -2388,7 +2275,7 @@
     </p:spTree>
     <p:extLst>
       <p:ext uri="{BB962C8B-B14F-4D97-AF65-F5344CB8AC3E}">
-        <p14:creationId xmlns:p14="http://schemas.microsoft.com/office/powerpoint/2010/main" val="2516281866"/>
+        <p14:creationId xmlns:p14="http://schemas.microsoft.com/office/powerpoint/2010/main" val="1699047476"/>
       </p:ext>
     </p:extLst>
   </p:cSld>
@@ -2444,31 +2331,39 @@
           <a:p>
             <a:r>
               <a:rPr lang="ru-RU" dirty="0"/>
-              <a:t>Но можно вместо передачи окна использовать </a:t>
-            </a:r>
-            <a:r>
-              <a:rPr lang="en-US" dirty="0" err="1"/>
+              <a:t>Можно также рассмотреть пример графа сцены, умеющего рисовать себя средствами </a:t>
+            </a:r>
+            <a:r>
+              <a:rPr lang="en-US" dirty="0"/>
+              <a:t>SFML.</a:t>
+            </a:r>
+            <a:r>
+              <a:rPr lang="en-US" baseline="0" dirty="0"/>
+              <a:t> </a:t>
+            </a:r>
+            <a:r>
+              <a:rPr lang="ru-RU" baseline="0" dirty="0"/>
+              <a:t>Сейчас в метод </a:t>
+            </a:r>
+            <a:r>
+              <a:rPr lang="en-US" baseline="0" dirty="0"/>
+              <a:t>Render </a:t>
+            </a:r>
+            <a:r>
+              <a:rPr lang="ru-RU" baseline="0" dirty="0"/>
+              <a:t>передается окно, на котором нужно рисовать сцену, однако класс </a:t>
+            </a:r>
+            <a:r>
+              <a:rPr lang="en-US" baseline="0" dirty="0" err="1"/>
+              <a:t>SceneGraph</a:t>
+            </a:r>
+            <a:r>
+              <a:rPr lang="ru-RU" baseline="0" dirty="0"/>
+              <a:t> использует лишь подмножество методов, входящих в базовый тип </a:t>
+            </a:r>
+            <a:r>
+              <a:rPr lang="en-US" baseline="0" dirty="0" err="1"/>
               <a:t>RenderTarget</a:t>
-            </a:r>
-            <a:r>
-              <a:rPr lang="en-US" dirty="0"/>
-              <a:t>. </a:t>
-            </a:r>
-            <a:r>
-              <a:rPr lang="ru-RU" dirty="0"/>
-              <a:t>Таким образом нарисовать</a:t>
-            </a:r>
-            <a:r>
-              <a:rPr lang="ru-RU" baseline="0" dirty="0"/>
-              <a:t> сцену можно будет не только в окне, но и на текстуре (</a:t>
-            </a:r>
-            <a:r>
-              <a:rPr lang="en-US" baseline="0" dirty="0" err="1"/>
-              <a:t>RenderTexture</a:t>
-            </a:r>
-            <a:r>
-              <a:rPr lang="ru-RU" baseline="0" dirty="0"/>
-              <a:t>).</a:t>
             </a:r>
             <a:endParaRPr lang="ru-RU" dirty="0"/>
           </a:p>
@@ -2491,7 +2386,7 @@
           <a:p>
             <a:fld id="{9BF0A773-BC3A-474D-8036-883A816F0F99}" type="slidenum">
               <a:rPr lang="ru-RU" smtClean="0"/>
-              <a:t>24</a:t>
+              <a:t>23</a:t>
             </a:fld>
             <a:endParaRPr lang="ru-RU"/>
           </a:p>
@@ -2500,7 +2395,7 @@
     </p:spTree>
     <p:extLst>
       <p:ext uri="{BB962C8B-B14F-4D97-AF65-F5344CB8AC3E}">
-        <p14:creationId xmlns:p14="http://schemas.microsoft.com/office/powerpoint/2010/main" val="3184753845"/>
+        <p14:creationId xmlns:p14="http://schemas.microsoft.com/office/powerpoint/2010/main" val="2516281866"/>
       </p:ext>
     </p:extLst>
   </p:cSld>
@@ -2554,174 +2449,33 @@
           <a:bodyPr/>
           <a:lstStyle/>
           <a:p>
-            <a:pPr marL="0" marR="0" indent="0" algn="l" defTabSz="914400" rtl="0" eaLnBrk="1" fontAlgn="auto" latinLnBrk="0" hangingPunct="1">
-              <a:lnSpc>
-                <a:spcPct val="100000"/>
-              </a:lnSpc>
-              <a:spcBef>
-                <a:spcPts val="0"/>
-              </a:spcBef>
-              <a:spcAft>
-                <a:spcPts val="0"/>
-              </a:spcAft>
-              <a:buClrTx/>
-              <a:buSzTx/>
-              <a:buFontTx/>
-              <a:buNone/>
-              <a:tabLst/>
-              <a:defRPr/>
-            </a:pPr>
+            <a:r>
+              <a:rPr lang="ru-RU" dirty="0"/>
+              <a:t>Но можно вместо передачи окна использовать </a:t>
+            </a:r>
+            <a:r>
+              <a:rPr lang="en-US" dirty="0" err="1"/>
+              <a:t>RenderTarget</a:t>
+            </a:r>
+            <a:r>
+              <a:rPr lang="en-US" dirty="0"/>
+              <a:t>. </a:t>
+            </a:r>
+            <a:r>
+              <a:rPr lang="ru-RU" dirty="0"/>
+              <a:t>Таким образом нарисовать</a:t>
+            </a:r>
             <a:r>
               <a:rPr lang="ru-RU" baseline="0" dirty="0"/>
-              <a:t>Подведем итоги.</a:t>
-            </a:r>
-          </a:p>
-          <a:p>
-            <a:pPr marL="0" marR="0" indent="0" algn="l" defTabSz="914400" rtl="0" eaLnBrk="1" fontAlgn="auto" latinLnBrk="0" hangingPunct="1">
-              <a:lnSpc>
-                <a:spcPct val="100000"/>
-              </a:lnSpc>
-              <a:spcBef>
-                <a:spcPts val="0"/>
-              </a:spcBef>
-              <a:spcAft>
-                <a:spcPts val="0"/>
-              </a:spcAft>
-              <a:buClrTx/>
-              <a:buSzTx/>
-              <a:buFontTx/>
-              <a:buNone/>
-              <a:tabLst/>
-              <a:defRPr/>
-            </a:pPr>
+              <a:t> сцену можно будет не только в окне, но и на текстуре (</a:t>
+            </a:r>
+            <a:r>
+              <a:rPr lang="en-US" baseline="0" dirty="0" err="1"/>
+              <a:t>RenderTexture</a:t>
+            </a:r>
             <a:r>
               <a:rPr lang="ru-RU" baseline="0" dirty="0"/>
-              <a:t>У применения </a:t>
-            </a:r>
-            <a:r>
-              <a:rPr lang="en-US" baseline="0" dirty="0"/>
-              <a:t>ISP </a:t>
-            </a:r>
-            <a:r>
-              <a:rPr lang="ru-RU" baseline="0" dirty="0"/>
-              <a:t>есть достоинства, а именно: …</a:t>
-            </a:r>
-          </a:p>
-          <a:p>
-            <a:pPr marL="0" marR="0" indent="0" algn="l" defTabSz="914400" rtl="0" eaLnBrk="1" fontAlgn="auto" latinLnBrk="0" hangingPunct="1">
-              <a:lnSpc>
-                <a:spcPct val="100000"/>
-              </a:lnSpc>
-              <a:spcBef>
-                <a:spcPts val="0"/>
-              </a:spcBef>
-              <a:spcAft>
-                <a:spcPts val="0"/>
-              </a:spcAft>
-              <a:buClrTx/>
-              <a:buSzTx/>
-              <a:buFontTx/>
-              <a:buNone/>
-              <a:tabLst/>
-              <a:defRPr/>
-            </a:pPr>
-            <a:r>
-              <a:rPr lang="ru-RU" baseline="0" dirty="0"/>
-              <a:t>Также есть и недостатки: …</a:t>
-            </a:r>
-          </a:p>
-          <a:p>
-            <a:pPr marL="0" marR="0" indent="0" algn="l" defTabSz="914400" rtl="0" eaLnBrk="1" fontAlgn="auto" latinLnBrk="0" hangingPunct="1">
-              <a:lnSpc>
-                <a:spcPct val="100000"/>
-              </a:lnSpc>
-              <a:spcBef>
-                <a:spcPts val="0"/>
-              </a:spcBef>
-              <a:spcAft>
-                <a:spcPts val="0"/>
-              </a:spcAft>
-              <a:buClrTx/>
-              <a:buSzTx/>
-              <a:buFontTx/>
-              <a:buNone/>
-              <a:tabLst/>
-              <a:defRPr/>
-            </a:pPr>
-            <a:endParaRPr lang="ru-RU" baseline="0" dirty="0"/>
-          </a:p>
-          <a:p>
-            <a:pPr marL="0" marR="0" indent="0" algn="l" defTabSz="914400" rtl="0" eaLnBrk="1" fontAlgn="auto" latinLnBrk="0" hangingPunct="1">
-              <a:lnSpc>
-                <a:spcPct val="100000"/>
-              </a:lnSpc>
-              <a:spcBef>
-                <a:spcPts val="0"/>
-              </a:spcBef>
-              <a:spcAft>
-                <a:spcPts val="0"/>
-              </a:spcAft>
-              <a:buClrTx/>
-              <a:buSzTx/>
-              <a:buFontTx/>
-              <a:buNone/>
-              <a:tabLst/>
-              <a:defRPr/>
-            </a:pPr>
-            <a:r>
-              <a:rPr lang="ru-RU" baseline="0" dirty="0"/>
-              <a:t>Если нельзя внести изменения в классы, можно сделать более узкий адаптер.</a:t>
-            </a:r>
-          </a:p>
-          <a:p>
-            <a:pPr marL="0" marR="0" indent="0" algn="l" defTabSz="914400" rtl="0" eaLnBrk="1" fontAlgn="auto" latinLnBrk="0" hangingPunct="1">
-              <a:lnSpc>
-                <a:spcPct val="100000"/>
-              </a:lnSpc>
-              <a:spcBef>
-                <a:spcPts val="0"/>
-              </a:spcBef>
-              <a:spcAft>
-                <a:spcPts val="0"/>
-              </a:spcAft>
-              <a:buClrTx/>
-              <a:buSzTx/>
-              <a:buFontTx/>
-              <a:buNone/>
-              <a:tabLst/>
-              <a:defRPr/>
-            </a:pPr>
-            <a:endParaRPr lang="ru-RU" baseline="0" dirty="0"/>
-          </a:p>
-          <a:p>
-            <a:pPr marL="0" marR="0" indent="0" algn="l" defTabSz="914400" rtl="0" eaLnBrk="1" fontAlgn="auto" latinLnBrk="0" hangingPunct="1">
-              <a:lnSpc>
-                <a:spcPct val="100000"/>
-              </a:lnSpc>
-              <a:spcBef>
-                <a:spcPts val="0"/>
-              </a:spcBef>
-              <a:spcAft>
-                <a:spcPts val="0"/>
-              </a:spcAft>
-              <a:buClrTx/>
-              <a:buSzTx/>
-              <a:buFontTx/>
-              <a:buNone/>
-              <a:tabLst/>
-              <a:defRPr/>
-            </a:pPr>
-            <a:r>
-              <a:rPr lang="ru-RU" baseline="0" dirty="0"/>
-              <a:t>Итак, </a:t>
-            </a:r>
-            <a:r>
-              <a:rPr lang="ru-RU" dirty="0"/>
-              <a:t>принцип разделения интерфейса </a:t>
-            </a:r>
-            <a:r>
-              <a:rPr lang="ru-RU" baseline="0" dirty="0"/>
-              <a:t>мы рассмотрели, идем дальше или есть вопросы?</a:t>
+              <a:t>).</a:t>
             </a:r>
             <a:endParaRPr lang="ru-RU" dirty="0"/>
           </a:p>
@@ -2744,7 +2498,7 @@
           <a:p>
             <a:fld id="{9BF0A773-BC3A-474D-8036-883A816F0F99}" type="slidenum">
               <a:rPr lang="ru-RU" smtClean="0"/>
-              <a:t>25</a:t>
+              <a:t>24</a:t>
             </a:fld>
             <a:endParaRPr lang="ru-RU"/>
           </a:p>
@@ -2753,7 +2507,7 @@
     </p:spTree>
     <p:extLst>
       <p:ext uri="{BB962C8B-B14F-4D97-AF65-F5344CB8AC3E}">
-        <p14:creationId xmlns:p14="http://schemas.microsoft.com/office/powerpoint/2010/main" val="2224227041"/>
+        <p14:creationId xmlns:p14="http://schemas.microsoft.com/office/powerpoint/2010/main" val="3184753845"/>
       </p:ext>
     </p:extLst>
   </p:cSld>
@@ -2825,8 +2579,8 @@
               <a:defRPr/>
             </a:pPr>
             <a:r>
-              <a:rPr lang="ru-RU" dirty="0"/>
-              <a:t>Рассмотрим принцип инверсии зависимости. В чем он заключается, как вы думаете?</a:t>
+              <a:rPr lang="ru-RU" baseline="0" dirty="0"/>
+              <a:t>Подведем итоги.</a:t>
             </a:r>
           </a:p>
           <a:p>
@@ -2848,8 +2602,16 @@
               <a:defRPr/>
             </a:pPr>
             <a:r>
-              <a:rPr lang="ru-RU" dirty="0"/>
-              <a:t>…</a:t>
+              <a:rPr lang="ru-RU" baseline="0" dirty="0"/>
+              <a:t>У применения </a:t>
+            </a:r>
+            <a:r>
+              <a:rPr lang="en-US" baseline="0" dirty="0"/>
+              <a:t>ISP </a:t>
+            </a:r>
+            <a:r>
+              <a:rPr lang="ru-RU" baseline="0" dirty="0"/>
+              <a:t>есть достоинства, а именно: …</a:t>
             </a:r>
           </a:p>
           <a:p>
@@ -2871,8 +2633,102 @@
               <a:defRPr/>
             </a:pPr>
             <a:r>
-              <a:rPr lang="en-US" dirty="0"/>
-              <a:t>[TT]</a:t>
+              <a:rPr lang="ru-RU" baseline="0" dirty="0"/>
+              <a:t>Также есть и недостатки: …</a:t>
+            </a:r>
+          </a:p>
+          <a:p>
+            <a:pPr marL="0" marR="0" indent="0" algn="l" defTabSz="914400" rtl="0" eaLnBrk="1" fontAlgn="auto" latinLnBrk="0" hangingPunct="1">
+              <a:lnSpc>
+                <a:spcPct val="100000"/>
+              </a:lnSpc>
+              <a:spcBef>
+                <a:spcPts val="0"/>
+              </a:spcBef>
+              <a:spcAft>
+                <a:spcPts val="0"/>
+              </a:spcAft>
+              <a:buClrTx/>
+              <a:buSzTx/>
+              <a:buFontTx/>
+              <a:buNone/>
+              <a:tabLst/>
+              <a:defRPr/>
+            </a:pPr>
+            <a:endParaRPr lang="ru-RU" baseline="0" dirty="0"/>
+          </a:p>
+          <a:p>
+            <a:pPr marL="0" marR="0" indent="0" algn="l" defTabSz="914400" rtl="0" eaLnBrk="1" fontAlgn="auto" latinLnBrk="0" hangingPunct="1">
+              <a:lnSpc>
+                <a:spcPct val="100000"/>
+              </a:lnSpc>
+              <a:spcBef>
+                <a:spcPts val="0"/>
+              </a:spcBef>
+              <a:spcAft>
+                <a:spcPts val="0"/>
+              </a:spcAft>
+              <a:buClrTx/>
+              <a:buSzTx/>
+              <a:buFontTx/>
+              <a:buNone/>
+              <a:tabLst/>
+              <a:defRPr/>
+            </a:pPr>
+            <a:r>
+              <a:rPr lang="ru-RU" baseline="0" dirty="0"/>
+              <a:t>Если нельзя внести изменения в классы, можно сделать более узкий адаптер.</a:t>
+            </a:r>
+          </a:p>
+          <a:p>
+            <a:pPr marL="0" marR="0" indent="0" algn="l" defTabSz="914400" rtl="0" eaLnBrk="1" fontAlgn="auto" latinLnBrk="0" hangingPunct="1">
+              <a:lnSpc>
+                <a:spcPct val="100000"/>
+              </a:lnSpc>
+              <a:spcBef>
+                <a:spcPts val="0"/>
+              </a:spcBef>
+              <a:spcAft>
+                <a:spcPts val="0"/>
+              </a:spcAft>
+              <a:buClrTx/>
+              <a:buSzTx/>
+              <a:buFontTx/>
+              <a:buNone/>
+              <a:tabLst/>
+              <a:defRPr/>
+            </a:pPr>
+            <a:endParaRPr lang="ru-RU" baseline="0" dirty="0"/>
+          </a:p>
+          <a:p>
+            <a:pPr marL="0" marR="0" indent="0" algn="l" defTabSz="914400" rtl="0" eaLnBrk="1" fontAlgn="auto" latinLnBrk="0" hangingPunct="1">
+              <a:lnSpc>
+                <a:spcPct val="100000"/>
+              </a:lnSpc>
+              <a:spcBef>
+                <a:spcPts val="0"/>
+              </a:spcBef>
+              <a:spcAft>
+                <a:spcPts val="0"/>
+              </a:spcAft>
+              <a:buClrTx/>
+              <a:buSzTx/>
+              <a:buFontTx/>
+              <a:buNone/>
+              <a:tabLst/>
+              <a:defRPr/>
+            </a:pPr>
+            <a:r>
+              <a:rPr lang="ru-RU" baseline="0" dirty="0"/>
+              <a:t>Итак, </a:t>
+            </a:r>
+            <a:r>
+              <a:rPr lang="ru-RU" dirty="0"/>
+              <a:t>принцип разделения интерфейса </a:t>
+            </a:r>
+            <a:r>
+              <a:rPr lang="ru-RU" baseline="0" dirty="0"/>
+              <a:t>мы рассмотрели, идем дальше или есть вопросы?</a:t>
             </a:r>
             <a:endParaRPr lang="ru-RU" dirty="0"/>
           </a:p>
@@ -2895,7 +2751,7 @@
           <a:p>
             <a:fld id="{9BF0A773-BC3A-474D-8036-883A816F0F99}" type="slidenum">
               <a:rPr lang="ru-RU" smtClean="0"/>
-              <a:t>26</a:t>
+              <a:t>25</a:t>
             </a:fld>
             <a:endParaRPr lang="ru-RU"/>
           </a:p>
@@ -2904,7 +2760,7 @@
     </p:spTree>
     <p:extLst>
       <p:ext uri="{BB962C8B-B14F-4D97-AF65-F5344CB8AC3E}">
-        <p14:creationId xmlns:p14="http://schemas.microsoft.com/office/powerpoint/2010/main" val="3210621328"/>
+        <p14:creationId xmlns:p14="http://schemas.microsoft.com/office/powerpoint/2010/main" val="2224227041"/>
       </p:ext>
     </p:extLst>
   </p:cSld>
@@ -2958,6 +2814,23 @@
           <a:bodyPr/>
           <a:lstStyle/>
           <a:p>
+            <a:pPr marL="0" marR="0" indent="0" algn="l" defTabSz="914400" rtl="0" eaLnBrk="1" fontAlgn="auto" latinLnBrk="0" hangingPunct="1">
+              <a:lnSpc>
+                <a:spcPct val="100000"/>
+              </a:lnSpc>
+              <a:spcBef>
+                <a:spcPts val="0"/>
+              </a:spcBef>
+              <a:spcAft>
+                <a:spcPts val="0"/>
+              </a:spcAft>
+              <a:buClrTx/>
+              <a:buSzTx/>
+              <a:buFontTx/>
+              <a:buNone/>
+              <a:tabLst/>
+              <a:defRPr/>
+            </a:pPr>
             <a:endParaRPr lang="ru-RU" dirty="0"/>
           </a:p>
         </p:txBody>
@@ -2979,7 +2852,7 @@
           <a:p>
             <a:fld id="{9BF0A773-BC3A-474D-8036-883A816F0F99}" type="slidenum">
               <a:rPr lang="ru-RU" smtClean="0"/>
-              <a:t>30</a:t>
+              <a:t>26</a:t>
             </a:fld>
             <a:endParaRPr lang="ru-RU"/>
           </a:p>
@@ -2988,7 +2861,7 @@
     </p:spTree>
     <p:extLst>
       <p:ext uri="{BB962C8B-B14F-4D97-AF65-F5344CB8AC3E}">
-        <p14:creationId xmlns:p14="http://schemas.microsoft.com/office/powerpoint/2010/main" val="3337997025"/>
+        <p14:creationId xmlns:p14="http://schemas.microsoft.com/office/powerpoint/2010/main" val="3210621328"/>
       </p:ext>
     </p:extLst>
   </p:cSld>
@@ -3017,7 +2890,7 @@
       </p:grpSpPr>
       <p:sp>
         <p:nvSpPr>
-          <p:cNvPr id="2" name="Образ слайда 1"/>
+          <p:cNvPr id="2" name="Slide Image Placeholder 1"/>
           <p:cNvSpPr>
             <a:spLocks noGrp="1" noRot="1" noChangeAspect="1"/>
           </p:cNvSpPr>
@@ -3029,7 +2902,7 @@
       </p:sp>
       <p:sp>
         <p:nvSpPr>
-          <p:cNvPr id="3" name="Заметки 2"/>
+          <p:cNvPr id="3" name="Notes Placeholder 2"/>
           <p:cNvSpPr>
             <a:spLocks noGrp="1"/>
           </p:cNvSpPr>
@@ -3042,62 +2915,7 @@
           <a:bodyPr/>
           <a:lstStyle/>
           <a:p>
-            <a:pPr marL="0" indent="0">
-              <a:buFont typeface="Arial" panose="020B0604020202020204" pitchFamily="34" charset="0"/>
-              <a:buNone/>
-            </a:pPr>
-            <a:r>
-              <a:rPr lang="ru-RU" dirty="0"/>
-              <a:t>Зачем</a:t>
-            </a:r>
-            <a:r>
-              <a:rPr lang="ru-RU" baseline="0" dirty="0"/>
-              <a:t> нужно использовать принципы </a:t>
-            </a:r>
-            <a:r>
-              <a:rPr lang="en-US" baseline="0" dirty="0"/>
-              <a:t>SOLID, </a:t>
-            </a:r>
-            <a:r>
-              <a:rPr lang="ru-RU" baseline="0" dirty="0"/>
-              <a:t>как вы думаете?</a:t>
-            </a:r>
-            <a:endParaRPr lang="ru-RU" dirty="0"/>
-          </a:p>
-          <a:p>
-            <a:pPr marL="0" indent="0">
-              <a:buFont typeface="Arial" panose="020B0604020202020204" pitchFamily="34" charset="0"/>
-              <a:buNone/>
-            </a:pPr>
-            <a:endParaRPr lang="ru-RU" dirty="0"/>
-          </a:p>
-          <a:p>
-            <a:pPr marL="0" indent="0">
-              <a:buFont typeface="Arial" panose="020B0604020202020204" pitchFamily="34" charset="0"/>
-              <a:buNone/>
-            </a:pPr>
-            <a:r>
-              <a:rPr lang="ru-RU" dirty="0"/>
-              <a:t>//</a:t>
-            </a:r>
-            <a:r>
-              <a:rPr lang="ru-RU" baseline="0" dirty="0"/>
-              <a:t> можно не читать пункты</a:t>
-            </a:r>
-            <a:endParaRPr lang="ru-RU" dirty="0"/>
-          </a:p>
-          <a:p>
-            <a:pPr marL="171450" indent="-171450">
-              <a:buFont typeface="Arial" panose="020B0604020202020204" pitchFamily="34" charset="0"/>
-              <a:buChar char="•"/>
-            </a:pPr>
-            <a:r>
-              <a:rPr lang="ru-RU" dirty="0"/>
-              <a:t>… за счет уменьшения связности</a:t>
-            </a:r>
-          </a:p>
-          <a:p>
-            <a:pPr marL="171450" marR="0" indent="-171450" algn="l" defTabSz="914400" rtl="0" eaLnBrk="1" fontAlgn="auto" latinLnBrk="0" hangingPunct="1">
+            <a:pPr marL="0" marR="0" lvl="0" indent="0" algn="l" defTabSz="914400" rtl="0" eaLnBrk="1" fontAlgn="auto" latinLnBrk="0" hangingPunct="1">
               <a:lnSpc>
                 <a:spcPct val="100000"/>
               </a:lnSpc>
@@ -3109,33 +2927,18 @@
               </a:spcAft>
               <a:buClrTx/>
               <a:buSzTx/>
-              <a:buFont typeface="Arial" panose="020B0604020202020204" pitchFamily="34" charset="0"/>
-              <a:buChar char="•"/>
+              <a:buFontTx/>
+              <a:buNone/>
               <a:tabLst/>
               <a:defRPr/>
             </a:pPr>
             <a:r>
               <a:rPr lang="ru-RU" dirty="0"/>
-              <a:t>… за счет </a:t>
-            </a:r>
-            <a:r>
-              <a:rPr lang="en-US" dirty="0"/>
-              <a:t>SRP, DIP, ISP</a:t>
-            </a:r>
-            <a:endParaRPr lang="ru-RU" dirty="0"/>
-          </a:p>
-          <a:p>
-            <a:pPr marL="171450" indent="-171450">
-              <a:buFont typeface="Arial" panose="020B0604020202020204" pitchFamily="34" charset="0"/>
-              <a:buChar char="•"/>
-            </a:pPr>
-            <a:r>
-              <a:rPr lang="ru-RU" dirty="0"/>
-              <a:t>… за счет уменьшения связности</a:t>
-            </a:r>
-          </a:p>
-          <a:p>
-            <a:pPr marL="171450" marR="0" indent="-171450" algn="l" defTabSz="914400" rtl="0" eaLnBrk="1" fontAlgn="auto" latinLnBrk="0" hangingPunct="1">
+              <a:t>Принцип инверсии зависимости утверждает, что наиболее гибкими получаются системы, в которых зависимости в исходном коде направлены на абстракции, а не на конкретные реализации.</a:t>
+            </a:r>
+          </a:p>
+          <a:p>
+            <a:pPr marL="0" marR="0" lvl="0" indent="0" algn="l" defTabSz="914400" rtl="0" eaLnBrk="1" fontAlgn="auto" latinLnBrk="0" hangingPunct="1">
               <a:lnSpc>
                 <a:spcPct val="100000"/>
               </a:lnSpc>
@@ -3147,74 +2950,60 @@
               </a:spcAft>
               <a:buClrTx/>
               <a:buSzTx/>
-              <a:buFont typeface="Arial" panose="020B0604020202020204" pitchFamily="34" charset="0"/>
-              <a:buChar char="•"/>
+              <a:buFontTx/>
+              <a:buNone/>
               <a:tabLst/>
               <a:defRPr/>
             </a:pPr>
             <a:r>
               <a:rPr lang="ru-RU" dirty="0"/>
-              <a:t>…</a:t>
-            </a:r>
-            <a:r>
-              <a:rPr lang="en-US" baseline="0" dirty="0"/>
-              <a:t> </a:t>
-            </a:r>
+              <a:t>В языках со статической типизацией нужно ссылаться на интерфейсы и абстрактные классы.</a:t>
+            </a:r>
+          </a:p>
+          <a:p>
+            <a:pPr marL="0" marR="0" lvl="0" indent="0" algn="l" defTabSz="914400" rtl="0" eaLnBrk="1" fontAlgn="auto" latinLnBrk="0" hangingPunct="1">
+              <a:lnSpc>
+                <a:spcPct val="100000"/>
+              </a:lnSpc>
+              <a:spcBef>
+                <a:spcPts val="0"/>
+              </a:spcBef>
+              <a:spcAft>
+                <a:spcPts val="0"/>
+              </a:spcAft>
+              <a:buClrTx/>
+              <a:buSzTx/>
+              <a:buFontTx/>
+              <a:buNone/>
+              <a:tabLst/>
+              <a:defRPr/>
+            </a:pPr>
             <a:r>
               <a:rPr lang="ru-RU" dirty="0"/>
-              <a:t>за счет уменьшения связности</a:t>
-            </a:r>
-          </a:p>
-          <a:p>
-            <a:pPr marL="171450" indent="-171450">
-              <a:buFont typeface="Arial" panose="020B0604020202020204" pitchFamily="34" charset="0"/>
-              <a:buChar char="•"/>
-            </a:pPr>
+              <a:t>На практике это недостижимо. Например, многие стандартные классы являются конкретными: </a:t>
+            </a:r>
+            <a:r>
+              <a:rPr lang="en-US" dirty="0"/>
+              <a:t>string, vector, map.</a:t>
+            </a:r>
             <a:r>
               <a:rPr lang="ru-RU" dirty="0"/>
-              <a:t>… а именно - избавляет от скрытых ошибок</a:t>
-            </a:r>
-            <a:r>
-              <a:rPr lang="en-US" dirty="0"/>
-              <a:t> </a:t>
-            </a:r>
-            <a:r>
-              <a:rPr lang="ru-RU" dirty="0"/>
-              <a:t>за счет уменьшения связности</a:t>
-            </a:r>
-          </a:p>
-          <a:p>
-            <a:pPr marL="171450" indent="-171450">
-              <a:buFont typeface="Arial" panose="020B0604020202020204" pitchFamily="34" charset="0"/>
-              <a:buChar char="•"/>
-            </a:pPr>
+              <a:t> Однако эти классы стабильны и изменения в них вносятся редко, и практически никогда не ломают совместимость.</a:t>
+            </a:r>
+          </a:p>
+          <a:p>
             <a:endParaRPr lang="ru-RU" dirty="0"/>
           </a:p>
-          <a:p>
-            <a:pPr marL="0" indent="0">
-              <a:buFont typeface="Arial" panose="020B0604020202020204" pitchFamily="34" charset="0"/>
-              <a:buNone/>
-            </a:pPr>
-            <a:r>
-              <a:rPr lang="ru-RU" dirty="0"/>
-              <a:t>Стоит добавить, что некоторые принципы</a:t>
-            </a:r>
-            <a:r>
-              <a:rPr lang="ru-RU" baseline="0" dirty="0"/>
-              <a:t> имеют свои недостатки, и имеют смысл не для каждого проекта.</a:t>
-            </a:r>
-            <a:endParaRPr lang="ru-RU" dirty="0"/>
-          </a:p>
-        </p:txBody>
-      </p:sp>
-      <p:sp>
-        <p:nvSpPr>
-          <p:cNvPr id="4" name="Номер слайда 3"/>
-          <p:cNvSpPr>
-            <a:spLocks noGrp="1"/>
-          </p:cNvSpPr>
-          <p:nvPr>
-            <p:ph type="sldNum" sz="quarter" idx="10"/>
+        </p:txBody>
+      </p:sp>
+      <p:sp>
+        <p:nvSpPr>
+          <p:cNvPr id="4" name="Slide Number Placeholder 3"/>
+          <p:cNvSpPr>
+            <a:spLocks noGrp="1"/>
+          </p:cNvSpPr>
+          <p:nvPr>
+            <p:ph type="sldNum" sz="quarter" idx="5"/>
           </p:nvPr>
         </p:nvSpPr>
         <p:spPr/>
@@ -3224,7 +3013,7 @@
           <a:p>
             <a:fld id="{9BF0A773-BC3A-474D-8036-883A816F0F99}" type="slidenum">
               <a:rPr lang="ru-RU" smtClean="0"/>
-              <a:t>31</a:t>
+              <a:t>27</a:t>
             </a:fld>
             <a:endParaRPr lang="ru-RU"/>
           </a:p>
@@ -3233,7 +3022,7 @@
     </p:spTree>
     <p:extLst>
       <p:ext uri="{BB962C8B-B14F-4D97-AF65-F5344CB8AC3E}">
-        <p14:creationId xmlns:p14="http://schemas.microsoft.com/office/powerpoint/2010/main" val="124215627"/>
+        <p14:creationId xmlns:p14="http://schemas.microsoft.com/office/powerpoint/2010/main" val="263993504"/>
       </p:ext>
     </p:extLst>
   </p:cSld>
@@ -3262,7 +3051,7 @@
       </p:grpSpPr>
       <p:sp>
         <p:nvSpPr>
-          <p:cNvPr id="2" name="Образ слайда 1"/>
+          <p:cNvPr id="2" name="Slide Image Placeholder 1"/>
           <p:cNvSpPr>
             <a:spLocks noGrp="1" noRot="1" noChangeAspect="1"/>
           </p:cNvSpPr>
@@ -3274,7 +3063,7 @@
       </p:sp>
       <p:sp>
         <p:nvSpPr>
-          <p:cNvPr id="3" name="Заметки 2"/>
+          <p:cNvPr id="3" name="Notes Placeholder 2"/>
           <p:cNvSpPr>
             <a:spLocks noGrp="1"/>
           </p:cNvSpPr>
@@ -3287,38 +3076,61 @@
           <a:bodyPr/>
           <a:lstStyle/>
           <a:p>
-            <a:pPr marL="0" marR="0" indent="0" algn="l" defTabSz="914400" rtl="0" eaLnBrk="1" fontAlgn="auto" latinLnBrk="0" hangingPunct="1">
-              <a:lnSpc>
-                <a:spcPct val="100000"/>
-              </a:lnSpc>
-              <a:spcBef>
-                <a:spcPts val="0"/>
-              </a:spcBef>
-              <a:spcAft>
-                <a:spcPts val="0"/>
-              </a:spcAft>
-              <a:buClrTx/>
-              <a:buSzTx/>
+            <a:r>
+              <a:rPr lang="ru-RU" dirty="0"/>
+              <a:t>Каждое изменение абстрактного интерфейса вызывает изменение его </a:t>
+            </a:r>
+            <a:r>
+              <a:rPr lang="ru-RU" dirty="0" err="1"/>
+              <a:t>конкретной</a:t>
+            </a:r>
+            <a:r>
+              <a:rPr lang="ru-RU" dirty="0"/>
+              <a:t> реализации. Изменение конкретной реализации, напротив, не всегда сопровождается изменениями и даже обычно не требует изменений в соответствующих интерфейсах. То есть интерфейсы менее изменчивы, чем реализации.</a:t>
+            </a:r>
+          </a:p>
+          <a:p>
+            <a:r>
+              <a:rPr lang="ru-RU" dirty="0"/>
+              <a:t>Хорошие дизайнеры и архитекторы стремятся ограничить изменчивость интерфейсов. Они стараются найти такие пути добавления новых возможностей в реализации, которые не потребуют изменения интерфейсов. Это основа проектирования программного обеспечения.</a:t>
+            </a:r>
+          </a:p>
+          <a:p>
+            <a:r>
+              <a:rPr lang="ru-RU" dirty="0"/>
+              <a:t>Как следствие, стабильными называются такие архитектуры, в которых вместо зависимостей от переменчивых конкретных реализаций используются зависимости от стабильных абстрактных интерфейсов. Это следствие сводится к набору очень простых правил:</a:t>
+            </a:r>
+          </a:p>
+          <a:p>
+            <a:pPr marL="171450" indent="-171450">
               <a:buFontTx/>
-              <a:buNone/>
-              <a:tabLst/>
-              <a:defRPr/>
+              <a:buChar char="-"/>
             </a:pPr>
             <a:r>
-              <a:rPr lang="ru-RU" baseline="0" dirty="0"/>
-              <a:t>В ходе подготовки обсуждения были использованы следующие материалы</a:t>
-            </a:r>
-          </a:p>
-        </p:txBody>
-      </p:sp>
-      <p:sp>
-        <p:nvSpPr>
-          <p:cNvPr id="4" name="Номер слайда 3"/>
-          <p:cNvSpPr>
-            <a:spLocks noGrp="1"/>
-          </p:cNvSpPr>
-          <p:nvPr>
-            <p:ph type="sldNum" sz="quarter" idx="10"/>
+              <a:rPr lang="ru-RU" dirty="0"/>
+              <a:t>Не ссылайтесь на изменчивые конкретные классы. Ссылайтесь на абстрактные интерфейсы. Это правило применимо во всех языках, независимо от устройства системы типов. Оно также накладывает важные ограничения на создание объектов и определяет преимущественное использование шаблона «Абстрактная фабрика».</a:t>
+            </a:r>
+          </a:p>
+          <a:p>
+            <a:pPr marL="171450" indent="-171450">
+              <a:buFontTx/>
+              <a:buChar char="-"/>
+            </a:pPr>
+            <a:r>
+              <a:rPr lang="ru-RU" dirty="0"/>
+              <a:t>Не наследуйте изменчивые конкретные классы. Это естественное следствие из предыдущего правила, но оно достойно отдельного упоминания. Наследование в языках со статической системой типов является самым строгим и жестким видом отношений в исходном коде; следовательно, его следует использовать с большой осторожностью. Наследование в языках с динамической системой типов влечет меньшее количество проблем, но все еще остается зависимостью, поэтому дополнительная предосторожность никогда не помешает.</a:t>
+            </a:r>
+          </a:p>
+        </p:txBody>
+      </p:sp>
+      <p:sp>
+        <p:nvSpPr>
+          <p:cNvPr id="4" name="Slide Number Placeholder 3"/>
+          <p:cNvSpPr>
+            <a:spLocks noGrp="1"/>
+          </p:cNvSpPr>
+          <p:nvPr>
+            <p:ph type="sldNum" sz="quarter" idx="5"/>
           </p:nvPr>
         </p:nvSpPr>
         <p:spPr/>
@@ -3328,7 +3140,7 @@
           <a:p>
             <a:fld id="{9BF0A773-BC3A-474D-8036-883A816F0F99}" type="slidenum">
               <a:rPr lang="ru-RU" smtClean="0"/>
-              <a:t>32</a:t>
+              <a:t>28</a:t>
             </a:fld>
             <a:endParaRPr lang="ru-RU"/>
           </a:p>
@@ -3337,7 +3149,7 @@
     </p:spTree>
     <p:extLst>
       <p:ext uri="{BB962C8B-B14F-4D97-AF65-F5344CB8AC3E}">
-        <p14:creationId xmlns:p14="http://schemas.microsoft.com/office/powerpoint/2010/main" val="4050503523"/>
+        <p14:creationId xmlns:p14="http://schemas.microsoft.com/office/powerpoint/2010/main" val="32192336"/>
       </p:ext>
     </p:extLst>
   </p:cSld>
@@ -3366,7 +3178,7 @@
       </p:grpSpPr>
       <p:sp>
         <p:nvSpPr>
-          <p:cNvPr id="2" name="Образ слайда 1"/>
+          <p:cNvPr id="2" name="Slide Image Placeholder 1"/>
           <p:cNvSpPr>
             <a:spLocks noGrp="1" noRot="1" noChangeAspect="1"/>
           </p:cNvSpPr>
@@ -3378,7 +3190,7 @@
       </p:sp>
       <p:sp>
         <p:nvSpPr>
-          <p:cNvPr id="3" name="Заметки 2"/>
+          <p:cNvPr id="3" name="Notes Placeholder 2"/>
           <p:cNvSpPr>
             <a:spLocks noGrp="1"/>
           </p:cNvSpPr>
@@ -3391,26 +3203,190 @@
           <a:bodyPr/>
           <a:lstStyle/>
           <a:p>
+            <a:r>
+              <a:rPr lang="ru-RU" dirty="0"/>
+              <a:t>Линия обозначает архитектурную границу. Она отделяет абстракцию от конкретной реализации. Все зависимости в исходном коде пересекают эту границу в сторону абстракции.</a:t>
+            </a:r>
+          </a:p>
+          <a:p>
+            <a:r>
+              <a:rPr lang="ru-RU" dirty="0"/>
+              <a:t>Эта линия делит систему на два компонента абстрактный и конкретный.</a:t>
+            </a:r>
+          </a:p>
+          <a:p>
+            <a:r>
+              <a:rPr lang="ru-RU" dirty="0"/>
+              <a:t>Синие стрелки показывают поток управления. Они пересекают линию в направлении, обратном направлению зависимостей в исходном коде.</a:t>
+            </a:r>
+          </a:p>
+          <a:p>
+            <a:r>
+              <a:rPr lang="ru-RU" dirty="0"/>
+              <a:t>Зависимости следуют в направлении, противоположном направлению потока управления. Отсюда и название принципа: «Принцип инверсии зависимостей».</a:t>
+            </a:r>
+          </a:p>
+          <a:p>
             <a:endParaRPr lang="ru-RU" dirty="0"/>
           </a:p>
         </p:txBody>
       </p:sp>
       <p:sp>
         <p:nvSpPr>
-          <p:cNvPr id="4" name="Номер слайда 3"/>
-          <p:cNvSpPr>
-            <a:spLocks noGrp="1"/>
-          </p:cNvSpPr>
-          <p:nvPr>
-            <p:ph type="sldNum" sz="quarter" idx="10"/>
-          </p:nvPr>
-        </p:nvSpPr>
-        <p:spPr/>
-        <p:txBody>
-          <a:bodyPr/>
-          <a:lstStyle/>
-          <a:p>
-            <a:fld id="{A0B28B7E-B000-4596-AC62-77FFB0327B90}" type="slidenum">
+          <p:cNvPr id="4" name="Slide Number Placeholder 3"/>
+          <p:cNvSpPr>
+            <a:spLocks noGrp="1"/>
+          </p:cNvSpPr>
+          <p:nvPr>
+            <p:ph type="sldNum" sz="quarter" idx="5"/>
+          </p:nvPr>
+        </p:nvSpPr>
+        <p:spPr/>
+        <p:txBody>
+          <a:bodyPr/>
+          <a:lstStyle/>
+          <a:p>
+            <a:fld id="{9BF0A773-BC3A-474D-8036-883A816F0F99}" type="slidenum">
+              <a:rPr lang="ru-RU" smtClean="0"/>
+              <a:t>30</a:t>
+            </a:fld>
+            <a:endParaRPr lang="ru-RU"/>
+          </a:p>
+        </p:txBody>
+      </p:sp>
+    </p:spTree>
+    <p:extLst>
+      <p:ext uri="{BB962C8B-B14F-4D97-AF65-F5344CB8AC3E}">
+        <p14:creationId xmlns:p14="http://schemas.microsoft.com/office/powerpoint/2010/main" val="3504948966"/>
+      </p:ext>
+    </p:extLst>
+  </p:cSld>
+  <p:clrMapOvr>
+    <a:masterClrMapping/>
+  </p:clrMapOvr>
+</p:notes>
+</file>
+
+<file path=ppt/notesSlides/notesSlide28.xml><?xml version="1.0" encoding="utf-8"?>
+<p:notes xmlns:a="http://schemas.openxmlformats.org/drawingml/2006/main" xmlns:r="http://schemas.openxmlformats.org/officeDocument/2006/relationships" xmlns:p="http://schemas.openxmlformats.org/presentationml/2006/main">
+  <p:cSld>
+    <p:spTree>
+      <p:nvGrpSpPr>
+        <p:cNvPr id="1" name=""/>
+        <p:cNvGrpSpPr/>
+        <p:nvPr/>
+      </p:nvGrpSpPr>
+      <p:grpSpPr>
+        <a:xfrm>
+          <a:off x="0" y="0"/>
+          <a:ext cx="0" cy="0"/>
+          <a:chOff x="0" y="0"/>
+          <a:chExt cx="0" cy="0"/>
+        </a:xfrm>
+      </p:grpSpPr>
+      <p:sp>
+        <p:nvSpPr>
+          <p:cNvPr id="2" name="Slide Image Placeholder 1"/>
+          <p:cNvSpPr>
+            <a:spLocks noGrp="1" noRot="1" noChangeAspect="1"/>
+          </p:cNvSpPr>
+          <p:nvPr>
+            <p:ph type="sldImg"/>
+          </p:nvPr>
+        </p:nvSpPr>
+        <p:spPr/>
+      </p:sp>
+      <p:sp>
+        <p:nvSpPr>
+          <p:cNvPr id="3" name="Notes Placeholder 2"/>
+          <p:cNvSpPr>
+            <a:spLocks noGrp="1"/>
+          </p:cNvSpPr>
+          <p:nvPr>
+            <p:ph type="body" idx="1"/>
+          </p:nvPr>
+        </p:nvSpPr>
+        <p:spPr/>
+        <p:txBody>
+          <a:bodyPr/>
+          <a:lstStyle/>
+          <a:p>
+            <a:r>
+              <a:rPr lang="en-US" dirty="0" err="1"/>
+              <a:t>AddUserUseCase</a:t>
+            </a:r>
+            <a:r>
+              <a:rPr lang="en-US" dirty="0"/>
+              <a:t> </a:t>
+            </a:r>
+            <a:r>
+              <a:rPr lang="ru-RU" dirty="0"/>
+              <a:t>должен откуда-то взять </a:t>
+            </a:r>
+            <a:r>
+              <a:rPr lang="ru-RU" dirty="0" err="1"/>
+              <a:t>хэндл</a:t>
+            </a:r>
+            <a:r>
+              <a:rPr lang="ru-RU" dirty="0"/>
+              <a:t> родительского окна </a:t>
+            </a:r>
+            <a:r>
+              <a:rPr lang="ru-RU" dirty="0" err="1"/>
+              <a:t>окна</a:t>
+            </a:r>
+            <a:r>
+              <a:rPr lang="ru-RU" dirty="0"/>
+              <a:t>, чтобы отобразить диалог.</a:t>
+            </a:r>
+          </a:p>
+          <a:p>
+            <a:r>
+              <a:rPr lang="ru-RU" dirty="0"/>
+              <a:t>Как сделать приложение кроссплатформенным</a:t>
+            </a:r>
+            <a:r>
+              <a:rPr lang="en-US" dirty="0"/>
+              <a:t>?</a:t>
+            </a:r>
+          </a:p>
+          <a:p>
+            <a:r>
+              <a:rPr lang="ru-RU" dirty="0"/>
+              <a:t>А если нужно в будущем перейти на другую БД</a:t>
+            </a:r>
+            <a:r>
+              <a:rPr lang="en-US" dirty="0"/>
+              <a:t> </a:t>
+            </a:r>
+            <a:r>
+              <a:rPr lang="ru-RU" dirty="0"/>
+              <a:t>или на другую клиентскую библиотеку</a:t>
+            </a:r>
+            <a:r>
+              <a:rPr lang="en-US" dirty="0"/>
+              <a:t>?</a:t>
+            </a:r>
+            <a:endParaRPr lang="ru-RU" dirty="0"/>
+          </a:p>
+        </p:txBody>
+      </p:sp>
+      <p:sp>
+        <p:nvSpPr>
+          <p:cNvPr id="4" name="Slide Number Placeholder 3"/>
+          <p:cNvSpPr>
+            <a:spLocks noGrp="1"/>
+          </p:cNvSpPr>
+          <p:nvPr>
+            <p:ph type="sldNum" sz="quarter" idx="5"/>
+          </p:nvPr>
+        </p:nvSpPr>
+        <p:spPr/>
+        <p:txBody>
+          <a:bodyPr/>
+          <a:lstStyle/>
+          <a:p>
+            <a:fld id="{9BF0A773-BC3A-474D-8036-883A816F0F99}" type="slidenum">
               <a:rPr lang="ru-RU" smtClean="0"/>
               <a:t>33</a:t>
             </a:fld>
@@ -3421,7 +3397,91 @@
     </p:spTree>
     <p:extLst>
       <p:ext uri="{BB962C8B-B14F-4D97-AF65-F5344CB8AC3E}">
-        <p14:creationId xmlns:p14="http://schemas.microsoft.com/office/powerpoint/2010/main" val="945403398"/>
+        <p14:creationId xmlns:p14="http://schemas.microsoft.com/office/powerpoint/2010/main" val="145507044"/>
+      </p:ext>
+    </p:extLst>
+  </p:cSld>
+  <p:clrMapOvr>
+    <a:masterClrMapping/>
+  </p:clrMapOvr>
+</p:notes>
+</file>
+
+<file path=ppt/notesSlides/notesSlide29.xml><?xml version="1.0" encoding="utf-8"?>
+<p:notes xmlns:a="http://schemas.openxmlformats.org/drawingml/2006/main" xmlns:r="http://schemas.openxmlformats.org/officeDocument/2006/relationships" xmlns:p="http://schemas.openxmlformats.org/presentationml/2006/main">
+  <p:cSld>
+    <p:spTree>
+      <p:nvGrpSpPr>
+        <p:cNvPr id="1" name=""/>
+        <p:cNvGrpSpPr/>
+        <p:nvPr/>
+      </p:nvGrpSpPr>
+      <p:grpSpPr>
+        <a:xfrm>
+          <a:off x="0" y="0"/>
+          <a:ext cx="0" cy="0"/>
+          <a:chOff x="0" y="0"/>
+          <a:chExt cx="0" cy="0"/>
+        </a:xfrm>
+      </p:grpSpPr>
+      <p:sp>
+        <p:nvSpPr>
+          <p:cNvPr id="2" name="Slide Image Placeholder 1"/>
+          <p:cNvSpPr>
+            <a:spLocks noGrp="1" noRot="1" noChangeAspect="1"/>
+          </p:cNvSpPr>
+          <p:nvPr>
+            <p:ph type="sldImg"/>
+          </p:nvPr>
+        </p:nvSpPr>
+        <p:spPr/>
+      </p:sp>
+      <p:sp>
+        <p:nvSpPr>
+          <p:cNvPr id="3" name="Notes Placeholder 2"/>
+          <p:cNvSpPr>
+            <a:spLocks noGrp="1"/>
+          </p:cNvSpPr>
+          <p:nvPr>
+            <p:ph type="body" idx="1"/>
+          </p:nvPr>
+        </p:nvSpPr>
+        <p:spPr/>
+        <p:txBody>
+          <a:bodyPr/>
+          <a:lstStyle/>
+          <a:p>
+            <a:endParaRPr lang="ru-RU" dirty="0"/>
+          </a:p>
+        </p:txBody>
+      </p:sp>
+      <p:sp>
+        <p:nvSpPr>
+          <p:cNvPr id="4" name="Slide Number Placeholder 3"/>
+          <p:cNvSpPr>
+            <a:spLocks noGrp="1"/>
+          </p:cNvSpPr>
+          <p:nvPr>
+            <p:ph type="sldNum" sz="quarter" idx="5"/>
+          </p:nvPr>
+        </p:nvSpPr>
+        <p:spPr/>
+        <p:txBody>
+          <a:bodyPr/>
+          <a:lstStyle/>
+          <a:p>
+            <a:fld id="{9BF0A773-BC3A-474D-8036-883A816F0F99}" type="slidenum">
+              <a:rPr lang="ru-RU" smtClean="0"/>
+              <a:t>35</a:t>
+            </a:fld>
+            <a:endParaRPr lang="ru-RU"/>
+          </a:p>
+        </p:txBody>
+      </p:sp>
+    </p:spTree>
+    <p:extLst>
+      <p:ext uri="{BB962C8B-B14F-4D97-AF65-F5344CB8AC3E}">
+        <p14:creationId xmlns:p14="http://schemas.microsoft.com/office/powerpoint/2010/main" val="4012335087"/>
       </p:ext>
     </p:extLst>
   </p:cSld>
@@ -3506,6 +3566,523 @@
     <p:extLst>
       <p:ext uri="{BB962C8B-B14F-4D97-AF65-F5344CB8AC3E}">
         <p14:creationId xmlns:p14="http://schemas.microsoft.com/office/powerpoint/2010/main" val="3443198754"/>
+      </p:ext>
+    </p:extLst>
+  </p:cSld>
+  <p:clrMapOvr>
+    <a:masterClrMapping/>
+  </p:clrMapOvr>
+</p:notes>
+</file>
+
+<file path=ppt/notesSlides/notesSlide30.xml><?xml version="1.0" encoding="utf-8"?>
+<p:notes xmlns:a="http://schemas.openxmlformats.org/drawingml/2006/main" xmlns:r="http://schemas.openxmlformats.org/officeDocument/2006/relationships" xmlns:p="http://schemas.openxmlformats.org/presentationml/2006/main">
+  <p:cSld>
+    <p:spTree>
+      <p:nvGrpSpPr>
+        <p:cNvPr id="1" name=""/>
+        <p:cNvGrpSpPr/>
+        <p:nvPr/>
+      </p:nvGrpSpPr>
+      <p:grpSpPr>
+        <a:xfrm>
+          <a:off x="0" y="0"/>
+          <a:ext cx="0" cy="0"/>
+          <a:chOff x="0" y="0"/>
+          <a:chExt cx="0" cy="0"/>
+        </a:xfrm>
+      </p:grpSpPr>
+      <p:sp>
+        <p:nvSpPr>
+          <p:cNvPr id="2" name="Образ слайда 1"/>
+          <p:cNvSpPr>
+            <a:spLocks noGrp="1" noRot="1" noChangeAspect="1"/>
+          </p:cNvSpPr>
+          <p:nvPr>
+            <p:ph type="sldImg"/>
+          </p:nvPr>
+        </p:nvSpPr>
+        <p:spPr/>
+      </p:sp>
+      <p:sp>
+        <p:nvSpPr>
+          <p:cNvPr id="3" name="Заметки 2"/>
+          <p:cNvSpPr>
+            <a:spLocks noGrp="1"/>
+          </p:cNvSpPr>
+          <p:nvPr>
+            <p:ph type="body" idx="1"/>
+          </p:nvPr>
+        </p:nvSpPr>
+        <p:spPr/>
+        <p:txBody>
+          <a:bodyPr/>
+          <a:lstStyle/>
+          <a:p>
+            <a:endParaRPr lang="ru-RU" dirty="0"/>
+          </a:p>
+        </p:txBody>
+      </p:sp>
+      <p:sp>
+        <p:nvSpPr>
+          <p:cNvPr id="4" name="Номер слайда 3"/>
+          <p:cNvSpPr>
+            <a:spLocks noGrp="1"/>
+          </p:cNvSpPr>
+          <p:nvPr>
+            <p:ph type="sldNum" sz="quarter" idx="10"/>
+          </p:nvPr>
+        </p:nvSpPr>
+        <p:spPr/>
+        <p:txBody>
+          <a:bodyPr/>
+          <a:lstStyle/>
+          <a:p>
+            <a:fld id="{9BF0A773-BC3A-474D-8036-883A816F0F99}" type="slidenum">
+              <a:rPr lang="ru-RU" smtClean="0"/>
+              <a:t>38</a:t>
+            </a:fld>
+            <a:endParaRPr lang="ru-RU"/>
+          </a:p>
+        </p:txBody>
+      </p:sp>
+    </p:spTree>
+    <p:extLst>
+      <p:ext uri="{BB962C8B-B14F-4D97-AF65-F5344CB8AC3E}">
+        <p14:creationId xmlns:p14="http://schemas.microsoft.com/office/powerpoint/2010/main" val="3337997025"/>
+      </p:ext>
+    </p:extLst>
+  </p:cSld>
+  <p:clrMapOvr>
+    <a:masterClrMapping/>
+  </p:clrMapOvr>
+</p:notes>
+</file>
+
+<file path=ppt/notesSlides/notesSlide31.xml><?xml version="1.0" encoding="utf-8"?>
+<p:notes xmlns:a="http://schemas.openxmlformats.org/drawingml/2006/main" xmlns:r="http://schemas.openxmlformats.org/officeDocument/2006/relationships" xmlns:p="http://schemas.openxmlformats.org/presentationml/2006/main">
+  <p:cSld>
+    <p:spTree>
+      <p:nvGrpSpPr>
+        <p:cNvPr id="1" name=""/>
+        <p:cNvGrpSpPr/>
+        <p:nvPr/>
+      </p:nvGrpSpPr>
+      <p:grpSpPr>
+        <a:xfrm>
+          <a:off x="0" y="0"/>
+          <a:ext cx="0" cy="0"/>
+          <a:chOff x="0" y="0"/>
+          <a:chExt cx="0" cy="0"/>
+        </a:xfrm>
+      </p:grpSpPr>
+      <p:sp>
+        <p:nvSpPr>
+          <p:cNvPr id="2" name="Образ слайда 1"/>
+          <p:cNvSpPr>
+            <a:spLocks noGrp="1" noRot="1" noChangeAspect="1"/>
+          </p:cNvSpPr>
+          <p:nvPr>
+            <p:ph type="sldImg"/>
+          </p:nvPr>
+        </p:nvSpPr>
+        <p:spPr/>
+      </p:sp>
+      <p:sp>
+        <p:nvSpPr>
+          <p:cNvPr id="3" name="Заметки 2"/>
+          <p:cNvSpPr>
+            <a:spLocks noGrp="1"/>
+          </p:cNvSpPr>
+          <p:nvPr>
+            <p:ph type="body" idx="1"/>
+          </p:nvPr>
+        </p:nvSpPr>
+        <p:spPr/>
+        <p:txBody>
+          <a:bodyPr/>
+          <a:lstStyle/>
+          <a:p>
+            <a:pPr marL="0" indent="0">
+              <a:buFont typeface="Arial" panose="020B0604020202020204" pitchFamily="34" charset="0"/>
+              <a:buNone/>
+            </a:pPr>
+            <a:r>
+              <a:rPr lang="ru-RU" dirty="0"/>
+              <a:t>Зачем</a:t>
+            </a:r>
+            <a:r>
+              <a:rPr lang="ru-RU" baseline="0" dirty="0"/>
+              <a:t> нужно использовать принципы </a:t>
+            </a:r>
+            <a:r>
+              <a:rPr lang="en-US" baseline="0" dirty="0"/>
+              <a:t>SOLID, </a:t>
+            </a:r>
+            <a:r>
+              <a:rPr lang="ru-RU" baseline="0" dirty="0"/>
+              <a:t>как вы думаете?</a:t>
+            </a:r>
+            <a:endParaRPr lang="ru-RU" dirty="0"/>
+          </a:p>
+          <a:p>
+            <a:pPr marL="0" indent="0">
+              <a:buFont typeface="Arial" panose="020B0604020202020204" pitchFamily="34" charset="0"/>
+              <a:buNone/>
+            </a:pPr>
+            <a:endParaRPr lang="ru-RU" dirty="0"/>
+          </a:p>
+          <a:p>
+            <a:pPr marL="0" indent="0">
+              <a:buFont typeface="Arial" panose="020B0604020202020204" pitchFamily="34" charset="0"/>
+              <a:buNone/>
+            </a:pPr>
+            <a:r>
+              <a:rPr lang="ru-RU" dirty="0"/>
+              <a:t>//</a:t>
+            </a:r>
+            <a:r>
+              <a:rPr lang="ru-RU" baseline="0" dirty="0"/>
+              <a:t> можно не читать пункты</a:t>
+            </a:r>
+            <a:endParaRPr lang="ru-RU" dirty="0"/>
+          </a:p>
+          <a:p>
+            <a:pPr marL="171450" indent="-171450">
+              <a:buFont typeface="Arial" panose="020B0604020202020204" pitchFamily="34" charset="0"/>
+              <a:buChar char="•"/>
+            </a:pPr>
+            <a:r>
+              <a:rPr lang="ru-RU" dirty="0"/>
+              <a:t>… за счет уменьшения связности</a:t>
+            </a:r>
+          </a:p>
+          <a:p>
+            <a:pPr marL="171450" marR="0" indent="-171450" algn="l" defTabSz="914400" rtl="0" eaLnBrk="1" fontAlgn="auto" latinLnBrk="0" hangingPunct="1">
+              <a:lnSpc>
+                <a:spcPct val="100000"/>
+              </a:lnSpc>
+              <a:spcBef>
+                <a:spcPts val="0"/>
+              </a:spcBef>
+              <a:spcAft>
+                <a:spcPts val="0"/>
+              </a:spcAft>
+              <a:buClrTx/>
+              <a:buSzTx/>
+              <a:buFont typeface="Arial" panose="020B0604020202020204" pitchFamily="34" charset="0"/>
+              <a:buChar char="•"/>
+              <a:tabLst/>
+              <a:defRPr/>
+            </a:pPr>
+            <a:r>
+              <a:rPr lang="ru-RU" dirty="0"/>
+              <a:t>… за счет </a:t>
+            </a:r>
+            <a:r>
+              <a:rPr lang="en-US" dirty="0"/>
+              <a:t>SRP, DIP, ISP</a:t>
+            </a:r>
+            <a:endParaRPr lang="ru-RU" dirty="0"/>
+          </a:p>
+          <a:p>
+            <a:pPr marL="171450" indent="-171450">
+              <a:buFont typeface="Arial" panose="020B0604020202020204" pitchFamily="34" charset="0"/>
+              <a:buChar char="•"/>
+            </a:pPr>
+            <a:r>
+              <a:rPr lang="ru-RU" dirty="0"/>
+              <a:t>… за счет уменьшения связности</a:t>
+            </a:r>
+          </a:p>
+          <a:p>
+            <a:pPr marL="171450" marR="0" indent="-171450" algn="l" defTabSz="914400" rtl="0" eaLnBrk="1" fontAlgn="auto" latinLnBrk="0" hangingPunct="1">
+              <a:lnSpc>
+                <a:spcPct val="100000"/>
+              </a:lnSpc>
+              <a:spcBef>
+                <a:spcPts val="0"/>
+              </a:spcBef>
+              <a:spcAft>
+                <a:spcPts val="0"/>
+              </a:spcAft>
+              <a:buClrTx/>
+              <a:buSzTx/>
+              <a:buFont typeface="Arial" panose="020B0604020202020204" pitchFamily="34" charset="0"/>
+              <a:buChar char="•"/>
+              <a:tabLst/>
+              <a:defRPr/>
+            </a:pPr>
+            <a:r>
+              <a:rPr lang="ru-RU" dirty="0"/>
+              <a:t>…</a:t>
+            </a:r>
+            <a:r>
+              <a:rPr lang="en-US" baseline="0" dirty="0"/>
+              <a:t> </a:t>
+            </a:r>
+            <a:r>
+              <a:rPr lang="ru-RU" dirty="0"/>
+              <a:t>за счет уменьшения связности</a:t>
+            </a:r>
+          </a:p>
+          <a:p>
+            <a:pPr marL="171450" indent="-171450">
+              <a:buFont typeface="Arial" panose="020B0604020202020204" pitchFamily="34" charset="0"/>
+              <a:buChar char="•"/>
+            </a:pPr>
+            <a:r>
+              <a:rPr lang="ru-RU" dirty="0"/>
+              <a:t>… а именно - избавляет от скрытых ошибок</a:t>
+            </a:r>
+            <a:r>
+              <a:rPr lang="en-US" dirty="0"/>
+              <a:t> </a:t>
+            </a:r>
+            <a:r>
+              <a:rPr lang="ru-RU" dirty="0"/>
+              <a:t>за счет уменьшения связности</a:t>
+            </a:r>
+          </a:p>
+          <a:p>
+            <a:pPr marL="171450" indent="-171450">
+              <a:buFont typeface="Arial" panose="020B0604020202020204" pitchFamily="34" charset="0"/>
+              <a:buChar char="•"/>
+            </a:pPr>
+            <a:endParaRPr lang="ru-RU" dirty="0"/>
+          </a:p>
+          <a:p>
+            <a:pPr marL="0" indent="0">
+              <a:buFont typeface="Arial" panose="020B0604020202020204" pitchFamily="34" charset="0"/>
+              <a:buNone/>
+            </a:pPr>
+            <a:r>
+              <a:rPr lang="ru-RU" dirty="0"/>
+              <a:t>Стоит добавить, что некоторые принципы</a:t>
+            </a:r>
+            <a:r>
+              <a:rPr lang="ru-RU" baseline="0" dirty="0"/>
+              <a:t> имеют свои недостатки, и имеют смысл не для каждого проекта.</a:t>
+            </a:r>
+            <a:endParaRPr lang="ru-RU" dirty="0"/>
+          </a:p>
+        </p:txBody>
+      </p:sp>
+      <p:sp>
+        <p:nvSpPr>
+          <p:cNvPr id="4" name="Номер слайда 3"/>
+          <p:cNvSpPr>
+            <a:spLocks noGrp="1"/>
+          </p:cNvSpPr>
+          <p:nvPr>
+            <p:ph type="sldNum" sz="quarter" idx="10"/>
+          </p:nvPr>
+        </p:nvSpPr>
+        <p:spPr/>
+        <p:txBody>
+          <a:bodyPr/>
+          <a:lstStyle/>
+          <a:p>
+            <a:fld id="{9BF0A773-BC3A-474D-8036-883A816F0F99}" type="slidenum">
+              <a:rPr lang="ru-RU" smtClean="0"/>
+              <a:t>39</a:t>
+            </a:fld>
+            <a:endParaRPr lang="ru-RU"/>
+          </a:p>
+        </p:txBody>
+      </p:sp>
+    </p:spTree>
+    <p:extLst>
+      <p:ext uri="{BB962C8B-B14F-4D97-AF65-F5344CB8AC3E}">
+        <p14:creationId xmlns:p14="http://schemas.microsoft.com/office/powerpoint/2010/main" val="124215627"/>
+      </p:ext>
+    </p:extLst>
+  </p:cSld>
+  <p:clrMapOvr>
+    <a:masterClrMapping/>
+  </p:clrMapOvr>
+</p:notes>
+</file>
+
+<file path=ppt/notesSlides/notesSlide32.xml><?xml version="1.0" encoding="utf-8"?>
+<p:notes xmlns:a="http://schemas.openxmlformats.org/drawingml/2006/main" xmlns:r="http://schemas.openxmlformats.org/officeDocument/2006/relationships" xmlns:p="http://schemas.openxmlformats.org/presentationml/2006/main">
+  <p:cSld>
+    <p:spTree>
+      <p:nvGrpSpPr>
+        <p:cNvPr id="1" name=""/>
+        <p:cNvGrpSpPr/>
+        <p:nvPr/>
+      </p:nvGrpSpPr>
+      <p:grpSpPr>
+        <a:xfrm>
+          <a:off x="0" y="0"/>
+          <a:ext cx="0" cy="0"/>
+          <a:chOff x="0" y="0"/>
+          <a:chExt cx="0" cy="0"/>
+        </a:xfrm>
+      </p:grpSpPr>
+      <p:sp>
+        <p:nvSpPr>
+          <p:cNvPr id="2" name="Образ слайда 1"/>
+          <p:cNvSpPr>
+            <a:spLocks noGrp="1" noRot="1" noChangeAspect="1"/>
+          </p:cNvSpPr>
+          <p:nvPr>
+            <p:ph type="sldImg"/>
+          </p:nvPr>
+        </p:nvSpPr>
+        <p:spPr/>
+      </p:sp>
+      <p:sp>
+        <p:nvSpPr>
+          <p:cNvPr id="3" name="Заметки 2"/>
+          <p:cNvSpPr>
+            <a:spLocks noGrp="1"/>
+          </p:cNvSpPr>
+          <p:nvPr>
+            <p:ph type="body" idx="1"/>
+          </p:nvPr>
+        </p:nvSpPr>
+        <p:spPr/>
+        <p:txBody>
+          <a:bodyPr/>
+          <a:lstStyle/>
+          <a:p>
+            <a:pPr marL="0" marR="0" indent="0" algn="l" defTabSz="914400" rtl="0" eaLnBrk="1" fontAlgn="auto" latinLnBrk="0" hangingPunct="1">
+              <a:lnSpc>
+                <a:spcPct val="100000"/>
+              </a:lnSpc>
+              <a:spcBef>
+                <a:spcPts val="0"/>
+              </a:spcBef>
+              <a:spcAft>
+                <a:spcPts val="0"/>
+              </a:spcAft>
+              <a:buClrTx/>
+              <a:buSzTx/>
+              <a:buFontTx/>
+              <a:buNone/>
+              <a:tabLst/>
+              <a:defRPr/>
+            </a:pPr>
+            <a:r>
+              <a:rPr lang="ru-RU" baseline="0" dirty="0"/>
+              <a:t>В ходе подготовки обсуждения были использованы следующие материалы</a:t>
+            </a:r>
+          </a:p>
+        </p:txBody>
+      </p:sp>
+      <p:sp>
+        <p:nvSpPr>
+          <p:cNvPr id="4" name="Номер слайда 3"/>
+          <p:cNvSpPr>
+            <a:spLocks noGrp="1"/>
+          </p:cNvSpPr>
+          <p:nvPr>
+            <p:ph type="sldNum" sz="quarter" idx="10"/>
+          </p:nvPr>
+        </p:nvSpPr>
+        <p:spPr/>
+        <p:txBody>
+          <a:bodyPr/>
+          <a:lstStyle/>
+          <a:p>
+            <a:fld id="{9BF0A773-BC3A-474D-8036-883A816F0F99}" type="slidenum">
+              <a:rPr lang="ru-RU" smtClean="0"/>
+              <a:t>40</a:t>
+            </a:fld>
+            <a:endParaRPr lang="ru-RU"/>
+          </a:p>
+        </p:txBody>
+      </p:sp>
+    </p:spTree>
+    <p:extLst>
+      <p:ext uri="{BB962C8B-B14F-4D97-AF65-F5344CB8AC3E}">
+        <p14:creationId xmlns:p14="http://schemas.microsoft.com/office/powerpoint/2010/main" val="4050503523"/>
+      </p:ext>
+    </p:extLst>
+  </p:cSld>
+  <p:clrMapOvr>
+    <a:masterClrMapping/>
+  </p:clrMapOvr>
+</p:notes>
+</file>
+
+<file path=ppt/notesSlides/notesSlide33.xml><?xml version="1.0" encoding="utf-8"?>
+<p:notes xmlns:a="http://schemas.openxmlformats.org/drawingml/2006/main" xmlns:r="http://schemas.openxmlformats.org/officeDocument/2006/relationships" xmlns:p="http://schemas.openxmlformats.org/presentationml/2006/main">
+  <p:cSld>
+    <p:spTree>
+      <p:nvGrpSpPr>
+        <p:cNvPr id="1" name=""/>
+        <p:cNvGrpSpPr/>
+        <p:nvPr/>
+      </p:nvGrpSpPr>
+      <p:grpSpPr>
+        <a:xfrm>
+          <a:off x="0" y="0"/>
+          <a:ext cx="0" cy="0"/>
+          <a:chOff x="0" y="0"/>
+          <a:chExt cx="0" cy="0"/>
+        </a:xfrm>
+      </p:grpSpPr>
+      <p:sp>
+        <p:nvSpPr>
+          <p:cNvPr id="2" name="Образ слайда 1"/>
+          <p:cNvSpPr>
+            <a:spLocks noGrp="1" noRot="1" noChangeAspect="1"/>
+          </p:cNvSpPr>
+          <p:nvPr>
+            <p:ph type="sldImg"/>
+          </p:nvPr>
+        </p:nvSpPr>
+        <p:spPr/>
+      </p:sp>
+      <p:sp>
+        <p:nvSpPr>
+          <p:cNvPr id="3" name="Заметки 2"/>
+          <p:cNvSpPr>
+            <a:spLocks noGrp="1"/>
+          </p:cNvSpPr>
+          <p:nvPr>
+            <p:ph type="body" idx="1"/>
+          </p:nvPr>
+        </p:nvSpPr>
+        <p:spPr/>
+        <p:txBody>
+          <a:bodyPr/>
+          <a:lstStyle/>
+          <a:p>
+            <a:endParaRPr lang="ru-RU" dirty="0"/>
+          </a:p>
+        </p:txBody>
+      </p:sp>
+      <p:sp>
+        <p:nvSpPr>
+          <p:cNvPr id="4" name="Номер слайда 3"/>
+          <p:cNvSpPr>
+            <a:spLocks noGrp="1"/>
+          </p:cNvSpPr>
+          <p:nvPr>
+            <p:ph type="sldNum" sz="quarter" idx="10"/>
+          </p:nvPr>
+        </p:nvSpPr>
+        <p:spPr/>
+        <p:txBody>
+          <a:bodyPr/>
+          <a:lstStyle/>
+          <a:p>
+            <a:fld id="{A0B28B7E-B000-4596-AC62-77FFB0327B90}" type="slidenum">
+              <a:rPr lang="ru-RU" smtClean="0"/>
+              <a:t>41</a:t>
+            </a:fld>
+            <a:endParaRPr lang="ru-RU"/>
+          </a:p>
+        </p:txBody>
+      </p:sp>
+    </p:spTree>
+    <p:extLst>
+      <p:ext uri="{BB962C8B-B14F-4D97-AF65-F5344CB8AC3E}">
+        <p14:creationId xmlns:p14="http://schemas.microsoft.com/office/powerpoint/2010/main" val="945403398"/>
       </p:ext>
     </p:extLst>
   </p:cSld>
@@ -4713,7 +5290,7 @@
           <a:p>
             <a:fld id="{955B8494-3BC4-476A-8180-C7D531D1BDE9}" type="datetime1">
               <a:rPr lang="ru-RU" smtClean="0"/>
-              <a:t>21.12.2022</a:t>
+              <a:t>15.12.2023</a:t>
             </a:fld>
             <a:endParaRPr lang="ru-RU"/>
           </a:p>
@@ -4881,7 +5458,7 @@
           <a:p>
             <a:fld id="{896BD083-5DC9-4DDD-99DA-87E972459BE3}" type="datetime1">
               <a:rPr lang="ru-RU" smtClean="0"/>
-              <a:t>21.12.2022</a:t>
+              <a:t>15.12.2023</a:t>
             </a:fld>
             <a:endParaRPr lang="ru-RU"/>
           </a:p>
@@ -5059,7 +5636,7 @@
           <a:p>
             <a:fld id="{B6EA1591-1064-4C12-A3F3-9E222C1602E4}" type="datetime1">
               <a:rPr lang="ru-RU" smtClean="0"/>
-              <a:t>21.12.2022</a:t>
+              <a:t>15.12.2023</a:t>
             </a:fld>
             <a:endParaRPr lang="ru-RU"/>
           </a:p>
@@ -5227,7 +5804,7 @@
           <a:p>
             <a:fld id="{3EADD36C-E1EE-433A-85C1-8AB557831B59}" type="datetime1">
               <a:rPr lang="ru-RU" smtClean="0"/>
-              <a:t>21.12.2022</a:t>
+              <a:t>15.12.2023</a:t>
             </a:fld>
             <a:endParaRPr lang="ru-RU"/>
           </a:p>
@@ -5472,7 +6049,7 @@
           <a:p>
             <a:fld id="{F1E52A6F-751B-4577-A656-6A26D16D5D73}" type="datetime1">
               <a:rPr lang="ru-RU" smtClean="0"/>
-              <a:t>21.12.2022</a:t>
+              <a:t>15.12.2023</a:t>
             </a:fld>
             <a:endParaRPr lang="ru-RU"/>
           </a:p>
@@ -5701,7 +6278,7 @@
           <a:p>
             <a:fld id="{89C84D38-0A16-4A00-84F3-995FB60A1A24}" type="datetime1">
               <a:rPr lang="ru-RU" smtClean="0"/>
-              <a:t>21.12.2022</a:t>
+              <a:t>15.12.2023</a:t>
             </a:fld>
             <a:endParaRPr lang="ru-RU"/>
           </a:p>
@@ -6065,7 +6642,7 @@
           <a:p>
             <a:fld id="{B111A698-E52A-4D93-9D0B-B26B973770CA}" type="datetime1">
               <a:rPr lang="ru-RU" smtClean="0"/>
-              <a:t>21.12.2022</a:t>
+              <a:t>15.12.2023</a:t>
             </a:fld>
             <a:endParaRPr lang="ru-RU"/>
           </a:p>
@@ -6187,7 +6764,7 @@
           <a:p>
             <a:fld id="{C0BCB9B2-13AF-492A-A8D5-A78E42E45C90}" type="datetime1">
               <a:rPr lang="ru-RU" smtClean="0"/>
-              <a:t>21.12.2022</a:t>
+              <a:t>15.12.2023</a:t>
             </a:fld>
             <a:endParaRPr lang="ru-RU"/>
           </a:p>
@@ -6282,7 +6859,7 @@
           <a:p>
             <a:fld id="{368E88DF-F7A1-4621-9321-DD92F290BCA2}" type="datetime1">
               <a:rPr lang="ru-RU" smtClean="0"/>
-              <a:t>21.12.2022</a:t>
+              <a:t>15.12.2023</a:t>
             </a:fld>
             <a:endParaRPr lang="ru-RU"/>
           </a:p>
@@ -6557,7 +7134,7 @@
           <a:p>
             <a:fld id="{B178670F-7223-45BA-8607-F009D6E07C98}" type="datetime1">
               <a:rPr lang="ru-RU" smtClean="0"/>
-              <a:t>21.12.2022</a:t>
+              <a:t>15.12.2023</a:t>
             </a:fld>
             <a:endParaRPr lang="ru-RU"/>
           </a:p>
@@ -6809,7 +7386,7 @@
           <a:p>
             <a:fld id="{0E94A463-41EE-4B69-9D4D-FCEF376903A8}" type="datetime1">
               <a:rPr lang="ru-RU" smtClean="0"/>
-              <a:t>21.12.2022</a:t>
+              <a:t>15.12.2023</a:t>
             </a:fld>
             <a:endParaRPr lang="ru-RU"/>
           </a:p>
@@ -7020,7 +7597,7 @@
           <a:p>
             <a:fld id="{A898E17F-A256-4882-B4AC-587C535C0026}" type="datetime1">
               <a:rPr lang="ru-RU" smtClean="0"/>
-              <a:t>21.12.2022</a:t>
+              <a:t>15.12.2023</a:t>
             </a:fld>
             <a:endParaRPr lang="ru-RU"/>
           </a:p>
@@ -11496,7 +12073,7 @@
           <p:nvPr/>
         </p:nvPicPr>
         <p:blipFill>
-          <a:blip r:embed="rId2">
+          <a:blip r:embed="rId3">
             <a:extLst>
               <a:ext uri="{28A0092B-C50C-407E-A947-70E740481C1C}">
                 <a14:useLocalDpi xmlns:a14="http://schemas.microsoft.com/office/drawing/2010/main" val="0"/>
@@ -11654,19 +12231,23 @@
       </p:grpSpPr>
       <p:sp>
         <p:nvSpPr>
-          <p:cNvPr id="2" name="Заголовок 1"/>
-          <p:cNvSpPr>
-            <a:spLocks noGrp="1"/>
-          </p:cNvSpPr>
-          <p:nvPr>
-            <p:ph type="title"/>
-          </p:nvPr>
-        </p:nvSpPr>
-        <p:spPr/>
-        <p:txBody>
-          <a:bodyPr/>
-          <a:lstStyle/>
-          <a:p>
+          <p:cNvPr id="4" name="Номер слайда 3"/>
+          <p:cNvSpPr>
+            <a:spLocks noGrp="1"/>
+          </p:cNvSpPr>
+          <p:nvPr>
+            <p:ph type="sldNum" sz="quarter" idx="12"/>
+          </p:nvPr>
+        </p:nvSpPr>
+        <p:spPr/>
+        <p:txBody>
+          <a:bodyPr/>
+          <a:lstStyle/>
+          <a:p>
+            <a:fld id="{CF8E6F4D-2E97-47CB-8591-066566E4FE4D}" type="slidenum">
+              <a:rPr lang="ru-RU" smtClean="0"/>
+              <a:t>23</a:t>
+            </a:fld>
             <a:endParaRPr lang="ru-RU"/>
           </a:p>
         </p:txBody>
@@ -11678,10 +12259,15 @@
             <a:spLocks noGrp="1"/>
           </p:cNvSpPr>
           <p:nvPr>
-            <p:ph idx="1"/>
-          </p:nvPr>
-        </p:nvSpPr>
-        <p:spPr/>
+            <p:ph idx="4294967295"/>
+          </p:nvPr>
+        </p:nvSpPr>
+        <p:spPr>
+          <a:xfrm>
+            <a:off x="392685" y="136525"/>
+            <a:ext cx="9825593" cy="2634724"/>
+          </a:xfrm>
+        </p:spPr>
         <p:txBody>
           <a:bodyPr/>
           <a:lstStyle/>
@@ -11845,29 +12431,52 @@
           </a:p>
         </p:txBody>
       </p:sp>
-      <p:sp>
-        <p:nvSpPr>
-          <p:cNvPr id="4" name="Номер слайда 3"/>
-          <p:cNvSpPr>
-            <a:spLocks noGrp="1"/>
-          </p:cNvSpPr>
-          <p:nvPr>
-            <p:ph type="sldNum" sz="quarter" idx="12"/>
-          </p:nvPr>
-        </p:nvSpPr>
-        <p:spPr/>
-        <p:txBody>
-          <a:bodyPr/>
-          <a:lstStyle/>
-          <a:p>
-            <a:fld id="{CF8E6F4D-2E97-47CB-8591-066566E4FE4D}" type="slidenum">
-              <a:rPr lang="ru-RU" smtClean="0"/>
-              <a:t>23</a:t>
-            </a:fld>
-            <a:endParaRPr lang="ru-RU"/>
-          </a:p>
-        </p:txBody>
-      </p:sp>
+      <p:pic>
+        <p:nvPicPr>
+          <p:cNvPr id="1026" name="Picture 2">
+            <a:extLst>
+              <a:ext uri="{FF2B5EF4-FFF2-40B4-BE49-F238E27FC236}">
+                <a16:creationId xmlns:a16="http://schemas.microsoft.com/office/drawing/2014/main" id="{38C250BA-CCAA-4F6D-8789-5015BAB668D0}"/>
+              </a:ext>
+            </a:extLst>
+          </p:cNvPr>
+          <p:cNvPicPr>
+            <a:picLocks noChangeAspect="1" noChangeArrowheads="1"/>
+          </p:cNvPicPr>
+          <p:nvPr/>
+        </p:nvPicPr>
+        <p:blipFill>
+          <a:blip r:embed="rId3" cstate="print">
+            <a:extLst>
+              <a:ext uri="{28A0092B-C50C-407E-A947-70E740481C1C}">
+                <a14:useLocalDpi xmlns:a14="http://schemas.microsoft.com/office/drawing/2010/main" val="0"/>
+              </a:ext>
+            </a:extLst>
+          </a:blip>
+          <a:stretch>
+            <a:fillRect/>
+          </a:stretch>
+        </p:blipFill>
+        <p:spPr bwMode="auto">
+          <a:xfrm>
+            <a:off x="1600409" y="2698322"/>
+            <a:ext cx="8258990" cy="3960530"/>
+          </a:xfrm>
+          <a:prstGeom prst="rect">
+            <a:avLst/>
+          </a:prstGeom>
+          <a:noFill/>
+          <a:extLst>
+            <a:ext uri="{909E8E84-426E-40DD-AFC4-6F175D3DCCD1}">
+              <a14:hiddenFill xmlns:a14="http://schemas.microsoft.com/office/drawing/2010/main">
+                <a:solidFill>
+                  <a:srgbClr val="FFFFFF"/>
+                </a:solidFill>
+              </a14:hiddenFill>
+            </a:ext>
+          </a:extLst>
+        </p:spPr>
+      </p:pic>
     </p:spTree>
     <p:extLst>
       <p:ext uri="{BB962C8B-B14F-4D97-AF65-F5344CB8AC3E}">
@@ -11878,6 +12487,89 @@
   <p:clrMapOvr>
     <a:masterClrMapping/>
   </p:clrMapOvr>
+  <p:timing>
+    <p:tnLst>
+      <p:par>
+        <p:cTn id="1" dur="indefinite" restart="never" nodeType="tmRoot">
+          <p:childTnLst>
+            <p:seq concurrent="1" nextAc="seek">
+              <p:cTn id="2" dur="indefinite" nodeType="mainSeq">
+                <p:childTnLst>
+                  <p:par>
+                    <p:cTn id="3" fill="hold">
+                      <p:stCondLst>
+                        <p:cond delay="indefinite"/>
+                      </p:stCondLst>
+                      <p:childTnLst>
+                        <p:par>
+                          <p:cTn id="4" fill="hold">
+                            <p:stCondLst>
+                              <p:cond delay="0"/>
+                            </p:stCondLst>
+                            <p:childTnLst>
+                              <p:par>
+                                <p:cTn id="5" presetID="10" presetClass="entr" presetSubtype="0" fill="hold" nodeType="clickEffect">
+                                  <p:stCondLst>
+                                    <p:cond delay="0"/>
+                                  </p:stCondLst>
+                                  <p:childTnLst>
+                                    <p:set>
+                                      <p:cBhvr>
+                                        <p:cTn id="6" dur="1" fill="hold">
+                                          <p:stCondLst>
+                                            <p:cond delay="0"/>
+                                          </p:stCondLst>
+                                        </p:cTn>
+                                        <p:tgtEl>
+                                          <p:spTgt spid="1026"/>
+                                        </p:tgtEl>
+                                        <p:attrNameLst>
+                                          <p:attrName>style.visibility</p:attrName>
+                                        </p:attrNameLst>
+                                      </p:cBhvr>
+                                      <p:to>
+                                        <p:strVal val="visible"/>
+                                      </p:to>
+                                    </p:set>
+                                    <p:animEffect transition="in" filter="fade">
+                                      <p:cBhvr>
+                                        <p:cTn id="7" dur="500"/>
+                                        <p:tgtEl>
+                                          <p:spTgt spid="1026"/>
+                                        </p:tgtEl>
+                                      </p:cBhvr>
+                                    </p:animEffect>
+                                  </p:childTnLst>
+                                </p:cTn>
+                              </p:par>
+                            </p:childTnLst>
+                          </p:cTn>
+                        </p:par>
+                      </p:childTnLst>
+                    </p:cTn>
+                  </p:par>
+                </p:childTnLst>
+              </p:cTn>
+              <p:prevCondLst>
+                <p:cond evt="onPrev" delay="0">
+                  <p:tgtEl>
+                    <p:sldTgt/>
+                  </p:tgtEl>
+                </p:cond>
+              </p:prevCondLst>
+              <p:nextCondLst>
+                <p:cond evt="onNext" delay="0">
+                  <p:tgtEl>
+                    <p:sldTgt/>
+                  </p:tgtEl>
+                </p:cond>
+              </p:nextCondLst>
+            </p:seq>
+          </p:childTnLst>
+        </p:cTn>
+      </p:par>
+    </p:tnLst>
+  </p:timing>
 </p:sld>
 </file>
 
@@ -11900,19 +12592,23 @@
       </p:grpSpPr>
       <p:sp>
         <p:nvSpPr>
-          <p:cNvPr id="2" name="Заголовок 1"/>
-          <p:cNvSpPr>
-            <a:spLocks noGrp="1"/>
-          </p:cNvSpPr>
-          <p:nvPr>
-            <p:ph type="title"/>
-          </p:nvPr>
-        </p:nvSpPr>
-        <p:spPr/>
-        <p:txBody>
-          <a:bodyPr/>
-          <a:lstStyle/>
-          <a:p>
+          <p:cNvPr id="4" name="Номер слайда 3"/>
+          <p:cNvSpPr>
+            <a:spLocks noGrp="1"/>
+          </p:cNvSpPr>
+          <p:nvPr>
+            <p:ph type="sldNum" sz="quarter" idx="12"/>
+          </p:nvPr>
+        </p:nvSpPr>
+        <p:spPr/>
+        <p:txBody>
+          <a:bodyPr/>
+          <a:lstStyle/>
+          <a:p>
+            <a:fld id="{CF8E6F4D-2E97-47CB-8591-066566E4FE4D}" type="slidenum">
+              <a:rPr lang="ru-RU" smtClean="0"/>
+              <a:t>24</a:t>
+            </a:fld>
             <a:endParaRPr lang="ru-RU"/>
           </a:p>
         </p:txBody>
@@ -11924,10 +12620,15 @@
             <a:spLocks noGrp="1"/>
           </p:cNvSpPr>
           <p:nvPr>
-            <p:ph idx="1"/>
-          </p:nvPr>
-        </p:nvSpPr>
-        <p:spPr/>
+            <p:ph idx="4294967295"/>
+          </p:nvPr>
+        </p:nvSpPr>
+        <p:spPr>
+          <a:xfrm>
+            <a:off x="0" y="0"/>
+            <a:ext cx="10515600" cy="2692712"/>
+          </a:xfrm>
+        </p:spPr>
         <p:txBody>
           <a:bodyPr/>
           <a:lstStyle/>
@@ -12091,29 +12792,53 @@
           </a:p>
         </p:txBody>
       </p:sp>
-      <p:sp>
-        <p:nvSpPr>
-          <p:cNvPr id="4" name="Номер слайда 3"/>
-          <p:cNvSpPr>
-            <a:spLocks noGrp="1"/>
-          </p:cNvSpPr>
-          <p:nvPr>
-            <p:ph type="sldNum" sz="quarter" idx="12"/>
-          </p:nvPr>
-        </p:nvSpPr>
-        <p:spPr/>
-        <p:txBody>
-          <a:bodyPr/>
-          <a:lstStyle/>
-          <a:p>
-            <a:fld id="{CF8E6F4D-2E97-47CB-8591-066566E4FE4D}" type="slidenum">
-              <a:rPr lang="ru-RU" smtClean="0"/>
-              <a:t>24</a:t>
-            </a:fld>
-            <a:endParaRPr lang="ru-RU"/>
-          </a:p>
-        </p:txBody>
-      </p:sp>
+      <p:pic>
+        <p:nvPicPr>
+          <p:cNvPr id="2050" name="Picture 2">
+            <a:extLst>
+              <a:ext uri="{FF2B5EF4-FFF2-40B4-BE49-F238E27FC236}">
+                <a16:creationId xmlns:a16="http://schemas.microsoft.com/office/drawing/2014/main" id="{5B442077-6674-40E4-8FE3-62020133239D}"/>
+              </a:ext>
+            </a:extLst>
+          </p:cNvPr>
+          <p:cNvPicPr>
+            <a:picLocks noChangeAspect="1" noChangeArrowheads="1"/>
+          </p:cNvPicPr>
+          <p:nvPr/>
+        </p:nvPicPr>
+        <p:blipFill>
+          <a:blip r:embed="rId3" cstate="print">
+            <a:extLst>
+              <a:ext uri="{28A0092B-C50C-407E-A947-70E740481C1C}">
+                <a14:useLocalDpi xmlns:a14="http://schemas.microsoft.com/office/drawing/2010/main" val="0"/>
+              </a:ext>
+            </a:extLst>
+          </a:blip>
+          <a:srcRect/>
+          <a:stretch>
+            <a:fillRect/>
+          </a:stretch>
+        </p:blipFill>
+        <p:spPr bwMode="auto">
+          <a:xfrm>
+            <a:off x="1741910" y="2498000"/>
+            <a:ext cx="8479614" cy="4053062"/>
+          </a:xfrm>
+          <a:prstGeom prst="rect">
+            <a:avLst/>
+          </a:prstGeom>
+          <a:noFill/>
+          <a:extLst>
+            <a:ext uri="{909E8E84-426E-40DD-AFC4-6F175D3DCCD1}">
+              <a14:hiddenFill xmlns:a14="http://schemas.microsoft.com/office/drawing/2010/main">
+                <a:solidFill>
+                  <a:srgbClr val="FFFFFF"/>
+                </a:solidFill>
+              </a14:hiddenFill>
+            </a:ext>
+          </a:extLst>
+        </p:spPr>
+      </p:pic>
     </p:spTree>
     <p:extLst>
       <p:ext uri="{BB962C8B-B14F-4D97-AF65-F5344CB8AC3E}">
@@ -12549,6 +13274,346 @@
       </p:grpSpPr>
       <p:sp>
         <p:nvSpPr>
+          <p:cNvPr id="2" name="Title 1">
+            <a:extLst>
+              <a:ext uri="{FF2B5EF4-FFF2-40B4-BE49-F238E27FC236}">
+                <a16:creationId xmlns:a16="http://schemas.microsoft.com/office/drawing/2014/main" id="{70C280C8-6388-475B-80E8-B8CB386A615B}"/>
+              </a:ext>
+            </a:extLst>
+          </p:cNvPr>
+          <p:cNvSpPr>
+            <a:spLocks noGrp="1"/>
+          </p:cNvSpPr>
+          <p:nvPr>
+            <p:ph type="title"/>
+          </p:nvPr>
+        </p:nvSpPr>
+        <p:spPr/>
+        <p:txBody>
+          <a:bodyPr/>
+          <a:lstStyle/>
+          <a:p>
+            <a:endParaRPr lang="ru-RU" dirty="0"/>
+          </a:p>
+        </p:txBody>
+      </p:sp>
+      <p:sp>
+        <p:nvSpPr>
+          <p:cNvPr id="3" name="Content Placeholder 2">
+            <a:extLst>
+              <a:ext uri="{FF2B5EF4-FFF2-40B4-BE49-F238E27FC236}">
+                <a16:creationId xmlns:a16="http://schemas.microsoft.com/office/drawing/2014/main" id="{ACE18AA7-8ED0-4E06-A3F7-4D79BB07F5FC}"/>
+              </a:ext>
+            </a:extLst>
+          </p:cNvPr>
+          <p:cNvSpPr>
+            <a:spLocks noGrp="1"/>
+          </p:cNvSpPr>
+          <p:nvPr>
+            <p:ph idx="1"/>
+          </p:nvPr>
+        </p:nvSpPr>
+        <p:spPr/>
+        <p:txBody>
+          <a:bodyPr/>
+          <a:lstStyle/>
+          <a:p>
+            <a:r>
+              <a:rPr lang="ru-RU" dirty="0"/>
+              <a:t>Зависимости должны быть направлены на абстракции, а не на конкретные реализации</a:t>
+            </a:r>
+          </a:p>
+          <a:p>
+            <a:r>
+              <a:rPr lang="ru-RU" dirty="0"/>
+              <a:t>Конкретные классы могут быть стабильными</a:t>
+            </a:r>
+          </a:p>
+          <a:p>
+            <a:r>
+              <a:rPr lang="ru-RU" dirty="0"/>
+              <a:t>Следует избегать зависимостей от нестабильных конкретных классов</a:t>
+            </a:r>
+          </a:p>
+        </p:txBody>
+      </p:sp>
+      <p:sp>
+        <p:nvSpPr>
+          <p:cNvPr id="4" name="Slide Number Placeholder 3">
+            <a:extLst>
+              <a:ext uri="{FF2B5EF4-FFF2-40B4-BE49-F238E27FC236}">
+                <a16:creationId xmlns:a16="http://schemas.microsoft.com/office/drawing/2014/main" id="{A70A0D6F-D5BF-480B-859C-2EF166220896}"/>
+              </a:ext>
+            </a:extLst>
+          </p:cNvPr>
+          <p:cNvSpPr>
+            <a:spLocks noGrp="1"/>
+          </p:cNvSpPr>
+          <p:nvPr>
+            <p:ph type="sldNum" sz="quarter" idx="12"/>
+          </p:nvPr>
+        </p:nvSpPr>
+        <p:spPr/>
+        <p:txBody>
+          <a:bodyPr/>
+          <a:lstStyle/>
+          <a:p>
+            <a:fld id="{CF8E6F4D-2E97-47CB-8591-066566E4FE4D}" type="slidenum">
+              <a:rPr lang="ru-RU" smtClean="0"/>
+              <a:t>27</a:t>
+            </a:fld>
+            <a:endParaRPr lang="ru-RU"/>
+          </a:p>
+        </p:txBody>
+      </p:sp>
+    </p:spTree>
+    <p:extLst>
+      <p:ext uri="{BB962C8B-B14F-4D97-AF65-F5344CB8AC3E}">
+        <p14:creationId xmlns:p14="http://schemas.microsoft.com/office/powerpoint/2010/main" val="2285053915"/>
+      </p:ext>
+    </p:extLst>
+  </p:cSld>
+  <p:clrMapOvr>
+    <a:masterClrMapping/>
+  </p:clrMapOvr>
+  <p:timing>
+    <p:tnLst>
+      <p:par>
+        <p:cTn id="1" dur="indefinite" restart="never" nodeType="tmRoot">
+          <p:childTnLst>
+            <p:seq concurrent="1" nextAc="seek">
+              <p:cTn id="2" dur="indefinite" nodeType="mainSeq">
+                <p:childTnLst>
+                  <p:par>
+                    <p:cTn id="3" fill="hold">
+                      <p:stCondLst>
+                        <p:cond delay="indefinite"/>
+                      </p:stCondLst>
+                      <p:childTnLst>
+                        <p:par>
+                          <p:cTn id="4" fill="hold">
+                            <p:stCondLst>
+                              <p:cond delay="0"/>
+                            </p:stCondLst>
+                            <p:childTnLst>
+                              <p:par>
+                                <p:cTn id="5" presetID="10" presetClass="entr" presetSubtype="0" fill="hold" grpId="0" nodeType="clickEffect">
+                                  <p:stCondLst>
+                                    <p:cond delay="0"/>
+                                  </p:stCondLst>
+                                  <p:childTnLst>
+                                    <p:set>
+                                      <p:cBhvr>
+                                        <p:cTn id="6" dur="1" fill="hold">
+                                          <p:stCondLst>
+                                            <p:cond delay="0"/>
+                                          </p:stCondLst>
+                                        </p:cTn>
+                                        <p:tgtEl>
+                                          <p:spTgt spid="3">
+                                            <p:txEl>
+                                              <p:pRg st="0" end="0"/>
+                                            </p:txEl>
+                                          </p:spTgt>
+                                        </p:tgtEl>
+                                        <p:attrNameLst>
+                                          <p:attrName>style.visibility</p:attrName>
+                                        </p:attrNameLst>
+                                      </p:cBhvr>
+                                      <p:to>
+                                        <p:strVal val="visible"/>
+                                      </p:to>
+                                    </p:set>
+                                    <p:animEffect transition="in" filter="fade">
+                                      <p:cBhvr>
+                                        <p:cTn id="7" dur="500"/>
+                                        <p:tgtEl>
+                                          <p:spTgt spid="3">
+                                            <p:txEl>
+                                              <p:pRg st="0" end="0"/>
+                                            </p:txEl>
+                                          </p:spTgt>
+                                        </p:tgtEl>
+                                      </p:cBhvr>
+                                    </p:animEffect>
+                                  </p:childTnLst>
+                                </p:cTn>
+                              </p:par>
+                            </p:childTnLst>
+                          </p:cTn>
+                        </p:par>
+                      </p:childTnLst>
+                    </p:cTn>
+                  </p:par>
+                  <p:par>
+                    <p:cTn id="8" fill="hold">
+                      <p:stCondLst>
+                        <p:cond delay="indefinite"/>
+                      </p:stCondLst>
+                      <p:childTnLst>
+                        <p:par>
+                          <p:cTn id="9" fill="hold">
+                            <p:stCondLst>
+                              <p:cond delay="0"/>
+                            </p:stCondLst>
+                            <p:childTnLst>
+                              <p:par>
+                                <p:cTn id="10" presetID="10" presetClass="entr" presetSubtype="0" fill="hold" grpId="0" nodeType="clickEffect">
+                                  <p:stCondLst>
+                                    <p:cond delay="0"/>
+                                  </p:stCondLst>
+                                  <p:childTnLst>
+                                    <p:set>
+                                      <p:cBhvr>
+                                        <p:cTn id="11" dur="1" fill="hold">
+                                          <p:stCondLst>
+                                            <p:cond delay="0"/>
+                                          </p:stCondLst>
+                                        </p:cTn>
+                                        <p:tgtEl>
+                                          <p:spTgt spid="3">
+                                            <p:txEl>
+                                              <p:pRg st="1" end="1"/>
+                                            </p:txEl>
+                                          </p:spTgt>
+                                        </p:tgtEl>
+                                        <p:attrNameLst>
+                                          <p:attrName>style.visibility</p:attrName>
+                                        </p:attrNameLst>
+                                      </p:cBhvr>
+                                      <p:to>
+                                        <p:strVal val="visible"/>
+                                      </p:to>
+                                    </p:set>
+                                    <p:animEffect transition="in" filter="fade">
+                                      <p:cBhvr>
+                                        <p:cTn id="12" dur="500"/>
+                                        <p:tgtEl>
+                                          <p:spTgt spid="3">
+                                            <p:txEl>
+                                              <p:pRg st="1" end="1"/>
+                                            </p:txEl>
+                                          </p:spTgt>
+                                        </p:tgtEl>
+                                      </p:cBhvr>
+                                    </p:animEffect>
+                                  </p:childTnLst>
+                                </p:cTn>
+                              </p:par>
+                            </p:childTnLst>
+                          </p:cTn>
+                        </p:par>
+                      </p:childTnLst>
+                    </p:cTn>
+                  </p:par>
+                  <p:par>
+                    <p:cTn id="13" fill="hold">
+                      <p:stCondLst>
+                        <p:cond delay="indefinite"/>
+                      </p:stCondLst>
+                      <p:childTnLst>
+                        <p:par>
+                          <p:cTn id="14" fill="hold">
+                            <p:stCondLst>
+                              <p:cond delay="0"/>
+                            </p:stCondLst>
+                            <p:childTnLst>
+                              <p:par>
+                                <p:cTn id="15" presetID="10" presetClass="entr" presetSubtype="0" fill="hold" grpId="0" nodeType="clickEffect">
+                                  <p:stCondLst>
+                                    <p:cond delay="0"/>
+                                  </p:stCondLst>
+                                  <p:childTnLst>
+                                    <p:set>
+                                      <p:cBhvr>
+                                        <p:cTn id="16" dur="1" fill="hold">
+                                          <p:stCondLst>
+                                            <p:cond delay="0"/>
+                                          </p:stCondLst>
+                                        </p:cTn>
+                                        <p:tgtEl>
+                                          <p:spTgt spid="3">
+                                            <p:txEl>
+                                              <p:pRg st="2" end="2"/>
+                                            </p:txEl>
+                                          </p:spTgt>
+                                        </p:tgtEl>
+                                        <p:attrNameLst>
+                                          <p:attrName>style.visibility</p:attrName>
+                                        </p:attrNameLst>
+                                      </p:cBhvr>
+                                      <p:to>
+                                        <p:strVal val="visible"/>
+                                      </p:to>
+                                    </p:set>
+                                    <p:animEffect transition="in" filter="fade">
+                                      <p:cBhvr>
+                                        <p:cTn id="17" dur="500"/>
+                                        <p:tgtEl>
+                                          <p:spTgt spid="3">
+                                            <p:txEl>
+                                              <p:pRg st="2" end="2"/>
+                                            </p:txEl>
+                                          </p:spTgt>
+                                        </p:tgtEl>
+                                      </p:cBhvr>
+                                    </p:animEffect>
+                                  </p:childTnLst>
+                                </p:cTn>
+                              </p:par>
+                            </p:childTnLst>
+                          </p:cTn>
+                        </p:par>
+                      </p:childTnLst>
+                    </p:cTn>
+                  </p:par>
+                </p:childTnLst>
+              </p:cTn>
+              <p:prevCondLst>
+                <p:cond evt="onPrev" delay="0">
+                  <p:tgtEl>
+                    <p:sldTgt/>
+                  </p:tgtEl>
+                </p:cond>
+              </p:prevCondLst>
+              <p:nextCondLst>
+                <p:cond evt="onNext" delay="0">
+                  <p:tgtEl>
+                    <p:sldTgt/>
+                  </p:tgtEl>
+                </p:cond>
+              </p:nextCondLst>
+            </p:seq>
+          </p:childTnLst>
+        </p:cTn>
+      </p:par>
+    </p:tnLst>
+    <p:bldLst>
+      <p:bldP spid="3" grpId="0" build="p"/>
+    </p:bldLst>
+  </p:timing>
+</p:sld>
+</file>
+
+<file path=ppt/slides/slide28.xml><?xml version="1.0" encoding="utf-8"?>
+<p:sld xmlns:a="http://schemas.openxmlformats.org/drawingml/2006/main" xmlns:r="http://schemas.openxmlformats.org/officeDocument/2006/relationships" xmlns:p="http://schemas.openxmlformats.org/presentationml/2006/main">
+  <p:cSld>
+    <p:spTree>
+      <p:nvGrpSpPr>
+        <p:cNvPr id="1" name=""/>
+        <p:cNvGrpSpPr/>
+        <p:nvPr/>
+      </p:nvGrpSpPr>
+      <p:grpSpPr>
+        <a:xfrm>
+          <a:off x="0" y="0"/>
+          <a:ext cx="0" cy="0"/>
+          <a:chOff x="0" y="0"/>
+          <a:chExt cx="0" cy="0"/>
+        </a:xfrm>
+      </p:grpSpPr>
+      <p:sp>
+        <p:nvSpPr>
           <p:cNvPr id="2" name="Заголовок 1"/>
           <p:cNvSpPr>
             <a:spLocks noGrp="1"/>
@@ -12607,20 +13672,28 @@
           <a:p>
             <a:r>
               <a:rPr lang="ru-RU" dirty="0"/>
-              <a:t>Не переопределяйте конкретные функции</a:t>
+              <a:t>Не переопределяйте конкретные методы</a:t>
             </a:r>
           </a:p>
           <a:p>
             <a:pPr lvl="1"/>
             <a:r>
               <a:rPr lang="ru-RU" dirty="0"/>
-              <a:t>Конкретные функции</a:t>
-            </a:r>
-          </a:p>
-          <a:p>
+              <a:t>Переопределяйте </a:t>
+            </a:r>
+            <a:r>
+              <a:rPr lang="ru-RU" dirty="0" err="1"/>
+              <a:t>абстрактые</a:t>
+            </a:r>
             <a:r>
               <a:rPr lang="ru-RU" dirty="0"/>
-              <a:t>Не ссылайтесь на имена конкретных и изменчивых сущностей</a:t>
+              <a:t> методы</a:t>
+            </a:r>
+          </a:p>
+          <a:p>
+            <a:r>
+              <a:rPr lang="ru-RU" dirty="0"/>
+              <a:t>Не ссылайтесь на конкретные и изменчивые сущности</a:t>
             </a:r>
           </a:p>
           <a:p>
@@ -12651,7 +13724,7 @@
           <a:p>
             <a:fld id="{CF8E6F4D-2E97-47CB-8591-066566E4FE4D}" type="slidenum">
               <a:rPr lang="ru-RU" smtClean="0"/>
-              <a:t>27</a:t>
+              <a:t>28</a:t>
             </a:fld>
             <a:endParaRPr lang="ru-RU"/>
           </a:p>
@@ -13094,7 +14167,7 @@
 </p:sld>
 </file>
 
-<file path=ppt/slides/slide28.xml><?xml version="1.0" encoding="utf-8"?>
+<file path=ppt/slides/slide29.xml><?xml version="1.0" encoding="utf-8"?>
 <p:sld xmlns:a="http://schemas.openxmlformats.org/drawingml/2006/main" xmlns:r="http://schemas.openxmlformats.org/officeDocument/2006/relationships" xmlns:p="http://schemas.openxmlformats.org/presentationml/2006/main">
   <p:cSld>
     <p:spTree>
@@ -13150,7 +14223,7 @@
           <a:p>
             <a:fld id="{CF8E6F4D-2E97-47CB-8591-066566E4FE4D}" type="slidenum">
               <a:rPr lang="ru-RU" smtClean="0"/>
-              <a:t>28</a:t>
+              <a:t>29</a:t>
             </a:fld>
             <a:endParaRPr lang="ru-RU"/>
           </a:p>
@@ -13293,7 +14366,7 @@
 </p:sld>
 </file>
 
-<file path=ppt/slides/slide29.xml><?xml version="1.0" encoding="utf-8"?>
+<file path=ppt/slides/slide3.xml><?xml version="1.0" encoding="utf-8"?>
 <p:sld xmlns:a="http://schemas.openxmlformats.org/drawingml/2006/main" xmlns:r="http://schemas.openxmlformats.org/officeDocument/2006/relationships" xmlns:p="http://schemas.openxmlformats.org/presentationml/2006/main">
   <p:cSld>
     <p:spTree>
@@ -13312,7 +14385,159 @@
       </p:grpSpPr>
       <p:sp>
         <p:nvSpPr>
-          <p:cNvPr id="2" name="Номер слайда 1"/>
+          <p:cNvPr id="2" name="Заголовок 1"/>
+          <p:cNvSpPr>
+            <a:spLocks noGrp="1"/>
+          </p:cNvSpPr>
+          <p:nvPr>
+            <p:ph type="title"/>
+          </p:nvPr>
+        </p:nvSpPr>
+        <p:spPr/>
+        <p:txBody>
+          <a:bodyPr/>
+          <a:lstStyle/>
+          <a:p>
+            <a:r>
+              <a:rPr lang="ru-RU" dirty="0"/>
+              <a:t>Что такое принципы </a:t>
+            </a:r>
+            <a:r>
+              <a:rPr lang="en-US" dirty="0"/>
+              <a:t>S.O.L.I.D.?</a:t>
+            </a:r>
+            <a:endParaRPr lang="ru-RU" dirty="0"/>
+          </a:p>
+        </p:txBody>
+      </p:sp>
+      <p:sp>
+        <p:nvSpPr>
+          <p:cNvPr id="3" name="Объект 2"/>
+          <p:cNvSpPr>
+            <a:spLocks noGrp="1"/>
+          </p:cNvSpPr>
+          <p:nvPr>
+            <p:ph idx="1"/>
+          </p:nvPr>
+        </p:nvSpPr>
+        <p:spPr/>
+        <p:txBody>
+          <a:bodyPr/>
+          <a:lstStyle/>
+          <a:p>
+            <a:r>
+              <a:rPr lang="ru-RU" dirty="0"/>
+              <a:t>Название пяти основных принципов объектно-ориентированного программирования и проектирования, названных Робертом Мартином</a:t>
+            </a:r>
+            <a:endParaRPr lang="en-US" dirty="0"/>
+          </a:p>
+          <a:p>
+            <a:r>
+              <a:rPr lang="ru-RU" dirty="0"/>
+              <a:t>Принципы:</a:t>
+            </a:r>
+            <a:endParaRPr lang="en-US" dirty="0"/>
+          </a:p>
+          <a:p>
+            <a:pPr marL="914400" lvl="1" indent="-457200">
+              <a:buFont typeface="+mj-lt"/>
+              <a:buAutoNum type="arabicPeriod"/>
+            </a:pPr>
+            <a:r>
+              <a:rPr lang="en-US" dirty="0">
+                <a:solidFill>
+                  <a:srgbClr val="FF0000"/>
+                </a:solidFill>
+              </a:rPr>
+              <a:t>S</a:t>
+            </a:r>
+            <a:r>
+              <a:rPr lang="en-US" dirty="0"/>
+              <a:t>ingle Responsibility Principle (SRP)</a:t>
+            </a:r>
+          </a:p>
+          <a:p>
+            <a:pPr marL="914400" lvl="1" indent="-457200">
+              <a:buFont typeface="+mj-lt"/>
+              <a:buAutoNum type="arabicPeriod"/>
+            </a:pPr>
+            <a:r>
+              <a:rPr lang="en-US" dirty="0">
+                <a:solidFill>
+                  <a:srgbClr val="FF0000"/>
+                </a:solidFill>
+              </a:rPr>
+              <a:t>O</a:t>
+            </a:r>
+            <a:r>
+              <a:rPr lang="en-US" dirty="0"/>
+              <a:t>pen Closed Principle (OCP)</a:t>
+            </a:r>
+          </a:p>
+          <a:p>
+            <a:pPr marL="914400" lvl="1" indent="-457200">
+              <a:buFont typeface="+mj-lt"/>
+              <a:buAutoNum type="arabicPeriod"/>
+            </a:pPr>
+            <a:r>
+              <a:rPr lang="en-US" dirty="0" err="1">
+                <a:solidFill>
+                  <a:srgbClr val="FF0000"/>
+                </a:solidFill>
+              </a:rPr>
+              <a:t>L</a:t>
+            </a:r>
+            <a:r>
+              <a:rPr lang="en-US" dirty="0" err="1"/>
+              <a:t>iskov</a:t>
+            </a:r>
+            <a:r>
+              <a:rPr lang="en-US" dirty="0"/>
+              <a:t> Substitution Principle (LSP)</a:t>
+            </a:r>
+          </a:p>
+          <a:p>
+            <a:pPr marL="914400" lvl="1" indent="-457200">
+              <a:buFont typeface="+mj-lt"/>
+              <a:buAutoNum type="arabicPeriod"/>
+            </a:pPr>
+            <a:r>
+              <a:rPr lang="en-US" dirty="0">
+                <a:solidFill>
+                  <a:srgbClr val="FF0000"/>
+                </a:solidFill>
+              </a:rPr>
+              <a:t>I</a:t>
+            </a:r>
+            <a:r>
+              <a:rPr lang="en-US" dirty="0"/>
+              <a:t>nterface Segregation Principle (ISP)</a:t>
+            </a:r>
+          </a:p>
+          <a:p>
+            <a:pPr marL="914400" lvl="1" indent="-457200">
+              <a:buFont typeface="+mj-lt"/>
+              <a:buAutoNum type="arabicPeriod"/>
+            </a:pPr>
+            <a:r>
+              <a:rPr lang="en-US" dirty="0">
+                <a:solidFill>
+                  <a:srgbClr val="FF0000"/>
+                </a:solidFill>
+              </a:rPr>
+              <a:t>D</a:t>
+            </a:r>
+            <a:r>
+              <a:rPr lang="en-US" dirty="0"/>
+              <a:t>ependency Inversion Principle (DIP)</a:t>
+            </a:r>
+            <a:endParaRPr lang="ru-RU" dirty="0"/>
+          </a:p>
+        </p:txBody>
+      </p:sp>
+      <p:sp>
+        <p:nvSpPr>
+          <p:cNvPr id="4" name="Номер слайда 3"/>
           <p:cNvSpPr>
             <a:spLocks noGrp="1"/>
           </p:cNvSpPr>
@@ -13327,7 +14552,60 @@
           <a:p>
             <a:fld id="{CF8E6F4D-2E97-47CB-8591-066566E4FE4D}" type="slidenum">
               <a:rPr lang="ru-RU" smtClean="0"/>
-              <a:t>29</a:t>
+              <a:t>3</a:t>
+            </a:fld>
+            <a:endParaRPr lang="ru-RU"/>
+          </a:p>
+        </p:txBody>
+      </p:sp>
+    </p:spTree>
+    <p:extLst>
+      <p:ext uri="{BB962C8B-B14F-4D97-AF65-F5344CB8AC3E}">
+        <p14:creationId xmlns:p14="http://schemas.microsoft.com/office/powerpoint/2010/main" val="3355840752"/>
+      </p:ext>
+    </p:extLst>
+  </p:cSld>
+  <p:clrMapOvr>
+    <a:masterClrMapping/>
+  </p:clrMapOvr>
+</p:sld>
+</file>
+
+<file path=ppt/slides/slide30.xml><?xml version="1.0" encoding="utf-8"?>
+<p:sld xmlns:a="http://schemas.openxmlformats.org/drawingml/2006/main" xmlns:r="http://schemas.openxmlformats.org/officeDocument/2006/relationships" xmlns:p="http://schemas.openxmlformats.org/presentationml/2006/main">
+  <p:cSld>
+    <p:spTree>
+      <p:nvGrpSpPr>
+        <p:cNvPr id="1" name=""/>
+        <p:cNvGrpSpPr/>
+        <p:nvPr/>
+      </p:nvGrpSpPr>
+      <p:grpSpPr>
+        <a:xfrm>
+          <a:off x="0" y="0"/>
+          <a:ext cx="0" cy="0"/>
+          <a:chOff x="0" y="0"/>
+          <a:chExt cx="0" cy="0"/>
+        </a:xfrm>
+      </p:grpSpPr>
+      <p:sp>
+        <p:nvSpPr>
+          <p:cNvPr id="2" name="Номер слайда 1"/>
+          <p:cNvSpPr>
+            <a:spLocks noGrp="1"/>
+          </p:cNvSpPr>
+          <p:nvPr>
+            <p:ph type="sldNum" sz="quarter" idx="12"/>
+          </p:nvPr>
+        </p:nvSpPr>
+        <p:spPr/>
+        <p:txBody>
+          <a:bodyPr/>
+          <a:lstStyle/>
+          <a:p>
+            <a:fld id="{CF8E6F4D-2E97-47CB-8591-066566E4FE4D}" type="slidenum">
+              <a:rPr lang="ru-RU" smtClean="0"/>
+              <a:t>30</a:t>
             </a:fld>
             <a:endParaRPr lang="ru-RU"/>
           </a:p>
@@ -13342,7 +14620,7 @@
           <p:nvPr/>
         </p:nvPicPr>
         <p:blipFill>
-          <a:blip r:embed="rId2">
+          <a:blip r:embed="rId3">
             <a:extLst>
               <a:ext uri="{28A0092B-C50C-407E-A947-70E740481C1C}">
                 <a14:useLocalDpi xmlns:a14="http://schemas.microsoft.com/office/drawing/2010/main" val="0"/>
@@ -13374,6 +14652,314 @@
           </a:extLst>
         </p:spPr>
       </p:pic>
+      <p:sp>
+        <p:nvSpPr>
+          <p:cNvPr id="3" name="TextBox 2">
+            <a:extLst>
+              <a:ext uri="{FF2B5EF4-FFF2-40B4-BE49-F238E27FC236}">
+                <a16:creationId xmlns:a16="http://schemas.microsoft.com/office/drawing/2014/main" id="{63AB3534-01CD-491E-ADB0-64B2FBD576E1}"/>
+              </a:ext>
+            </a:extLst>
+          </p:cNvPr>
+          <p:cNvSpPr txBox="1"/>
+          <p:nvPr/>
+        </p:nvSpPr>
+        <p:spPr>
+          <a:xfrm>
+            <a:off x="8813021" y="1972646"/>
+            <a:ext cx="2420167" cy="954107"/>
+          </a:xfrm>
+          <a:prstGeom prst="rect">
+            <a:avLst/>
+          </a:prstGeom>
+          <a:noFill/>
+        </p:spPr>
+        <p:txBody>
+          <a:bodyPr wrap="square" rtlCol="0">
+            <a:spAutoFit/>
+          </a:bodyPr>
+          <a:lstStyle/>
+          <a:p>
+            <a:r>
+              <a:rPr lang="ru-RU" sz="2800" dirty="0"/>
+              <a:t>Абстрактный компонент</a:t>
+            </a:r>
+          </a:p>
+        </p:txBody>
+      </p:sp>
+      <p:sp>
+        <p:nvSpPr>
+          <p:cNvPr id="5" name="TextBox 4">
+            <a:extLst>
+              <a:ext uri="{FF2B5EF4-FFF2-40B4-BE49-F238E27FC236}">
+                <a16:creationId xmlns:a16="http://schemas.microsoft.com/office/drawing/2014/main" id="{ABD69EE0-E9A3-4931-B325-781D3C9A103E}"/>
+              </a:ext>
+            </a:extLst>
+          </p:cNvPr>
+          <p:cNvSpPr txBox="1"/>
+          <p:nvPr/>
+        </p:nvSpPr>
+        <p:spPr>
+          <a:xfrm>
+            <a:off x="9474200" y="4164498"/>
+            <a:ext cx="2604785" cy="954107"/>
+          </a:xfrm>
+          <a:prstGeom prst="rect">
+            <a:avLst/>
+          </a:prstGeom>
+          <a:noFill/>
+        </p:spPr>
+        <p:txBody>
+          <a:bodyPr wrap="square" rtlCol="0">
+            <a:spAutoFit/>
+          </a:bodyPr>
+          <a:lstStyle/>
+          <a:p>
+            <a:r>
+              <a:rPr lang="ru-RU" sz="2800" dirty="0"/>
+              <a:t>Конкретный компонент</a:t>
+            </a:r>
+          </a:p>
+        </p:txBody>
+      </p:sp>
+      <p:grpSp>
+        <p:nvGrpSpPr>
+          <p:cNvPr id="20" name="Group 19">
+            <a:extLst>
+              <a:ext uri="{FF2B5EF4-FFF2-40B4-BE49-F238E27FC236}">
+                <a16:creationId xmlns:a16="http://schemas.microsoft.com/office/drawing/2014/main" id="{A7D2A61E-8C97-4AD3-86CF-8EFC43E5D8E6}"/>
+              </a:ext>
+            </a:extLst>
+          </p:cNvPr>
+          <p:cNvGrpSpPr/>
+          <p:nvPr/>
+        </p:nvGrpSpPr>
+        <p:grpSpPr>
+          <a:xfrm>
+            <a:off x="444500" y="1531512"/>
+            <a:ext cx="6040158" cy="4164438"/>
+            <a:chOff x="444500" y="1531512"/>
+            <a:chExt cx="6040158" cy="4164438"/>
+          </a:xfrm>
+        </p:grpSpPr>
+        <p:sp>
+          <p:nvSpPr>
+            <p:cNvPr id="4" name="Arrow: Down 3">
+              <a:extLst>
+                <a:ext uri="{FF2B5EF4-FFF2-40B4-BE49-F238E27FC236}">
+                  <a16:creationId xmlns:a16="http://schemas.microsoft.com/office/drawing/2014/main" id="{23BF5109-029F-4CB4-9506-9D363A362332}"/>
+                </a:ext>
+              </a:extLst>
+            </p:cNvPr>
+            <p:cNvSpPr/>
+            <p:nvPr/>
+          </p:nvSpPr>
+          <p:spPr>
+            <a:xfrm>
+              <a:off x="444500" y="2190750"/>
+              <a:ext cx="431800" cy="3505200"/>
+            </a:xfrm>
+            <a:prstGeom prst="downArrow">
+              <a:avLst/>
+            </a:prstGeom>
+          </p:spPr>
+          <p:style>
+            <a:lnRef idx="2">
+              <a:schemeClr val="accent1">
+                <a:shade val="50000"/>
+              </a:schemeClr>
+            </a:lnRef>
+            <a:fillRef idx="1">
+              <a:schemeClr val="accent1"/>
+            </a:fillRef>
+            <a:effectRef idx="0">
+              <a:schemeClr val="accent1"/>
+            </a:effectRef>
+            <a:fontRef idx="minor">
+              <a:schemeClr val="lt1"/>
+            </a:fontRef>
+          </p:style>
+          <p:txBody>
+            <a:bodyPr rtlCol="0" anchor="ctr"/>
+            <a:lstStyle/>
+            <a:p>
+              <a:pPr algn="ctr"/>
+              <a:endParaRPr lang="ru-RU" dirty="0"/>
+            </a:p>
+          </p:txBody>
+        </p:sp>
+        <p:sp>
+          <p:nvSpPr>
+            <p:cNvPr id="10" name="Arrow: Down 9">
+              <a:extLst>
+                <a:ext uri="{FF2B5EF4-FFF2-40B4-BE49-F238E27FC236}">
+                  <a16:creationId xmlns:a16="http://schemas.microsoft.com/office/drawing/2014/main" id="{A3D3269F-C613-4CA9-9C5E-7352D5340C7A}"/>
+                </a:ext>
+              </a:extLst>
+            </p:cNvPr>
+            <p:cNvSpPr/>
+            <p:nvPr/>
+          </p:nvSpPr>
+          <p:spPr>
+            <a:xfrm rot="19562172">
+              <a:off x="6052858" y="1531512"/>
+              <a:ext cx="431800" cy="4055526"/>
+            </a:xfrm>
+            <a:prstGeom prst="downArrow">
+              <a:avLst/>
+            </a:prstGeom>
+          </p:spPr>
+          <p:style>
+            <a:lnRef idx="2">
+              <a:schemeClr val="accent1">
+                <a:shade val="50000"/>
+              </a:schemeClr>
+            </a:lnRef>
+            <a:fillRef idx="1">
+              <a:schemeClr val="accent1"/>
+            </a:fillRef>
+            <a:effectRef idx="0">
+              <a:schemeClr val="accent1"/>
+            </a:effectRef>
+            <a:fontRef idx="minor">
+              <a:schemeClr val="lt1"/>
+            </a:fontRef>
+          </p:style>
+          <p:txBody>
+            <a:bodyPr rtlCol="0" anchor="ctr"/>
+            <a:lstStyle/>
+            <a:p>
+              <a:pPr algn="ctr"/>
+              <a:endParaRPr lang="ru-RU" dirty="0"/>
+            </a:p>
+          </p:txBody>
+        </p:sp>
+        <p:sp>
+          <p:nvSpPr>
+            <p:cNvPr id="8" name="TextBox 7">
+              <a:extLst>
+                <a:ext uri="{FF2B5EF4-FFF2-40B4-BE49-F238E27FC236}">
+                  <a16:creationId xmlns:a16="http://schemas.microsoft.com/office/drawing/2014/main" id="{B15395FC-4AA9-4D10-AE2D-A087FA9926F5}"/>
+                </a:ext>
+              </a:extLst>
+            </p:cNvPr>
+            <p:cNvSpPr txBox="1"/>
+            <p:nvPr/>
+          </p:nvSpPr>
+          <p:spPr>
+            <a:xfrm>
+              <a:off x="533400" y="1651000"/>
+              <a:ext cx="2203450" cy="369332"/>
+            </a:xfrm>
+            <a:prstGeom prst="rect">
+              <a:avLst/>
+            </a:prstGeom>
+            <a:noFill/>
+          </p:spPr>
+          <p:txBody>
+            <a:bodyPr wrap="square" rtlCol="0">
+              <a:spAutoFit/>
+            </a:bodyPr>
+            <a:lstStyle/>
+            <a:p>
+              <a:r>
+                <a:rPr lang="ru-RU" dirty="0"/>
+                <a:t>Поток управления</a:t>
+              </a:r>
+            </a:p>
+          </p:txBody>
+        </p:sp>
+        <p:cxnSp>
+          <p:nvCxnSpPr>
+            <p:cNvPr id="13" name="Straight Arrow Connector 12">
+              <a:extLst>
+                <a:ext uri="{FF2B5EF4-FFF2-40B4-BE49-F238E27FC236}">
+                  <a16:creationId xmlns:a16="http://schemas.microsoft.com/office/drawing/2014/main" id="{A0DC9060-A3A0-4736-8454-9AC6DDF90B4F}"/>
+                </a:ext>
+              </a:extLst>
+            </p:cNvPr>
+            <p:cNvCxnSpPr>
+              <a:cxnSpLocks/>
+            </p:cNvCxnSpPr>
+            <p:nvPr/>
+          </p:nvCxnSpPr>
+          <p:spPr>
+            <a:xfrm flipH="1">
+              <a:off x="958813" y="2020332"/>
+              <a:ext cx="676312" cy="519668"/>
+            </a:xfrm>
+            <a:prstGeom prst="straightConnector1">
+              <a:avLst/>
+            </a:prstGeom>
+            <a:ln w="38100">
+              <a:solidFill>
+                <a:schemeClr val="tx1"/>
+              </a:solidFill>
+              <a:prstDash val="dash"/>
+              <a:tailEnd type="triangle"/>
+            </a:ln>
+          </p:spPr>
+          <p:style>
+            <a:lnRef idx="1">
+              <a:schemeClr val="accent1"/>
+            </a:lnRef>
+            <a:fillRef idx="0">
+              <a:schemeClr val="accent1"/>
+            </a:fillRef>
+            <a:effectRef idx="0">
+              <a:schemeClr val="accent1"/>
+            </a:effectRef>
+            <a:fontRef idx="minor">
+              <a:schemeClr val="tx1"/>
+            </a:fontRef>
+          </p:style>
+        </p:cxnSp>
+        <p:cxnSp>
+          <p:nvCxnSpPr>
+            <p:cNvPr id="16" name="Straight Arrow Connector 15">
+              <a:extLst>
+                <a:ext uri="{FF2B5EF4-FFF2-40B4-BE49-F238E27FC236}">
+                  <a16:creationId xmlns:a16="http://schemas.microsoft.com/office/drawing/2014/main" id="{D9078635-8846-4BAE-B500-36D0522FDB23}"/>
+                </a:ext>
+              </a:extLst>
+            </p:cNvPr>
+            <p:cNvCxnSpPr>
+              <a:cxnSpLocks/>
+            </p:cNvCxnSpPr>
+            <p:nvPr/>
+          </p:nvCxnSpPr>
+          <p:spPr>
+            <a:xfrm>
+              <a:off x="2546350" y="1972646"/>
+              <a:ext cx="2463800" cy="200086"/>
+            </a:xfrm>
+            <a:prstGeom prst="straightConnector1">
+              <a:avLst/>
+            </a:prstGeom>
+            <a:ln w="38100">
+              <a:solidFill>
+                <a:schemeClr val="tx1"/>
+              </a:solidFill>
+              <a:prstDash val="dash"/>
+              <a:tailEnd type="triangle"/>
+            </a:ln>
+          </p:spPr>
+          <p:style>
+            <a:lnRef idx="1">
+              <a:schemeClr val="accent1"/>
+            </a:lnRef>
+            <a:fillRef idx="0">
+              <a:schemeClr val="accent1"/>
+            </a:fillRef>
+            <a:effectRef idx="0">
+              <a:schemeClr val="accent1"/>
+            </a:effectRef>
+            <a:fontRef idx="minor">
+              <a:schemeClr val="tx1"/>
+            </a:fontRef>
+          </p:style>
+        </p:cxnSp>
+      </p:grpSp>
     </p:spTree>
     <p:extLst>
       <p:ext uri="{BB962C8B-B14F-4D97-AF65-F5344CB8AC3E}">
@@ -13384,394 +14970,199 @@
   <p:clrMapOvr>
     <a:masterClrMapping/>
   </p:clrMapOvr>
-</p:sld>
-</file>
-
-<file path=ppt/slides/slide3.xml><?xml version="1.0" encoding="utf-8"?>
-<p:sld xmlns:a="http://schemas.openxmlformats.org/drawingml/2006/main" xmlns:r="http://schemas.openxmlformats.org/officeDocument/2006/relationships" xmlns:p="http://schemas.openxmlformats.org/presentationml/2006/main">
-  <p:cSld>
-    <p:spTree>
-      <p:nvGrpSpPr>
-        <p:cNvPr id="1" name=""/>
-        <p:cNvGrpSpPr/>
-        <p:nvPr/>
-      </p:nvGrpSpPr>
-      <p:grpSpPr>
-        <a:xfrm>
-          <a:off x="0" y="0"/>
-          <a:ext cx="0" cy="0"/>
-          <a:chOff x="0" y="0"/>
-          <a:chExt cx="0" cy="0"/>
-        </a:xfrm>
-      </p:grpSpPr>
-      <p:sp>
-        <p:nvSpPr>
-          <p:cNvPr id="2" name="Заголовок 1"/>
-          <p:cNvSpPr>
-            <a:spLocks noGrp="1"/>
-          </p:cNvSpPr>
-          <p:nvPr>
-            <p:ph type="title"/>
-          </p:nvPr>
-        </p:nvSpPr>
-        <p:spPr/>
-        <p:txBody>
-          <a:bodyPr/>
-          <a:lstStyle/>
-          <a:p>
-            <a:r>
-              <a:rPr lang="ru-RU" dirty="0"/>
-              <a:t>Что такое принципы </a:t>
-            </a:r>
-            <a:r>
-              <a:rPr lang="en-US" dirty="0"/>
-              <a:t>S.O.L.I.D.?</a:t>
-            </a:r>
-            <a:endParaRPr lang="ru-RU" dirty="0"/>
-          </a:p>
-        </p:txBody>
-      </p:sp>
-      <p:sp>
-        <p:nvSpPr>
-          <p:cNvPr id="3" name="Объект 2"/>
-          <p:cNvSpPr>
-            <a:spLocks noGrp="1"/>
-          </p:cNvSpPr>
-          <p:nvPr>
-            <p:ph idx="1"/>
-          </p:nvPr>
-        </p:nvSpPr>
-        <p:spPr/>
-        <p:txBody>
-          <a:bodyPr/>
-          <a:lstStyle/>
-          <a:p>
-            <a:r>
-              <a:rPr lang="ru-RU" dirty="0"/>
-              <a:t>Название пяти основных принципов объектно-ориентированного программирования и проектирования, названных Робертом Мартином</a:t>
-            </a:r>
-            <a:endParaRPr lang="en-US" dirty="0"/>
-          </a:p>
-          <a:p>
-            <a:r>
-              <a:rPr lang="ru-RU" dirty="0"/>
-              <a:t>Принципы:</a:t>
-            </a:r>
-            <a:endParaRPr lang="en-US" dirty="0"/>
-          </a:p>
-          <a:p>
-            <a:pPr marL="914400" lvl="1" indent="-457200">
-              <a:buFont typeface="+mj-lt"/>
-              <a:buAutoNum type="arabicPeriod"/>
-            </a:pPr>
-            <a:r>
-              <a:rPr lang="en-US" dirty="0">
-                <a:solidFill>
-                  <a:srgbClr val="FF0000"/>
-                </a:solidFill>
-              </a:rPr>
-              <a:t>S</a:t>
-            </a:r>
-            <a:r>
-              <a:rPr lang="en-US" dirty="0"/>
-              <a:t>ingle Responsibility Principle (SRP)</a:t>
-            </a:r>
-          </a:p>
-          <a:p>
-            <a:pPr marL="914400" lvl="1" indent="-457200">
-              <a:buFont typeface="+mj-lt"/>
-              <a:buAutoNum type="arabicPeriod"/>
-            </a:pPr>
-            <a:r>
-              <a:rPr lang="en-US" dirty="0">
-                <a:solidFill>
-                  <a:srgbClr val="FF0000"/>
-                </a:solidFill>
-              </a:rPr>
-              <a:t>O</a:t>
-            </a:r>
-            <a:r>
-              <a:rPr lang="en-US" dirty="0"/>
-              <a:t>pen Closed Principle (OCP)</a:t>
-            </a:r>
-          </a:p>
-          <a:p>
-            <a:pPr marL="914400" lvl="1" indent="-457200">
-              <a:buFont typeface="+mj-lt"/>
-              <a:buAutoNum type="arabicPeriod"/>
-            </a:pPr>
-            <a:r>
-              <a:rPr lang="en-US" dirty="0" err="1">
-                <a:solidFill>
-                  <a:srgbClr val="FF0000"/>
-                </a:solidFill>
-              </a:rPr>
-              <a:t>L</a:t>
-            </a:r>
-            <a:r>
-              <a:rPr lang="en-US" dirty="0" err="1"/>
-              <a:t>iskov</a:t>
-            </a:r>
-            <a:r>
-              <a:rPr lang="en-US" dirty="0"/>
-              <a:t> Substitution Principle (LSP)</a:t>
-            </a:r>
-          </a:p>
-          <a:p>
-            <a:pPr marL="914400" lvl="1" indent="-457200">
-              <a:buFont typeface="+mj-lt"/>
-              <a:buAutoNum type="arabicPeriod"/>
-            </a:pPr>
-            <a:r>
-              <a:rPr lang="en-US" dirty="0">
-                <a:solidFill>
-                  <a:srgbClr val="FF0000"/>
-                </a:solidFill>
-              </a:rPr>
-              <a:t>I</a:t>
-            </a:r>
-            <a:r>
-              <a:rPr lang="en-US" dirty="0"/>
-              <a:t>nterface Segregation Principle (ISP)</a:t>
-            </a:r>
-          </a:p>
-          <a:p>
-            <a:pPr marL="914400" lvl="1" indent="-457200">
-              <a:buFont typeface="+mj-lt"/>
-              <a:buAutoNum type="arabicPeriod"/>
-            </a:pPr>
-            <a:r>
-              <a:rPr lang="en-US" dirty="0">
-                <a:solidFill>
-                  <a:srgbClr val="FF0000"/>
-                </a:solidFill>
-              </a:rPr>
-              <a:t>D</a:t>
-            </a:r>
-            <a:r>
-              <a:rPr lang="en-US" dirty="0"/>
-              <a:t>ependency Inversion Principle (DIP)</a:t>
-            </a:r>
-            <a:endParaRPr lang="ru-RU" dirty="0"/>
-          </a:p>
-        </p:txBody>
-      </p:sp>
-      <p:sp>
-        <p:nvSpPr>
-          <p:cNvPr id="4" name="Номер слайда 3"/>
-          <p:cNvSpPr>
-            <a:spLocks noGrp="1"/>
-          </p:cNvSpPr>
-          <p:nvPr>
-            <p:ph type="sldNum" sz="quarter" idx="12"/>
-          </p:nvPr>
-        </p:nvSpPr>
-        <p:spPr/>
-        <p:txBody>
-          <a:bodyPr/>
-          <a:lstStyle/>
-          <a:p>
-            <a:fld id="{CF8E6F4D-2E97-47CB-8591-066566E4FE4D}" type="slidenum">
-              <a:rPr lang="ru-RU" smtClean="0"/>
-              <a:t>3</a:t>
-            </a:fld>
-            <a:endParaRPr lang="ru-RU"/>
-          </a:p>
-        </p:txBody>
-      </p:sp>
-    </p:spTree>
-    <p:extLst>
-      <p:ext uri="{BB962C8B-B14F-4D97-AF65-F5344CB8AC3E}">
-        <p14:creationId xmlns:p14="http://schemas.microsoft.com/office/powerpoint/2010/main" val="3355840752"/>
-      </p:ext>
-    </p:extLst>
-  </p:cSld>
-  <p:clrMapOvr>
-    <a:masterClrMapping/>
-  </p:clrMapOvr>
-</p:sld>
-</file>
-
-<file path=ppt/slides/slide30.xml><?xml version="1.0" encoding="utf-8"?>
-<p:sld xmlns:a="http://schemas.openxmlformats.org/drawingml/2006/main" xmlns:r="http://schemas.openxmlformats.org/officeDocument/2006/relationships" xmlns:p="http://schemas.openxmlformats.org/presentationml/2006/main">
-  <p:cSld>
-    <p:spTree>
-      <p:nvGrpSpPr>
-        <p:cNvPr id="1" name=""/>
-        <p:cNvGrpSpPr/>
-        <p:nvPr/>
-      </p:nvGrpSpPr>
-      <p:grpSpPr>
-        <a:xfrm>
-          <a:off x="0" y="0"/>
-          <a:ext cx="0" cy="0"/>
-          <a:chOff x="0" y="0"/>
-          <a:chExt cx="0" cy="0"/>
-        </a:xfrm>
-      </p:grpSpPr>
-      <p:sp>
-        <p:nvSpPr>
-          <p:cNvPr id="3" name="Заголовок 2"/>
-          <p:cNvSpPr>
-            <a:spLocks noGrp="1"/>
-          </p:cNvSpPr>
-          <p:nvPr>
-            <p:ph type="title"/>
-          </p:nvPr>
-        </p:nvSpPr>
-        <p:spPr/>
-        <p:txBody>
-          <a:bodyPr/>
-          <a:lstStyle/>
-          <a:p>
-            <a:r>
-              <a:rPr lang="ru-RU" dirty="0"/>
-              <a:t>Итоги</a:t>
-            </a:r>
-          </a:p>
-        </p:txBody>
-      </p:sp>
-      <p:sp>
-        <p:nvSpPr>
-          <p:cNvPr id="4" name="Текст 3"/>
-          <p:cNvSpPr>
-            <a:spLocks noGrp="1"/>
-          </p:cNvSpPr>
-          <p:nvPr>
-            <p:ph type="body" idx="1"/>
-          </p:nvPr>
-        </p:nvSpPr>
-        <p:spPr/>
-        <p:txBody>
-          <a:bodyPr/>
-          <a:lstStyle/>
-          <a:p>
-            <a:r>
-              <a:rPr lang="ru-RU" dirty="0"/>
-              <a:t>Достоинства</a:t>
-            </a:r>
-          </a:p>
-        </p:txBody>
-      </p:sp>
-      <p:sp>
-        <p:nvSpPr>
-          <p:cNvPr id="5" name="Объект 4"/>
-          <p:cNvSpPr>
-            <a:spLocks noGrp="1"/>
-          </p:cNvSpPr>
-          <p:nvPr>
-            <p:ph sz="half" idx="2"/>
-          </p:nvPr>
-        </p:nvSpPr>
-        <p:spPr/>
-        <p:txBody>
-          <a:bodyPr/>
-          <a:lstStyle/>
-          <a:p>
-            <a:r>
-              <a:rPr lang="ru-RU" dirty="0"/>
-              <a:t>Уменьшается хрупкость</a:t>
-            </a:r>
-          </a:p>
-          <a:p>
-            <a:r>
-              <a:rPr lang="ru-RU" dirty="0"/>
-              <a:t>Упрощается повторное использование кода</a:t>
-            </a:r>
-          </a:p>
-          <a:p>
-            <a:pPr lvl="1"/>
-            <a:r>
-              <a:rPr lang="ru-RU" dirty="0"/>
-              <a:t>Ослабляются связи между классами</a:t>
-            </a:r>
-          </a:p>
-          <a:p>
-            <a:r>
-              <a:rPr lang="ru-RU" dirty="0"/>
-              <a:t>Упрощается тестируемость</a:t>
-            </a:r>
-          </a:p>
-        </p:txBody>
-      </p:sp>
-      <p:sp>
-        <p:nvSpPr>
-          <p:cNvPr id="6" name="Текст 5"/>
-          <p:cNvSpPr>
-            <a:spLocks noGrp="1"/>
-          </p:cNvSpPr>
-          <p:nvPr>
-            <p:ph type="body" sz="quarter" idx="3"/>
-          </p:nvPr>
-        </p:nvSpPr>
-        <p:spPr/>
-        <p:txBody>
-          <a:bodyPr/>
-          <a:lstStyle/>
-          <a:p>
-            <a:r>
-              <a:rPr lang="ru-RU"/>
-              <a:t>Трудности</a:t>
-            </a:r>
-            <a:endParaRPr lang="ru-RU" dirty="0"/>
-          </a:p>
-        </p:txBody>
-      </p:sp>
-      <p:sp>
-        <p:nvSpPr>
-          <p:cNvPr id="7" name="Объект 6"/>
-          <p:cNvSpPr>
-            <a:spLocks noGrp="1"/>
-          </p:cNvSpPr>
-          <p:nvPr>
-            <p:ph sz="quarter" idx="4"/>
-          </p:nvPr>
-        </p:nvSpPr>
-        <p:spPr/>
-        <p:txBody>
-          <a:bodyPr/>
-          <a:lstStyle/>
-          <a:p>
-            <a:r>
-              <a:rPr lang="ru-RU" dirty="0"/>
-              <a:t>Не все зависимости целесообразно инвертировать</a:t>
-            </a:r>
-          </a:p>
-        </p:txBody>
-      </p:sp>
-      <p:sp>
-        <p:nvSpPr>
-          <p:cNvPr id="2" name="Номер слайда 1"/>
-          <p:cNvSpPr>
-            <a:spLocks noGrp="1"/>
-          </p:cNvSpPr>
-          <p:nvPr>
-            <p:ph type="sldNum" sz="quarter" idx="12"/>
-          </p:nvPr>
-        </p:nvSpPr>
-        <p:spPr/>
-        <p:txBody>
-          <a:bodyPr/>
-          <a:lstStyle/>
-          <a:p>
-            <a:fld id="{CF8E6F4D-2E97-47CB-8591-066566E4FE4D}" type="slidenum">
-              <a:rPr lang="ru-RU" smtClean="0"/>
-              <a:t>30</a:t>
-            </a:fld>
-            <a:endParaRPr lang="ru-RU"/>
-          </a:p>
-        </p:txBody>
-      </p:sp>
-    </p:spTree>
-    <p:extLst>
-      <p:ext uri="{BB962C8B-B14F-4D97-AF65-F5344CB8AC3E}">
-        <p14:creationId xmlns:p14="http://schemas.microsoft.com/office/powerpoint/2010/main" val="1219010402"/>
-      </p:ext>
-    </p:extLst>
-  </p:cSld>
-  <p:clrMapOvr>
-    <a:masterClrMapping/>
-  </p:clrMapOvr>
+  <p:timing>
+    <p:tnLst>
+      <p:par>
+        <p:cTn id="1" dur="indefinite" restart="never" nodeType="tmRoot">
+          <p:childTnLst>
+            <p:seq concurrent="1" nextAc="seek">
+              <p:cTn id="2" dur="indefinite" nodeType="mainSeq">
+                <p:childTnLst>
+                  <p:par>
+                    <p:cTn id="3" fill="hold">
+                      <p:stCondLst>
+                        <p:cond delay="indefinite"/>
+                      </p:stCondLst>
+                      <p:childTnLst>
+                        <p:par>
+                          <p:cTn id="4" fill="hold">
+                            <p:stCondLst>
+                              <p:cond delay="0"/>
+                            </p:stCondLst>
+                            <p:childTnLst>
+                              <p:par>
+                                <p:cTn id="5" presetID="10" presetClass="entr" presetSubtype="0" fill="hold" grpId="0" nodeType="clickEffect">
+                                  <p:stCondLst>
+                                    <p:cond delay="0"/>
+                                  </p:stCondLst>
+                                  <p:childTnLst>
+                                    <p:set>
+                                      <p:cBhvr>
+                                        <p:cTn id="6" dur="1" fill="hold">
+                                          <p:stCondLst>
+                                            <p:cond delay="0"/>
+                                          </p:stCondLst>
+                                        </p:cTn>
+                                        <p:tgtEl>
+                                          <p:spTgt spid="3"/>
+                                        </p:tgtEl>
+                                        <p:attrNameLst>
+                                          <p:attrName>style.visibility</p:attrName>
+                                        </p:attrNameLst>
+                                      </p:cBhvr>
+                                      <p:to>
+                                        <p:strVal val="visible"/>
+                                      </p:to>
+                                    </p:set>
+                                    <p:animEffect transition="in" filter="fade">
+                                      <p:cBhvr>
+                                        <p:cTn id="7" dur="500"/>
+                                        <p:tgtEl>
+                                          <p:spTgt spid="3"/>
+                                        </p:tgtEl>
+                                      </p:cBhvr>
+                                    </p:animEffect>
+                                  </p:childTnLst>
+                                </p:cTn>
+                              </p:par>
+                            </p:childTnLst>
+                          </p:cTn>
+                        </p:par>
+                      </p:childTnLst>
+                    </p:cTn>
+                  </p:par>
+                  <p:par>
+                    <p:cTn id="8" fill="hold">
+                      <p:stCondLst>
+                        <p:cond delay="indefinite"/>
+                      </p:stCondLst>
+                      <p:childTnLst>
+                        <p:par>
+                          <p:cTn id="9" fill="hold">
+                            <p:stCondLst>
+                              <p:cond delay="0"/>
+                            </p:stCondLst>
+                            <p:childTnLst>
+                              <p:par>
+                                <p:cTn id="10" presetID="10" presetClass="entr" presetSubtype="0" fill="hold" grpId="0" nodeType="clickEffect">
+                                  <p:stCondLst>
+                                    <p:cond delay="0"/>
+                                  </p:stCondLst>
+                                  <p:childTnLst>
+                                    <p:set>
+                                      <p:cBhvr>
+                                        <p:cTn id="11" dur="1" fill="hold">
+                                          <p:stCondLst>
+                                            <p:cond delay="0"/>
+                                          </p:stCondLst>
+                                        </p:cTn>
+                                        <p:tgtEl>
+                                          <p:spTgt spid="5"/>
+                                        </p:tgtEl>
+                                        <p:attrNameLst>
+                                          <p:attrName>style.visibility</p:attrName>
+                                        </p:attrNameLst>
+                                      </p:cBhvr>
+                                      <p:to>
+                                        <p:strVal val="visible"/>
+                                      </p:to>
+                                    </p:set>
+                                    <p:animEffect transition="in" filter="fade">
+                                      <p:cBhvr>
+                                        <p:cTn id="12" dur="500"/>
+                                        <p:tgtEl>
+                                          <p:spTgt spid="5"/>
+                                        </p:tgtEl>
+                                      </p:cBhvr>
+                                    </p:animEffect>
+                                  </p:childTnLst>
+                                </p:cTn>
+                              </p:par>
+                            </p:childTnLst>
+                          </p:cTn>
+                        </p:par>
+                      </p:childTnLst>
+                    </p:cTn>
+                  </p:par>
+                  <p:par>
+                    <p:cTn id="13" fill="hold">
+                      <p:stCondLst>
+                        <p:cond delay="indefinite"/>
+                      </p:stCondLst>
+                      <p:childTnLst>
+                        <p:par>
+                          <p:cTn id="14" fill="hold">
+                            <p:stCondLst>
+                              <p:cond delay="0"/>
+                            </p:stCondLst>
+                            <p:childTnLst>
+                              <p:par>
+                                <p:cTn id="15" presetID="10" presetClass="entr" presetSubtype="0" fill="hold" nodeType="clickEffect">
+                                  <p:stCondLst>
+                                    <p:cond delay="0"/>
+                                  </p:stCondLst>
+                                  <p:childTnLst>
+                                    <p:set>
+                                      <p:cBhvr>
+                                        <p:cTn id="16" dur="1" fill="hold">
+                                          <p:stCondLst>
+                                            <p:cond delay="0"/>
+                                          </p:stCondLst>
+                                        </p:cTn>
+                                        <p:tgtEl>
+                                          <p:spTgt spid="20"/>
+                                        </p:tgtEl>
+                                        <p:attrNameLst>
+                                          <p:attrName>style.visibility</p:attrName>
+                                        </p:attrNameLst>
+                                      </p:cBhvr>
+                                      <p:to>
+                                        <p:strVal val="visible"/>
+                                      </p:to>
+                                    </p:set>
+                                    <p:animEffect transition="in" filter="fade">
+                                      <p:cBhvr>
+                                        <p:cTn id="17" dur="500"/>
+                                        <p:tgtEl>
+                                          <p:spTgt spid="20"/>
+                                        </p:tgtEl>
+                                      </p:cBhvr>
+                                    </p:animEffect>
+                                  </p:childTnLst>
+                                </p:cTn>
+                              </p:par>
+                            </p:childTnLst>
+                          </p:cTn>
+                        </p:par>
+                      </p:childTnLst>
+                    </p:cTn>
+                  </p:par>
+                </p:childTnLst>
+              </p:cTn>
+              <p:prevCondLst>
+                <p:cond evt="onPrev" delay="0">
+                  <p:tgtEl>
+                    <p:sldTgt/>
+                  </p:tgtEl>
+                </p:cond>
+              </p:prevCondLst>
+              <p:nextCondLst>
+                <p:cond evt="onNext" delay="0">
+                  <p:tgtEl>
+                    <p:sldTgt/>
+                  </p:tgtEl>
+                </p:cond>
+              </p:nextCondLst>
+            </p:seq>
+          </p:childTnLst>
+        </p:cTn>
+      </p:par>
+    </p:tnLst>
+    <p:bldLst>
+      <p:bldP spid="3" grpId="0"/>
+      <p:bldP spid="5" grpId="0"/>
+    </p:bldLst>
+  </p:timing>
 </p:sld>
 </file>
 
@@ -13794,7 +15185,13 @@
       </p:grpSpPr>
       <p:sp>
         <p:nvSpPr>
-          <p:cNvPr id="2" name="Заголовок 1"/>
+          <p:cNvPr id="3" name="Title 2">
+            <a:extLst>
+              <a:ext uri="{FF2B5EF4-FFF2-40B4-BE49-F238E27FC236}">
+                <a16:creationId xmlns:a16="http://schemas.microsoft.com/office/drawing/2014/main" id="{2BA7E791-245A-4F3D-9CC4-DBA083710801}"/>
+              </a:ext>
+            </a:extLst>
+          </p:cNvPr>
           <p:cNvSpPr>
             <a:spLocks noGrp="1"/>
           </p:cNvSpPr>
@@ -13808,52 +15205,8 @@
           <a:lstStyle/>
           <a:p>
             <a:r>
-              <a:rPr lang="ru-RU" dirty="0"/>
-              <a:t>Зачем использовать принципы </a:t>
-            </a:r>
-            <a:r>
               <a:rPr lang="en-US" dirty="0"/>
-              <a:t>S</a:t>
-            </a:r>
-            <a:r>
-              <a:rPr lang="ru-RU" dirty="0"/>
-              <a:t>.</a:t>
-            </a:r>
-            <a:r>
-              <a:rPr lang="en-US" dirty="0"/>
-              <a:t>O</a:t>
-            </a:r>
-            <a:r>
-              <a:rPr lang="ru-RU" dirty="0"/>
-              <a:t>.</a:t>
-            </a:r>
-            <a:r>
-              <a:rPr lang="en-US" dirty="0"/>
-              <a:t>L</a:t>
-            </a:r>
-            <a:r>
-              <a:rPr lang="ru-RU" dirty="0"/>
-              <a:t>.</a:t>
-            </a:r>
-            <a:r>
-              <a:rPr lang="en-US" dirty="0"/>
-              <a:t>I</a:t>
-            </a:r>
-            <a:r>
-              <a:rPr lang="ru-RU" dirty="0"/>
-              <a:t>.</a:t>
-            </a:r>
-            <a:r>
-              <a:rPr lang="en-US" dirty="0"/>
-              <a:t>D</a:t>
-            </a:r>
-            <a:r>
-              <a:rPr lang="ru-RU" dirty="0"/>
-              <a:t>.</a:t>
-            </a:r>
-            <a:r>
-              <a:rPr lang="en-US" dirty="0"/>
-              <a:t>?</a:t>
+              <a:t>Case Study</a:t>
             </a:r>
             <a:endParaRPr lang="ru-RU" dirty="0"/>
           </a:p>
@@ -13861,53 +15214,38 @@
       </p:sp>
       <p:sp>
         <p:nvSpPr>
-          <p:cNvPr id="3" name="Объект 2"/>
-          <p:cNvSpPr>
-            <a:spLocks noGrp="1"/>
-          </p:cNvSpPr>
-          <p:nvPr>
-            <p:ph idx="1"/>
-          </p:nvPr>
-        </p:nvSpPr>
-        <p:spPr/>
-        <p:txBody>
-          <a:bodyPr/>
-          <a:lstStyle/>
-          <a:p>
-            <a:r>
-              <a:rPr lang="ru-RU" dirty="0"/>
-              <a:t>Упрощает повторное использование кода</a:t>
-            </a:r>
-          </a:p>
-          <a:p>
-            <a:r>
-              <a:rPr lang="ru-RU" dirty="0"/>
-              <a:t>Уменьшает связность модулей</a:t>
-            </a:r>
-          </a:p>
-          <a:p>
-            <a:r>
-              <a:rPr lang="ru-RU" dirty="0"/>
-              <a:t>Упрощает написание тестов</a:t>
-            </a:r>
-          </a:p>
-          <a:p>
-            <a:r>
-              <a:rPr lang="ru-RU" dirty="0"/>
-              <a:t>Упрощает внесение изменений в проект</a:t>
-            </a:r>
-          </a:p>
-          <a:p>
-            <a:r>
-              <a:rPr lang="ru-RU" dirty="0"/>
-              <a:t>Уменьшает вероятность ошибок</a:t>
-            </a:r>
-          </a:p>
-        </p:txBody>
-      </p:sp>
-      <p:sp>
-        <p:nvSpPr>
-          <p:cNvPr id="4" name="Номер слайда 3"/>
+          <p:cNvPr id="4" name="Text Placeholder 3">
+            <a:extLst>
+              <a:ext uri="{FF2B5EF4-FFF2-40B4-BE49-F238E27FC236}">
+                <a16:creationId xmlns:a16="http://schemas.microsoft.com/office/drawing/2014/main" id="{E6110768-53B0-43CA-8F80-B44E8B6FCC41}"/>
+              </a:ext>
+            </a:extLst>
+          </p:cNvPr>
+          <p:cNvSpPr>
+            <a:spLocks noGrp="1"/>
+          </p:cNvSpPr>
+          <p:nvPr>
+            <p:ph type="body" idx="1"/>
+          </p:nvPr>
+        </p:nvSpPr>
+        <p:spPr/>
+        <p:txBody>
+          <a:bodyPr/>
+          <a:lstStyle/>
+          <a:p>
+            <a:endParaRPr lang="ru-RU"/>
+          </a:p>
+        </p:txBody>
+      </p:sp>
+      <p:sp>
+        <p:nvSpPr>
+          <p:cNvPr id="2" name="Slide Number Placeholder 1">
+            <a:extLst>
+              <a:ext uri="{FF2B5EF4-FFF2-40B4-BE49-F238E27FC236}">
+                <a16:creationId xmlns:a16="http://schemas.microsoft.com/office/drawing/2014/main" id="{044F7428-7F23-4F61-A02A-C80124C2B9A5}"/>
+              </a:ext>
+            </a:extLst>
+          </p:cNvPr>
           <p:cNvSpPr>
             <a:spLocks noGrp="1"/>
           </p:cNvSpPr>
@@ -13923,6 +15261,1101 @@
             <a:fld id="{CF8E6F4D-2E97-47CB-8591-066566E4FE4D}" type="slidenum">
               <a:rPr lang="ru-RU" smtClean="0"/>
               <a:t>31</a:t>
+            </a:fld>
+            <a:endParaRPr lang="ru-RU"/>
+          </a:p>
+        </p:txBody>
+      </p:sp>
+    </p:spTree>
+    <p:extLst>
+      <p:ext uri="{BB962C8B-B14F-4D97-AF65-F5344CB8AC3E}">
+        <p14:creationId xmlns:p14="http://schemas.microsoft.com/office/powerpoint/2010/main" val="1834200954"/>
+      </p:ext>
+    </p:extLst>
+  </p:cSld>
+  <p:clrMapOvr>
+    <a:masterClrMapping/>
+  </p:clrMapOvr>
+</p:sld>
+</file>
+
+<file path=ppt/slides/slide32.xml><?xml version="1.0" encoding="utf-8"?>
+<p:sld xmlns:a="http://schemas.openxmlformats.org/drawingml/2006/main" xmlns:r="http://schemas.openxmlformats.org/officeDocument/2006/relationships" xmlns:p="http://schemas.openxmlformats.org/presentationml/2006/main">
+  <p:cSld>
+    <p:spTree>
+      <p:nvGrpSpPr>
+        <p:cNvPr id="1" name=""/>
+        <p:cNvGrpSpPr/>
+        <p:nvPr/>
+      </p:nvGrpSpPr>
+      <p:grpSpPr>
+        <a:xfrm>
+          <a:off x="0" y="0"/>
+          <a:ext cx="0" cy="0"/>
+          <a:chOff x="0" y="0"/>
+          <a:chExt cx="0" cy="0"/>
+        </a:xfrm>
+      </p:grpSpPr>
+      <p:sp>
+        <p:nvSpPr>
+          <p:cNvPr id="3" name="Title 2">
+            <a:extLst>
+              <a:ext uri="{FF2B5EF4-FFF2-40B4-BE49-F238E27FC236}">
+                <a16:creationId xmlns:a16="http://schemas.microsoft.com/office/drawing/2014/main" id="{53106B78-A663-4CC5-B880-FE11184238A3}"/>
+              </a:ext>
+            </a:extLst>
+          </p:cNvPr>
+          <p:cNvSpPr>
+            <a:spLocks noGrp="1"/>
+          </p:cNvSpPr>
+          <p:nvPr>
+            <p:ph type="title"/>
+          </p:nvPr>
+        </p:nvSpPr>
+        <p:spPr/>
+        <p:txBody>
+          <a:bodyPr/>
+          <a:lstStyle/>
+          <a:p>
+            <a:r>
+              <a:rPr lang="ru-RU" dirty="0"/>
+              <a:t>Добавление пользователя</a:t>
+            </a:r>
+          </a:p>
+        </p:txBody>
+      </p:sp>
+      <p:sp>
+        <p:nvSpPr>
+          <p:cNvPr id="4" name="Content Placeholder 3">
+            <a:extLst>
+              <a:ext uri="{FF2B5EF4-FFF2-40B4-BE49-F238E27FC236}">
+                <a16:creationId xmlns:a16="http://schemas.microsoft.com/office/drawing/2014/main" id="{9D4FFBEA-13C7-453F-835A-5FDF0C92CBFB}"/>
+              </a:ext>
+            </a:extLst>
+          </p:cNvPr>
+          <p:cNvSpPr>
+            <a:spLocks noGrp="1"/>
+          </p:cNvSpPr>
+          <p:nvPr>
+            <p:ph sz="half" idx="1"/>
+          </p:nvPr>
+        </p:nvSpPr>
+        <p:spPr/>
+        <p:txBody>
+          <a:bodyPr/>
+          <a:lstStyle/>
+          <a:p>
+            <a:r>
+              <a:rPr lang="ru-RU" dirty="0"/>
+              <a:t>Запросить информацию о пользователе и сохранить в БД</a:t>
+            </a:r>
+          </a:p>
+        </p:txBody>
+      </p:sp>
+      <p:sp>
+        <p:nvSpPr>
+          <p:cNvPr id="2" name="Slide Number Placeholder 1">
+            <a:extLst>
+              <a:ext uri="{FF2B5EF4-FFF2-40B4-BE49-F238E27FC236}">
+                <a16:creationId xmlns:a16="http://schemas.microsoft.com/office/drawing/2014/main" id="{7626BAC9-96E1-427B-8C7B-AEA2925A587F}"/>
+              </a:ext>
+            </a:extLst>
+          </p:cNvPr>
+          <p:cNvSpPr>
+            <a:spLocks noGrp="1"/>
+          </p:cNvSpPr>
+          <p:nvPr>
+            <p:ph type="sldNum" sz="quarter" idx="12"/>
+          </p:nvPr>
+        </p:nvSpPr>
+        <p:spPr/>
+        <p:txBody>
+          <a:bodyPr/>
+          <a:lstStyle/>
+          <a:p>
+            <a:fld id="{CF8E6F4D-2E97-47CB-8591-066566E4FE4D}" type="slidenum">
+              <a:rPr lang="ru-RU" smtClean="0"/>
+              <a:t>32</a:t>
+            </a:fld>
+            <a:endParaRPr lang="ru-RU"/>
+          </a:p>
+        </p:txBody>
+      </p:sp>
+      <p:pic>
+        <p:nvPicPr>
+          <p:cNvPr id="3074" name="Picture 2">
+            <a:extLst>
+              <a:ext uri="{FF2B5EF4-FFF2-40B4-BE49-F238E27FC236}">
+                <a16:creationId xmlns:a16="http://schemas.microsoft.com/office/drawing/2014/main" id="{7C015FCC-5954-4247-B88B-D802CF8BDD0F}"/>
+              </a:ext>
+            </a:extLst>
+          </p:cNvPr>
+          <p:cNvPicPr>
+            <a:picLocks noGrp="1" noChangeAspect="1" noChangeArrowheads="1"/>
+          </p:cNvPicPr>
+          <p:nvPr>
+            <p:ph sz="half" idx="2"/>
+          </p:nvPr>
+        </p:nvPicPr>
+        <p:blipFill>
+          <a:blip r:embed="rId2" cstate="print">
+            <a:extLst>
+              <a:ext uri="{28A0092B-C50C-407E-A947-70E740481C1C}">
+                <a14:useLocalDpi xmlns:a14="http://schemas.microsoft.com/office/drawing/2010/main" val="0"/>
+              </a:ext>
+            </a:extLst>
+          </a:blip>
+          <a:srcRect/>
+          <a:stretch>
+            <a:fillRect/>
+          </a:stretch>
+        </p:blipFill>
+        <p:spPr bwMode="auto">
+          <a:xfrm>
+            <a:off x="6339056" y="1825625"/>
+            <a:ext cx="4847887" cy="4351338"/>
+          </a:xfrm>
+          <a:prstGeom prst="rect">
+            <a:avLst/>
+          </a:prstGeom>
+          <a:noFill/>
+          <a:extLst>
+            <a:ext uri="{909E8E84-426E-40DD-AFC4-6F175D3DCCD1}">
+              <a14:hiddenFill xmlns:a14="http://schemas.microsoft.com/office/drawing/2010/main">
+                <a:solidFill>
+                  <a:srgbClr val="FFFFFF"/>
+                </a:solidFill>
+              </a14:hiddenFill>
+            </a:ext>
+          </a:extLst>
+        </p:spPr>
+      </p:pic>
+    </p:spTree>
+    <p:extLst>
+      <p:ext uri="{BB962C8B-B14F-4D97-AF65-F5344CB8AC3E}">
+        <p14:creationId xmlns:p14="http://schemas.microsoft.com/office/powerpoint/2010/main" val="551539535"/>
+      </p:ext>
+    </p:extLst>
+  </p:cSld>
+  <p:clrMapOvr>
+    <a:masterClrMapping/>
+  </p:clrMapOvr>
+</p:sld>
+</file>
+
+<file path=ppt/slides/slide33.xml><?xml version="1.0" encoding="utf-8"?>
+<p:sld xmlns:a="http://schemas.openxmlformats.org/drawingml/2006/main" xmlns:r="http://schemas.openxmlformats.org/officeDocument/2006/relationships" xmlns:p="http://schemas.openxmlformats.org/presentationml/2006/main">
+  <p:cSld>
+    <p:spTree>
+      <p:nvGrpSpPr>
+        <p:cNvPr id="1" name=""/>
+        <p:cNvGrpSpPr/>
+        <p:nvPr/>
+      </p:nvGrpSpPr>
+      <p:grpSpPr>
+        <a:xfrm>
+          <a:off x="0" y="0"/>
+          <a:ext cx="0" cy="0"/>
+          <a:chOff x="0" y="0"/>
+          <a:chExt cx="0" cy="0"/>
+        </a:xfrm>
+      </p:grpSpPr>
+      <p:sp>
+        <p:nvSpPr>
+          <p:cNvPr id="6" name="Title 5">
+            <a:extLst>
+              <a:ext uri="{FF2B5EF4-FFF2-40B4-BE49-F238E27FC236}">
+                <a16:creationId xmlns:a16="http://schemas.microsoft.com/office/drawing/2014/main" id="{70F1A731-B1A1-4441-8226-0B81815939DF}"/>
+              </a:ext>
+            </a:extLst>
+          </p:cNvPr>
+          <p:cNvSpPr>
+            <a:spLocks noGrp="1"/>
+          </p:cNvSpPr>
+          <p:nvPr>
+            <p:ph type="title"/>
+          </p:nvPr>
+        </p:nvSpPr>
+        <p:spPr/>
+        <p:txBody>
+          <a:bodyPr/>
+          <a:lstStyle/>
+          <a:p>
+            <a:r>
+              <a:rPr lang="ru-RU" dirty="0"/>
+              <a:t>Покритикуйте это решение</a:t>
+            </a:r>
+          </a:p>
+        </p:txBody>
+      </p:sp>
+      <p:sp>
+        <p:nvSpPr>
+          <p:cNvPr id="5" name="Slide Number Placeholder 4">
+            <a:extLst>
+              <a:ext uri="{FF2B5EF4-FFF2-40B4-BE49-F238E27FC236}">
+                <a16:creationId xmlns:a16="http://schemas.microsoft.com/office/drawing/2014/main" id="{CC12E22B-223E-45DD-8605-28DED6BAB13C}"/>
+              </a:ext>
+            </a:extLst>
+          </p:cNvPr>
+          <p:cNvSpPr>
+            <a:spLocks noGrp="1"/>
+          </p:cNvSpPr>
+          <p:nvPr>
+            <p:ph type="sldNum" sz="quarter" idx="12"/>
+          </p:nvPr>
+        </p:nvSpPr>
+        <p:spPr/>
+        <p:txBody>
+          <a:bodyPr/>
+          <a:lstStyle/>
+          <a:p>
+            <a:fld id="{CF8E6F4D-2E97-47CB-8591-066566E4FE4D}" type="slidenum">
+              <a:rPr lang="ru-RU" smtClean="0"/>
+              <a:t>33</a:t>
+            </a:fld>
+            <a:endParaRPr lang="ru-RU"/>
+          </a:p>
+        </p:txBody>
+      </p:sp>
+      <p:pic>
+        <p:nvPicPr>
+          <p:cNvPr id="4098" name="Picture 2">
+            <a:extLst>
+              <a:ext uri="{FF2B5EF4-FFF2-40B4-BE49-F238E27FC236}">
+                <a16:creationId xmlns:a16="http://schemas.microsoft.com/office/drawing/2014/main" id="{527C1D0F-BD38-49FC-9D1C-8C0123DF6A39}"/>
+              </a:ext>
+            </a:extLst>
+          </p:cNvPr>
+          <p:cNvPicPr>
+            <a:picLocks noChangeAspect="1" noChangeArrowheads="1"/>
+          </p:cNvPicPr>
+          <p:nvPr/>
+        </p:nvPicPr>
+        <p:blipFill>
+          <a:blip r:embed="rId3" cstate="print">
+            <a:extLst>
+              <a:ext uri="{28A0092B-C50C-407E-A947-70E740481C1C}">
+                <a14:useLocalDpi xmlns:a14="http://schemas.microsoft.com/office/drawing/2010/main" val="0"/>
+              </a:ext>
+            </a:extLst>
+          </a:blip>
+          <a:stretch>
+            <a:fillRect/>
+          </a:stretch>
+        </p:blipFill>
+        <p:spPr bwMode="auto">
+          <a:xfrm>
+            <a:off x="1999828" y="2062413"/>
+            <a:ext cx="7877109" cy="4079876"/>
+          </a:xfrm>
+          <a:prstGeom prst="rect">
+            <a:avLst/>
+          </a:prstGeom>
+          <a:noFill/>
+          <a:extLst>
+            <a:ext uri="{909E8E84-426E-40DD-AFC4-6F175D3DCCD1}">
+              <a14:hiddenFill xmlns:a14="http://schemas.microsoft.com/office/drawing/2010/main">
+                <a:solidFill>
+                  <a:srgbClr val="FFFFFF"/>
+                </a:solidFill>
+              </a14:hiddenFill>
+            </a:ext>
+          </a:extLst>
+        </p:spPr>
+      </p:pic>
+    </p:spTree>
+    <p:extLst>
+      <p:ext uri="{BB962C8B-B14F-4D97-AF65-F5344CB8AC3E}">
+        <p14:creationId xmlns:p14="http://schemas.microsoft.com/office/powerpoint/2010/main" val="2864371388"/>
+      </p:ext>
+    </p:extLst>
+  </p:cSld>
+  <p:clrMapOvr>
+    <a:masterClrMapping/>
+  </p:clrMapOvr>
+</p:sld>
+</file>
+
+<file path=ppt/slides/slide34.xml><?xml version="1.0" encoding="utf-8"?>
+<p:sld xmlns:a="http://schemas.openxmlformats.org/drawingml/2006/main" xmlns:r="http://schemas.openxmlformats.org/officeDocument/2006/relationships" xmlns:p="http://schemas.openxmlformats.org/presentationml/2006/main">
+  <p:cSld>
+    <p:spTree>
+      <p:nvGrpSpPr>
+        <p:cNvPr id="1" name=""/>
+        <p:cNvGrpSpPr/>
+        <p:nvPr/>
+      </p:nvGrpSpPr>
+      <p:grpSpPr>
+        <a:xfrm>
+          <a:off x="0" y="0"/>
+          <a:ext cx="0" cy="0"/>
+          <a:chOff x="0" y="0"/>
+          <a:chExt cx="0" cy="0"/>
+        </a:xfrm>
+      </p:grpSpPr>
+      <p:sp>
+        <p:nvSpPr>
+          <p:cNvPr id="2" name="Title 1">
+            <a:extLst>
+              <a:ext uri="{FF2B5EF4-FFF2-40B4-BE49-F238E27FC236}">
+                <a16:creationId xmlns:a16="http://schemas.microsoft.com/office/drawing/2014/main" id="{081FA659-CDE8-4965-812F-D51CE184CECD}"/>
+              </a:ext>
+            </a:extLst>
+          </p:cNvPr>
+          <p:cNvSpPr>
+            <a:spLocks noGrp="1"/>
+          </p:cNvSpPr>
+          <p:nvPr>
+            <p:ph type="title"/>
+          </p:nvPr>
+        </p:nvSpPr>
+        <p:spPr/>
+        <p:txBody>
+          <a:bodyPr/>
+          <a:lstStyle/>
+          <a:p>
+            <a:r>
+              <a:rPr lang="ru-RU" dirty="0"/>
+              <a:t>Абстрагируем получение информации о пользователе</a:t>
+            </a:r>
+          </a:p>
+        </p:txBody>
+      </p:sp>
+      <p:sp>
+        <p:nvSpPr>
+          <p:cNvPr id="3" name="Slide Number Placeholder 2">
+            <a:extLst>
+              <a:ext uri="{FF2B5EF4-FFF2-40B4-BE49-F238E27FC236}">
+                <a16:creationId xmlns:a16="http://schemas.microsoft.com/office/drawing/2014/main" id="{8AE76E04-21F3-4762-B614-9E4455042638}"/>
+              </a:ext>
+            </a:extLst>
+          </p:cNvPr>
+          <p:cNvSpPr>
+            <a:spLocks noGrp="1"/>
+          </p:cNvSpPr>
+          <p:nvPr>
+            <p:ph type="sldNum" sz="quarter" idx="12"/>
+          </p:nvPr>
+        </p:nvSpPr>
+        <p:spPr/>
+        <p:txBody>
+          <a:bodyPr/>
+          <a:lstStyle/>
+          <a:p>
+            <a:fld id="{CF8E6F4D-2E97-47CB-8591-066566E4FE4D}" type="slidenum">
+              <a:rPr lang="ru-RU" smtClean="0"/>
+              <a:t>34</a:t>
+            </a:fld>
+            <a:endParaRPr lang="ru-RU"/>
+          </a:p>
+        </p:txBody>
+      </p:sp>
+      <p:pic>
+        <p:nvPicPr>
+          <p:cNvPr id="5124" name="Picture 4">
+            <a:extLst>
+              <a:ext uri="{FF2B5EF4-FFF2-40B4-BE49-F238E27FC236}">
+                <a16:creationId xmlns:a16="http://schemas.microsoft.com/office/drawing/2014/main" id="{910DEED2-4F52-4837-AF56-B22186FEF557}"/>
+              </a:ext>
+            </a:extLst>
+          </p:cNvPr>
+          <p:cNvPicPr>
+            <a:picLocks noChangeAspect="1" noChangeArrowheads="1"/>
+          </p:cNvPicPr>
+          <p:nvPr/>
+        </p:nvPicPr>
+        <p:blipFill>
+          <a:blip r:embed="rId2" cstate="print">
+            <a:extLst>
+              <a:ext uri="{28A0092B-C50C-407E-A947-70E740481C1C}">
+                <a14:useLocalDpi xmlns:a14="http://schemas.microsoft.com/office/drawing/2010/main" val="0"/>
+              </a:ext>
+            </a:extLst>
+          </a:blip>
+          <a:stretch>
+            <a:fillRect/>
+          </a:stretch>
+        </p:blipFill>
+        <p:spPr bwMode="auto">
+          <a:xfrm>
+            <a:off x="1147763" y="2119563"/>
+            <a:ext cx="9629775" cy="4387349"/>
+          </a:xfrm>
+          <a:prstGeom prst="rect">
+            <a:avLst/>
+          </a:prstGeom>
+          <a:noFill/>
+          <a:extLst>
+            <a:ext uri="{909E8E84-426E-40DD-AFC4-6F175D3DCCD1}">
+              <a14:hiddenFill xmlns:a14="http://schemas.microsoft.com/office/drawing/2010/main">
+                <a:solidFill>
+                  <a:srgbClr val="FFFFFF"/>
+                </a:solidFill>
+              </a14:hiddenFill>
+            </a:ext>
+          </a:extLst>
+        </p:spPr>
+      </p:pic>
+    </p:spTree>
+    <p:extLst>
+      <p:ext uri="{BB962C8B-B14F-4D97-AF65-F5344CB8AC3E}">
+        <p14:creationId xmlns:p14="http://schemas.microsoft.com/office/powerpoint/2010/main" val="3822083134"/>
+      </p:ext>
+    </p:extLst>
+  </p:cSld>
+  <p:clrMapOvr>
+    <a:masterClrMapping/>
+  </p:clrMapOvr>
+</p:sld>
+</file>
+
+<file path=ppt/slides/slide35.xml><?xml version="1.0" encoding="utf-8"?>
+<p:sld xmlns:a="http://schemas.openxmlformats.org/drawingml/2006/main" xmlns:r="http://schemas.openxmlformats.org/officeDocument/2006/relationships" xmlns:p="http://schemas.openxmlformats.org/presentationml/2006/main">
+  <p:cSld>
+    <p:spTree>
+      <p:nvGrpSpPr>
+        <p:cNvPr id="1" name=""/>
+        <p:cNvGrpSpPr/>
+        <p:nvPr/>
+      </p:nvGrpSpPr>
+      <p:grpSpPr>
+        <a:xfrm>
+          <a:off x="0" y="0"/>
+          <a:ext cx="0" cy="0"/>
+          <a:chOff x="0" y="0"/>
+          <a:chExt cx="0" cy="0"/>
+        </a:xfrm>
+      </p:grpSpPr>
+      <p:sp>
+        <p:nvSpPr>
+          <p:cNvPr id="3" name="Slide Number Placeholder 2">
+            <a:extLst>
+              <a:ext uri="{FF2B5EF4-FFF2-40B4-BE49-F238E27FC236}">
+                <a16:creationId xmlns:a16="http://schemas.microsoft.com/office/drawing/2014/main" id="{3A7B1273-6480-4241-A39A-3A43E67E8438}"/>
+              </a:ext>
+            </a:extLst>
+          </p:cNvPr>
+          <p:cNvSpPr>
+            <a:spLocks noGrp="1"/>
+          </p:cNvSpPr>
+          <p:nvPr>
+            <p:ph type="sldNum" sz="quarter" idx="12"/>
+          </p:nvPr>
+        </p:nvSpPr>
+        <p:spPr/>
+        <p:txBody>
+          <a:bodyPr/>
+          <a:lstStyle/>
+          <a:p>
+            <a:fld id="{CF8E6F4D-2E97-47CB-8591-066566E4FE4D}" type="slidenum">
+              <a:rPr lang="ru-RU" smtClean="0"/>
+              <a:t>35</a:t>
+            </a:fld>
+            <a:endParaRPr lang="ru-RU"/>
+          </a:p>
+        </p:txBody>
+      </p:sp>
+      <p:pic>
+        <p:nvPicPr>
+          <p:cNvPr id="6146" name="Picture 2">
+            <a:extLst>
+              <a:ext uri="{FF2B5EF4-FFF2-40B4-BE49-F238E27FC236}">
+                <a16:creationId xmlns:a16="http://schemas.microsoft.com/office/drawing/2014/main" id="{636C95E5-F1C8-4BC5-8AA7-4CF1AC6C435A}"/>
+              </a:ext>
+            </a:extLst>
+          </p:cNvPr>
+          <p:cNvPicPr>
+            <a:picLocks noChangeAspect="1" noChangeArrowheads="1"/>
+          </p:cNvPicPr>
+          <p:nvPr/>
+        </p:nvPicPr>
+        <p:blipFill>
+          <a:blip r:embed="rId3" cstate="print">
+            <a:extLst>
+              <a:ext uri="{28A0092B-C50C-407E-A947-70E740481C1C}">
+                <a14:useLocalDpi xmlns:a14="http://schemas.microsoft.com/office/drawing/2010/main" val="0"/>
+              </a:ext>
+            </a:extLst>
+          </a:blip>
+          <a:stretch>
+            <a:fillRect/>
+          </a:stretch>
+        </p:blipFill>
+        <p:spPr bwMode="auto">
+          <a:xfrm>
+            <a:off x="2000250" y="30276"/>
+            <a:ext cx="7983112" cy="6624524"/>
+          </a:xfrm>
+          <a:prstGeom prst="rect">
+            <a:avLst/>
+          </a:prstGeom>
+          <a:noFill/>
+          <a:extLst>
+            <a:ext uri="{909E8E84-426E-40DD-AFC4-6F175D3DCCD1}">
+              <a14:hiddenFill xmlns:a14="http://schemas.microsoft.com/office/drawing/2010/main">
+                <a:solidFill>
+                  <a:srgbClr val="FFFFFF"/>
+                </a:solidFill>
+              </a14:hiddenFill>
+            </a:ext>
+          </a:extLst>
+        </p:spPr>
+      </p:pic>
+    </p:spTree>
+    <p:extLst>
+      <p:ext uri="{BB962C8B-B14F-4D97-AF65-F5344CB8AC3E}">
+        <p14:creationId xmlns:p14="http://schemas.microsoft.com/office/powerpoint/2010/main" val="785981099"/>
+      </p:ext>
+    </p:extLst>
+  </p:cSld>
+  <p:clrMapOvr>
+    <a:masterClrMapping/>
+  </p:clrMapOvr>
+</p:sld>
+</file>
+
+<file path=ppt/slides/slide36.xml><?xml version="1.0" encoding="utf-8"?>
+<p:sld xmlns:a="http://schemas.openxmlformats.org/drawingml/2006/main" xmlns:r="http://schemas.openxmlformats.org/officeDocument/2006/relationships" xmlns:p="http://schemas.openxmlformats.org/presentationml/2006/main">
+  <p:cSld>
+    <p:spTree>
+      <p:nvGrpSpPr>
+        <p:cNvPr id="1" name=""/>
+        <p:cNvGrpSpPr/>
+        <p:nvPr/>
+      </p:nvGrpSpPr>
+      <p:grpSpPr>
+        <a:xfrm>
+          <a:off x="0" y="0"/>
+          <a:ext cx="0" cy="0"/>
+          <a:chOff x="0" y="0"/>
+          <a:chExt cx="0" cy="0"/>
+        </a:xfrm>
+      </p:grpSpPr>
+      <p:sp>
+        <p:nvSpPr>
+          <p:cNvPr id="2" name="Slide Number Placeholder 1">
+            <a:extLst>
+              <a:ext uri="{FF2B5EF4-FFF2-40B4-BE49-F238E27FC236}">
+                <a16:creationId xmlns:a16="http://schemas.microsoft.com/office/drawing/2014/main" id="{49D5E9F7-5402-4A6B-B2E9-B5AB5C15061A}"/>
+              </a:ext>
+            </a:extLst>
+          </p:cNvPr>
+          <p:cNvSpPr>
+            <a:spLocks noGrp="1"/>
+          </p:cNvSpPr>
+          <p:nvPr>
+            <p:ph type="sldNum" sz="quarter" idx="12"/>
+          </p:nvPr>
+        </p:nvSpPr>
+        <p:spPr/>
+        <p:txBody>
+          <a:bodyPr/>
+          <a:lstStyle/>
+          <a:p>
+            <a:fld id="{CF8E6F4D-2E97-47CB-8591-066566E4FE4D}" type="slidenum">
+              <a:rPr lang="ru-RU" smtClean="0"/>
+              <a:t>36</a:t>
+            </a:fld>
+            <a:endParaRPr lang="ru-RU"/>
+          </a:p>
+        </p:txBody>
+      </p:sp>
+      <p:pic>
+        <p:nvPicPr>
+          <p:cNvPr id="7170" name="Picture 2">
+            <a:extLst>
+              <a:ext uri="{FF2B5EF4-FFF2-40B4-BE49-F238E27FC236}">
+                <a16:creationId xmlns:a16="http://schemas.microsoft.com/office/drawing/2014/main" id="{C1BE43AF-0717-445A-9E2B-CCDCCF0847B2}"/>
+              </a:ext>
+            </a:extLst>
+          </p:cNvPr>
+          <p:cNvPicPr>
+            <a:picLocks noChangeAspect="1" noChangeArrowheads="1"/>
+          </p:cNvPicPr>
+          <p:nvPr/>
+        </p:nvPicPr>
+        <p:blipFill>
+          <a:blip r:embed="rId2" cstate="print">
+            <a:extLst>
+              <a:ext uri="{28A0092B-C50C-407E-A947-70E740481C1C}">
+                <a14:useLocalDpi xmlns:a14="http://schemas.microsoft.com/office/drawing/2010/main" val="0"/>
+              </a:ext>
+            </a:extLst>
+          </a:blip>
+          <a:srcRect/>
+          <a:stretch>
+            <a:fillRect/>
+          </a:stretch>
+        </p:blipFill>
+        <p:spPr bwMode="auto">
+          <a:xfrm>
+            <a:off x="2466975" y="90488"/>
+            <a:ext cx="7258050" cy="6677025"/>
+          </a:xfrm>
+          <a:prstGeom prst="rect">
+            <a:avLst/>
+          </a:prstGeom>
+          <a:noFill/>
+          <a:extLst>
+            <a:ext uri="{909E8E84-426E-40DD-AFC4-6F175D3DCCD1}">
+              <a14:hiddenFill xmlns:a14="http://schemas.microsoft.com/office/drawing/2010/main">
+                <a:solidFill>
+                  <a:srgbClr val="FFFFFF"/>
+                </a:solidFill>
+              </a14:hiddenFill>
+            </a:ext>
+          </a:extLst>
+        </p:spPr>
+      </p:pic>
+    </p:spTree>
+    <p:extLst>
+      <p:ext uri="{BB962C8B-B14F-4D97-AF65-F5344CB8AC3E}">
+        <p14:creationId xmlns:p14="http://schemas.microsoft.com/office/powerpoint/2010/main" val="919558729"/>
+      </p:ext>
+    </p:extLst>
+  </p:cSld>
+  <p:clrMapOvr>
+    <a:masterClrMapping/>
+  </p:clrMapOvr>
+</p:sld>
+</file>
+
+<file path=ppt/slides/slide37.xml><?xml version="1.0" encoding="utf-8"?>
+<p:sld xmlns:a="http://schemas.openxmlformats.org/drawingml/2006/main" xmlns:r="http://schemas.openxmlformats.org/officeDocument/2006/relationships" xmlns:p="http://schemas.openxmlformats.org/presentationml/2006/main">
+  <p:cSld>
+    <p:spTree>
+      <p:nvGrpSpPr>
+        <p:cNvPr id="1" name=""/>
+        <p:cNvGrpSpPr/>
+        <p:nvPr/>
+      </p:nvGrpSpPr>
+      <p:grpSpPr>
+        <a:xfrm>
+          <a:off x="0" y="0"/>
+          <a:ext cx="0" cy="0"/>
+          <a:chOff x="0" y="0"/>
+          <a:chExt cx="0" cy="0"/>
+        </a:xfrm>
+      </p:grpSpPr>
+      <p:sp>
+        <p:nvSpPr>
+          <p:cNvPr id="2" name="Slide Number Placeholder 1">
+            <a:extLst>
+              <a:ext uri="{FF2B5EF4-FFF2-40B4-BE49-F238E27FC236}">
+                <a16:creationId xmlns:a16="http://schemas.microsoft.com/office/drawing/2014/main" id="{FC7098A8-0A88-478B-A1D3-C184105EDAB0}"/>
+              </a:ext>
+            </a:extLst>
+          </p:cNvPr>
+          <p:cNvSpPr>
+            <a:spLocks noGrp="1"/>
+          </p:cNvSpPr>
+          <p:nvPr>
+            <p:ph type="sldNum" sz="quarter" idx="12"/>
+          </p:nvPr>
+        </p:nvSpPr>
+        <p:spPr/>
+        <p:txBody>
+          <a:bodyPr/>
+          <a:lstStyle/>
+          <a:p>
+            <a:fld id="{CF8E6F4D-2E97-47CB-8591-066566E4FE4D}" type="slidenum">
+              <a:rPr lang="ru-RU" smtClean="0"/>
+              <a:t>37</a:t>
+            </a:fld>
+            <a:endParaRPr lang="ru-RU"/>
+          </a:p>
+        </p:txBody>
+      </p:sp>
+      <p:pic>
+        <p:nvPicPr>
+          <p:cNvPr id="8196" name="Picture 4">
+            <a:extLst>
+              <a:ext uri="{FF2B5EF4-FFF2-40B4-BE49-F238E27FC236}">
+                <a16:creationId xmlns:a16="http://schemas.microsoft.com/office/drawing/2014/main" id="{E7400CB9-D253-4653-8D99-599F8887316E}"/>
+              </a:ext>
+            </a:extLst>
+          </p:cNvPr>
+          <p:cNvPicPr>
+            <a:picLocks noChangeAspect="1" noChangeArrowheads="1"/>
+          </p:cNvPicPr>
+          <p:nvPr/>
+        </p:nvPicPr>
+        <p:blipFill>
+          <a:blip r:embed="rId2" cstate="print">
+            <a:extLst>
+              <a:ext uri="{28A0092B-C50C-407E-A947-70E740481C1C}">
+                <a14:useLocalDpi xmlns:a14="http://schemas.microsoft.com/office/drawing/2010/main" val="0"/>
+              </a:ext>
+            </a:extLst>
+          </a:blip>
+          <a:stretch>
+            <a:fillRect/>
+          </a:stretch>
+        </p:blipFill>
+        <p:spPr bwMode="auto">
+          <a:xfrm>
+            <a:off x="560606" y="0"/>
+            <a:ext cx="11069200" cy="6858000"/>
+          </a:xfrm>
+          <a:prstGeom prst="rect">
+            <a:avLst/>
+          </a:prstGeom>
+          <a:noFill/>
+          <a:extLst>
+            <a:ext uri="{909E8E84-426E-40DD-AFC4-6F175D3DCCD1}">
+              <a14:hiddenFill xmlns:a14="http://schemas.microsoft.com/office/drawing/2010/main">
+                <a:solidFill>
+                  <a:srgbClr val="FFFFFF"/>
+                </a:solidFill>
+              </a14:hiddenFill>
+            </a:ext>
+          </a:extLst>
+        </p:spPr>
+      </p:pic>
+    </p:spTree>
+    <p:extLst>
+      <p:ext uri="{BB962C8B-B14F-4D97-AF65-F5344CB8AC3E}">
+        <p14:creationId xmlns:p14="http://schemas.microsoft.com/office/powerpoint/2010/main" val="1781934735"/>
+      </p:ext>
+    </p:extLst>
+  </p:cSld>
+  <p:clrMapOvr>
+    <a:masterClrMapping/>
+  </p:clrMapOvr>
+</p:sld>
+</file>
+
+<file path=ppt/slides/slide38.xml><?xml version="1.0" encoding="utf-8"?>
+<p:sld xmlns:a="http://schemas.openxmlformats.org/drawingml/2006/main" xmlns:r="http://schemas.openxmlformats.org/officeDocument/2006/relationships" xmlns:p="http://schemas.openxmlformats.org/presentationml/2006/main">
+  <p:cSld>
+    <p:spTree>
+      <p:nvGrpSpPr>
+        <p:cNvPr id="1" name=""/>
+        <p:cNvGrpSpPr/>
+        <p:nvPr/>
+      </p:nvGrpSpPr>
+      <p:grpSpPr>
+        <a:xfrm>
+          <a:off x="0" y="0"/>
+          <a:ext cx="0" cy="0"/>
+          <a:chOff x="0" y="0"/>
+          <a:chExt cx="0" cy="0"/>
+        </a:xfrm>
+      </p:grpSpPr>
+      <p:sp>
+        <p:nvSpPr>
+          <p:cNvPr id="3" name="Заголовок 2"/>
+          <p:cNvSpPr>
+            <a:spLocks noGrp="1"/>
+          </p:cNvSpPr>
+          <p:nvPr>
+            <p:ph type="title"/>
+          </p:nvPr>
+        </p:nvSpPr>
+        <p:spPr/>
+        <p:txBody>
+          <a:bodyPr/>
+          <a:lstStyle/>
+          <a:p>
+            <a:r>
+              <a:rPr lang="ru-RU" dirty="0"/>
+              <a:t>Итоги</a:t>
+            </a:r>
+          </a:p>
+        </p:txBody>
+      </p:sp>
+      <p:sp>
+        <p:nvSpPr>
+          <p:cNvPr id="4" name="Текст 3"/>
+          <p:cNvSpPr>
+            <a:spLocks noGrp="1"/>
+          </p:cNvSpPr>
+          <p:nvPr>
+            <p:ph type="body" idx="1"/>
+          </p:nvPr>
+        </p:nvSpPr>
+        <p:spPr/>
+        <p:txBody>
+          <a:bodyPr/>
+          <a:lstStyle/>
+          <a:p>
+            <a:r>
+              <a:rPr lang="ru-RU" dirty="0"/>
+              <a:t>Достоинства</a:t>
+            </a:r>
+          </a:p>
+        </p:txBody>
+      </p:sp>
+      <p:sp>
+        <p:nvSpPr>
+          <p:cNvPr id="5" name="Объект 4"/>
+          <p:cNvSpPr>
+            <a:spLocks noGrp="1"/>
+          </p:cNvSpPr>
+          <p:nvPr>
+            <p:ph sz="half" idx="2"/>
+          </p:nvPr>
+        </p:nvSpPr>
+        <p:spPr/>
+        <p:txBody>
+          <a:bodyPr/>
+          <a:lstStyle/>
+          <a:p>
+            <a:r>
+              <a:rPr lang="ru-RU" dirty="0"/>
+              <a:t>Уменьшается хрупкость</a:t>
+            </a:r>
+          </a:p>
+          <a:p>
+            <a:r>
+              <a:rPr lang="ru-RU" dirty="0"/>
+              <a:t>Упрощается повторное использование кода</a:t>
+            </a:r>
+          </a:p>
+          <a:p>
+            <a:pPr lvl="1"/>
+            <a:r>
+              <a:rPr lang="ru-RU" dirty="0"/>
+              <a:t>Ослабляются связи между классами</a:t>
+            </a:r>
+          </a:p>
+          <a:p>
+            <a:r>
+              <a:rPr lang="ru-RU" dirty="0"/>
+              <a:t>Упрощается тестируемость</a:t>
+            </a:r>
+          </a:p>
+        </p:txBody>
+      </p:sp>
+      <p:sp>
+        <p:nvSpPr>
+          <p:cNvPr id="6" name="Текст 5"/>
+          <p:cNvSpPr>
+            <a:spLocks noGrp="1"/>
+          </p:cNvSpPr>
+          <p:nvPr>
+            <p:ph type="body" sz="quarter" idx="3"/>
+          </p:nvPr>
+        </p:nvSpPr>
+        <p:spPr/>
+        <p:txBody>
+          <a:bodyPr/>
+          <a:lstStyle/>
+          <a:p>
+            <a:r>
+              <a:rPr lang="ru-RU"/>
+              <a:t>Трудности</a:t>
+            </a:r>
+            <a:endParaRPr lang="ru-RU" dirty="0"/>
+          </a:p>
+        </p:txBody>
+      </p:sp>
+      <p:sp>
+        <p:nvSpPr>
+          <p:cNvPr id="7" name="Объект 6"/>
+          <p:cNvSpPr>
+            <a:spLocks noGrp="1"/>
+          </p:cNvSpPr>
+          <p:nvPr>
+            <p:ph sz="quarter" idx="4"/>
+          </p:nvPr>
+        </p:nvSpPr>
+        <p:spPr/>
+        <p:txBody>
+          <a:bodyPr/>
+          <a:lstStyle/>
+          <a:p>
+            <a:r>
+              <a:rPr lang="ru-RU" dirty="0"/>
+              <a:t>Не все зависимости целесообразно инвертировать</a:t>
+            </a:r>
+          </a:p>
+        </p:txBody>
+      </p:sp>
+      <p:sp>
+        <p:nvSpPr>
+          <p:cNvPr id="2" name="Номер слайда 1"/>
+          <p:cNvSpPr>
+            <a:spLocks noGrp="1"/>
+          </p:cNvSpPr>
+          <p:nvPr>
+            <p:ph type="sldNum" sz="quarter" idx="12"/>
+          </p:nvPr>
+        </p:nvSpPr>
+        <p:spPr/>
+        <p:txBody>
+          <a:bodyPr/>
+          <a:lstStyle/>
+          <a:p>
+            <a:fld id="{CF8E6F4D-2E97-47CB-8591-066566E4FE4D}" type="slidenum">
+              <a:rPr lang="ru-RU" smtClean="0"/>
+              <a:t>38</a:t>
+            </a:fld>
+            <a:endParaRPr lang="ru-RU"/>
+          </a:p>
+        </p:txBody>
+      </p:sp>
+    </p:spTree>
+    <p:extLst>
+      <p:ext uri="{BB962C8B-B14F-4D97-AF65-F5344CB8AC3E}">
+        <p14:creationId xmlns:p14="http://schemas.microsoft.com/office/powerpoint/2010/main" val="1219010402"/>
+      </p:ext>
+    </p:extLst>
+  </p:cSld>
+  <p:clrMapOvr>
+    <a:masterClrMapping/>
+  </p:clrMapOvr>
+</p:sld>
+</file>
+
+<file path=ppt/slides/slide39.xml><?xml version="1.0" encoding="utf-8"?>
+<p:sld xmlns:a="http://schemas.openxmlformats.org/drawingml/2006/main" xmlns:r="http://schemas.openxmlformats.org/officeDocument/2006/relationships" xmlns:p="http://schemas.openxmlformats.org/presentationml/2006/main">
+  <p:cSld>
+    <p:spTree>
+      <p:nvGrpSpPr>
+        <p:cNvPr id="1" name=""/>
+        <p:cNvGrpSpPr/>
+        <p:nvPr/>
+      </p:nvGrpSpPr>
+      <p:grpSpPr>
+        <a:xfrm>
+          <a:off x="0" y="0"/>
+          <a:ext cx="0" cy="0"/>
+          <a:chOff x="0" y="0"/>
+          <a:chExt cx="0" cy="0"/>
+        </a:xfrm>
+      </p:grpSpPr>
+      <p:sp>
+        <p:nvSpPr>
+          <p:cNvPr id="2" name="Заголовок 1"/>
+          <p:cNvSpPr>
+            <a:spLocks noGrp="1"/>
+          </p:cNvSpPr>
+          <p:nvPr>
+            <p:ph type="title"/>
+          </p:nvPr>
+        </p:nvSpPr>
+        <p:spPr/>
+        <p:txBody>
+          <a:bodyPr/>
+          <a:lstStyle/>
+          <a:p>
+            <a:r>
+              <a:rPr lang="ru-RU" dirty="0"/>
+              <a:t>Зачем использовать принципы </a:t>
+            </a:r>
+            <a:r>
+              <a:rPr lang="en-US" dirty="0"/>
+              <a:t>S</a:t>
+            </a:r>
+            <a:r>
+              <a:rPr lang="ru-RU" dirty="0"/>
+              <a:t>.</a:t>
+            </a:r>
+            <a:r>
+              <a:rPr lang="en-US" dirty="0"/>
+              <a:t>O</a:t>
+            </a:r>
+            <a:r>
+              <a:rPr lang="ru-RU" dirty="0"/>
+              <a:t>.</a:t>
+            </a:r>
+            <a:r>
+              <a:rPr lang="en-US" dirty="0"/>
+              <a:t>L</a:t>
+            </a:r>
+            <a:r>
+              <a:rPr lang="ru-RU" dirty="0"/>
+              <a:t>.</a:t>
+            </a:r>
+            <a:r>
+              <a:rPr lang="en-US" dirty="0"/>
+              <a:t>I</a:t>
+            </a:r>
+            <a:r>
+              <a:rPr lang="ru-RU" dirty="0"/>
+              <a:t>.</a:t>
+            </a:r>
+            <a:r>
+              <a:rPr lang="en-US" dirty="0"/>
+              <a:t>D</a:t>
+            </a:r>
+            <a:r>
+              <a:rPr lang="ru-RU" dirty="0"/>
+              <a:t>.</a:t>
+            </a:r>
+            <a:r>
+              <a:rPr lang="en-US" dirty="0"/>
+              <a:t>?</a:t>
+            </a:r>
+            <a:endParaRPr lang="ru-RU" dirty="0"/>
+          </a:p>
+        </p:txBody>
+      </p:sp>
+      <p:sp>
+        <p:nvSpPr>
+          <p:cNvPr id="3" name="Объект 2"/>
+          <p:cNvSpPr>
+            <a:spLocks noGrp="1"/>
+          </p:cNvSpPr>
+          <p:nvPr>
+            <p:ph idx="1"/>
+          </p:nvPr>
+        </p:nvSpPr>
+        <p:spPr/>
+        <p:txBody>
+          <a:bodyPr/>
+          <a:lstStyle/>
+          <a:p>
+            <a:r>
+              <a:rPr lang="ru-RU" dirty="0"/>
+              <a:t>Упрощает повторное использование кода</a:t>
+            </a:r>
+          </a:p>
+          <a:p>
+            <a:r>
+              <a:rPr lang="ru-RU" dirty="0"/>
+              <a:t>Уменьшает связность модулей</a:t>
+            </a:r>
+          </a:p>
+          <a:p>
+            <a:r>
+              <a:rPr lang="ru-RU" dirty="0"/>
+              <a:t>Упрощает написание тестов</a:t>
+            </a:r>
+          </a:p>
+          <a:p>
+            <a:r>
+              <a:rPr lang="ru-RU" dirty="0"/>
+              <a:t>Упрощает внесение изменений в проект</a:t>
+            </a:r>
+          </a:p>
+          <a:p>
+            <a:r>
+              <a:rPr lang="ru-RU" dirty="0"/>
+              <a:t>Уменьшает вероятность ошибок</a:t>
+            </a:r>
+          </a:p>
+        </p:txBody>
+      </p:sp>
+      <p:sp>
+        <p:nvSpPr>
+          <p:cNvPr id="4" name="Номер слайда 3"/>
+          <p:cNvSpPr>
+            <a:spLocks noGrp="1"/>
+          </p:cNvSpPr>
+          <p:nvPr>
+            <p:ph type="sldNum" sz="quarter" idx="12"/>
+          </p:nvPr>
+        </p:nvSpPr>
+        <p:spPr/>
+        <p:txBody>
+          <a:bodyPr/>
+          <a:lstStyle/>
+          <a:p>
+            <a:fld id="{CF8E6F4D-2E97-47CB-8591-066566E4FE4D}" type="slidenum">
+              <a:rPr lang="ru-RU" smtClean="0"/>
+              <a:t>39</a:t>
             </a:fld>
             <a:endParaRPr lang="ru-RU"/>
           </a:p>
@@ -14219,232 +16652,6 @@
 </p:sld>
 </file>
 
-<file path=ppt/slides/slide32.xml><?xml version="1.0" encoding="utf-8"?>
-<p:sld xmlns:a="http://schemas.openxmlformats.org/drawingml/2006/main" xmlns:r="http://schemas.openxmlformats.org/officeDocument/2006/relationships" xmlns:p="http://schemas.openxmlformats.org/presentationml/2006/main">
-  <p:cSld>
-    <p:spTree>
-      <p:nvGrpSpPr>
-        <p:cNvPr id="1" name=""/>
-        <p:cNvGrpSpPr/>
-        <p:nvPr/>
-      </p:nvGrpSpPr>
-      <p:grpSpPr>
-        <a:xfrm>
-          <a:off x="0" y="0"/>
-          <a:ext cx="0" cy="0"/>
-          <a:chOff x="0" y="0"/>
-          <a:chExt cx="0" cy="0"/>
-        </a:xfrm>
-      </p:grpSpPr>
-      <p:sp>
-        <p:nvSpPr>
-          <p:cNvPr id="3" name="Заголовок 2"/>
-          <p:cNvSpPr>
-            <a:spLocks noGrp="1"/>
-          </p:cNvSpPr>
-          <p:nvPr>
-            <p:ph type="title"/>
-          </p:nvPr>
-        </p:nvSpPr>
-        <p:spPr/>
-        <p:txBody>
-          <a:bodyPr/>
-          <a:lstStyle/>
-          <a:p>
-            <a:r>
-              <a:rPr lang="ru-RU" dirty="0"/>
-              <a:t>Источники и дополнительные материалы</a:t>
-            </a:r>
-          </a:p>
-        </p:txBody>
-      </p:sp>
-      <p:sp>
-        <p:nvSpPr>
-          <p:cNvPr id="4" name="Объект 3"/>
-          <p:cNvSpPr>
-            <a:spLocks noGrp="1"/>
-          </p:cNvSpPr>
-          <p:nvPr>
-            <p:ph idx="1"/>
-          </p:nvPr>
-        </p:nvSpPr>
-        <p:spPr/>
-        <p:txBody>
-          <a:bodyPr/>
-          <a:lstStyle/>
-          <a:p>
-            <a:r>
-              <a:rPr lang="ru-RU" dirty="0"/>
-              <a:t>Книга Роберта Мартина «</a:t>
-            </a:r>
-            <a:r>
-              <a:rPr lang="en-US" dirty="0"/>
-              <a:t>Clean Architecture: A Craftsman's Guide to Software Structure and Design</a:t>
-            </a:r>
-            <a:r>
-              <a:rPr lang="ru-RU" dirty="0"/>
-              <a:t>»</a:t>
-            </a:r>
-            <a:endParaRPr lang="en-US" dirty="0"/>
-          </a:p>
-          <a:p>
-            <a:r>
-              <a:rPr lang="ru-RU" dirty="0"/>
-              <a:t>Принципы проектирования классов (</a:t>
-            </a:r>
-            <a:r>
-              <a:rPr lang="en-US" dirty="0"/>
-              <a:t>S.O.L.I.D.)</a:t>
-            </a:r>
-            <a:r>
-              <a:rPr lang="ru-RU" dirty="0"/>
-              <a:t> </a:t>
-            </a:r>
-            <a:r>
-              <a:rPr lang="en-US" dirty="0">
-                <a:hlinkClick r:id="rId3"/>
-              </a:rPr>
-              <a:t>https://blog.byndyu.ru/2009/10/solid.html</a:t>
-            </a:r>
-            <a:endParaRPr lang="ru-RU" dirty="0"/>
-          </a:p>
-        </p:txBody>
-      </p:sp>
-      <p:sp>
-        <p:nvSpPr>
-          <p:cNvPr id="2" name="Номер слайда 1"/>
-          <p:cNvSpPr>
-            <a:spLocks noGrp="1"/>
-          </p:cNvSpPr>
-          <p:nvPr>
-            <p:ph type="sldNum" sz="quarter" idx="12"/>
-          </p:nvPr>
-        </p:nvSpPr>
-        <p:spPr/>
-        <p:txBody>
-          <a:bodyPr/>
-          <a:lstStyle/>
-          <a:p>
-            <a:fld id="{CF8E6F4D-2E97-47CB-8591-066566E4FE4D}" type="slidenum">
-              <a:rPr lang="ru-RU" smtClean="0"/>
-              <a:t>32</a:t>
-            </a:fld>
-            <a:endParaRPr lang="ru-RU"/>
-          </a:p>
-        </p:txBody>
-      </p:sp>
-    </p:spTree>
-    <p:extLst>
-      <p:ext uri="{BB962C8B-B14F-4D97-AF65-F5344CB8AC3E}">
-        <p14:creationId xmlns:p14="http://schemas.microsoft.com/office/powerpoint/2010/main" val="2371115371"/>
-      </p:ext>
-    </p:extLst>
-  </p:cSld>
-  <p:clrMapOvr>
-    <a:masterClrMapping/>
-  </p:clrMapOvr>
-</p:sld>
-</file>
-
-<file path=ppt/slides/slide33.xml><?xml version="1.0" encoding="utf-8"?>
-<p:sld xmlns:a="http://schemas.openxmlformats.org/drawingml/2006/main" xmlns:r="http://schemas.openxmlformats.org/officeDocument/2006/relationships" xmlns:p="http://schemas.openxmlformats.org/presentationml/2006/main">
-  <p:cSld>
-    <p:spTree>
-      <p:nvGrpSpPr>
-        <p:cNvPr id="1" name=""/>
-        <p:cNvGrpSpPr/>
-        <p:nvPr/>
-      </p:nvGrpSpPr>
-      <p:grpSpPr>
-        <a:xfrm>
-          <a:off x="0" y="0"/>
-          <a:ext cx="0" cy="0"/>
-          <a:chOff x="0" y="0"/>
-          <a:chExt cx="0" cy="0"/>
-        </a:xfrm>
-      </p:grpSpPr>
-      <p:sp>
-        <p:nvSpPr>
-          <p:cNvPr id="5" name="Заголовок 4"/>
-          <p:cNvSpPr>
-            <a:spLocks noGrp="1"/>
-          </p:cNvSpPr>
-          <p:nvPr>
-            <p:ph type="title"/>
-          </p:nvPr>
-        </p:nvSpPr>
-        <p:spPr/>
-        <p:txBody>
-          <a:bodyPr/>
-          <a:lstStyle/>
-          <a:p>
-            <a:r>
-              <a:rPr lang="ru-RU" dirty="0"/>
-              <a:t>Спасибо за внимание</a:t>
-            </a:r>
-            <a:r>
-              <a:rPr lang="en-US" dirty="0"/>
-              <a:t>!</a:t>
-            </a:r>
-            <a:endParaRPr lang="ru-RU" dirty="0"/>
-          </a:p>
-        </p:txBody>
-      </p:sp>
-      <p:sp>
-        <p:nvSpPr>
-          <p:cNvPr id="6" name="Текст 5"/>
-          <p:cNvSpPr>
-            <a:spLocks noGrp="1"/>
-          </p:cNvSpPr>
-          <p:nvPr>
-            <p:ph type="body" idx="1"/>
-          </p:nvPr>
-        </p:nvSpPr>
-        <p:spPr/>
-        <p:txBody>
-          <a:bodyPr/>
-          <a:lstStyle/>
-          <a:p>
-            <a:endParaRPr lang="ru-RU" dirty="0"/>
-          </a:p>
-        </p:txBody>
-      </p:sp>
-      <p:sp>
-        <p:nvSpPr>
-          <p:cNvPr id="4" name="Номер слайда 3"/>
-          <p:cNvSpPr>
-            <a:spLocks noGrp="1"/>
-          </p:cNvSpPr>
-          <p:nvPr>
-            <p:ph type="sldNum" sz="quarter" idx="12"/>
-          </p:nvPr>
-        </p:nvSpPr>
-        <p:spPr/>
-        <p:txBody>
-          <a:bodyPr/>
-          <a:lstStyle/>
-          <a:p>
-            <a:fld id="{101F0F8D-F427-43AD-B726-FB6E0A046F58}" type="slidenum">
-              <a:rPr lang="ru-RU" smtClean="0"/>
-              <a:t>33</a:t>
-            </a:fld>
-            <a:endParaRPr lang="ru-RU" dirty="0"/>
-          </a:p>
-        </p:txBody>
-      </p:sp>
-    </p:spTree>
-    <p:extLst>
-      <p:ext uri="{BB962C8B-B14F-4D97-AF65-F5344CB8AC3E}">
-        <p14:creationId xmlns:p14="http://schemas.microsoft.com/office/powerpoint/2010/main" val="448580659"/>
-      </p:ext>
-    </p:extLst>
-  </p:cSld>
-  <p:clrMapOvr>
-    <a:masterClrMapping/>
-  </p:clrMapOvr>
-</p:sld>
-</file>
-
 <file path=ppt/slides/slide4.xml><?xml version="1.0" encoding="utf-8"?>
 <p:sld xmlns:a="http://schemas.openxmlformats.org/drawingml/2006/main" xmlns:r="http://schemas.openxmlformats.org/officeDocument/2006/relationships" xmlns:p="http://schemas.openxmlformats.org/presentationml/2006/main">
   <p:cSld>
@@ -14800,6 +17007,232 @@
       <p:bldP spid="3" grpId="0" uiExpand="1" build="p"/>
     </p:bldLst>
   </p:timing>
+</p:sld>
+</file>
+
+<file path=ppt/slides/slide40.xml><?xml version="1.0" encoding="utf-8"?>
+<p:sld xmlns:a="http://schemas.openxmlformats.org/drawingml/2006/main" xmlns:r="http://schemas.openxmlformats.org/officeDocument/2006/relationships" xmlns:p="http://schemas.openxmlformats.org/presentationml/2006/main">
+  <p:cSld>
+    <p:spTree>
+      <p:nvGrpSpPr>
+        <p:cNvPr id="1" name=""/>
+        <p:cNvGrpSpPr/>
+        <p:nvPr/>
+      </p:nvGrpSpPr>
+      <p:grpSpPr>
+        <a:xfrm>
+          <a:off x="0" y="0"/>
+          <a:ext cx="0" cy="0"/>
+          <a:chOff x="0" y="0"/>
+          <a:chExt cx="0" cy="0"/>
+        </a:xfrm>
+      </p:grpSpPr>
+      <p:sp>
+        <p:nvSpPr>
+          <p:cNvPr id="3" name="Заголовок 2"/>
+          <p:cNvSpPr>
+            <a:spLocks noGrp="1"/>
+          </p:cNvSpPr>
+          <p:nvPr>
+            <p:ph type="title"/>
+          </p:nvPr>
+        </p:nvSpPr>
+        <p:spPr/>
+        <p:txBody>
+          <a:bodyPr/>
+          <a:lstStyle/>
+          <a:p>
+            <a:r>
+              <a:rPr lang="ru-RU" dirty="0"/>
+              <a:t>Источники и дополнительные материалы</a:t>
+            </a:r>
+          </a:p>
+        </p:txBody>
+      </p:sp>
+      <p:sp>
+        <p:nvSpPr>
+          <p:cNvPr id="4" name="Объект 3"/>
+          <p:cNvSpPr>
+            <a:spLocks noGrp="1"/>
+          </p:cNvSpPr>
+          <p:nvPr>
+            <p:ph idx="1"/>
+          </p:nvPr>
+        </p:nvSpPr>
+        <p:spPr/>
+        <p:txBody>
+          <a:bodyPr/>
+          <a:lstStyle/>
+          <a:p>
+            <a:r>
+              <a:rPr lang="ru-RU" dirty="0"/>
+              <a:t>Книга Роберта Мартина «</a:t>
+            </a:r>
+            <a:r>
+              <a:rPr lang="en-US" dirty="0"/>
+              <a:t>Clean Architecture: A Craftsman's Guide to Software Structure and Design</a:t>
+            </a:r>
+            <a:r>
+              <a:rPr lang="ru-RU" dirty="0"/>
+              <a:t>»</a:t>
+            </a:r>
+            <a:endParaRPr lang="en-US" dirty="0"/>
+          </a:p>
+          <a:p>
+            <a:r>
+              <a:rPr lang="ru-RU" dirty="0"/>
+              <a:t>Принципы проектирования классов (</a:t>
+            </a:r>
+            <a:r>
+              <a:rPr lang="en-US" dirty="0"/>
+              <a:t>S.O.L.I.D.)</a:t>
+            </a:r>
+            <a:r>
+              <a:rPr lang="ru-RU" dirty="0"/>
+              <a:t> </a:t>
+            </a:r>
+            <a:r>
+              <a:rPr lang="en-US" dirty="0">
+                <a:hlinkClick r:id="rId3"/>
+              </a:rPr>
+              <a:t>https://blog.byndyu.ru/2009/10/solid.html</a:t>
+            </a:r>
+            <a:endParaRPr lang="ru-RU" dirty="0"/>
+          </a:p>
+        </p:txBody>
+      </p:sp>
+      <p:sp>
+        <p:nvSpPr>
+          <p:cNvPr id="2" name="Номер слайда 1"/>
+          <p:cNvSpPr>
+            <a:spLocks noGrp="1"/>
+          </p:cNvSpPr>
+          <p:nvPr>
+            <p:ph type="sldNum" sz="quarter" idx="12"/>
+          </p:nvPr>
+        </p:nvSpPr>
+        <p:spPr/>
+        <p:txBody>
+          <a:bodyPr/>
+          <a:lstStyle/>
+          <a:p>
+            <a:fld id="{CF8E6F4D-2E97-47CB-8591-066566E4FE4D}" type="slidenum">
+              <a:rPr lang="ru-RU" smtClean="0"/>
+              <a:t>40</a:t>
+            </a:fld>
+            <a:endParaRPr lang="ru-RU"/>
+          </a:p>
+        </p:txBody>
+      </p:sp>
+    </p:spTree>
+    <p:extLst>
+      <p:ext uri="{BB962C8B-B14F-4D97-AF65-F5344CB8AC3E}">
+        <p14:creationId xmlns:p14="http://schemas.microsoft.com/office/powerpoint/2010/main" val="2371115371"/>
+      </p:ext>
+    </p:extLst>
+  </p:cSld>
+  <p:clrMapOvr>
+    <a:masterClrMapping/>
+  </p:clrMapOvr>
+</p:sld>
+</file>
+
+<file path=ppt/slides/slide41.xml><?xml version="1.0" encoding="utf-8"?>
+<p:sld xmlns:a="http://schemas.openxmlformats.org/drawingml/2006/main" xmlns:r="http://schemas.openxmlformats.org/officeDocument/2006/relationships" xmlns:p="http://schemas.openxmlformats.org/presentationml/2006/main">
+  <p:cSld>
+    <p:spTree>
+      <p:nvGrpSpPr>
+        <p:cNvPr id="1" name=""/>
+        <p:cNvGrpSpPr/>
+        <p:nvPr/>
+      </p:nvGrpSpPr>
+      <p:grpSpPr>
+        <a:xfrm>
+          <a:off x="0" y="0"/>
+          <a:ext cx="0" cy="0"/>
+          <a:chOff x="0" y="0"/>
+          <a:chExt cx="0" cy="0"/>
+        </a:xfrm>
+      </p:grpSpPr>
+      <p:sp>
+        <p:nvSpPr>
+          <p:cNvPr id="5" name="Заголовок 4"/>
+          <p:cNvSpPr>
+            <a:spLocks noGrp="1"/>
+          </p:cNvSpPr>
+          <p:nvPr>
+            <p:ph type="title"/>
+          </p:nvPr>
+        </p:nvSpPr>
+        <p:spPr/>
+        <p:txBody>
+          <a:bodyPr/>
+          <a:lstStyle/>
+          <a:p>
+            <a:r>
+              <a:rPr lang="ru-RU" dirty="0"/>
+              <a:t>Спасибо за внимание</a:t>
+            </a:r>
+            <a:r>
+              <a:rPr lang="en-US" dirty="0"/>
+              <a:t>!</a:t>
+            </a:r>
+            <a:endParaRPr lang="ru-RU" dirty="0"/>
+          </a:p>
+        </p:txBody>
+      </p:sp>
+      <p:sp>
+        <p:nvSpPr>
+          <p:cNvPr id="6" name="Текст 5"/>
+          <p:cNvSpPr>
+            <a:spLocks noGrp="1"/>
+          </p:cNvSpPr>
+          <p:nvPr>
+            <p:ph type="body" idx="1"/>
+          </p:nvPr>
+        </p:nvSpPr>
+        <p:spPr/>
+        <p:txBody>
+          <a:bodyPr/>
+          <a:lstStyle/>
+          <a:p>
+            <a:endParaRPr lang="ru-RU" dirty="0"/>
+          </a:p>
+        </p:txBody>
+      </p:sp>
+      <p:sp>
+        <p:nvSpPr>
+          <p:cNvPr id="4" name="Номер слайда 3"/>
+          <p:cNvSpPr>
+            <a:spLocks noGrp="1"/>
+          </p:cNvSpPr>
+          <p:nvPr>
+            <p:ph type="sldNum" sz="quarter" idx="12"/>
+          </p:nvPr>
+        </p:nvSpPr>
+        <p:spPr/>
+        <p:txBody>
+          <a:bodyPr/>
+          <a:lstStyle/>
+          <a:p>
+            <a:fld id="{101F0F8D-F427-43AD-B726-FB6E0A046F58}" type="slidenum">
+              <a:rPr lang="ru-RU" smtClean="0"/>
+              <a:t>41</a:t>
+            </a:fld>
+            <a:endParaRPr lang="ru-RU" dirty="0"/>
+          </a:p>
+        </p:txBody>
+      </p:sp>
+    </p:spTree>
+    <p:extLst>
+      <p:ext uri="{BB962C8B-B14F-4D97-AF65-F5344CB8AC3E}">
+        <p14:creationId xmlns:p14="http://schemas.microsoft.com/office/powerpoint/2010/main" val="448580659"/>
+      </p:ext>
+    </p:extLst>
+  </p:cSld>
+  <p:clrMapOvr>
+    <a:masterClrMapping/>
+  </p:clrMapOvr>
 </p:sld>
 </file>
 

--- a/lectures/18.solid/Принципы SOLID.pptx
+++ b/lectures/18.solid/Принципы SOLID.pptx
@@ -255,7 +255,7 @@
           <a:p>
             <a:fld id="{1F452FF6-3607-4C4E-A116-BCC07DF7B9AE}" type="datetimeFigureOut">
               <a:rPr lang="ru-RU" smtClean="0"/>
-              <a:t>15.12.2023</a:t>
+              <a:t>21.12.2023</a:t>
             </a:fld>
             <a:endParaRPr lang="ru-RU"/>
           </a:p>
@@ -5290,7 +5290,7 @@
           <a:p>
             <a:fld id="{955B8494-3BC4-476A-8180-C7D531D1BDE9}" type="datetime1">
               <a:rPr lang="ru-RU" smtClean="0"/>
-              <a:t>15.12.2023</a:t>
+              <a:t>21.12.2023</a:t>
             </a:fld>
             <a:endParaRPr lang="ru-RU"/>
           </a:p>
@@ -5458,7 +5458,7 @@
           <a:p>
             <a:fld id="{896BD083-5DC9-4DDD-99DA-87E972459BE3}" type="datetime1">
               <a:rPr lang="ru-RU" smtClean="0"/>
-              <a:t>15.12.2023</a:t>
+              <a:t>21.12.2023</a:t>
             </a:fld>
             <a:endParaRPr lang="ru-RU"/>
           </a:p>
@@ -5636,7 +5636,7 @@
           <a:p>
             <a:fld id="{B6EA1591-1064-4C12-A3F3-9E222C1602E4}" type="datetime1">
               <a:rPr lang="ru-RU" smtClean="0"/>
-              <a:t>15.12.2023</a:t>
+              <a:t>21.12.2023</a:t>
             </a:fld>
             <a:endParaRPr lang="ru-RU"/>
           </a:p>
@@ -5804,7 +5804,7 @@
           <a:p>
             <a:fld id="{3EADD36C-E1EE-433A-85C1-8AB557831B59}" type="datetime1">
               <a:rPr lang="ru-RU" smtClean="0"/>
-              <a:t>15.12.2023</a:t>
+              <a:t>21.12.2023</a:t>
             </a:fld>
             <a:endParaRPr lang="ru-RU"/>
           </a:p>
@@ -6049,7 +6049,7 @@
           <a:p>
             <a:fld id="{F1E52A6F-751B-4577-A656-6A26D16D5D73}" type="datetime1">
               <a:rPr lang="ru-RU" smtClean="0"/>
-              <a:t>15.12.2023</a:t>
+              <a:t>21.12.2023</a:t>
             </a:fld>
             <a:endParaRPr lang="ru-RU"/>
           </a:p>
@@ -6278,7 +6278,7 @@
           <a:p>
             <a:fld id="{89C84D38-0A16-4A00-84F3-995FB60A1A24}" type="datetime1">
               <a:rPr lang="ru-RU" smtClean="0"/>
-              <a:t>15.12.2023</a:t>
+              <a:t>21.12.2023</a:t>
             </a:fld>
             <a:endParaRPr lang="ru-RU"/>
           </a:p>
@@ -6642,7 +6642,7 @@
           <a:p>
             <a:fld id="{B111A698-E52A-4D93-9D0B-B26B973770CA}" type="datetime1">
               <a:rPr lang="ru-RU" smtClean="0"/>
-              <a:t>15.12.2023</a:t>
+              <a:t>21.12.2023</a:t>
             </a:fld>
             <a:endParaRPr lang="ru-RU"/>
           </a:p>
@@ -6764,7 +6764,7 @@
           <a:p>
             <a:fld id="{C0BCB9B2-13AF-492A-A8D5-A78E42E45C90}" type="datetime1">
               <a:rPr lang="ru-RU" smtClean="0"/>
-              <a:t>15.12.2023</a:t>
+              <a:t>21.12.2023</a:t>
             </a:fld>
             <a:endParaRPr lang="ru-RU"/>
           </a:p>
@@ -6859,7 +6859,7 @@
           <a:p>
             <a:fld id="{368E88DF-F7A1-4621-9321-DD92F290BCA2}" type="datetime1">
               <a:rPr lang="ru-RU" smtClean="0"/>
-              <a:t>15.12.2023</a:t>
+              <a:t>21.12.2023</a:t>
             </a:fld>
             <a:endParaRPr lang="ru-RU"/>
           </a:p>
@@ -7134,7 +7134,7 @@
           <a:p>
             <a:fld id="{B178670F-7223-45BA-8607-F009D6E07C98}" type="datetime1">
               <a:rPr lang="ru-RU" smtClean="0"/>
-              <a:t>15.12.2023</a:t>
+              <a:t>21.12.2023</a:t>
             </a:fld>
             <a:endParaRPr lang="ru-RU"/>
           </a:p>
@@ -7386,7 +7386,7 @@
           <a:p>
             <a:fld id="{0E94A463-41EE-4B69-9D4D-FCEF376903A8}" type="datetime1">
               <a:rPr lang="ru-RU" smtClean="0"/>
-              <a:t>15.12.2023</a:t>
+              <a:t>21.12.2023</a:t>
             </a:fld>
             <a:endParaRPr lang="ru-RU"/>
           </a:p>
@@ -7597,7 +7597,7 @@
           <a:p>
             <a:fld id="{A898E17F-A256-4882-B4AC-587C535C0026}" type="datetime1">
               <a:rPr lang="ru-RU" smtClean="0"/>
-              <a:t>15.12.2023</a:t>
+              <a:t>21.12.2023</a:t>
             </a:fld>
             <a:endParaRPr lang="ru-RU"/>
           </a:p>
@@ -8003,6 +8003,42 @@
           <a:chExt cx="0" cy="0"/>
         </a:xfrm>
       </p:grpSpPr>
+      <p:pic>
+        <p:nvPicPr>
+          <p:cNvPr id="6" name="Рисунок 5">
+            <a:extLst>
+              <a:ext uri="{FF2B5EF4-FFF2-40B4-BE49-F238E27FC236}">
+                <a16:creationId xmlns:a16="http://schemas.microsoft.com/office/drawing/2014/main" id="{EF097826-B08B-41CA-A8DA-B04C1FEF765B}"/>
+              </a:ext>
+            </a:extLst>
+          </p:cNvPr>
+          <p:cNvPicPr>
+            <a:picLocks noChangeAspect="1"/>
+          </p:cNvPicPr>
+          <p:nvPr/>
+        </p:nvPicPr>
+        <p:blipFill>
+          <a:blip r:embed="rId3">
+            <a:extLst>
+              <a:ext uri="{28A0092B-C50C-407E-A947-70E740481C1C}">
+                <a14:useLocalDpi xmlns:a14="http://schemas.microsoft.com/office/drawing/2010/main" val="0"/>
+              </a:ext>
+            </a:extLst>
+          </a:blip>
+          <a:stretch>
+            <a:fillRect/>
+          </a:stretch>
+        </p:blipFill>
+        <p:spPr>
+          <a:xfrm>
+            <a:off x="0" y="0"/>
+            <a:ext cx="12192000" cy="6966857"/>
+          </a:xfrm>
+          <a:prstGeom prst="rect">
+            <a:avLst/>
+          </a:prstGeom>
+        </p:spPr>
+      </p:pic>
       <p:sp>
         <p:nvSpPr>
           <p:cNvPr id="2" name="Заголовок 1"/>
@@ -8013,39 +8049,38 @@
             <p:ph type="ctrTitle"/>
           </p:nvPr>
         </p:nvSpPr>
-        <p:spPr/>
-        <p:txBody>
-          <a:bodyPr/>
-          <a:lstStyle/>
-          <a:p>
-            <a:r>
-              <a:rPr lang="ru-RU" dirty="0"/>
+        <p:spPr>
+          <a:xfrm>
+            <a:off x="402566" y="136525"/>
+            <a:ext cx="9144000" cy="1088426"/>
+          </a:xfrm>
+        </p:spPr>
+        <p:txBody>
+          <a:bodyPr/>
+          <a:lstStyle/>
+          <a:p>
+            <a:pPr algn="l"/>
+            <a:r>
+              <a:rPr lang="ru-RU" b="1" dirty="0">
+                <a:solidFill>
+                  <a:schemeClr val="bg1"/>
+                </a:solidFill>
+              </a:rPr>
               <a:t>Принципы </a:t>
             </a:r>
             <a:r>
-              <a:rPr lang="en-US" dirty="0"/>
+              <a:rPr lang="en-US" b="1" dirty="0">
+                <a:solidFill>
+                  <a:schemeClr val="bg1"/>
+                </a:solidFill>
+              </a:rPr>
               <a:t>S.O.L.I.D.</a:t>
             </a:r>
-            <a:endParaRPr lang="ru-RU" dirty="0"/>
-          </a:p>
-        </p:txBody>
-      </p:sp>
-      <p:sp>
-        <p:nvSpPr>
-          <p:cNvPr id="3" name="Подзаголовок 2"/>
-          <p:cNvSpPr>
-            <a:spLocks noGrp="1"/>
-          </p:cNvSpPr>
-          <p:nvPr>
-            <p:ph type="subTitle" idx="1"/>
-          </p:nvPr>
-        </p:nvSpPr>
-        <p:spPr/>
-        <p:txBody>
-          <a:bodyPr/>
-          <a:lstStyle/>
-          <a:p>
-            <a:endParaRPr lang="ru-RU" dirty="0"/>
+            <a:endParaRPr lang="ru-RU" b="1" dirty="0">
+              <a:solidFill>
+                <a:schemeClr val="bg1"/>
+              </a:solidFill>
+            </a:endParaRPr>
           </a:p>
         </p:txBody>
       </p:sp>

--- a/lectures/18.solid/Принципы SOLID.pptx
+++ b/lectures/18.solid/Принципы SOLID.pptx
@@ -8051,17 +8051,19 @@
         </p:nvSpPr>
         <p:spPr>
           <a:xfrm>
-            <a:off x="402566" y="136525"/>
-            <a:ext cx="9144000" cy="1088426"/>
+            <a:off x="178279" y="4934309"/>
+            <a:ext cx="10190672" cy="1785668"/>
           </a:xfrm>
         </p:spPr>
         <p:txBody>
-          <a:bodyPr/>
+          <a:bodyPr>
+            <a:normAutofit/>
+          </a:bodyPr>
           <a:lstStyle/>
           <a:p>
             <a:pPr algn="l"/>
             <a:r>
-              <a:rPr lang="ru-RU" b="1" dirty="0">
+              <a:rPr lang="ru-RU" sz="8000" b="1" dirty="0">
                 <a:solidFill>
                   <a:schemeClr val="bg1"/>
                 </a:solidFill>
@@ -8069,14 +8071,14 @@
               <a:t>Принципы </a:t>
             </a:r>
             <a:r>
-              <a:rPr lang="en-US" b="1" dirty="0">
+              <a:rPr lang="en-US" sz="8000" b="1" dirty="0">
                 <a:solidFill>
                   <a:schemeClr val="bg1"/>
                 </a:solidFill>
               </a:rPr>
               <a:t>S.O.L.I.D.</a:t>
             </a:r>
-            <a:endParaRPr lang="ru-RU" b="1" dirty="0">
+            <a:endParaRPr lang="ru-RU" sz="8000" b="1" dirty="0">
               <a:solidFill>
                 <a:schemeClr val="bg1"/>
               </a:solidFill>

--- a/lectures/18.solid/Принципы SOLID.pptx
+++ b/lectures/18.solid/Принципы SOLID.pptx
@@ -314,7 +314,7 @@
           <a:p>
             <a:fld id="{1F452FF6-3607-4C4E-A116-BCC07DF7B9AE}" type="datetimeFigureOut">
               <a:rPr lang="ru-RU" smtClean="0"/>
-              <a:t>20.12.2024</a:t>
+              <a:t>21.02.2025</a:t>
             </a:fld>
             <a:endParaRPr lang="ru-RU"/>
           </a:p>
@@ -5158,7 +5158,7 @@
           <a:p>
             <a:fld id="{955B8494-3BC4-476A-8180-C7D531D1BDE9}" type="datetime1">
               <a:rPr lang="ru-RU" smtClean="0"/>
-              <a:t>20.12.2024</a:t>
+              <a:t>21.02.2025</a:t>
             </a:fld>
             <a:endParaRPr lang="ru-RU"/>
           </a:p>
@@ -5326,7 +5326,7 @@
           <a:p>
             <a:fld id="{896BD083-5DC9-4DDD-99DA-87E972459BE3}" type="datetime1">
               <a:rPr lang="ru-RU" smtClean="0"/>
-              <a:t>20.12.2024</a:t>
+              <a:t>21.02.2025</a:t>
             </a:fld>
             <a:endParaRPr lang="ru-RU"/>
           </a:p>
@@ -5504,7 +5504,7 @@
           <a:p>
             <a:fld id="{B6EA1591-1064-4C12-A3F3-9E222C1602E4}" type="datetime1">
               <a:rPr lang="ru-RU" smtClean="0"/>
-              <a:t>20.12.2024</a:t>
+              <a:t>21.02.2025</a:t>
             </a:fld>
             <a:endParaRPr lang="ru-RU"/>
           </a:p>
@@ -5672,7 +5672,7 @@
           <a:p>
             <a:fld id="{3EADD36C-E1EE-433A-85C1-8AB557831B59}" type="datetime1">
               <a:rPr lang="ru-RU" smtClean="0"/>
-              <a:t>20.12.2024</a:t>
+              <a:t>21.02.2025</a:t>
             </a:fld>
             <a:endParaRPr lang="ru-RU"/>
           </a:p>
@@ -5917,7 +5917,7 @@
           <a:p>
             <a:fld id="{F1E52A6F-751B-4577-A656-6A26D16D5D73}" type="datetime1">
               <a:rPr lang="ru-RU" smtClean="0"/>
-              <a:t>20.12.2024</a:t>
+              <a:t>21.02.2025</a:t>
             </a:fld>
             <a:endParaRPr lang="ru-RU"/>
           </a:p>
@@ -6146,7 +6146,7 @@
           <a:p>
             <a:fld id="{89C84D38-0A16-4A00-84F3-995FB60A1A24}" type="datetime1">
               <a:rPr lang="ru-RU" smtClean="0"/>
-              <a:t>20.12.2024</a:t>
+              <a:t>21.02.2025</a:t>
             </a:fld>
             <a:endParaRPr lang="ru-RU"/>
           </a:p>
@@ -6510,7 +6510,7 @@
           <a:p>
             <a:fld id="{B111A698-E52A-4D93-9D0B-B26B973770CA}" type="datetime1">
               <a:rPr lang="ru-RU" smtClean="0"/>
-              <a:t>20.12.2024</a:t>
+              <a:t>21.02.2025</a:t>
             </a:fld>
             <a:endParaRPr lang="ru-RU"/>
           </a:p>
@@ -6632,7 +6632,7 @@
           <a:p>
             <a:fld id="{C0BCB9B2-13AF-492A-A8D5-A78E42E45C90}" type="datetime1">
               <a:rPr lang="ru-RU" smtClean="0"/>
-              <a:t>20.12.2024</a:t>
+              <a:t>21.02.2025</a:t>
             </a:fld>
             <a:endParaRPr lang="ru-RU"/>
           </a:p>
@@ -6727,7 +6727,7 @@
           <a:p>
             <a:fld id="{368E88DF-F7A1-4621-9321-DD92F290BCA2}" type="datetime1">
               <a:rPr lang="ru-RU" smtClean="0"/>
-              <a:t>20.12.2024</a:t>
+              <a:t>21.02.2025</a:t>
             </a:fld>
             <a:endParaRPr lang="ru-RU"/>
           </a:p>
@@ -7002,7 +7002,7 @@
           <a:p>
             <a:fld id="{B178670F-7223-45BA-8607-F009D6E07C98}" type="datetime1">
               <a:rPr lang="ru-RU" smtClean="0"/>
-              <a:t>20.12.2024</a:t>
+              <a:t>21.02.2025</a:t>
             </a:fld>
             <a:endParaRPr lang="ru-RU"/>
           </a:p>
@@ -7254,7 +7254,7 @@
           <a:p>
             <a:fld id="{0E94A463-41EE-4B69-9D4D-FCEF376903A8}" type="datetime1">
               <a:rPr lang="ru-RU" smtClean="0"/>
-              <a:t>20.12.2024</a:t>
+              <a:t>21.02.2025</a:t>
             </a:fld>
             <a:endParaRPr lang="ru-RU"/>
           </a:p>
@@ -7465,7 +7465,7 @@
           <a:p>
             <a:fld id="{A898E17F-A256-4882-B4AC-587C535C0026}" type="datetime1">
               <a:rPr lang="ru-RU" smtClean="0"/>
-              <a:t>20.12.2024</a:t>
+              <a:t>21.02.2025</a:t>
             </a:fld>
             <a:endParaRPr lang="ru-RU"/>
           </a:p>
@@ -7924,7 +7924,7 @@
           <a:lstStyle/>
           <a:p>
             <a:r>
-              <a:rPr lang="ru-RU" sz="13800" dirty="0">
+              <a:rPr lang="ru-RU" sz="11500" dirty="0">
                 <a:solidFill>
                   <a:schemeClr val="bg1"/>
                 </a:solidFill>
@@ -7940,7 +7940,7 @@
               <a:t>Принципы </a:t>
             </a:r>
             <a:r>
-              <a:rPr lang="en-US" sz="13800" dirty="0">
+              <a:rPr lang="en-US" sz="11500" dirty="0">
                 <a:solidFill>
                   <a:schemeClr val="bg1"/>
                 </a:solidFill>
@@ -7953,9 +7953,9 @@
                 </a:effectLst>
                 <a:latin typeface="Impact" panose="020B0806030902050204" pitchFamily="34" charset="0"/>
               </a:rPr>
-              <a:t>S.O.L.I.D.</a:t>
-            </a:r>
-            <a:endParaRPr lang="ru-RU" sz="19900" dirty="0">
+              <a:t>SOLID</a:t>
+            </a:r>
+            <a:endParaRPr lang="ru-RU" sz="16600" dirty="0">
               <a:solidFill>
                 <a:schemeClr val="bg1"/>
               </a:solidFill>
